--- a/Web/presentation.pptx
+++ b/Web/presentation.pptx
@@ -2,19 +2,20 @@
 <file path=ppt/presentation.xml><?xml version="1.0" encoding="utf-8"?>
 <p:presentation xmlns:a="http://schemas.openxmlformats.org/drawingml/2006/main" xmlns:r="http://schemas.openxmlformats.org/officeDocument/2006/relationships" xmlns:p="http://schemas.openxmlformats.org/presentationml/2006/main" autoCompressPictures="0">
   <p:sldMasterIdLst>
-    <p:sldMasterId id="2147483648" r:id="rId1"/>
+    <p:sldMasterId id="2147483667" r:id="rId1"/>
   </p:sldMasterIdLst>
   <p:sldIdLst>
     <p:sldId id="256" r:id="rId2"/>
-    <p:sldId id="257" r:id="rId3"/>
-    <p:sldId id="258" r:id="rId4"/>
-    <p:sldId id="259" r:id="rId5"/>
-    <p:sldId id="260" r:id="rId6"/>
-    <p:sldId id="261" r:id="rId7"/>
-    <p:sldId id="262" r:id="rId8"/>
-    <p:sldId id="263" r:id="rId9"/>
-    <p:sldId id="264" r:id="rId10"/>
-    <p:sldId id="265" r:id="rId11"/>
+    <p:sldId id="266" r:id="rId3"/>
+    <p:sldId id="257" r:id="rId4"/>
+    <p:sldId id="258" r:id="rId5"/>
+    <p:sldId id="259" r:id="rId6"/>
+    <p:sldId id="260" r:id="rId7"/>
+    <p:sldId id="261" r:id="rId8"/>
+    <p:sldId id="262" r:id="rId9"/>
+    <p:sldId id="263" r:id="rId10"/>
+    <p:sldId id="264" r:id="rId11"/>
+    <p:sldId id="265" r:id="rId12"/>
   </p:sldIdLst>
   <p:sldSz cx="12192000" cy="6858000"/>
   <p:notesSz cx="6858000" cy="9144000"/>
@@ -113,11 +114,16 @@
       </a:defRPr>
     </a:lvl9pPr>
   </p:defaultTextStyle>
+  <p:extLst>
+    <p:ext uri="{EFAFB233-063F-42B5-8137-9DF3F51BA10A}">
+      <p15:sldGuideLst xmlns:p15="http://schemas.microsoft.com/office/powerpoint/2012/main"/>
+    </p:ext>
+  </p:extLst>
 </p:presentation>
 </file>
 
 <file path=ppt/diagrams/colors1.xml><?xml version="1.0" encoding="utf-8"?>
-<dgm:colorsDef xmlns:dgm="http://schemas.openxmlformats.org/drawingml/2006/diagram" xmlns:a="http://schemas.openxmlformats.org/drawingml/2006/main" uniqueId="urn:microsoft.com/office/officeart/2018/5/colors/Iconchunking_neutralicon_colorful1">
+<dgm:colorsDef xmlns:dgm="http://schemas.openxmlformats.org/drawingml/2006/diagram" xmlns:a="http://schemas.openxmlformats.org/drawingml/2006/main" uniqueId="urn:microsoft.com/office/officeart/2005/8/colors/colorful1">
   <dgm:title val=""/>
   <dgm:desc val=""/>
   <dgm:catLst>
@@ -137,18 +143,18 @@
   </dgm:styleLbl>
   <dgm:styleLbl name="node1">
     <dgm:fillClrLst meth="repeat">
-      <a:schemeClr val="bg1"/>
+      <a:schemeClr val="accent2"/>
+      <a:schemeClr val="accent3"/>
+      <a:schemeClr val="accent4"/>
+      <a:schemeClr val="accent5"/>
+      <a:schemeClr val="accent6"/>
     </dgm:fillClrLst>
     <dgm:linClrLst meth="repeat">
-      <a:schemeClr val="lt1">
-        <a:alpha val="0"/>
-      </a:schemeClr>
+      <a:schemeClr val="lt1"/>
     </dgm:linClrLst>
     <dgm:effectClrLst/>
     <dgm:txLinClrLst/>
-    <dgm:txFillClrLst meth="repeat">
-      <a:schemeClr val="dk1"/>
-    </dgm:txFillClrLst>
+    <dgm:txFillClrLst/>
     <dgm:txEffectClrLst/>
   </dgm:styleLbl>
   <dgm:styleLbl name="alignNode1">
@@ -951,20 +957,18 @@
   </dgm:styleLbl>
   <dgm:styleLbl name="bgShp">
     <dgm:fillClrLst meth="repeat">
-      <a:schemeClr val="accent2"/>
-      <a:schemeClr val="accent3"/>
-      <a:schemeClr val="accent4"/>
-      <a:schemeClr val="accent5"/>
-      <a:schemeClr val="accent6"/>
+      <a:schemeClr val="accent2">
+        <a:tint val="40000"/>
+      </a:schemeClr>
     </dgm:fillClrLst>
     <dgm:linClrLst meth="repeat">
-      <a:schemeClr val="lt1">
-        <a:alpha val="0"/>
-      </a:schemeClr>
+      <a:schemeClr val="dk1"/>
     </dgm:linClrLst>
     <dgm:effectClrLst/>
     <dgm:txLinClrLst/>
-    <dgm:txFillClrLst/>
+    <dgm:txFillClrLst meth="repeat">
+      <a:schemeClr val="dk1"/>
+    </dgm:txFillClrLst>
     <dgm:txEffectClrLst/>
   </dgm:styleLbl>
   <dgm:styleLbl name="dkBgShp">
@@ -1959,7 +1963,7 @@
 </file>
 
 <file path=ppt/diagrams/colors3.xml><?xml version="1.0" encoding="utf-8"?>
-<dgm:colorsDef xmlns:dgm="http://schemas.openxmlformats.org/drawingml/2006/diagram" xmlns:a="http://schemas.openxmlformats.org/drawingml/2006/main" uniqueId="urn:microsoft.com/office/officeart/2018/5/colors/Iconchunking_neutralicontext_colorful1">
+<dgm:colorsDef xmlns:dgm="http://schemas.openxmlformats.org/drawingml/2006/diagram" xmlns:a="http://schemas.openxmlformats.org/drawingml/2006/main" uniqueId="urn:microsoft.com/office/officeart/2018/5/colors/Iconchunking_neutralicon_colorful1">
   <dgm:title val=""/>
   <dgm:desc val=""/>
   <dgm:catLst>
@@ -2872,7 +2876,7 @@
     <dgm:effectClrLst/>
     <dgm:txLinClrLst/>
     <dgm:txFillClrLst meth="repeat">
-      <a:schemeClr val="bg1"/>
+      <a:schemeClr val="tx1"/>
     </dgm:txFillClrLst>
     <dgm:txEffectClrLst/>
   </dgm:styleLbl>
@@ -3800,7 +3804,1534 @@
 </dgm:colorsDef>
 </file>
 
+<file path=ppt/diagrams/colors5.xml><?xml version="1.0" encoding="utf-8"?>
+<dgm:colorsDef xmlns:dgm="http://schemas.openxmlformats.org/drawingml/2006/diagram" xmlns:a="http://schemas.openxmlformats.org/drawingml/2006/main" uniqueId="urn:microsoft.com/office/officeart/2018/5/colors/Iconchunking_neutralbg_colorful1">
+  <dgm:title val=""/>
+  <dgm:desc val=""/>
+  <dgm:catLst>
+    <dgm:cat type="colorful" pri="10100"/>
+  </dgm:catLst>
+  <dgm:styleLbl name="node0">
+    <dgm:fillClrLst meth="repeat">
+      <a:schemeClr val="accent1"/>
+    </dgm:fillClrLst>
+    <dgm:linClrLst meth="repeat">
+      <a:schemeClr val="lt1"/>
+    </dgm:linClrLst>
+    <dgm:effectClrLst/>
+    <dgm:txLinClrLst/>
+    <dgm:txFillClrLst/>
+    <dgm:txEffectClrLst/>
+  </dgm:styleLbl>
+  <dgm:styleLbl name="node1">
+    <dgm:fillClrLst meth="repeat">
+      <a:schemeClr val="accent2"/>
+      <a:schemeClr val="accent3"/>
+      <a:schemeClr val="accent4"/>
+      <a:schemeClr val="accent5"/>
+      <a:schemeClr val="accent6"/>
+    </dgm:fillClrLst>
+    <dgm:linClrLst meth="repeat">
+      <a:schemeClr val="lt1">
+        <a:alpha val="0"/>
+      </a:schemeClr>
+    </dgm:linClrLst>
+    <dgm:effectClrLst/>
+    <dgm:txLinClrLst/>
+    <dgm:txFillClrLst/>
+    <dgm:txEffectClrLst/>
+  </dgm:styleLbl>
+  <dgm:styleLbl name="alignNode1">
+    <dgm:fillClrLst meth="repeat">
+      <a:schemeClr val="accent2"/>
+      <a:schemeClr val="accent3"/>
+      <a:schemeClr val="accent4"/>
+      <a:schemeClr val="accent5"/>
+      <a:schemeClr val="accent6"/>
+    </dgm:fillClrLst>
+    <dgm:linClrLst meth="repeat">
+      <a:schemeClr val="accent2"/>
+      <a:schemeClr val="accent3"/>
+      <a:schemeClr val="accent4"/>
+      <a:schemeClr val="accent5"/>
+      <a:schemeClr val="accent6"/>
+    </dgm:linClrLst>
+    <dgm:effectClrLst/>
+    <dgm:txLinClrLst/>
+    <dgm:txFillClrLst/>
+    <dgm:txEffectClrLst/>
+  </dgm:styleLbl>
+  <dgm:styleLbl name="lnNode1">
+    <dgm:fillClrLst meth="repeat">
+      <a:schemeClr val="accent2"/>
+      <a:schemeClr val="accent3"/>
+      <a:schemeClr val="accent4"/>
+      <a:schemeClr val="accent5"/>
+      <a:schemeClr val="accent6"/>
+    </dgm:fillClrLst>
+    <dgm:linClrLst meth="repeat">
+      <a:schemeClr val="lt1"/>
+    </dgm:linClrLst>
+    <dgm:effectClrLst/>
+    <dgm:txLinClrLst/>
+    <dgm:txFillClrLst/>
+    <dgm:txEffectClrLst/>
+  </dgm:styleLbl>
+  <dgm:styleLbl name="vennNode1">
+    <dgm:fillClrLst meth="repeat">
+      <a:schemeClr val="accent2">
+        <a:alpha val="50000"/>
+      </a:schemeClr>
+      <a:schemeClr val="accent3">
+        <a:alpha val="50000"/>
+      </a:schemeClr>
+      <a:schemeClr val="accent4">
+        <a:alpha val="50000"/>
+      </a:schemeClr>
+      <a:schemeClr val="accent5">
+        <a:alpha val="50000"/>
+      </a:schemeClr>
+      <a:schemeClr val="accent6">
+        <a:alpha val="50000"/>
+      </a:schemeClr>
+    </dgm:fillClrLst>
+    <dgm:linClrLst meth="repeat">
+      <a:schemeClr val="lt1"/>
+    </dgm:linClrLst>
+    <dgm:effectClrLst/>
+    <dgm:txLinClrLst/>
+    <dgm:txFillClrLst/>
+    <dgm:txEffectClrLst/>
+  </dgm:styleLbl>
+  <dgm:styleLbl name="node2">
+    <dgm:fillClrLst>
+      <a:schemeClr val="accent2"/>
+    </dgm:fillClrLst>
+    <dgm:linClrLst meth="repeat">
+      <a:schemeClr val="lt1"/>
+    </dgm:linClrLst>
+    <dgm:effectClrLst/>
+    <dgm:txLinClrLst/>
+    <dgm:txFillClrLst/>
+    <dgm:txEffectClrLst/>
+  </dgm:styleLbl>
+  <dgm:styleLbl name="node3">
+    <dgm:fillClrLst>
+      <a:schemeClr val="accent3"/>
+    </dgm:fillClrLst>
+    <dgm:linClrLst meth="repeat">
+      <a:schemeClr val="lt1"/>
+    </dgm:linClrLst>
+    <dgm:effectClrLst/>
+    <dgm:txLinClrLst/>
+    <dgm:txFillClrLst/>
+    <dgm:txEffectClrLst/>
+  </dgm:styleLbl>
+  <dgm:styleLbl name="node4">
+    <dgm:fillClrLst>
+      <a:schemeClr val="accent4"/>
+    </dgm:fillClrLst>
+    <dgm:linClrLst meth="repeat">
+      <a:schemeClr val="lt1"/>
+    </dgm:linClrLst>
+    <dgm:effectClrLst/>
+    <dgm:txLinClrLst/>
+    <dgm:txFillClrLst/>
+    <dgm:txEffectClrLst/>
+  </dgm:styleLbl>
+  <dgm:styleLbl name="fgImgPlace1">
+    <dgm:fillClrLst meth="repeat">
+      <a:schemeClr val="accent2">
+        <a:tint val="50000"/>
+      </a:schemeClr>
+      <a:schemeClr val="accent3">
+        <a:tint val="50000"/>
+      </a:schemeClr>
+      <a:schemeClr val="accent4">
+        <a:tint val="50000"/>
+      </a:schemeClr>
+      <a:schemeClr val="accent5">
+        <a:tint val="50000"/>
+      </a:schemeClr>
+      <a:schemeClr val="accent6">
+        <a:tint val="50000"/>
+      </a:schemeClr>
+    </dgm:fillClrLst>
+    <dgm:linClrLst meth="repeat">
+      <a:schemeClr val="lt1"/>
+    </dgm:linClrLst>
+    <dgm:effectClrLst/>
+    <dgm:txLinClrLst/>
+    <dgm:txFillClrLst meth="repeat">
+      <a:schemeClr val="lt1"/>
+    </dgm:txFillClrLst>
+    <dgm:txEffectClrLst/>
+  </dgm:styleLbl>
+  <dgm:styleLbl name="alignImgPlace1">
+    <dgm:fillClrLst>
+      <a:schemeClr val="accent1">
+        <a:tint val="50000"/>
+      </a:schemeClr>
+      <a:schemeClr val="accent2">
+        <a:tint val="20000"/>
+      </a:schemeClr>
+    </dgm:fillClrLst>
+    <dgm:linClrLst meth="repeat">
+      <a:schemeClr val="lt1"/>
+    </dgm:linClrLst>
+    <dgm:effectClrLst/>
+    <dgm:txLinClrLst/>
+    <dgm:txFillClrLst meth="repeat">
+      <a:schemeClr val="lt1"/>
+    </dgm:txFillClrLst>
+    <dgm:txEffectClrLst/>
+  </dgm:styleLbl>
+  <dgm:styleLbl name="bgImgPlace1">
+    <dgm:fillClrLst>
+      <a:schemeClr val="accent1">
+        <a:tint val="50000"/>
+      </a:schemeClr>
+      <a:schemeClr val="accent2">
+        <a:tint val="20000"/>
+      </a:schemeClr>
+    </dgm:fillClrLst>
+    <dgm:linClrLst meth="repeat">
+      <a:schemeClr val="lt1"/>
+    </dgm:linClrLst>
+    <dgm:effectClrLst/>
+    <dgm:txLinClrLst/>
+    <dgm:txFillClrLst meth="repeat">
+      <a:schemeClr val="lt1"/>
+    </dgm:txFillClrLst>
+    <dgm:txEffectClrLst/>
+  </dgm:styleLbl>
+  <dgm:styleLbl name="sibTrans2D1">
+    <dgm:fillClrLst meth="repeat">
+      <a:schemeClr val="accent2"/>
+      <a:schemeClr val="accent3"/>
+      <a:schemeClr val="accent4"/>
+      <a:schemeClr val="accent5"/>
+      <a:schemeClr val="accent6"/>
+    </dgm:fillClrLst>
+    <dgm:linClrLst meth="cycle">
+      <a:schemeClr val="lt1"/>
+    </dgm:linClrLst>
+    <dgm:effectClrLst/>
+    <dgm:txLinClrLst/>
+    <dgm:txFillClrLst/>
+    <dgm:txEffectClrLst/>
+  </dgm:styleLbl>
+  <dgm:styleLbl name="fgSibTrans2D1">
+    <dgm:fillClrLst meth="repeat">
+      <a:schemeClr val="accent2"/>
+      <a:schemeClr val="accent3"/>
+      <a:schemeClr val="accent4"/>
+      <a:schemeClr val="accent5"/>
+      <a:schemeClr val="accent6"/>
+    </dgm:fillClrLst>
+    <dgm:linClrLst meth="cycle">
+      <a:schemeClr val="lt1"/>
+    </dgm:linClrLst>
+    <dgm:effectClrLst/>
+    <dgm:txLinClrLst/>
+    <dgm:txFillClrLst meth="repeat">
+      <a:schemeClr val="lt1"/>
+    </dgm:txFillClrLst>
+    <dgm:txEffectClrLst/>
+  </dgm:styleLbl>
+  <dgm:styleLbl name="bgSibTrans2D1">
+    <dgm:fillClrLst meth="repeat">
+      <a:schemeClr val="accent2"/>
+      <a:schemeClr val="accent3"/>
+      <a:schemeClr val="accent4"/>
+      <a:schemeClr val="accent5"/>
+      <a:schemeClr val="accent6"/>
+    </dgm:fillClrLst>
+    <dgm:linClrLst meth="cycle">
+      <a:schemeClr val="lt1"/>
+    </dgm:linClrLst>
+    <dgm:effectClrLst/>
+    <dgm:txLinClrLst/>
+    <dgm:txFillClrLst meth="repeat">
+      <a:schemeClr val="lt1"/>
+    </dgm:txFillClrLst>
+    <dgm:txEffectClrLst/>
+  </dgm:styleLbl>
+  <dgm:styleLbl name="sibTrans1D1">
+    <dgm:fillClrLst meth="repeat">
+      <a:schemeClr val="accent2"/>
+      <a:schemeClr val="accent3"/>
+      <a:schemeClr val="accent4"/>
+      <a:schemeClr val="accent5"/>
+      <a:schemeClr val="accent6"/>
+    </dgm:fillClrLst>
+    <dgm:linClrLst meth="repeat">
+      <a:schemeClr val="accent2"/>
+      <a:schemeClr val="accent3"/>
+      <a:schemeClr val="accent4"/>
+      <a:schemeClr val="accent5"/>
+      <a:schemeClr val="accent6"/>
+    </dgm:linClrLst>
+    <dgm:effectClrLst/>
+    <dgm:txLinClrLst/>
+    <dgm:txFillClrLst meth="repeat">
+      <a:schemeClr val="tx1"/>
+    </dgm:txFillClrLst>
+    <dgm:txEffectClrLst/>
+  </dgm:styleLbl>
+  <dgm:styleLbl name="callout">
+    <dgm:fillClrLst meth="repeat">
+      <a:schemeClr val="accent2"/>
+    </dgm:fillClrLst>
+    <dgm:linClrLst meth="repeat">
+      <a:schemeClr val="accent2">
+        <a:tint val="50000"/>
+      </a:schemeClr>
+    </dgm:linClrLst>
+    <dgm:effectClrLst/>
+    <dgm:txLinClrLst/>
+    <dgm:txFillClrLst meth="repeat">
+      <a:schemeClr val="tx1"/>
+    </dgm:txFillClrLst>
+    <dgm:txEffectClrLst/>
+  </dgm:styleLbl>
+  <dgm:styleLbl name="asst0">
+    <dgm:fillClrLst meth="repeat">
+      <a:schemeClr val="accent1"/>
+    </dgm:fillClrLst>
+    <dgm:linClrLst meth="repeat">
+      <a:schemeClr val="lt1"/>
+    </dgm:linClrLst>
+    <dgm:effectClrLst/>
+    <dgm:txLinClrLst/>
+    <dgm:txFillClrLst/>
+    <dgm:txEffectClrLst/>
+  </dgm:styleLbl>
+  <dgm:styleLbl name="asst1">
+    <dgm:fillClrLst meth="repeat">
+      <a:schemeClr val="accent2"/>
+    </dgm:fillClrLst>
+    <dgm:linClrLst meth="repeat">
+      <a:schemeClr val="lt1"/>
+    </dgm:linClrLst>
+    <dgm:effectClrLst/>
+    <dgm:txLinClrLst/>
+    <dgm:txFillClrLst/>
+    <dgm:txEffectClrLst/>
+  </dgm:styleLbl>
+  <dgm:styleLbl name="asst2">
+    <dgm:fillClrLst>
+      <a:schemeClr val="accent3"/>
+    </dgm:fillClrLst>
+    <dgm:linClrLst meth="repeat">
+      <a:schemeClr val="lt1"/>
+    </dgm:linClrLst>
+    <dgm:effectClrLst/>
+    <dgm:txLinClrLst/>
+    <dgm:txFillClrLst/>
+    <dgm:txEffectClrLst/>
+  </dgm:styleLbl>
+  <dgm:styleLbl name="asst3">
+    <dgm:fillClrLst>
+      <a:schemeClr val="accent4"/>
+    </dgm:fillClrLst>
+    <dgm:linClrLst meth="repeat">
+      <a:schemeClr val="lt1"/>
+    </dgm:linClrLst>
+    <dgm:effectClrLst/>
+    <dgm:txLinClrLst/>
+    <dgm:txFillClrLst/>
+    <dgm:txEffectClrLst/>
+  </dgm:styleLbl>
+  <dgm:styleLbl name="asst4">
+    <dgm:fillClrLst>
+      <a:schemeClr val="accent5"/>
+    </dgm:fillClrLst>
+    <dgm:linClrLst meth="repeat">
+      <a:schemeClr val="lt1"/>
+    </dgm:linClrLst>
+    <dgm:effectClrLst/>
+    <dgm:txLinClrLst/>
+    <dgm:txFillClrLst/>
+    <dgm:txEffectClrLst/>
+  </dgm:styleLbl>
+  <dgm:styleLbl name="parChTrans2D1">
+    <dgm:fillClrLst meth="repeat">
+      <a:schemeClr val="accent2"/>
+    </dgm:fillClrLst>
+    <dgm:linClrLst meth="repeat">
+      <a:schemeClr val="lt1"/>
+    </dgm:linClrLst>
+    <dgm:effectClrLst/>
+    <dgm:txLinClrLst/>
+    <dgm:txFillClrLst meth="repeat">
+      <a:schemeClr val="lt1"/>
+    </dgm:txFillClrLst>
+    <dgm:txEffectClrLst/>
+  </dgm:styleLbl>
+  <dgm:styleLbl name="parChTrans2D2">
+    <dgm:fillClrLst meth="repeat">
+      <a:schemeClr val="accent3"/>
+    </dgm:fillClrLst>
+    <dgm:linClrLst meth="repeat">
+      <a:schemeClr val="lt1"/>
+    </dgm:linClrLst>
+    <dgm:effectClrLst/>
+    <dgm:txLinClrLst/>
+    <dgm:txFillClrLst/>
+    <dgm:txEffectClrLst/>
+  </dgm:styleLbl>
+  <dgm:styleLbl name="parChTrans2D3">
+    <dgm:fillClrLst meth="repeat">
+      <a:schemeClr val="accent4"/>
+    </dgm:fillClrLst>
+    <dgm:linClrLst meth="repeat">
+      <a:schemeClr val="lt1"/>
+    </dgm:linClrLst>
+    <dgm:effectClrLst/>
+    <dgm:txLinClrLst/>
+    <dgm:txFillClrLst/>
+    <dgm:txEffectClrLst/>
+  </dgm:styleLbl>
+  <dgm:styleLbl name="parChTrans2D4">
+    <dgm:fillClrLst meth="repeat">
+      <a:schemeClr val="accent5"/>
+    </dgm:fillClrLst>
+    <dgm:linClrLst meth="repeat">
+      <a:schemeClr val="lt1"/>
+    </dgm:linClrLst>
+    <dgm:effectClrLst/>
+    <dgm:txLinClrLst/>
+    <dgm:txFillClrLst meth="repeat">
+      <a:schemeClr val="lt1"/>
+    </dgm:txFillClrLst>
+    <dgm:txEffectClrLst/>
+  </dgm:styleLbl>
+  <dgm:styleLbl name="parChTrans1D1">
+    <dgm:fillClrLst meth="repeat">
+      <a:schemeClr val="accent2"/>
+    </dgm:fillClrLst>
+    <dgm:linClrLst meth="repeat">
+      <a:schemeClr val="accent1"/>
+    </dgm:linClrLst>
+    <dgm:effectClrLst/>
+    <dgm:txLinClrLst/>
+    <dgm:txFillClrLst meth="repeat">
+      <a:schemeClr val="tx1"/>
+    </dgm:txFillClrLst>
+    <dgm:txEffectClrLst/>
+  </dgm:styleLbl>
+  <dgm:styleLbl name="parChTrans1D2">
+    <dgm:fillClrLst meth="repeat">
+      <a:schemeClr val="accent3">
+        <a:tint val="90000"/>
+      </a:schemeClr>
+    </dgm:fillClrLst>
+    <dgm:linClrLst meth="repeat">
+      <a:schemeClr val="accent2"/>
+    </dgm:linClrLst>
+    <dgm:effectClrLst/>
+    <dgm:txLinClrLst/>
+    <dgm:txFillClrLst meth="repeat">
+      <a:schemeClr val="tx1"/>
+    </dgm:txFillClrLst>
+    <dgm:txEffectClrLst/>
+  </dgm:styleLbl>
+  <dgm:styleLbl name="parChTrans1D3">
+    <dgm:fillClrLst meth="repeat">
+      <a:schemeClr val="accent4">
+        <a:tint val="70000"/>
+      </a:schemeClr>
+    </dgm:fillClrLst>
+    <dgm:linClrLst meth="repeat">
+      <a:schemeClr val="accent3"/>
+    </dgm:linClrLst>
+    <dgm:effectClrLst/>
+    <dgm:txLinClrLst/>
+    <dgm:txFillClrLst meth="repeat">
+      <a:schemeClr val="tx1"/>
+    </dgm:txFillClrLst>
+    <dgm:txEffectClrLst/>
+  </dgm:styleLbl>
+  <dgm:styleLbl name="parChTrans1D4">
+    <dgm:fillClrLst meth="repeat">
+      <a:schemeClr val="accent5">
+        <a:tint val="50000"/>
+      </a:schemeClr>
+    </dgm:fillClrLst>
+    <dgm:linClrLst meth="repeat">
+      <a:schemeClr val="accent4"/>
+    </dgm:linClrLst>
+    <dgm:effectClrLst/>
+    <dgm:txLinClrLst/>
+    <dgm:txFillClrLst meth="repeat">
+      <a:schemeClr val="tx1"/>
+    </dgm:txFillClrLst>
+    <dgm:txEffectClrLst/>
+  </dgm:styleLbl>
+  <dgm:styleLbl name="fgAcc1">
+    <dgm:fillClrLst meth="repeat">
+      <a:schemeClr val="lt1">
+        <a:alpha val="90000"/>
+      </a:schemeClr>
+    </dgm:fillClrLst>
+    <dgm:linClrLst meth="repeat">
+      <a:schemeClr val="accent2"/>
+      <a:schemeClr val="accent3"/>
+      <a:schemeClr val="accent4"/>
+      <a:schemeClr val="accent5"/>
+      <a:schemeClr val="accent6"/>
+    </dgm:linClrLst>
+    <dgm:effectClrLst/>
+    <dgm:txLinClrLst/>
+    <dgm:txFillClrLst meth="repeat">
+      <a:schemeClr val="dk1"/>
+    </dgm:txFillClrLst>
+    <dgm:txEffectClrLst/>
+  </dgm:styleLbl>
+  <dgm:styleLbl name="conFgAcc1">
+    <dgm:fillClrLst meth="repeat">
+      <a:schemeClr val="lt1">
+        <a:alpha val="90000"/>
+      </a:schemeClr>
+    </dgm:fillClrLst>
+    <dgm:linClrLst meth="repeat">
+      <a:schemeClr val="accent2"/>
+      <a:schemeClr val="accent3"/>
+      <a:schemeClr val="accent4"/>
+      <a:schemeClr val="accent5"/>
+      <a:schemeClr val="accent6"/>
+    </dgm:linClrLst>
+    <dgm:effectClrLst/>
+    <dgm:txLinClrLst/>
+    <dgm:txFillClrLst meth="repeat">
+      <a:schemeClr val="dk1"/>
+    </dgm:txFillClrLst>
+    <dgm:txEffectClrLst/>
+  </dgm:styleLbl>
+  <dgm:styleLbl name="alignAcc1">
+    <dgm:fillClrLst meth="repeat">
+      <a:schemeClr val="lt1">
+        <a:alpha val="90000"/>
+      </a:schemeClr>
+    </dgm:fillClrLst>
+    <dgm:linClrLst meth="repeat">
+      <a:schemeClr val="accent2"/>
+      <a:schemeClr val="accent3"/>
+      <a:schemeClr val="accent4"/>
+      <a:schemeClr val="accent5"/>
+      <a:schemeClr val="accent6"/>
+    </dgm:linClrLst>
+    <dgm:effectClrLst/>
+    <dgm:txLinClrLst/>
+    <dgm:txFillClrLst meth="repeat">
+      <a:schemeClr val="dk1"/>
+    </dgm:txFillClrLst>
+    <dgm:txEffectClrLst/>
+  </dgm:styleLbl>
+  <dgm:styleLbl name="trAlignAcc1">
+    <dgm:fillClrLst meth="repeat">
+      <a:schemeClr val="lt1">
+        <a:alpha val="40000"/>
+      </a:schemeClr>
+    </dgm:fillClrLst>
+    <dgm:linClrLst meth="repeat">
+      <a:schemeClr val="accent1"/>
+    </dgm:linClrLst>
+    <dgm:effectClrLst/>
+    <dgm:txLinClrLst/>
+    <dgm:txFillClrLst meth="repeat">
+      <a:schemeClr val="dk1"/>
+    </dgm:txFillClrLst>
+    <dgm:txEffectClrLst/>
+  </dgm:styleLbl>
+  <dgm:styleLbl name="bgAcc1">
+    <dgm:fillClrLst meth="repeat">
+      <a:schemeClr val="lt1">
+        <a:alpha val="90000"/>
+      </a:schemeClr>
+    </dgm:fillClrLst>
+    <dgm:linClrLst meth="repeat">
+      <a:schemeClr val="accent2"/>
+      <a:schemeClr val="accent3"/>
+      <a:schemeClr val="accent4"/>
+      <a:schemeClr val="accent5"/>
+      <a:schemeClr val="accent6"/>
+    </dgm:linClrLst>
+    <dgm:effectClrLst/>
+    <dgm:txLinClrLst/>
+    <dgm:txFillClrLst meth="repeat">
+      <a:schemeClr val="dk1"/>
+    </dgm:txFillClrLst>
+    <dgm:txEffectClrLst/>
+  </dgm:styleLbl>
+  <dgm:styleLbl name="solidFgAcc1">
+    <dgm:fillClrLst meth="repeat">
+      <a:schemeClr val="lt1"/>
+    </dgm:fillClrLst>
+    <dgm:linClrLst meth="repeat">
+      <a:schemeClr val="accent2"/>
+      <a:schemeClr val="accent3"/>
+      <a:schemeClr val="accent4"/>
+      <a:schemeClr val="accent5"/>
+      <a:schemeClr val="accent6"/>
+    </dgm:linClrLst>
+    <dgm:effectClrLst/>
+    <dgm:txLinClrLst/>
+    <dgm:txFillClrLst meth="repeat">
+      <a:schemeClr val="dk1"/>
+    </dgm:txFillClrLst>
+    <dgm:txEffectClrLst/>
+  </dgm:styleLbl>
+  <dgm:styleLbl name="solidAlignAcc1">
+    <dgm:fillClrLst meth="repeat">
+      <a:schemeClr val="lt1"/>
+    </dgm:fillClrLst>
+    <dgm:linClrLst meth="repeat">
+      <a:schemeClr val="accent2"/>
+      <a:schemeClr val="accent3"/>
+      <a:schemeClr val="accent4"/>
+      <a:schemeClr val="accent5"/>
+      <a:schemeClr val="accent6"/>
+    </dgm:linClrLst>
+    <dgm:effectClrLst/>
+    <dgm:txLinClrLst/>
+    <dgm:txFillClrLst meth="repeat">
+      <a:schemeClr val="dk1"/>
+    </dgm:txFillClrLst>
+    <dgm:txEffectClrLst/>
+  </dgm:styleLbl>
+  <dgm:styleLbl name="solidBgAcc1">
+    <dgm:fillClrLst meth="repeat">
+      <a:schemeClr val="lt1"/>
+    </dgm:fillClrLst>
+    <dgm:linClrLst meth="repeat">
+      <a:schemeClr val="accent2"/>
+      <a:schemeClr val="accent3"/>
+      <a:schemeClr val="accent4"/>
+      <a:schemeClr val="accent5"/>
+      <a:schemeClr val="accent6"/>
+    </dgm:linClrLst>
+    <dgm:effectClrLst/>
+    <dgm:txLinClrLst/>
+    <dgm:txFillClrLst meth="repeat">
+      <a:schemeClr val="dk1"/>
+    </dgm:txFillClrLst>
+    <dgm:txEffectClrLst/>
+  </dgm:styleLbl>
+  <dgm:styleLbl name="fgAccFollowNode1">
+    <dgm:fillClrLst meth="repeat">
+      <a:schemeClr val="accent2">
+        <a:tint val="40000"/>
+        <a:alpha val="90000"/>
+      </a:schemeClr>
+      <a:schemeClr val="accent3">
+        <a:tint val="40000"/>
+        <a:alpha val="90000"/>
+      </a:schemeClr>
+      <a:schemeClr val="accent4">
+        <a:tint val="40000"/>
+        <a:alpha val="90000"/>
+      </a:schemeClr>
+      <a:schemeClr val="accent5">
+        <a:tint val="40000"/>
+        <a:alpha val="90000"/>
+      </a:schemeClr>
+      <a:schemeClr val="accent6">
+        <a:tint val="40000"/>
+        <a:alpha val="90000"/>
+      </a:schemeClr>
+    </dgm:fillClrLst>
+    <dgm:linClrLst meth="repeat">
+      <a:schemeClr val="accent2">
+        <a:tint val="40000"/>
+        <a:alpha val="90000"/>
+      </a:schemeClr>
+      <a:schemeClr val="accent3">
+        <a:tint val="40000"/>
+        <a:alpha val="90000"/>
+      </a:schemeClr>
+      <a:schemeClr val="accent4">
+        <a:tint val="40000"/>
+        <a:alpha val="90000"/>
+      </a:schemeClr>
+      <a:schemeClr val="accent5">
+        <a:tint val="40000"/>
+        <a:alpha val="90000"/>
+      </a:schemeClr>
+      <a:schemeClr val="accent6">
+        <a:tint val="40000"/>
+        <a:alpha val="90000"/>
+      </a:schemeClr>
+    </dgm:linClrLst>
+    <dgm:effectClrLst/>
+    <dgm:txLinClrLst/>
+    <dgm:txFillClrLst meth="repeat">
+      <a:schemeClr val="dk1"/>
+    </dgm:txFillClrLst>
+    <dgm:txEffectClrLst/>
+  </dgm:styleLbl>
+  <dgm:styleLbl name="alignAccFollowNode1">
+    <dgm:fillClrLst meth="repeat">
+      <a:schemeClr val="accent2">
+        <a:tint val="40000"/>
+        <a:alpha val="90000"/>
+      </a:schemeClr>
+      <a:schemeClr val="accent3">
+        <a:tint val="40000"/>
+        <a:alpha val="90000"/>
+      </a:schemeClr>
+      <a:schemeClr val="accent4">
+        <a:tint val="40000"/>
+        <a:alpha val="90000"/>
+      </a:schemeClr>
+      <a:schemeClr val="accent5">
+        <a:tint val="40000"/>
+        <a:alpha val="90000"/>
+      </a:schemeClr>
+      <a:schemeClr val="accent6">
+        <a:tint val="40000"/>
+        <a:alpha val="90000"/>
+      </a:schemeClr>
+    </dgm:fillClrLst>
+    <dgm:linClrLst meth="repeat">
+      <a:schemeClr val="accent2">
+        <a:tint val="40000"/>
+        <a:alpha val="90000"/>
+      </a:schemeClr>
+      <a:schemeClr val="accent3">
+        <a:tint val="40000"/>
+        <a:alpha val="90000"/>
+      </a:schemeClr>
+      <a:schemeClr val="accent4">
+        <a:tint val="40000"/>
+        <a:alpha val="90000"/>
+      </a:schemeClr>
+      <a:schemeClr val="accent5">
+        <a:tint val="40000"/>
+        <a:alpha val="90000"/>
+      </a:schemeClr>
+      <a:schemeClr val="accent6">
+        <a:tint val="40000"/>
+        <a:alpha val="90000"/>
+      </a:schemeClr>
+    </dgm:linClrLst>
+    <dgm:effectClrLst/>
+    <dgm:txLinClrLst/>
+    <dgm:txFillClrLst meth="repeat">
+      <a:schemeClr val="dk1"/>
+    </dgm:txFillClrLst>
+    <dgm:txEffectClrLst/>
+  </dgm:styleLbl>
+  <dgm:styleLbl name="bgAccFollowNode1">
+    <dgm:fillClrLst meth="repeat">
+      <a:schemeClr val="accent2">
+        <a:tint val="40000"/>
+        <a:alpha val="90000"/>
+      </a:schemeClr>
+      <a:schemeClr val="accent3">
+        <a:tint val="40000"/>
+        <a:alpha val="90000"/>
+      </a:schemeClr>
+      <a:schemeClr val="accent4">
+        <a:tint val="40000"/>
+        <a:alpha val="90000"/>
+      </a:schemeClr>
+      <a:schemeClr val="accent5">
+        <a:tint val="40000"/>
+        <a:alpha val="90000"/>
+      </a:schemeClr>
+      <a:schemeClr val="accent6">
+        <a:tint val="40000"/>
+        <a:alpha val="90000"/>
+      </a:schemeClr>
+    </dgm:fillClrLst>
+    <dgm:linClrLst meth="repeat">
+      <a:schemeClr val="accent2">
+        <a:tint val="40000"/>
+        <a:alpha val="90000"/>
+      </a:schemeClr>
+      <a:schemeClr val="accent3">
+        <a:tint val="40000"/>
+        <a:alpha val="90000"/>
+      </a:schemeClr>
+      <a:schemeClr val="accent4">
+        <a:tint val="40000"/>
+        <a:alpha val="90000"/>
+      </a:schemeClr>
+      <a:schemeClr val="accent5">
+        <a:tint val="40000"/>
+        <a:alpha val="90000"/>
+      </a:schemeClr>
+      <a:schemeClr val="accent6">
+        <a:tint val="40000"/>
+        <a:alpha val="90000"/>
+      </a:schemeClr>
+    </dgm:linClrLst>
+    <dgm:effectClrLst/>
+    <dgm:txLinClrLst/>
+    <dgm:txFillClrLst meth="repeat">
+      <a:schemeClr val="dk1"/>
+    </dgm:txFillClrLst>
+    <dgm:txEffectClrLst/>
+  </dgm:styleLbl>
+  <dgm:styleLbl name="fgAcc0">
+    <dgm:fillClrLst meth="repeat">
+      <a:schemeClr val="lt1">
+        <a:alpha val="90000"/>
+      </a:schemeClr>
+    </dgm:fillClrLst>
+    <dgm:linClrLst>
+      <a:schemeClr val="accent1"/>
+    </dgm:linClrLst>
+    <dgm:effectClrLst/>
+    <dgm:txLinClrLst/>
+    <dgm:txFillClrLst meth="repeat">
+      <a:schemeClr val="dk1"/>
+    </dgm:txFillClrLst>
+    <dgm:txEffectClrLst/>
+  </dgm:styleLbl>
+  <dgm:styleLbl name="fgAcc2">
+    <dgm:fillClrLst meth="repeat">
+      <a:schemeClr val="lt1">
+        <a:alpha val="90000"/>
+      </a:schemeClr>
+    </dgm:fillClrLst>
+    <dgm:linClrLst>
+      <a:schemeClr val="accent2"/>
+    </dgm:linClrLst>
+    <dgm:effectClrLst/>
+    <dgm:txLinClrLst/>
+    <dgm:txFillClrLst meth="repeat">
+      <a:schemeClr val="dk1"/>
+    </dgm:txFillClrLst>
+    <dgm:txEffectClrLst/>
+  </dgm:styleLbl>
+  <dgm:styleLbl name="fgAcc3">
+    <dgm:fillClrLst meth="repeat">
+      <a:schemeClr val="lt1">
+        <a:alpha val="90000"/>
+      </a:schemeClr>
+    </dgm:fillClrLst>
+    <dgm:linClrLst>
+      <a:schemeClr val="accent3"/>
+    </dgm:linClrLst>
+    <dgm:effectClrLst/>
+    <dgm:txLinClrLst/>
+    <dgm:txFillClrLst meth="repeat">
+      <a:schemeClr val="dk1"/>
+    </dgm:txFillClrLst>
+    <dgm:txEffectClrLst/>
+  </dgm:styleLbl>
+  <dgm:styleLbl name="fgAcc4">
+    <dgm:fillClrLst meth="repeat">
+      <a:schemeClr val="lt1">
+        <a:alpha val="90000"/>
+      </a:schemeClr>
+    </dgm:fillClrLst>
+    <dgm:linClrLst>
+      <a:schemeClr val="accent4"/>
+    </dgm:linClrLst>
+    <dgm:effectClrLst/>
+    <dgm:txLinClrLst/>
+    <dgm:txFillClrLst meth="repeat">
+      <a:schemeClr val="dk1"/>
+    </dgm:txFillClrLst>
+    <dgm:txEffectClrLst/>
+  </dgm:styleLbl>
+  <dgm:styleLbl name="bgShp">
+    <dgm:fillClrLst meth="repeat">
+      <a:schemeClr val="bg1">
+        <a:lumMod val="95000"/>
+      </a:schemeClr>
+    </dgm:fillClrLst>
+    <dgm:linClrLst meth="repeat">
+      <a:schemeClr val="dk1"/>
+    </dgm:linClrLst>
+    <dgm:effectClrLst/>
+    <dgm:txLinClrLst/>
+    <dgm:txFillClrLst meth="repeat">
+      <a:schemeClr val="dk1"/>
+    </dgm:txFillClrLst>
+    <dgm:txEffectClrLst/>
+  </dgm:styleLbl>
+  <dgm:styleLbl name="dkBgShp">
+    <dgm:fillClrLst meth="repeat">
+      <a:schemeClr val="accent2">
+        <a:shade val="90000"/>
+      </a:schemeClr>
+    </dgm:fillClrLst>
+    <dgm:linClrLst meth="repeat">
+      <a:schemeClr val="dk1"/>
+    </dgm:linClrLst>
+    <dgm:effectClrLst/>
+    <dgm:txLinClrLst/>
+    <dgm:txFillClrLst meth="repeat">
+      <a:schemeClr val="lt1"/>
+    </dgm:txFillClrLst>
+    <dgm:txEffectClrLst/>
+  </dgm:styleLbl>
+  <dgm:styleLbl name="trBgShp">
+    <dgm:fillClrLst meth="repeat">
+      <a:schemeClr val="accent1">
+        <a:tint val="50000"/>
+        <a:alpha val="40000"/>
+      </a:schemeClr>
+    </dgm:fillClrLst>
+    <dgm:linClrLst meth="repeat">
+      <a:schemeClr val="accent2"/>
+    </dgm:linClrLst>
+    <dgm:effectClrLst/>
+    <dgm:txLinClrLst/>
+    <dgm:txFillClrLst meth="repeat">
+      <a:schemeClr val="lt1"/>
+    </dgm:txFillClrLst>
+    <dgm:txEffectClrLst/>
+  </dgm:styleLbl>
+  <dgm:styleLbl name="fgShp">
+    <dgm:fillClrLst meth="repeat">
+      <a:schemeClr val="accent2">
+        <a:tint val="40000"/>
+      </a:schemeClr>
+    </dgm:fillClrLst>
+    <dgm:linClrLst meth="repeat">
+      <a:schemeClr val="lt1"/>
+    </dgm:linClrLst>
+    <dgm:effectClrLst/>
+    <dgm:txLinClrLst/>
+    <dgm:txFillClrLst meth="repeat">
+      <a:schemeClr val="dk1"/>
+    </dgm:txFillClrLst>
+    <dgm:txEffectClrLst/>
+  </dgm:styleLbl>
+  <dgm:styleLbl name="revTx">
+    <dgm:fillClrLst meth="repeat">
+      <a:schemeClr val="lt1">
+        <a:alpha val="0"/>
+      </a:schemeClr>
+    </dgm:fillClrLst>
+    <dgm:linClrLst meth="repeat">
+      <a:schemeClr val="dk1">
+        <a:alpha val="0"/>
+      </a:schemeClr>
+    </dgm:linClrLst>
+    <dgm:effectClrLst/>
+    <dgm:txLinClrLst/>
+    <dgm:txFillClrLst meth="repeat">
+      <a:schemeClr val="tx1"/>
+    </dgm:txFillClrLst>
+    <dgm:txEffectClrLst/>
+  </dgm:styleLbl>
+</dgm:colorsDef>
+</file>
+
 <file path=ppt/diagrams/data1.xml><?xml version="1.0" encoding="utf-8"?>
+<dgm:dataModel xmlns:dgm="http://schemas.openxmlformats.org/drawingml/2006/diagram" xmlns:a="http://schemas.openxmlformats.org/drawingml/2006/main">
+  <dgm:ptLst>
+    <dgm:pt modelId="{00CD358C-EC25-4DF5-941C-FC30A23B6665}" type="doc">
+      <dgm:prSet loTypeId="urn:microsoft.com/office/officeart/2016/7/layout/LinearBlockProcessNumbered" loCatId="process" qsTypeId="urn:microsoft.com/office/officeart/2005/8/quickstyle/simple4" qsCatId="simple" csTypeId="urn:microsoft.com/office/officeart/2005/8/colors/colorful1" csCatId="colorful"/>
+      <dgm:spPr/>
+      <dgm:t>
+        <a:bodyPr/>
+        <a:lstStyle/>
+        <a:p>
+          <a:endParaRPr lang="en-US"/>
+        </a:p>
+      </dgm:t>
+    </dgm:pt>
+    <dgm:pt modelId="{CE954989-2B7A-4394-9F34-97997F43234B}">
+      <dgm:prSet/>
+      <dgm:spPr/>
+      <dgm:t>
+        <a:bodyPr/>
+        <a:lstStyle/>
+        <a:p>
+          <a:r>
+            <a:rPr lang="fr-FR"/>
+            <a:t>Configuration Serveur</a:t>
+          </a:r>
+          <a:endParaRPr lang="en-US"/>
+        </a:p>
+      </dgm:t>
+    </dgm:pt>
+    <dgm:pt modelId="{D258A521-9865-44BF-9AE1-515D2CBC8009}" type="parTrans" cxnId="{1104A24C-A81F-4345-88C2-0C12646FDACD}">
+      <dgm:prSet/>
+      <dgm:spPr/>
+      <dgm:t>
+        <a:bodyPr/>
+        <a:lstStyle/>
+        <a:p>
+          <a:endParaRPr lang="en-US"/>
+        </a:p>
+      </dgm:t>
+    </dgm:pt>
+    <dgm:pt modelId="{94D82307-766E-4DB4-9082-5D2312C12E23}" type="sibTrans" cxnId="{1104A24C-A81F-4345-88C2-0C12646FDACD}">
+      <dgm:prSet phldrT="01" phldr="0"/>
+      <dgm:spPr/>
+      <dgm:t>
+        <a:bodyPr/>
+        <a:lstStyle/>
+        <a:p>
+          <a:r>
+            <a:rPr lang="en-US"/>
+            <a:t>01</a:t>
+          </a:r>
+        </a:p>
+      </dgm:t>
+    </dgm:pt>
+    <dgm:pt modelId="{6FBB8EAF-3F6D-49A1-964C-386E92FD82A3}">
+      <dgm:prSet/>
+      <dgm:spPr/>
+      <dgm:t>
+        <a:bodyPr/>
+        <a:lstStyle/>
+        <a:p>
+          <a:r>
+            <a:rPr lang="fr-FR"/>
+            <a:t>Version PHP</a:t>
+          </a:r>
+          <a:endParaRPr lang="en-US"/>
+        </a:p>
+      </dgm:t>
+    </dgm:pt>
+    <dgm:pt modelId="{1506059E-ACEC-4339-B98E-6BCB51744921}" type="parTrans" cxnId="{A53AF87F-61B2-40C5-B756-4236C08DD19A}">
+      <dgm:prSet/>
+      <dgm:spPr/>
+      <dgm:t>
+        <a:bodyPr/>
+        <a:lstStyle/>
+        <a:p>
+          <a:endParaRPr lang="en-US"/>
+        </a:p>
+      </dgm:t>
+    </dgm:pt>
+    <dgm:pt modelId="{D4B16C90-A3B5-4479-B584-E9C535879A83}" type="sibTrans" cxnId="{A53AF87F-61B2-40C5-B756-4236C08DD19A}">
+      <dgm:prSet phldrT="02" phldr="0"/>
+      <dgm:spPr/>
+      <dgm:t>
+        <a:bodyPr/>
+        <a:lstStyle/>
+        <a:p>
+          <a:r>
+            <a:rPr lang="en-US"/>
+            <a:t>02</a:t>
+          </a:r>
+        </a:p>
+      </dgm:t>
+    </dgm:pt>
+    <dgm:pt modelId="{C633276D-5357-4893-BAB1-59EEFB0FBB4A}">
+      <dgm:prSet/>
+      <dgm:spPr/>
+      <dgm:t>
+        <a:bodyPr/>
+        <a:lstStyle/>
+        <a:p>
+          <a:r>
+            <a:rPr lang="fr-FR"/>
+            <a:t>Version SQL</a:t>
+          </a:r>
+          <a:endParaRPr lang="en-US"/>
+        </a:p>
+      </dgm:t>
+    </dgm:pt>
+    <dgm:pt modelId="{C567D25F-73A2-495A-A936-C5FF87E2887A}" type="parTrans" cxnId="{E90DED62-15BF-499C-AB35-223BE260C4DB}">
+      <dgm:prSet/>
+      <dgm:spPr/>
+      <dgm:t>
+        <a:bodyPr/>
+        <a:lstStyle/>
+        <a:p>
+          <a:endParaRPr lang="en-US"/>
+        </a:p>
+      </dgm:t>
+    </dgm:pt>
+    <dgm:pt modelId="{23DAC0BE-E23C-484B-AF12-D203429F1B3A}" type="sibTrans" cxnId="{E90DED62-15BF-499C-AB35-223BE260C4DB}">
+      <dgm:prSet phldrT="03" phldr="0"/>
+      <dgm:spPr/>
+      <dgm:t>
+        <a:bodyPr/>
+        <a:lstStyle/>
+        <a:p>
+          <a:r>
+            <a:rPr lang="en-US"/>
+            <a:t>03</a:t>
+          </a:r>
+        </a:p>
+      </dgm:t>
+    </dgm:pt>
+    <dgm:pt modelId="{555D7739-78C3-4EE1-8E88-AC69CBF68657}">
+      <dgm:prSet/>
+      <dgm:spPr/>
+      <dgm:t>
+        <a:bodyPr/>
+        <a:lstStyle/>
+        <a:p>
+          <a:r>
+            <a:rPr lang="fr-FR"/>
+            <a:t>Suites Logiques</a:t>
+          </a:r>
+          <a:endParaRPr lang="en-US"/>
+        </a:p>
+      </dgm:t>
+    </dgm:pt>
+    <dgm:pt modelId="{3441B2B7-FFC3-4E6F-8FBD-FFA0EF59BA1B}" type="parTrans" cxnId="{265A5087-6789-4EA2-96DC-489BE7EF7D33}">
+      <dgm:prSet/>
+      <dgm:spPr/>
+      <dgm:t>
+        <a:bodyPr/>
+        <a:lstStyle/>
+        <a:p>
+          <a:endParaRPr lang="en-US"/>
+        </a:p>
+      </dgm:t>
+    </dgm:pt>
+    <dgm:pt modelId="{F8356F0D-48A2-4E77-93C6-52A0F380525B}" type="sibTrans" cxnId="{265A5087-6789-4EA2-96DC-489BE7EF7D33}">
+      <dgm:prSet phldrT="04" phldr="0"/>
+      <dgm:spPr/>
+      <dgm:t>
+        <a:bodyPr/>
+        <a:lstStyle/>
+        <a:p>
+          <a:r>
+            <a:rPr lang="en-US"/>
+            <a:t>04</a:t>
+          </a:r>
+        </a:p>
+      </dgm:t>
+    </dgm:pt>
+    <dgm:pt modelId="{26854220-5698-4CD1-87B6-23391A40C4A2}">
+      <dgm:prSet/>
+      <dgm:spPr/>
+      <dgm:t>
+        <a:bodyPr/>
+        <a:lstStyle/>
+        <a:p>
+          <a:r>
+            <a:rPr lang="fr-FR"/>
+            <a:t>Templates Utilisées (HTML/CSS)</a:t>
+          </a:r>
+          <a:endParaRPr lang="en-US"/>
+        </a:p>
+      </dgm:t>
+    </dgm:pt>
+    <dgm:pt modelId="{2428E681-F5D4-4D82-9141-3674019E28D5}" type="parTrans" cxnId="{0215D1A1-0DE2-44F7-AF22-E4EE4A8FCCA3}">
+      <dgm:prSet/>
+      <dgm:spPr/>
+      <dgm:t>
+        <a:bodyPr/>
+        <a:lstStyle/>
+        <a:p>
+          <a:endParaRPr lang="en-US"/>
+        </a:p>
+      </dgm:t>
+    </dgm:pt>
+    <dgm:pt modelId="{A8B0AED5-D333-4D5F-BC39-4D2CCF76AAF3}" type="sibTrans" cxnId="{0215D1A1-0DE2-44F7-AF22-E4EE4A8FCCA3}">
+      <dgm:prSet phldrT="05" phldr="0"/>
+      <dgm:spPr/>
+      <dgm:t>
+        <a:bodyPr/>
+        <a:lstStyle/>
+        <a:p>
+          <a:r>
+            <a:rPr lang="en-US"/>
+            <a:t>05</a:t>
+          </a:r>
+        </a:p>
+      </dgm:t>
+    </dgm:pt>
+    <dgm:pt modelId="{02262192-FAB0-4A26-99C8-E744249415FC}">
+      <dgm:prSet/>
+      <dgm:spPr/>
+      <dgm:t>
+        <a:bodyPr/>
+        <a:lstStyle/>
+        <a:p>
+          <a:r>
+            <a:rPr lang="fr-FR"/>
+            <a:t>Audits (Référencement)</a:t>
+          </a:r>
+          <a:endParaRPr lang="en-US"/>
+        </a:p>
+      </dgm:t>
+    </dgm:pt>
+    <dgm:pt modelId="{E9ACB8B4-40D1-4D1E-AA61-E706F417D973}" type="parTrans" cxnId="{54B50C2E-88C4-4A6E-B2DE-F6B1789B746A}">
+      <dgm:prSet/>
+      <dgm:spPr/>
+      <dgm:t>
+        <a:bodyPr/>
+        <a:lstStyle/>
+        <a:p>
+          <a:endParaRPr lang="en-US"/>
+        </a:p>
+      </dgm:t>
+    </dgm:pt>
+    <dgm:pt modelId="{409FB2FE-0C01-49A4-A3FD-A17E76A57781}" type="sibTrans" cxnId="{54B50C2E-88C4-4A6E-B2DE-F6B1789B746A}">
+      <dgm:prSet phldrT="06" phldr="0"/>
+      <dgm:spPr/>
+      <dgm:t>
+        <a:bodyPr/>
+        <a:lstStyle/>
+        <a:p>
+          <a:r>
+            <a:rPr lang="en-US"/>
+            <a:t>06</a:t>
+          </a:r>
+        </a:p>
+      </dgm:t>
+    </dgm:pt>
+    <dgm:pt modelId="{15E5C706-DEC0-4EC2-B37B-5C7618C83FB9}">
+      <dgm:prSet/>
+      <dgm:spPr/>
+      <dgm:t>
+        <a:bodyPr/>
+        <a:lstStyle/>
+        <a:p>
+          <a:r>
+            <a:rPr lang="fr-FR"/>
+            <a:t>Plugins Utilisés (JS)</a:t>
+          </a:r>
+          <a:endParaRPr lang="en-US"/>
+        </a:p>
+      </dgm:t>
+    </dgm:pt>
+    <dgm:pt modelId="{0E643028-C9AF-4A52-8BA8-6C3D38B303DE}" type="parTrans" cxnId="{9F35ED2B-B040-4A89-A79B-A213EF982C3F}">
+      <dgm:prSet/>
+      <dgm:spPr/>
+      <dgm:t>
+        <a:bodyPr/>
+        <a:lstStyle/>
+        <a:p>
+          <a:endParaRPr lang="en-US"/>
+        </a:p>
+      </dgm:t>
+    </dgm:pt>
+    <dgm:pt modelId="{D765D2F3-B793-4E8B-BEDD-CC1FEEAD64FE}" type="sibTrans" cxnId="{9F35ED2B-B040-4A89-A79B-A213EF982C3F}">
+      <dgm:prSet phldrT="07" phldr="0"/>
+      <dgm:spPr/>
+      <dgm:t>
+        <a:bodyPr/>
+        <a:lstStyle/>
+        <a:p>
+          <a:r>
+            <a:rPr lang="en-US"/>
+            <a:t>07</a:t>
+          </a:r>
+        </a:p>
+      </dgm:t>
+    </dgm:pt>
+    <dgm:pt modelId="{786DDA9D-45B5-DC4B-AC6F-D90A1270D386}" type="pres">
+      <dgm:prSet presAssocID="{00CD358C-EC25-4DF5-941C-FC30A23B6665}" presName="Name0" presStyleCnt="0">
+        <dgm:presLayoutVars>
+          <dgm:animLvl val="lvl"/>
+          <dgm:resizeHandles val="exact"/>
+        </dgm:presLayoutVars>
+      </dgm:prSet>
+      <dgm:spPr/>
+    </dgm:pt>
+    <dgm:pt modelId="{015131A7-8C27-A344-8A2C-63B8520F64F2}" type="pres">
+      <dgm:prSet presAssocID="{CE954989-2B7A-4394-9F34-97997F43234B}" presName="compositeNode" presStyleCnt="0">
+        <dgm:presLayoutVars>
+          <dgm:bulletEnabled val="1"/>
+        </dgm:presLayoutVars>
+      </dgm:prSet>
+      <dgm:spPr/>
+    </dgm:pt>
+    <dgm:pt modelId="{A49D0E31-BD1D-194D-BA77-488449879FA3}" type="pres">
+      <dgm:prSet presAssocID="{CE954989-2B7A-4394-9F34-97997F43234B}" presName="bgRect" presStyleLbl="alignNode1" presStyleIdx="0" presStyleCnt="7"/>
+      <dgm:spPr/>
+    </dgm:pt>
+    <dgm:pt modelId="{19F27F08-F426-5E4D-876C-0B0F370DA858}" type="pres">
+      <dgm:prSet presAssocID="{94D82307-766E-4DB4-9082-5D2312C12E23}" presName="sibTransNodeRect" presStyleLbl="alignNode1" presStyleIdx="0" presStyleCnt="7">
+        <dgm:presLayoutVars>
+          <dgm:chMax val="0"/>
+          <dgm:bulletEnabled val="1"/>
+        </dgm:presLayoutVars>
+      </dgm:prSet>
+      <dgm:spPr/>
+    </dgm:pt>
+    <dgm:pt modelId="{FED12D7B-FBB3-1E48-B13D-6E7179B3FFEE}" type="pres">
+      <dgm:prSet presAssocID="{CE954989-2B7A-4394-9F34-97997F43234B}" presName="nodeRect" presStyleLbl="alignNode1" presStyleIdx="0" presStyleCnt="7">
+        <dgm:presLayoutVars>
+          <dgm:bulletEnabled val="1"/>
+        </dgm:presLayoutVars>
+      </dgm:prSet>
+      <dgm:spPr/>
+    </dgm:pt>
+    <dgm:pt modelId="{7B457EB5-64FE-DE42-8EF5-30B79B130F90}" type="pres">
+      <dgm:prSet presAssocID="{94D82307-766E-4DB4-9082-5D2312C12E23}" presName="sibTrans" presStyleCnt="0"/>
+      <dgm:spPr/>
+    </dgm:pt>
+    <dgm:pt modelId="{A41BBCAB-15FB-AC4B-A795-45F719F6FA74}" type="pres">
+      <dgm:prSet presAssocID="{6FBB8EAF-3F6D-49A1-964C-386E92FD82A3}" presName="compositeNode" presStyleCnt="0">
+        <dgm:presLayoutVars>
+          <dgm:bulletEnabled val="1"/>
+        </dgm:presLayoutVars>
+      </dgm:prSet>
+      <dgm:spPr/>
+    </dgm:pt>
+    <dgm:pt modelId="{88EE7466-7C37-7246-9E0E-4D4C13BC12D5}" type="pres">
+      <dgm:prSet presAssocID="{6FBB8EAF-3F6D-49A1-964C-386E92FD82A3}" presName="bgRect" presStyleLbl="alignNode1" presStyleIdx="1" presStyleCnt="7"/>
+      <dgm:spPr/>
+    </dgm:pt>
+    <dgm:pt modelId="{745AEB14-30C3-5744-9DAF-74B9AC7DBD8C}" type="pres">
+      <dgm:prSet presAssocID="{D4B16C90-A3B5-4479-B584-E9C535879A83}" presName="sibTransNodeRect" presStyleLbl="alignNode1" presStyleIdx="1" presStyleCnt="7">
+        <dgm:presLayoutVars>
+          <dgm:chMax val="0"/>
+          <dgm:bulletEnabled val="1"/>
+        </dgm:presLayoutVars>
+      </dgm:prSet>
+      <dgm:spPr/>
+    </dgm:pt>
+    <dgm:pt modelId="{FDBFE954-3EA9-D14B-96C8-0F90FE85C755}" type="pres">
+      <dgm:prSet presAssocID="{6FBB8EAF-3F6D-49A1-964C-386E92FD82A3}" presName="nodeRect" presStyleLbl="alignNode1" presStyleIdx="1" presStyleCnt="7">
+        <dgm:presLayoutVars>
+          <dgm:bulletEnabled val="1"/>
+        </dgm:presLayoutVars>
+      </dgm:prSet>
+      <dgm:spPr/>
+    </dgm:pt>
+    <dgm:pt modelId="{986DABED-D9BC-0B40-9367-A9FE4723C88B}" type="pres">
+      <dgm:prSet presAssocID="{D4B16C90-A3B5-4479-B584-E9C535879A83}" presName="sibTrans" presStyleCnt="0"/>
+      <dgm:spPr/>
+    </dgm:pt>
+    <dgm:pt modelId="{47EC8952-0FB7-DE40-9F30-925A81EA5EC0}" type="pres">
+      <dgm:prSet presAssocID="{C633276D-5357-4893-BAB1-59EEFB0FBB4A}" presName="compositeNode" presStyleCnt="0">
+        <dgm:presLayoutVars>
+          <dgm:bulletEnabled val="1"/>
+        </dgm:presLayoutVars>
+      </dgm:prSet>
+      <dgm:spPr/>
+    </dgm:pt>
+    <dgm:pt modelId="{D02B734D-FA14-E241-AF20-7FB3590FD847}" type="pres">
+      <dgm:prSet presAssocID="{C633276D-5357-4893-BAB1-59EEFB0FBB4A}" presName="bgRect" presStyleLbl="alignNode1" presStyleIdx="2" presStyleCnt="7"/>
+      <dgm:spPr/>
+    </dgm:pt>
+    <dgm:pt modelId="{8D8200C4-3F99-EC44-B052-0CEEDD54DCDC}" type="pres">
+      <dgm:prSet presAssocID="{23DAC0BE-E23C-484B-AF12-D203429F1B3A}" presName="sibTransNodeRect" presStyleLbl="alignNode1" presStyleIdx="2" presStyleCnt="7">
+        <dgm:presLayoutVars>
+          <dgm:chMax val="0"/>
+          <dgm:bulletEnabled val="1"/>
+        </dgm:presLayoutVars>
+      </dgm:prSet>
+      <dgm:spPr/>
+    </dgm:pt>
+    <dgm:pt modelId="{54D694FB-FA8D-3E4E-BC2D-1A0E5C2715BE}" type="pres">
+      <dgm:prSet presAssocID="{C633276D-5357-4893-BAB1-59EEFB0FBB4A}" presName="nodeRect" presStyleLbl="alignNode1" presStyleIdx="2" presStyleCnt="7">
+        <dgm:presLayoutVars>
+          <dgm:bulletEnabled val="1"/>
+        </dgm:presLayoutVars>
+      </dgm:prSet>
+      <dgm:spPr/>
+    </dgm:pt>
+    <dgm:pt modelId="{C2E4F341-F8D0-A641-80C1-F78FDB581393}" type="pres">
+      <dgm:prSet presAssocID="{23DAC0BE-E23C-484B-AF12-D203429F1B3A}" presName="sibTrans" presStyleCnt="0"/>
+      <dgm:spPr/>
+    </dgm:pt>
+    <dgm:pt modelId="{C3C355E4-DC5A-DE4D-BCB1-D5D28967BEDA}" type="pres">
+      <dgm:prSet presAssocID="{555D7739-78C3-4EE1-8E88-AC69CBF68657}" presName="compositeNode" presStyleCnt="0">
+        <dgm:presLayoutVars>
+          <dgm:bulletEnabled val="1"/>
+        </dgm:presLayoutVars>
+      </dgm:prSet>
+      <dgm:spPr/>
+    </dgm:pt>
+    <dgm:pt modelId="{C8AAF40A-2C83-5847-812D-73029510B967}" type="pres">
+      <dgm:prSet presAssocID="{555D7739-78C3-4EE1-8E88-AC69CBF68657}" presName="bgRect" presStyleLbl="alignNode1" presStyleIdx="3" presStyleCnt="7"/>
+      <dgm:spPr/>
+    </dgm:pt>
+    <dgm:pt modelId="{85845B6D-4E59-6A41-9C17-7496D537EA5F}" type="pres">
+      <dgm:prSet presAssocID="{F8356F0D-48A2-4E77-93C6-52A0F380525B}" presName="sibTransNodeRect" presStyleLbl="alignNode1" presStyleIdx="3" presStyleCnt="7">
+        <dgm:presLayoutVars>
+          <dgm:chMax val="0"/>
+          <dgm:bulletEnabled val="1"/>
+        </dgm:presLayoutVars>
+      </dgm:prSet>
+      <dgm:spPr/>
+    </dgm:pt>
+    <dgm:pt modelId="{B5C3E5C3-962E-C24D-A085-5D7330D4597D}" type="pres">
+      <dgm:prSet presAssocID="{555D7739-78C3-4EE1-8E88-AC69CBF68657}" presName="nodeRect" presStyleLbl="alignNode1" presStyleIdx="3" presStyleCnt="7">
+        <dgm:presLayoutVars>
+          <dgm:bulletEnabled val="1"/>
+        </dgm:presLayoutVars>
+      </dgm:prSet>
+      <dgm:spPr/>
+    </dgm:pt>
+    <dgm:pt modelId="{6E23574B-036C-C245-B9D7-84CA96192B33}" type="pres">
+      <dgm:prSet presAssocID="{F8356F0D-48A2-4E77-93C6-52A0F380525B}" presName="sibTrans" presStyleCnt="0"/>
+      <dgm:spPr/>
+    </dgm:pt>
+    <dgm:pt modelId="{9A5673E9-207E-8047-A568-71D76C039665}" type="pres">
+      <dgm:prSet presAssocID="{26854220-5698-4CD1-87B6-23391A40C4A2}" presName="compositeNode" presStyleCnt="0">
+        <dgm:presLayoutVars>
+          <dgm:bulletEnabled val="1"/>
+        </dgm:presLayoutVars>
+      </dgm:prSet>
+      <dgm:spPr/>
+    </dgm:pt>
+    <dgm:pt modelId="{1AC28B45-41F0-AC42-93C3-38372BC9F4DA}" type="pres">
+      <dgm:prSet presAssocID="{26854220-5698-4CD1-87B6-23391A40C4A2}" presName="bgRect" presStyleLbl="alignNode1" presStyleIdx="4" presStyleCnt="7"/>
+      <dgm:spPr/>
+    </dgm:pt>
+    <dgm:pt modelId="{1601BCF0-5F26-9142-9D63-4AC18A44772D}" type="pres">
+      <dgm:prSet presAssocID="{A8B0AED5-D333-4D5F-BC39-4D2CCF76AAF3}" presName="sibTransNodeRect" presStyleLbl="alignNode1" presStyleIdx="4" presStyleCnt="7">
+        <dgm:presLayoutVars>
+          <dgm:chMax val="0"/>
+          <dgm:bulletEnabled val="1"/>
+        </dgm:presLayoutVars>
+      </dgm:prSet>
+      <dgm:spPr/>
+    </dgm:pt>
+    <dgm:pt modelId="{9538FE17-AD8B-5C4C-AFFA-728E769D6E9C}" type="pres">
+      <dgm:prSet presAssocID="{26854220-5698-4CD1-87B6-23391A40C4A2}" presName="nodeRect" presStyleLbl="alignNode1" presStyleIdx="4" presStyleCnt="7">
+        <dgm:presLayoutVars>
+          <dgm:bulletEnabled val="1"/>
+        </dgm:presLayoutVars>
+      </dgm:prSet>
+      <dgm:spPr/>
+    </dgm:pt>
+    <dgm:pt modelId="{723B539F-99E8-BB45-8379-7ABF8353795B}" type="pres">
+      <dgm:prSet presAssocID="{A8B0AED5-D333-4D5F-BC39-4D2CCF76AAF3}" presName="sibTrans" presStyleCnt="0"/>
+      <dgm:spPr/>
+    </dgm:pt>
+    <dgm:pt modelId="{0513C224-0BF0-3B42-8DA4-7E3DD9B345B6}" type="pres">
+      <dgm:prSet presAssocID="{02262192-FAB0-4A26-99C8-E744249415FC}" presName="compositeNode" presStyleCnt="0">
+        <dgm:presLayoutVars>
+          <dgm:bulletEnabled val="1"/>
+        </dgm:presLayoutVars>
+      </dgm:prSet>
+      <dgm:spPr/>
+    </dgm:pt>
+    <dgm:pt modelId="{A7F6ADE2-5512-E54E-9356-9D63FE79ACD3}" type="pres">
+      <dgm:prSet presAssocID="{02262192-FAB0-4A26-99C8-E744249415FC}" presName="bgRect" presStyleLbl="alignNode1" presStyleIdx="5" presStyleCnt="7"/>
+      <dgm:spPr/>
+    </dgm:pt>
+    <dgm:pt modelId="{20E39224-A3C3-1F4B-A341-40D01B2B3EEC}" type="pres">
+      <dgm:prSet presAssocID="{409FB2FE-0C01-49A4-A3FD-A17E76A57781}" presName="sibTransNodeRect" presStyleLbl="alignNode1" presStyleIdx="5" presStyleCnt="7">
+        <dgm:presLayoutVars>
+          <dgm:chMax val="0"/>
+          <dgm:bulletEnabled val="1"/>
+        </dgm:presLayoutVars>
+      </dgm:prSet>
+      <dgm:spPr/>
+    </dgm:pt>
+    <dgm:pt modelId="{AD597D89-36DA-564B-B925-B4045EFCDC95}" type="pres">
+      <dgm:prSet presAssocID="{02262192-FAB0-4A26-99C8-E744249415FC}" presName="nodeRect" presStyleLbl="alignNode1" presStyleIdx="5" presStyleCnt="7">
+        <dgm:presLayoutVars>
+          <dgm:bulletEnabled val="1"/>
+        </dgm:presLayoutVars>
+      </dgm:prSet>
+      <dgm:spPr/>
+    </dgm:pt>
+    <dgm:pt modelId="{CC5FA5E4-DA06-EE44-BA9A-A8B3804F31D1}" type="pres">
+      <dgm:prSet presAssocID="{409FB2FE-0C01-49A4-A3FD-A17E76A57781}" presName="sibTrans" presStyleCnt="0"/>
+      <dgm:spPr/>
+    </dgm:pt>
+    <dgm:pt modelId="{43EC042C-40A0-7247-AA68-E4574B2F71F1}" type="pres">
+      <dgm:prSet presAssocID="{15E5C706-DEC0-4EC2-B37B-5C7618C83FB9}" presName="compositeNode" presStyleCnt="0">
+        <dgm:presLayoutVars>
+          <dgm:bulletEnabled val="1"/>
+        </dgm:presLayoutVars>
+      </dgm:prSet>
+      <dgm:spPr/>
+    </dgm:pt>
+    <dgm:pt modelId="{1E43D18C-466B-ED48-A0EC-FA78B636B696}" type="pres">
+      <dgm:prSet presAssocID="{15E5C706-DEC0-4EC2-B37B-5C7618C83FB9}" presName="bgRect" presStyleLbl="alignNode1" presStyleIdx="6" presStyleCnt="7"/>
+      <dgm:spPr/>
+    </dgm:pt>
+    <dgm:pt modelId="{CDDE394A-A2DF-0945-8D1D-9CADE7E17B47}" type="pres">
+      <dgm:prSet presAssocID="{D765D2F3-B793-4E8B-BEDD-CC1FEEAD64FE}" presName="sibTransNodeRect" presStyleLbl="alignNode1" presStyleIdx="6" presStyleCnt="7">
+        <dgm:presLayoutVars>
+          <dgm:chMax val="0"/>
+          <dgm:bulletEnabled val="1"/>
+        </dgm:presLayoutVars>
+      </dgm:prSet>
+      <dgm:spPr/>
+    </dgm:pt>
+    <dgm:pt modelId="{F1B40CC8-4DF6-F64A-92B2-41BBD3D138E5}" type="pres">
+      <dgm:prSet presAssocID="{15E5C706-DEC0-4EC2-B37B-5C7618C83FB9}" presName="nodeRect" presStyleLbl="alignNode1" presStyleIdx="6" presStyleCnt="7">
+        <dgm:presLayoutVars>
+          <dgm:bulletEnabled val="1"/>
+        </dgm:presLayoutVars>
+      </dgm:prSet>
+      <dgm:spPr/>
+    </dgm:pt>
+  </dgm:ptLst>
+  <dgm:cxnLst>
+    <dgm:cxn modelId="{E5DF8024-9D34-0A42-AEF0-74F134DC9670}" type="presOf" srcId="{15E5C706-DEC0-4EC2-B37B-5C7618C83FB9}" destId="{1E43D18C-466B-ED48-A0EC-FA78B636B696}" srcOrd="0" destOrd="0" presId="urn:microsoft.com/office/officeart/2016/7/layout/LinearBlockProcessNumbered"/>
+    <dgm:cxn modelId="{4BFB0B25-C1D6-C14A-B4D2-0AD247DB8473}" type="presOf" srcId="{26854220-5698-4CD1-87B6-23391A40C4A2}" destId="{9538FE17-AD8B-5C4C-AFFA-728E769D6E9C}" srcOrd="1" destOrd="0" presId="urn:microsoft.com/office/officeart/2016/7/layout/LinearBlockProcessNumbered"/>
+    <dgm:cxn modelId="{9F35ED2B-B040-4A89-A79B-A213EF982C3F}" srcId="{00CD358C-EC25-4DF5-941C-FC30A23B6665}" destId="{15E5C706-DEC0-4EC2-B37B-5C7618C83FB9}" srcOrd="6" destOrd="0" parTransId="{0E643028-C9AF-4A52-8BA8-6C3D38B303DE}" sibTransId="{D765D2F3-B793-4E8B-BEDD-CC1FEEAD64FE}"/>
+    <dgm:cxn modelId="{54B50C2E-88C4-4A6E-B2DE-F6B1789B746A}" srcId="{00CD358C-EC25-4DF5-941C-FC30A23B6665}" destId="{02262192-FAB0-4A26-99C8-E744249415FC}" srcOrd="5" destOrd="0" parTransId="{E9ACB8B4-40D1-4D1E-AA61-E706F417D973}" sibTransId="{409FB2FE-0C01-49A4-A3FD-A17E76A57781}"/>
+    <dgm:cxn modelId="{B671F439-0E50-264B-BFE3-C4516434B7AE}" type="presOf" srcId="{02262192-FAB0-4A26-99C8-E744249415FC}" destId="{A7F6ADE2-5512-E54E-9356-9D63FE79ACD3}" srcOrd="0" destOrd="0" presId="urn:microsoft.com/office/officeart/2016/7/layout/LinearBlockProcessNumbered"/>
+    <dgm:cxn modelId="{6080343A-BD42-6440-9769-E1E7E6F37802}" type="presOf" srcId="{C633276D-5357-4893-BAB1-59EEFB0FBB4A}" destId="{D02B734D-FA14-E241-AF20-7FB3590FD847}" srcOrd="0" destOrd="0" presId="urn:microsoft.com/office/officeart/2016/7/layout/LinearBlockProcessNumbered"/>
+    <dgm:cxn modelId="{1104A24C-A81F-4345-88C2-0C12646FDACD}" srcId="{00CD358C-EC25-4DF5-941C-FC30A23B6665}" destId="{CE954989-2B7A-4394-9F34-97997F43234B}" srcOrd="0" destOrd="0" parTransId="{D258A521-9865-44BF-9AE1-515D2CBC8009}" sibTransId="{94D82307-766E-4DB4-9082-5D2312C12E23}"/>
+    <dgm:cxn modelId="{0E7EFD4E-730B-514A-8A36-E4F50DCDDB98}" type="presOf" srcId="{CE954989-2B7A-4394-9F34-97997F43234B}" destId="{FED12D7B-FBB3-1E48-B13D-6E7179B3FFEE}" srcOrd="1" destOrd="0" presId="urn:microsoft.com/office/officeart/2016/7/layout/LinearBlockProcessNumbered"/>
+    <dgm:cxn modelId="{0E133459-857E-AE4B-9AF9-2F22DE7497CA}" type="presOf" srcId="{D4B16C90-A3B5-4479-B584-E9C535879A83}" destId="{745AEB14-30C3-5744-9DAF-74B9AC7DBD8C}" srcOrd="0" destOrd="0" presId="urn:microsoft.com/office/officeart/2016/7/layout/LinearBlockProcessNumbered"/>
+    <dgm:cxn modelId="{E90DED62-15BF-499C-AB35-223BE260C4DB}" srcId="{00CD358C-EC25-4DF5-941C-FC30A23B6665}" destId="{C633276D-5357-4893-BAB1-59EEFB0FBB4A}" srcOrd="2" destOrd="0" parTransId="{C567D25F-73A2-495A-A936-C5FF87E2887A}" sibTransId="{23DAC0BE-E23C-484B-AF12-D203429F1B3A}"/>
+    <dgm:cxn modelId="{0E254068-036C-2349-9236-6B794907A35F}" type="presOf" srcId="{94D82307-766E-4DB4-9082-5D2312C12E23}" destId="{19F27F08-F426-5E4D-876C-0B0F370DA858}" srcOrd="0" destOrd="0" presId="urn:microsoft.com/office/officeart/2016/7/layout/LinearBlockProcessNumbered"/>
+    <dgm:cxn modelId="{F9C9B97C-04FA-D342-A751-96ED506459D7}" type="presOf" srcId="{D765D2F3-B793-4E8B-BEDD-CC1FEEAD64FE}" destId="{CDDE394A-A2DF-0945-8D1D-9CADE7E17B47}" srcOrd="0" destOrd="0" presId="urn:microsoft.com/office/officeart/2016/7/layout/LinearBlockProcessNumbered"/>
+    <dgm:cxn modelId="{A53AF87F-61B2-40C5-B756-4236C08DD19A}" srcId="{00CD358C-EC25-4DF5-941C-FC30A23B6665}" destId="{6FBB8EAF-3F6D-49A1-964C-386E92FD82A3}" srcOrd="1" destOrd="0" parTransId="{1506059E-ACEC-4339-B98E-6BCB51744921}" sibTransId="{D4B16C90-A3B5-4479-B584-E9C535879A83}"/>
+    <dgm:cxn modelId="{03BBF586-5689-4941-8FDE-DFEC28DD2A36}" type="presOf" srcId="{26854220-5698-4CD1-87B6-23391A40C4A2}" destId="{1AC28B45-41F0-AC42-93C3-38372BC9F4DA}" srcOrd="0" destOrd="0" presId="urn:microsoft.com/office/officeart/2016/7/layout/LinearBlockProcessNumbered"/>
+    <dgm:cxn modelId="{265A5087-6789-4EA2-96DC-489BE7EF7D33}" srcId="{00CD358C-EC25-4DF5-941C-FC30A23B6665}" destId="{555D7739-78C3-4EE1-8E88-AC69CBF68657}" srcOrd="3" destOrd="0" parTransId="{3441B2B7-FFC3-4E6F-8FBD-FFA0EF59BA1B}" sibTransId="{F8356F0D-48A2-4E77-93C6-52A0F380525B}"/>
+    <dgm:cxn modelId="{C62FEB88-A11B-AC41-B717-70FB28F23731}" type="presOf" srcId="{00CD358C-EC25-4DF5-941C-FC30A23B6665}" destId="{786DDA9D-45B5-DC4B-AC6F-D90A1270D386}" srcOrd="0" destOrd="0" presId="urn:microsoft.com/office/officeart/2016/7/layout/LinearBlockProcessNumbered"/>
+    <dgm:cxn modelId="{CEBFE895-D214-2C40-9728-348342752114}" type="presOf" srcId="{CE954989-2B7A-4394-9F34-97997F43234B}" destId="{A49D0E31-BD1D-194D-BA77-488449879FA3}" srcOrd="0" destOrd="0" presId="urn:microsoft.com/office/officeart/2016/7/layout/LinearBlockProcessNumbered"/>
+    <dgm:cxn modelId="{76B9049F-18C6-1042-986B-2940C025E944}" type="presOf" srcId="{A8B0AED5-D333-4D5F-BC39-4D2CCF76AAF3}" destId="{1601BCF0-5F26-9142-9D63-4AC18A44772D}" srcOrd="0" destOrd="0" presId="urn:microsoft.com/office/officeart/2016/7/layout/LinearBlockProcessNumbered"/>
+    <dgm:cxn modelId="{0215D1A1-0DE2-44F7-AF22-E4EE4A8FCCA3}" srcId="{00CD358C-EC25-4DF5-941C-FC30A23B6665}" destId="{26854220-5698-4CD1-87B6-23391A40C4A2}" srcOrd="4" destOrd="0" parTransId="{2428E681-F5D4-4D82-9141-3674019E28D5}" sibTransId="{A8B0AED5-D333-4D5F-BC39-4D2CCF76AAF3}"/>
+    <dgm:cxn modelId="{3BAC67AC-5DAB-BE42-8660-73B149DAB8F6}" type="presOf" srcId="{555D7739-78C3-4EE1-8E88-AC69CBF68657}" destId="{B5C3E5C3-962E-C24D-A085-5D7330D4597D}" srcOrd="1" destOrd="0" presId="urn:microsoft.com/office/officeart/2016/7/layout/LinearBlockProcessNumbered"/>
+    <dgm:cxn modelId="{085279B0-A35E-D24C-819D-9A755AEF9ED1}" type="presOf" srcId="{15E5C706-DEC0-4EC2-B37B-5C7618C83FB9}" destId="{F1B40CC8-4DF6-F64A-92B2-41BBD3D138E5}" srcOrd="1" destOrd="0" presId="urn:microsoft.com/office/officeart/2016/7/layout/LinearBlockProcessNumbered"/>
+    <dgm:cxn modelId="{988A02C9-D849-8D4F-B7E4-C6244D52694E}" type="presOf" srcId="{23DAC0BE-E23C-484B-AF12-D203429F1B3A}" destId="{8D8200C4-3F99-EC44-B052-0CEEDD54DCDC}" srcOrd="0" destOrd="0" presId="urn:microsoft.com/office/officeart/2016/7/layout/LinearBlockProcessNumbered"/>
+    <dgm:cxn modelId="{B59B3ECA-CD8D-3045-9835-A8329757658C}" type="presOf" srcId="{6FBB8EAF-3F6D-49A1-964C-386E92FD82A3}" destId="{FDBFE954-3EA9-D14B-96C8-0F90FE85C755}" srcOrd="1" destOrd="0" presId="urn:microsoft.com/office/officeart/2016/7/layout/LinearBlockProcessNumbered"/>
+    <dgm:cxn modelId="{87D7DAE3-F70C-8048-A2D1-82454F18F4C1}" type="presOf" srcId="{F8356F0D-48A2-4E77-93C6-52A0F380525B}" destId="{85845B6D-4E59-6A41-9C17-7496D537EA5F}" srcOrd="0" destOrd="0" presId="urn:microsoft.com/office/officeart/2016/7/layout/LinearBlockProcessNumbered"/>
+    <dgm:cxn modelId="{CB202BE5-267F-A747-9805-54B79C23B333}" type="presOf" srcId="{409FB2FE-0C01-49A4-A3FD-A17E76A57781}" destId="{20E39224-A3C3-1F4B-A341-40D01B2B3EEC}" srcOrd="0" destOrd="0" presId="urn:microsoft.com/office/officeart/2016/7/layout/LinearBlockProcessNumbered"/>
+    <dgm:cxn modelId="{A31D21E9-367D-4F4D-8476-FF205AA8EF58}" type="presOf" srcId="{02262192-FAB0-4A26-99C8-E744249415FC}" destId="{AD597D89-36DA-564B-B925-B4045EFCDC95}" srcOrd="1" destOrd="0" presId="urn:microsoft.com/office/officeart/2016/7/layout/LinearBlockProcessNumbered"/>
+    <dgm:cxn modelId="{C8E6D5F3-6E3D-274D-8BD3-132D1CD93988}" type="presOf" srcId="{C633276D-5357-4893-BAB1-59EEFB0FBB4A}" destId="{54D694FB-FA8D-3E4E-BC2D-1A0E5C2715BE}" srcOrd="1" destOrd="0" presId="urn:microsoft.com/office/officeart/2016/7/layout/LinearBlockProcessNumbered"/>
+    <dgm:cxn modelId="{48CA62F4-1177-334B-9777-7B6643DF2718}" type="presOf" srcId="{555D7739-78C3-4EE1-8E88-AC69CBF68657}" destId="{C8AAF40A-2C83-5847-812D-73029510B967}" srcOrd="0" destOrd="0" presId="urn:microsoft.com/office/officeart/2016/7/layout/LinearBlockProcessNumbered"/>
+    <dgm:cxn modelId="{2B6EE8FE-88C6-F249-AB7D-71CF3AC7CE80}" type="presOf" srcId="{6FBB8EAF-3F6D-49A1-964C-386E92FD82A3}" destId="{88EE7466-7C37-7246-9E0E-4D4C13BC12D5}" srcOrd="0" destOrd="0" presId="urn:microsoft.com/office/officeart/2016/7/layout/LinearBlockProcessNumbered"/>
+    <dgm:cxn modelId="{21EA22F9-D1A2-614F-BE20-8E354CA8AE44}" type="presParOf" srcId="{786DDA9D-45B5-DC4B-AC6F-D90A1270D386}" destId="{015131A7-8C27-A344-8A2C-63B8520F64F2}" srcOrd="0" destOrd="0" presId="urn:microsoft.com/office/officeart/2016/7/layout/LinearBlockProcessNumbered"/>
+    <dgm:cxn modelId="{3BAE022C-3085-8D4F-9A7F-0C3E34044784}" type="presParOf" srcId="{015131A7-8C27-A344-8A2C-63B8520F64F2}" destId="{A49D0E31-BD1D-194D-BA77-488449879FA3}" srcOrd="0" destOrd="0" presId="urn:microsoft.com/office/officeart/2016/7/layout/LinearBlockProcessNumbered"/>
+    <dgm:cxn modelId="{3FA4D02C-A23A-F94D-95B9-83A15478268F}" type="presParOf" srcId="{015131A7-8C27-A344-8A2C-63B8520F64F2}" destId="{19F27F08-F426-5E4D-876C-0B0F370DA858}" srcOrd="1" destOrd="0" presId="urn:microsoft.com/office/officeart/2016/7/layout/LinearBlockProcessNumbered"/>
+    <dgm:cxn modelId="{FE0A6805-F665-9941-8100-D91E210A9296}" type="presParOf" srcId="{015131A7-8C27-A344-8A2C-63B8520F64F2}" destId="{FED12D7B-FBB3-1E48-B13D-6E7179B3FFEE}" srcOrd="2" destOrd="0" presId="urn:microsoft.com/office/officeart/2016/7/layout/LinearBlockProcessNumbered"/>
+    <dgm:cxn modelId="{0D84E379-E32B-4942-B735-037E6E05FB1F}" type="presParOf" srcId="{786DDA9D-45B5-DC4B-AC6F-D90A1270D386}" destId="{7B457EB5-64FE-DE42-8EF5-30B79B130F90}" srcOrd="1" destOrd="0" presId="urn:microsoft.com/office/officeart/2016/7/layout/LinearBlockProcessNumbered"/>
+    <dgm:cxn modelId="{9AF9FC82-5126-C142-BC9D-4C1BFAE606E3}" type="presParOf" srcId="{786DDA9D-45B5-DC4B-AC6F-D90A1270D386}" destId="{A41BBCAB-15FB-AC4B-A795-45F719F6FA74}" srcOrd="2" destOrd="0" presId="urn:microsoft.com/office/officeart/2016/7/layout/LinearBlockProcessNumbered"/>
+    <dgm:cxn modelId="{4B9B10C6-954F-1242-8BA0-279BDF6E86D8}" type="presParOf" srcId="{A41BBCAB-15FB-AC4B-A795-45F719F6FA74}" destId="{88EE7466-7C37-7246-9E0E-4D4C13BC12D5}" srcOrd="0" destOrd="0" presId="urn:microsoft.com/office/officeart/2016/7/layout/LinearBlockProcessNumbered"/>
+    <dgm:cxn modelId="{52E72618-0233-AD4A-8010-D5FCEBB71FA6}" type="presParOf" srcId="{A41BBCAB-15FB-AC4B-A795-45F719F6FA74}" destId="{745AEB14-30C3-5744-9DAF-74B9AC7DBD8C}" srcOrd="1" destOrd="0" presId="urn:microsoft.com/office/officeart/2016/7/layout/LinearBlockProcessNumbered"/>
+    <dgm:cxn modelId="{AFD8B212-77C1-AE47-8EC4-BCF9FF598B99}" type="presParOf" srcId="{A41BBCAB-15FB-AC4B-A795-45F719F6FA74}" destId="{FDBFE954-3EA9-D14B-96C8-0F90FE85C755}" srcOrd="2" destOrd="0" presId="urn:microsoft.com/office/officeart/2016/7/layout/LinearBlockProcessNumbered"/>
+    <dgm:cxn modelId="{6F216915-713E-B947-BAC8-263CC9759776}" type="presParOf" srcId="{786DDA9D-45B5-DC4B-AC6F-D90A1270D386}" destId="{986DABED-D9BC-0B40-9367-A9FE4723C88B}" srcOrd="3" destOrd="0" presId="urn:microsoft.com/office/officeart/2016/7/layout/LinearBlockProcessNumbered"/>
+    <dgm:cxn modelId="{BFD11BD5-7258-EC41-B28F-9577EECD5B45}" type="presParOf" srcId="{786DDA9D-45B5-DC4B-AC6F-D90A1270D386}" destId="{47EC8952-0FB7-DE40-9F30-925A81EA5EC0}" srcOrd="4" destOrd="0" presId="urn:microsoft.com/office/officeart/2016/7/layout/LinearBlockProcessNumbered"/>
+    <dgm:cxn modelId="{FCFB7CA8-36C8-064C-B349-D2BF7273373A}" type="presParOf" srcId="{47EC8952-0FB7-DE40-9F30-925A81EA5EC0}" destId="{D02B734D-FA14-E241-AF20-7FB3590FD847}" srcOrd="0" destOrd="0" presId="urn:microsoft.com/office/officeart/2016/7/layout/LinearBlockProcessNumbered"/>
+    <dgm:cxn modelId="{559EE8C0-FC52-414C-BFD5-4521AF809D21}" type="presParOf" srcId="{47EC8952-0FB7-DE40-9F30-925A81EA5EC0}" destId="{8D8200C4-3F99-EC44-B052-0CEEDD54DCDC}" srcOrd="1" destOrd="0" presId="urn:microsoft.com/office/officeart/2016/7/layout/LinearBlockProcessNumbered"/>
+    <dgm:cxn modelId="{FB529811-A638-7040-A557-ABA53562703F}" type="presParOf" srcId="{47EC8952-0FB7-DE40-9F30-925A81EA5EC0}" destId="{54D694FB-FA8D-3E4E-BC2D-1A0E5C2715BE}" srcOrd="2" destOrd="0" presId="urn:microsoft.com/office/officeart/2016/7/layout/LinearBlockProcessNumbered"/>
+    <dgm:cxn modelId="{78304186-30D9-184B-91EF-7AFCB3133305}" type="presParOf" srcId="{786DDA9D-45B5-DC4B-AC6F-D90A1270D386}" destId="{C2E4F341-F8D0-A641-80C1-F78FDB581393}" srcOrd="5" destOrd="0" presId="urn:microsoft.com/office/officeart/2016/7/layout/LinearBlockProcessNumbered"/>
+    <dgm:cxn modelId="{72A05C8F-2BF9-6844-ADDD-6B25E0B43307}" type="presParOf" srcId="{786DDA9D-45B5-DC4B-AC6F-D90A1270D386}" destId="{C3C355E4-DC5A-DE4D-BCB1-D5D28967BEDA}" srcOrd="6" destOrd="0" presId="urn:microsoft.com/office/officeart/2016/7/layout/LinearBlockProcessNumbered"/>
+    <dgm:cxn modelId="{A00977AC-9BF2-0141-AD28-C48150C5290F}" type="presParOf" srcId="{C3C355E4-DC5A-DE4D-BCB1-D5D28967BEDA}" destId="{C8AAF40A-2C83-5847-812D-73029510B967}" srcOrd="0" destOrd="0" presId="urn:microsoft.com/office/officeart/2016/7/layout/LinearBlockProcessNumbered"/>
+    <dgm:cxn modelId="{8AA51999-A6C5-5C44-953D-44A1ED395ADD}" type="presParOf" srcId="{C3C355E4-DC5A-DE4D-BCB1-D5D28967BEDA}" destId="{85845B6D-4E59-6A41-9C17-7496D537EA5F}" srcOrd="1" destOrd="0" presId="urn:microsoft.com/office/officeart/2016/7/layout/LinearBlockProcessNumbered"/>
+    <dgm:cxn modelId="{2A6E1249-C19C-EC4E-B6AB-6732D2313AF2}" type="presParOf" srcId="{C3C355E4-DC5A-DE4D-BCB1-D5D28967BEDA}" destId="{B5C3E5C3-962E-C24D-A085-5D7330D4597D}" srcOrd="2" destOrd="0" presId="urn:microsoft.com/office/officeart/2016/7/layout/LinearBlockProcessNumbered"/>
+    <dgm:cxn modelId="{2C964A56-4334-914C-A6F8-D5C9957CAA6D}" type="presParOf" srcId="{786DDA9D-45B5-DC4B-AC6F-D90A1270D386}" destId="{6E23574B-036C-C245-B9D7-84CA96192B33}" srcOrd="7" destOrd="0" presId="urn:microsoft.com/office/officeart/2016/7/layout/LinearBlockProcessNumbered"/>
+    <dgm:cxn modelId="{BF95D6B6-D116-7D44-A92F-BFFFC5FF00D7}" type="presParOf" srcId="{786DDA9D-45B5-DC4B-AC6F-D90A1270D386}" destId="{9A5673E9-207E-8047-A568-71D76C039665}" srcOrd="8" destOrd="0" presId="urn:microsoft.com/office/officeart/2016/7/layout/LinearBlockProcessNumbered"/>
+    <dgm:cxn modelId="{04AA0CA1-CABF-C043-B700-3102191E742D}" type="presParOf" srcId="{9A5673E9-207E-8047-A568-71D76C039665}" destId="{1AC28B45-41F0-AC42-93C3-38372BC9F4DA}" srcOrd="0" destOrd="0" presId="urn:microsoft.com/office/officeart/2016/7/layout/LinearBlockProcessNumbered"/>
+    <dgm:cxn modelId="{E009EE59-4815-8948-9C9F-230D18F102EC}" type="presParOf" srcId="{9A5673E9-207E-8047-A568-71D76C039665}" destId="{1601BCF0-5F26-9142-9D63-4AC18A44772D}" srcOrd="1" destOrd="0" presId="urn:microsoft.com/office/officeart/2016/7/layout/LinearBlockProcessNumbered"/>
+    <dgm:cxn modelId="{B7AD199A-88CA-834C-A967-50F25EB2CCD9}" type="presParOf" srcId="{9A5673E9-207E-8047-A568-71D76C039665}" destId="{9538FE17-AD8B-5C4C-AFFA-728E769D6E9C}" srcOrd="2" destOrd="0" presId="urn:microsoft.com/office/officeart/2016/7/layout/LinearBlockProcessNumbered"/>
+    <dgm:cxn modelId="{9DA69AC8-8AF0-954C-9E6C-0A9E779D2BD3}" type="presParOf" srcId="{786DDA9D-45B5-DC4B-AC6F-D90A1270D386}" destId="{723B539F-99E8-BB45-8379-7ABF8353795B}" srcOrd="9" destOrd="0" presId="urn:microsoft.com/office/officeart/2016/7/layout/LinearBlockProcessNumbered"/>
+    <dgm:cxn modelId="{A5C9CA3B-F6FA-4648-9B61-8EBA3DA20ADC}" type="presParOf" srcId="{786DDA9D-45B5-DC4B-AC6F-D90A1270D386}" destId="{0513C224-0BF0-3B42-8DA4-7E3DD9B345B6}" srcOrd="10" destOrd="0" presId="urn:microsoft.com/office/officeart/2016/7/layout/LinearBlockProcessNumbered"/>
+    <dgm:cxn modelId="{E6C8B85A-D940-144C-B851-BDB5E3C92213}" type="presParOf" srcId="{0513C224-0BF0-3B42-8DA4-7E3DD9B345B6}" destId="{A7F6ADE2-5512-E54E-9356-9D63FE79ACD3}" srcOrd="0" destOrd="0" presId="urn:microsoft.com/office/officeart/2016/7/layout/LinearBlockProcessNumbered"/>
+    <dgm:cxn modelId="{53C595D1-C14D-524C-A993-B744802D2259}" type="presParOf" srcId="{0513C224-0BF0-3B42-8DA4-7E3DD9B345B6}" destId="{20E39224-A3C3-1F4B-A341-40D01B2B3EEC}" srcOrd="1" destOrd="0" presId="urn:microsoft.com/office/officeart/2016/7/layout/LinearBlockProcessNumbered"/>
+    <dgm:cxn modelId="{1219FA18-8154-4A49-BC78-DD216CC125E2}" type="presParOf" srcId="{0513C224-0BF0-3B42-8DA4-7E3DD9B345B6}" destId="{AD597D89-36DA-564B-B925-B4045EFCDC95}" srcOrd="2" destOrd="0" presId="urn:microsoft.com/office/officeart/2016/7/layout/LinearBlockProcessNumbered"/>
+    <dgm:cxn modelId="{3484687C-994C-D54D-8853-749F6DCB43BD}" type="presParOf" srcId="{786DDA9D-45B5-DC4B-AC6F-D90A1270D386}" destId="{CC5FA5E4-DA06-EE44-BA9A-A8B3804F31D1}" srcOrd="11" destOrd="0" presId="urn:microsoft.com/office/officeart/2016/7/layout/LinearBlockProcessNumbered"/>
+    <dgm:cxn modelId="{EE31FB9D-C3E9-DA43-B3F3-3737DBD87C50}" type="presParOf" srcId="{786DDA9D-45B5-DC4B-AC6F-D90A1270D386}" destId="{43EC042C-40A0-7247-AA68-E4574B2F71F1}" srcOrd="12" destOrd="0" presId="urn:microsoft.com/office/officeart/2016/7/layout/LinearBlockProcessNumbered"/>
+    <dgm:cxn modelId="{C36B861E-4F75-9E4D-8730-DA5453A899FA}" type="presParOf" srcId="{43EC042C-40A0-7247-AA68-E4574B2F71F1}" destId="{1E43D18C-466B-ED48-A0EC-FA78B636B696}" srcOrd="0" destOrd="0" presId="urn:microsoft.com/office/officeart/2016/7/layout/LinearBlockProcessNumbered"/>
+    <dgm:cxn modelId="{B9C59E26-F3B8-1E46-989B-9DBB95192005}" type="presParOf" srcId="{43EC042C-40A0-7247-AA68-E4574B2F71F1}" destId="{CDDE394A-A2DF-0945-8D1D-9CADE7E17B47}" srcOrd="1" destOrd="0" presId="urn:microsoft.com/office/officeart/2016/7/layout/LinearBlockProcessNumbered"/>
+    <dgm:cxn modelId="{F470FDAE-6BE7-AC4A-B9B0-50396D6DDD26}" type="presParOf" srcId="{43EC042C-40A0-7247-AA68-E4574B2F71F1}" destId="{F1B40CC8-4DF6-F64A-92B2-41BBD3D138E5}" srcOrd="2" destOrd="0" presId="urn:microsoft.com/office/officeart/2016/7/layout/LinearBlockProcessNumbered"/>
+  </dgm:cxnLst>
+  <dgm:bg/>
+  <dgm:whole/>
+  <dgm:extLst>
+    <a:ext uri="http://schemas.microsoft.com/office/drawing/2008/diagram">
+      <dsp:dataModelExt xmlns:dsp="http://schemas.microsoft.com/office/drawing/2008/diagram" relId="rId6" minVer="http://schemas.openxmlformats.org/drawingml/2006/diagram"/>
+    </a:ext>
+  </dgm:extLst>
+</dgm:dataModel>
+</file>
+
+<file path=ppt/diagrams/data2.xml><?xml version="1.0" encoding="utf-8"?>
 <dgm:dataModel xmlns:dgm="http://schemas.openxmlformats.org/drawingml/2006/diagram" xmlns:a="http://schemas.openxmlformats.org/drawingml/2006/main">
   <dgm:ptLst>
     <dgm:pt modelId="{46431D71-113E-424B-ABA2-B1968B786F8F}" type="doc">
@@ -4438,7 +5969,7 @@
 </dgm:dataModel>
 </file>
 
-<file path=ppt/diagrams/data2.xml><?xml version="1.0" encoding="utf-8"?>
+<file path=ppt/diagrams/data3.xml><?xml version="1.0" encoding="utf-8"?>
 <dgm:dataModel xmlns:dgm="http://schemas.openxmlformats.org/drawingml/2006/diagram" xmlns:a="http://schemas.openxmlformats.org/drawingml/2006/main">
   <dgm:ptLst>
     <dgm:pt modelId="{CBEFF8BD-A07E-4C15-8C00-7A306E660BE0}" type="doc">
@@ -4975,7 +6506,7 @@
 </dgm:dataModel>
 </file>
 
-<file path=ppt/diagrams/data3.xml><?xml version="1.0" encoding="utf-8"?>
+<file path=ppt/diagrams/data4.xml><?xml version="1.0" encoding="utf-8"?>
 <dgm:dataModel xmlns:dgm="http://schemas.openxmlformats.org/drawingml/2006/diagram" xmlns:a="http://schemas.openxmlformats.org/drawingml/2006/main">
   <dgm:ptLst>
     <dgm:pt modelId="{77817AB0-C3A6-49DE-9AA3-348AFCC82F1A}" type="doc">
@@ -5027,19 +6558,23 @@
           </a:r>
           <a:r>
             <a:rPr lang="fr-FR" dirty="0"/>
-            <a:t> sont des </a:t>
+            <a:t> sont basées sur différentes sources (</a:t>
           </a:r>
           <a:r>
             <a:rPr lang="fr-FR" dirty="0" err="1"/>
-            <a:t>templates</a:t>
+            <a:t>CodePen</a:t>
           </a:r>
           <a:r>
             <a:rPr lang="fr-FR" dirty="0"/>
-            <a:t> provenant du fournisseur </a:t>
+            <a:t>, </a:t>
           </a:r>
           <a:r>
             <a:rPr lang="fr-FR" dirty="0" err="1"/>
-            <a:t>ThemeForest</a:t>
+            <a:t>ThemeF</a:t>
+          </a:r>
+          <a:r>
+            <a:rPr lang="fr-FR" dirty="0"/>
+            <a:t>)</a:t>
           </a:r>
           <a:endParaRPr lang="en-US" dirty="0"/>
         </a:p>
@@ -5249,11 +6784,11 @@
 </dgm:dataModel>
 </file>
 
-<file path=ppt/diagrams/data4.xml><?xml version="1.0" encoding="utf-8"?>
+<file path=ppt/diagrams/data5.xml><?xml version="1.0" encoding="utf-8"?>
 <dgm:dataModel xmlns:dgm="http://schemas.openxmlformats.org/drawingml/2006/diagram" xmlns:a="http://schemas.openxmlformats.org/drawingml/2006/main">
   <dgm:ptLst>
     <dgm:pt modelId="{C0D60D35-670E-469F-B029-11FC6D2A702A}" type="doc">
-      <dgm:prSet loTypeId="urn:microsoft.com/office/officeart/2018/2/layout/IconVerticalSolidList" loCatId="icon" qsTypeId="urn:microsoft.com/office/officeart/2005/8/quickstyle/simple1" qsCatId="simple" csTypeId="urn:microsoft.com/office/officeart/2018/5/colors/Iconchunking_neutralicontext_colorful1" csCatId="colorful" phldr="1"/>
+      <dgm:prSet loTypeId="urn:microsoft.com/office/officeart/2018/2/layout/IconLabelList" loCatId="icon" qsTypeId="urn:microsoft.com/office/officeart/2005/8/quickstyle/simple1" qsCatId="simple" csTypeId="urn:microsoft.com/office/officeart/2018/5/colors/Iconchunking_neutralbg_colorful1" csCatId="colorful" phldr="1"/>
       <dgm:spPr/>
       <dgm:t>
         <a:bodyPr/>
@@ -5276,14 +6811,10 @@
             </a:lnSpc>
           </a:pPr>
           <a:r>
-            <a:rPr lang="fr-FR" dirty="0" err="1"/>
-            <a:t>Chrisd.fr</a:t>
+            <a:rPr lang="fr-FR"/>
+            <a:t>Chrisd.fr : SweetAlert2 (pour les alertes)</a:t>
           </a:r>
-          <a:r>
-            <a:rPr lang="fr-FR" dirty="0"/>
-            <a:t> : SweetAlert2 (pour les alertes)</a:t>
-          </a:r>
-          <a:endParaRPr lang="en-US" dirty="0"/>
+          <a:endParaRPr lang="en-US"/>
         </a:p>
       </dgm:t>
     </dgm:pt>
@@ -5322,14 +6853,10 @@
             </a:lnSpc>
           </a:pPr>
           <a:r>
-            <a:rPr lang="fr-FR" dirty="0" err="1"/>
-            <a:t>Hadil.chrisd.fr</a:t>
+            <a:rPr lang="fr-FR"/>
+            <a:t>Hadil.chrisd.fr : SweetAlert2 (pour les alertes)</a:t>
           </a:r>
-          <a:r>
-            <a:rPr lang="fr-FR" dirty="0"/>
-            <a:t> : SweetAlert2 (pour les alertes)</a:t>
-          </a:r>
-          <a:endParaRPr lang="en-US" dirty="0"/>
+          <a:endParaRPr lang="en-US"/>
         </a:p>
       </dgm:t>
     </dgm:pt>
@@ -5368,18 +6895,9 @@
             </a:lnSpc>
           </a:pPr>
           <a:r>
-            <a:rPr lang="fr-FR" dirty="0" err="1"/>
-            <a:t>Admin.chrisd.fr</a:t>
+            <a:rPr lang="fr-FR"/>
+            <a:t>Admin.chrisd.fr : SweetAlert2, CKEDITOR</a:t>
           </a:r>
-          <a:r>
-            <a:rPr lang="fr-FR" dirty="0"/>
-            <a:t> </a:t>
-          </a:r>
-          <a:r>
-            <a:rPr lang="fr-FR"/>
-            <a:t>: SweetAlert2, CKEDITOR</a:t>
-          </a:r>
-          <a:endParaRPr lang="fr-FR" dirty="0"/>
         </a:p>
       </dgm:t>
     </dgm:pt>
@@ -5405,7 +6923,7 @@
         </a:p>
       </dgm:t>
     </dgm:pt>
-    <dgm:pt modelId="{C8BA75B8-901B-4C53-BE70-043C0B667D72}" type="pres">
+    <dgm:pt modelId="{913CE67C-0D58-45B0-AE9F-ED5524E13DC0}" type="pres">
       <dgm:prSet presAssocID="{C0D60D35-670E-469F-B029-11FC6D2A702A}" presName="root" presStyleCnt="0">
         <dgm:presLayoutVars>
           <dgm:dir/>
@@ -5414,15 +6932,11 @@
       </dgm:prSet>
       <dgm:spPr/>
     </dgm:pt>
-    <dgm:pt modelId="{DC3B09B3-50D5-4C9B-8551-9FD44F4F4294}" type="pres">
+    <dgm:pt modelId="{363EB5E9-C973-4E1B-A7D5-173711B555EB}" type="pres">
       <dgm:prSet presAssocID="{7D2CDFA6-9D1C-4769-9D67-1D94FBC43701}" presName="compNode" presStyleCnt="0"/>
       <dgm:spPr/>
     </dgm:pt>
-    <dgm:pt modelId="{532EC619-8520-43E7-8CB1-4EBC4076CD13}" type="pres">
-      <dgm:prSet presAssocID="{7D2CDFA6-9D1C-4769-9D67-1D94FBC43701}" presName="bgRect" presStyleLbl="bgShp" presStyleIdx="0" presStyleCnt="3"/>
-      <dgm:spPr/>
-    </dgm:pt>
-    <dgm:pt modelId="{693251C9-BA45-4BC7-81F2-CA016178FDA9}" type="pres">
+    <dgm:pt modelId="{D988B096-DC74-4FF2-9466-F2DE05BB1BB4}" type="pres">
       <dgm:prSet presAssocID="{7D2CDFA6-9D1C-4769-9D67-1D94FBC43701}" presName="iconRect" presStyleLbl="node1" presStyleIdx="0" presStyleCnt="3"/>
       <dgm:spPr>
         <a:blipFill>
@@ -5450,66 +6964,29 @@
         </a:ext>
       </dgm:extLst>
     </dgm:pt>
-    <dgm:pt modelId="{A00A263B-FA96-4886-9562-46F143EE4692}" type="pres">
+    <dgm:pt modelId="{9C81BB7C-B927-4046-BE2A-574C8C1DA81C}" type="pres">
       <dgm:prSet presAssocID="{7D2CDFA6-9D1C-4769-9D67-1D94FBC43701}" presName="spaceRect" presStyleCnt="0"/>
       <dgm:spPr/>
     </dgm:pt>
-    <dgm:pt modelId="{4D830A47-0DB2-497E-9F98-66C4CCA768BD}" type="pres">
-      <dgm:prSet presAssocID="{7D2CDFA6-9D1C-4769-9D67-1D94FBC43701}" presName="parTx" presStyleLbl="revTx" presStyleIdx="0" presStyleCnt="3">
+    <dgm:pt modelId="{3FC12EB3-28D2-498E-96AD-0B77B1020B3E}" type="pres">
+      <dgm:prSet presAssocID="{7D2CDFA6-9D1C-4769-9D67-1D94FBC43701}" presName="textRect" presStyleLbl="revTx" presStyleIdx="0" presStyleCnt="3">
         <dgm:presLayoutVars>
-          <dgm:chMax val="0"/>
-          <dgm:chPref val="0"/>
+          <dgm:chMax val="1"/>
+          <dgm:chPref val="1"/>
         </dgm:presLayoutVars>
       </dgm:prSet>
       <dgm:spPr/>
     </dgm:pt>
-    <dgm:pt modelId="{D3D665AC-5585-48CF-9766-6DEC0390015F}" type="pres">
+    <dgm:pt modelId="{71C80D9D-0AC7-4F00-ABB7-78BCFFC17D2A}" type="pres">
       <dgm:prSet presAssocID="{ECC34882-CF13-4EBC-BB99-E5B2264B9EA8}" presName="sibTrans" presStyleCnt="0"/>
       <dgm:spPr/>
     </dgm:pt>
-    <dgm:pt modelId="{4787A49A-08EB-6941-ABB1-4082AA5DBD9D}" type="pres">
+    <dgm:pt modelId="{38096FD2-8ACC-4276-9A99-870122CEE3B0}" type="pres">
       <dgm:prSet presAssocID="{6E0B8D8C-EF67-E44B-ABA3-8B2F0236D379}" presName="compNode" presStyleCnt="0"/>
       <dgm:spPr/>
     </dgm:pt>
-    <dgm:pt modelId="{0E220C8C-5A24-8747-9E5B-82B0E54DDA11}" type="pres">
-      <dgm:prSet presAssocID="{6E0B8D8C-EF67-E44B-ABA3-8B2F0236D379}" presName="bgRect" presStyleLbl="bgShp" presStyleIdx="1" presStyleCnt="3"/>
-      <dgm:spPr/>
-    </dgm:pt>
-    <dgm:pt modelId="{15821872-185B-3547-AF8E-4A7E63910A4C}" type="pres">
+    <dgm:pt modelId="{AE33A838-6FD5-4FA2-A627-22A1619109CC}" type="pres">
       <dgm:prSet presAssocID="{6E0B8D8C-EF67-E44B-ABA3-8B2F0236D379}" presName="iconRect" presStyleLbl="node1" presStyleIdx="1" presStyleCnt="3"/>
-      <dgm:spPr>
-        <a:prstGeom prst="flowChartInternalStorage">
-          <a:avLst/>
-        </a:prstGeom>
-      </dgm:spPr>
-    </dgm:pt>
-    <dgm:pt modelId="{595C04E8-988E-A44B-A104-4019E93F802C}" type="pres">
-      <dgm:prSet presAssocID="{6E0B8D8C-EF67-E44B-ABA3-8B2F0236D379}" presName="spaceRect" presStyleCnt="0"/>
-      <dgm:spPr/>
-    </dgm:pt>
-    <dgm:pt modelId="{17B0E781-5315-1447-8FE0-F645A6F6980A}" type="pres">
-      <dgm:prSet presAssocID="{6E0B8D8C-EF67-E44B-ABA3-8B2F0236D379}" presName="parTx" presStyleLbl="revTx" presStyleIdx="1" presStyleCnt="3">
-        <dgm:presLayoutVars>
-          <dgm:chMax val="0"/>
-          <dgm:chPref val="0"/>
-        </dgm:presLayoutVars>
-      </dgm:prSet>
-      <dgm:spPr/>
-    </dgm:pt>
-    <dgm:pt modelId="{519B6661-C4FA-9E40-B343-B18A1D0CA8D9}" type="pres">
-      <dgm:prSet presAssocID="{789AD491-85CA-9948-93F0-703D550ECFF7}" presName="sibTrans" presStyleCnt="0"/>
-      <dgm:spPr/>
-    </dgm:pt>
-    <dgm:pt modelId="{04C1EB39-6D2C-4517-82EE-C107C41DCF69}" type="pres">
-      <dgm:prSet presAssocID="{65B72F1C-9FA9-4E69-996C-1EAEFFC8CF38}" presName="compNode" presStyleCnt="0"/>
-      <dgm:spPr/>
-    </dgm:pt>
-    <dgm:pt modelId="{BC03AB91-B0CF-4E92-A71D-27B15913513A}" type="pres">
-      <dgm:prSet presAssocID="{65B72F1C-9FA9-4E69-996C-1EAEFFC8CF38}" presName="bgRect" presStyleLbl="bgShp" presStyleIdx="2" presStyleCnt="3"/>
-      <dgm:spPr/>
-    </dgm:pt>
-    <dgm:pt modelId="{0A64B28D-89C1-44BF-943E-B3F69996CF75}" type="pres">
-      <dgm:prSet presAssocID="{65B72F1C-9FA9-4E69-996C-1EAEFFC8CF38}" presName="iconRect" presStyleLbl="node1" presStyleIdx="2" presStyleCnt="3"/>
       <dgm:spPr>
         <a:blipFill>
           <a:blip xmlns:r="http://schemas.openxmlformats.org/officeDocument/2006/relationships" r:embed="rId3">
@@ -5536,57 +7013,1214 @@
         </a:ext>
       </dgm:extLst>
     </dgm:pt>
-    <dgm:pt modelId="{7386D3BB-1882-405E-91B6-1BAD1930DC30}" type="pres">
+    <dgm:pt modelId="{9F729062-3F04-45AB-8F8B-BD2473A3757E}" type="pres">
+      <dgm:prSet presAssocID="{6E0B8D8C-EF67-E44B-ABA3-8B2F0236D379}" presName="spaceRect" presStyleCnt="0"/>
+      <dgm:spPr/>
+    </dgm:pt>
+    <dgm:pt modelId="{58C90199-44A3-407A-85C9-1A6C59F52E8A}" type="pres">
+      <dgm:prSet presAssocID="{6E0B8D8C-EF67-E44B-ABA3-8B2F0236D379}" presName="textRect" presStyleLbl="revTx" presStyleIdx="1" presStyleCnt="3">
+        <dgm:presLayoutVars>
+          <dgm:chMax val="1"/>
+          <dgm:chPref val="1"/>
+        </dgm:presLayoutVars>
+      </dgm:prSet>
+      <dgm:spPr/>
+    </dgm:pt>
+    <dgm:pt modelId="{E65A62F9-8245-4962-B55C-183CA9E50897}" type="pres">
+      <dgm:prSet presAssocID="{789AD491-85CA-9948-93F0-703D550ECFF7}" presName="sibTrans" presStyleCnt="0"/>
+      <dgm:spPr/>
+    </dgm:pt>
+    <dgm:pt modelId="{966056AD-47C5-4DDF-9679-64646DE09A82}" type="pres">
+      <dgm:prSet presAssocID="{65B72F1C-9FA9-4E69-996C-1EAEFFC8CF38}" presName="compNode" presStyleCnt="0"/>
+      <dgm:spPr/>
+    </dgm:pt>
+    <dgm:pt modelId="{B77DB399-DDFB-4316-B56D-03427A5C8DD2}" type="pres">
+      <dgm:prSet presAssocID="{65B72F1C-9FA9-4E69-996C-1EAEFFC8CF38}" presName="iconRect" presStyleLbl="node1" presStyleIdx="2" presStyleCnt="3"/>
+      <dgm:spPr>
+        <a:blipFill>
+          <a:blip xmlns:r="http://schemas.openxmlformats.org/officeDocument/2006/relationships" r:embed="rId5">
+            <a:extLst>
+              <a:ext uri="{28A0092B-C50C-407E-A947-70E740481C1C}">
+                <a14:useLocalDpi xmlns:a14="http://schemas.microsoft.com/office/drawing/2010/main" val="0"/>
+              </a:ext>
+              <a:ext uri="{96DAC541-7B7A-43D3-8B79-37D633B846F1}">
+                <asvg:svgBlip xmlns:asvg="http://schemas.microsoft.com/office/drawing/2016/SVG/main" r:embed="rId6"/>
+              </a:ext>
+            </a:extLst>
+          </a:blip>
+          <a:stretch>
+            <a:fillRect/>
+          </a:stretch>
+        </a:blipFill>
+        <a:ln>
+          <a:noFill/>
+        </a:ln>
+      </dgm:spPr>
+      <dgm:extLst>
+        <a:ext uri="{E40237B7-FDA0-4F09-8148-C483321AD2D9}">
+          <dgm14:cNvPr xmlns:dgm14="http://schemas.microsoft.com/office/drawing/2010/diagram" id="0" name="" descr="Office Worker"/>
+        </a:ext>
+      </dgm:extLst>
+    </dgm:pt>
+    <dgm:pt modelId="{FA36A508-4BB8-4A82-BAFD-E8BB1CD9C997}" type="pres">
       <dgm:prSet presAssocID="{65B72F1C-9FA9-4E69-996C-1EAEFFC8CF38}" presName="spaceRect" presStyleCnt="0"/>
       <dgm:spPr/>
     </dgm:pt>
-    <dgm:pt modelId="{FB4968A2-18A4-4CED-B5C8-A7A5D47B5CE3}" type="pres">
-      <dgm:prSet presAssocID="{65B72F1C-9FA9-4E69-996C-1EAEFFC8CF38}" presName="parTx" presStyleLbl="revTx" presStyleIdx="2" presStyleCnt="3">
+    <dgm:pt modelId="{2B11A657-788D-48EB-B108-71C829D2D462}" type="pres">
+      <dgm:prSet presAssocID="{65B72F1C-9FA9-4E69-996C-1EAEFFC8CF38}" presName="textRect" presStyleLbl="revTx" presStyleIdx="2" presStyleCnt="3">
         <dgm:presLayoutVars>
-          <dgm:chMax val="0"/>
-          <dgm:chPref val="0"/>
+          <dgm:chMax val="1"/>
+          <dgm:chPref val="1"/>
         </dgm:presLayoutVars>
       </dgm:prSet>
       <dgm:spPr/>
     </dgm:pt>
   </dgm:ptLst>
   <dgm:cxnLst>
+    <dgm:cxn modelId="{19AB9D20-CCE9-A344-A2A6-9D68DBE4D70A}" type="presOf" srcId="{65B72F1C-9FA9-4E69-996C-1EAEFFC8CF38}" destId="{2B11A657-788D-48EB-B108-71C829D2D462}" srcOrd="0" destOrd="0" presId="urn:microsoft.com/office/officeart/2018/2/layout/IconLabelList"/>
+    <dgm:cxn modelId="{AD854F2C-2580-604C-B232-13414094C01B}" type="presOf" srcId="{C0D60D35-670E-469F-B029-11FC6D2A702A}" destId="{913CE67C-0D58-45B0-AE9F-ED5524E13DC0}" srcOrd="0" destOrd="0" presId="urn:microsoft.com/office/officeart/2018/2/layout/IconLabelList"/>
     <dgm:cxn modelId="{B9BFDB47-3EB6-4FB5-A861-F51529014751}" srcId="{C0D60D35-670E-469F-B029-11FC6D2A702A}" destId="{65B72F1C-9FA9-4E69-996C-1EAEFFC8CF38}" srcOrd="2" destOrd="0" parTransId="{9764CF50-4C10-4CFA-9134-A14DE335B5CA}" sibTransId="{07CAC80B-9569-44F9-B287-2A0B6867F339}"/>
     <dgm:cxn modelId="{88E9744D-BF67-4B3A-A6C0-3CD4B557ECB8}" srcId="{C0D60D35-670E-469F-B029-11FC6D2A702A}" destId="{7D2CDFA6-9D1C-4769-9D67-1D94FBC43701}" srcOrd="0" destOrd="0" parTransId="{CF00B262-9F08-4EB5-995F-E84B72A61D3F}" sibTransId="{ECC34882-CF13-4EBC-BB99-E5B2264B9EA8}"/>
-    <dgm:cxn modelId="{B74B666A-D5B8-4A29-8377-565BA21A93DD}" type="presOf" srcId="{C0D60D35-670E-469F-B029-11FC6D2A702A}" destId="{C8BA75B8-901B-4C53-BE70-043C0B667D72}" srcOrd="0" destOrd="0" presId="urn:microsoft.com/office/officeart/2018/2/layout/IconVerticalSolidList"/>
-    <dgm:cxn modelId="{631F00CB-44B8-4042-97A3-A44C6290A489}" type="presOf" srcId="{65B72F1C-9FA9-4E69-996C-1EAEFFC8CF38}" destId="{FB4968A2-18A4-4CED-B5C8-A7A5D47B5CE3}" srcOrd="0" destOrd="0" presId="urn:microsoft.com/office/officeart/2018/2/layout/IconVerticalSolidList"/>
-    <dgm:cxn modelId="{A150F8D5-77A6-4D44-9ABA-D7A712BC5D33}" type="presOf" srcId="{6E0B8D8C-EF67-E44B-ABA3-8B2F0236D379}" destId="{17B0E781-5315-1447-8FE0-F645A6F6980A}" srcOrd="0" destOrd="0" presId="urn:microsoft.com/office/officeart/2018/2/layout/IconVerticalSolidList"/>
+    <dgm:cxn modelId="{9AB1755B-6708-3D49-8B96-16BBF6CB9731}" type="presOf" srcId="{6E0B8D8C-EF67-E44B-ABA3-8B2F0236D379}" destId="{58C90199-44A3-407A-85C9-1A6C59F52E8A}" srcOrd="0" destOrd="0" presId="urn:microsoft.com/office/officeart/2018/2/layout/IconLabelList"/>
+    <dgm:cxn modelId="{759BF5B8-21B1-0F43-B0A2-29B4CC61314D}" type="presOf" srcId="{7D2CDFA6-9D1C-4769-9D67-1D94FBC43701}" destId="{3FC12EB3-28D2-498E-96AD-0B77B1020B3E}" srcOrd="0" destOrd="0" presId="urn:microsoft.com/office/officeart/2018/2/layout/IconLabelList"/>
     <dgm:cxn modelId="{B1969DFD-2AD8-1642-8244-DBFCB9710D25}" srcId="{C0D60D35-670E-469F-B029-11FC6D2A702A}" destId="{6E0B8D8C-EF67-E44B-ABA3-8B2F0236D379}" srcOrd="1" destOrd="0" parTransId="{BD39C574-B847-234B-A9EF-5EDAEC83559E}" sibTransId="{789AD491-85CA-9948-93F0-703D550ECFF7}"/>
-    <dgm:cxn modelId="{213910FF-5DCF-45A8-AD80-131ED898B1C0}" type="presOf" srcId="{7D2CDFA6-9D1C-4769-9D67-1D94FBC43701}" destId="{4D830A47-0DB2-497E-9F98-66C4CCA768BD}" srcOrd="0" destOrd="0" presId="urn:microsoft.com/office/officeart/2018/2/layout/IconVerticalSolidList"/>
-    <dgm:cxn modelId="{73543195-E747-4289-8A08-B97D29FB25ED}" type="presParOf" srcId="{C8BA75B8-901B-4C53-BE70-043C0B667D72}" destId="{DC3B09B3-50D5-4C9B-8551-9FD44F4F4294}" srcOrd="0" destOrd="0" presId="urn:microsoft.com/office/officeart/2018/2/layout/IconVerticalSolidList"/>
-    <dgm:cxn modelId="{244A1499-FCC9-438C-9A4E-C0B385B7020D}" type="presParOf" srcId="{DC3B09B3-50D5-4C9B-8551-9FD44F4F4294}" destId="{532EC619-8520-43E7-8CB1-4EBC4076CD13}" srcOrd="0" destOrd="0" presId="urn:microsoft.com/office/officeart/2018/2/layout/IconVerticalSolidList"/>
-    <dgm:cxn modelId="{C8E07A30-32A6-4A4A-A353-D11F15516504}" type="presParOf" srcId="{DC3B09B3-50D5-4C9B-8551-9FD44F4F4294}" destId="{693251C9-BA45-4BC7-81F2-CA016178FDA9}" srcOrd="1" destOrd="0" presId="urn:microsoft.com/office/officeart/2018/2/layout/IconVerticalSolidList"/>
-    <dgm:cxn modelId="{B82B3999-2810-4540-A023-41FF89732853}" type="presParOf" srcId="{DC3B09B3-50D5-4C9B-8551-9FD44F4F4294}" destId="{A00A263B-FA96-4886-9562-46F143EE4692}" srcOrd="2" destOrd="0" presId="urn:microsoft.com/office/officeart/2018/2/layout/IconVerticalSolidList"/>
-    <dgm:cxn modelId="{4885C733-FA88-4CD4-9604-3938263CDD65}" type="presParOf" srcId="{DC3B09B3-50D5-4C9B-8551-9FD44F4F4294}" destId="{4D830A47-0DB2-497E-9F98-66C4CCA768BD}" srcOrd="3" destOrd="0" presId="urn:microsoft.com/office/officeart/2018/2/layout/IconVerticalSolidList"/>
-    <dgm:cxn modelId="{8134E408-6CC9-45CC-9AEB-00E73D06BB9E}" type="presParOf" srcId="{C8BA75B8-901B-4C53-BE70-043C0B667D72}" destId="{D3D665AC-5585-48CF-9766-6DEC0390015F}" srcOrd="1" destOrd="0" presId="urn:microsoft.com/office/officeart/2018/2/layout/IconVerticalSolidList"/>
-    <dgm:cxn modelId="{C8399B3D-818D-8E4B-9829-5B31FEC367B8}" type="presParOf" srcId="{C8BA75B8-901B-4C53-BE70-043C0B667D72}" destId="{4787A49A-08EB-6941-ABB1-4082AA5DBD9D}" srcOrd="2" destOrd="0" presId="urn:microsoft.com/office/officeart/2018/2/layout/IconVerticalSolidList"/>
-    <dgm:cxn modelId="{0A0F97EE-DAB5-DC4A-BAF2-54B8E6426E17}" type="presParOf" srcId="{4787A49A-08EB-6941-ABB1-4082AA5DBD9D}" destId="{0E220C8C-5A24-8747-9E5B-82B0E54DDA11}" srcOrd="0" destOrd="0" presId="urn:microsoft.com/office/officeart/2018/2/layout/IconVerticalSolidList"/>
-    <dgm:cxn modelId="{4272F480-AB4D-BE41-B4B5-41AB407A8405}" type="presParOf" srcId="{4787A49A-08EB-6941-ABB1-4082AA5DBD9D}" destId="{15821872-185B-3547-AF8E-4A7E63910A4C}" srcOrd="1" destOrd="0" presId="urn:microsoft.com/office/officeart/2018/2/layout/IconVerticalSolidList"/>
-    <dgm:cxn modelId="{DE181967-9965-6B4C-9D6C-4CF274B5CC9F}" type="presParOf" srcId="{4787A49A-08EB-6941-ABB1-4082AA5DBD9D}" destId="{595C04E8-988E-A44B-A104-4019E93F802C}" srcOrd="2" destOrd="0" presId="urn:microsoft.com/office/officeart/2018/2/layout/IconVerticalSolidList"/>
-    <dgm:cxn modelId="{543DEBBE-6107-7C4A-8A1C-194E16319507}" type="presParOf" srcId="{4787A49A-08EB-6941-ABB1-4082AA5DBD9D}" destId="{17B0E781-5315-1447-8FE0-F645A6F6980A}" srcOrd="3" destOrd="0" presId="urn:microsoft.com/office/officeart/2018/2/layout/IconVerticalSolidList"/>
-    <dgm:cxn modelId="{3D8ABC28-F139-944C-89F6-708EAC6A7D4F}" type="presParOf" srcId="{C8BA75B8-901B-4C53-BE70-043C0B667D72}" destId="{519B6661-C4FA-9E40-B343-B18A1D0CA8D9}" srcOrd="3" destOrd="0" presId="urn:microsoft.com/office/officeart/2018/2/layout/IconVerticalSolidList"/>
-    <dgm:cxn modelId="{446A7386-F1A6-4080-BF2D-AE8237FCA5B5}" type="presParOf" srcId="{C8BA75B8-901B-4C53-BE70-043C0B667D72}" destId="{04C1EB39-6D2C-4517-82EE-C107C41DCF69}" srcOrd="4" destOrd="0" presId="urn:microsoft.com/office/officeart/2018/2/layout/IconVerticalSolidList"/>
-    <dgm:cxn modelId="{24300F66-E8BE-4B21-ADCD-149CFE0C746A}" type="presParOf" srcId="{04C1EB39-6D2C-4517-82EE-C107C41DCF69}" destId="{BC03AB91-B0CF-4E92-A71D-27B15913513A}" srcOrd="0" destOrd="0" presId="urn:microsoft.com/office/officeart/2018/2/layout/IconVerticalSolidList"/>
-    <dgm:cxn modelId="{E328893A-98B0-41AB-8A51-7877F6F4DCEA}" type="presParOf" srcId="{04C1EB39-6D2C-4517-82EE-C107C41DCF69}" destId="{0A64B28D-89C1-44BF-943E-B3F69996CF75}" srcOrd="1" destOrd="0" presId="urn:microsoft.com/office/officeart/2018/2/layout/IconVerticalSolidList"/>
-    <dgm:cxn modelId="{CFEA3472-69A5-43F4-8C9C-63B274CA2F41}" type="presParOf" srcId="{04C1EB39-6D2C-4517-82EE-C107C41DCF69}" destId="{7386D3BB-1882-405E-91B6-1BAD1930DC30}" srcOrd="2" destOrd="0" presId="urn:microsoft.com/office/officeart/2018/2/layout/IconVerticalSolidList"/>
-    <dgm:cxn modelId="{D09746FA-C479-4737-A6BF-98AC653FE9A9}" type="presParOf" srcId="{04C1EB39-6D2C-4517-82EE-C107C41DCF69}" destId="{FB4968A2-18A4-4CED-B5C8-A7A5D47B5CE3}" srcOrd="3" destOrd="0" presId="urn:microsoft.com/office/officeart/2018/2/layout/IconVerticalSolidList"/>
+    <dgm:cxn modelId="{791FD266-AF04-1949-BDC2-8628A82D638D}" type="presParOf" srcId="{913CE67C-0D58-45B0-AE9F-ED5524E13DC0}" destId="{363EB5E9-C973-4E1B-A7D5-173711B555EB}" srcOrd="0" destOrd="0" presId="urn:microsoft.com/office/officeart/2018/2/layout/IconLabelList"/>
+    <dgm:cxn modelId="{00664E1A-EAA2-CF4C-BBBB-B819A83D0554}" type="presParOf" srcId="{363EB5E9-C973-4E1B-A7D5-173711B555EB}" destId="{D988B096-DC74-4FF2-9466-F2DE05BB1BB4}" srcOrd="0" destOrd="0" presId="urn:microsoft.com/office/officeart/2018/2/layout/IconLabelList"/>
+    <dgm:cxn modelId="{317D1C57-D28A-044E-9C39-85C1CB633C47}" type="presParOf" srcId="{363EB5E9-C973-4E1B-A7D5-173711B555EB}" destId="{9C81BB7C-B927-4046-BE2A-574C8C1DA81C}" srcOrd="1" destOrd="0" presId="urn:microsoft.com/office/officeart/2018/2/layout/IconLabelList"/>
+    <dgm:cxn modelId="{AADB3C5F-DFE9-6B41-BFD8-CBD987974539}" type="presParOf" srcId="{363EB5E9-C973-4E1B-A7D5-173711B555EB}" destId="{3FC12EB3-28D2-498E-96AD-0B77B1020B3E}" srcOrd="2" destOrd="0" presId="urn:microsoft.com/office/officeart/2018/2/layout/IconLabelList"/>
+    <dgm:cxn modelId="{CB1063C8-95FC-3A4C-8CD0-CF7145F3E115}" type="presParOf" srcId="{913CE67C-0D58-45B0-AE9F-ED5524E13DC0}" destId="{71C80D9D-0AC7-4F00-ABB7-78BCFFC17D2A}" srcOrd="1" destOrd="0" presId="urn:microsoft.com/office/officeart/2018/2/layout/IconLabelList"/>
+    <dgm:cxn modelId="{683064A8-0E6B-114B-99BA-95C3E76E1249}" type="presParOf" srcId="{913CE67C-0D58-45B0-AE9F-ED5524E13DC0}" destId="{38096FD2-8ACC-4276-9A99-870122CEE3B0}" srcOrd="2" destOrd="0" presId="urn:microsoft.com/office/officeart/2018/2/layout/IconLabelList"/>
+    <dgm:cxn modelId="{48561043-6565-9C4A-9CAC-847FB4480AC8}" type="presParOf" srcId="{38096FD2-8ACC-4276-9A99-870122CEE3B0}" destId="{AE33A838-6FD5-4FA2-A627-22A1619109CC}" srcOrd="0" destOrd="0" presId="urn:microsoft.com/office/officeart/2018/2/layout/IconLabelList"/>
+    <dgm:cxn modelId="{3F6B4F4F-FF87-8B46-B696-0A50A0F7D63D}" type="presParOf" srcId="{38096FD2-8ACC-4276-9A99-870122CEE3B0}" destId="{9F729062-3F04-45AB-8F8B-BD2473A3757E}" srcOrd="1" destOrd="0" presId="urn:microsoft.com/office/officeart/2018/2/layout/IconLabelList"/>
+    <dgm:cxn modelId="{869FA577-B50B-1A49-A1C9-427B1569A9AC}" type="presParOf" srcId="{38096FD2-8ACC-4276-9A99-870122CEE3B0}" destId="{58C90199-44A3-407A-85C9-1A6C59F52E8A}" srcOrd="2" destOrd="0" presId="urn:microsoft.com/office/officeart/2018/2/layout/IconLabelList"/>
+    <dgm:cxn modelId="{95604CC5-2B31-6042-BF77-878F7B9DE6C0}" type="presParOf" srcId="{913CE67C-0D58-45B0-AE9F-ED5524E13DC0}" destId="{E65A62F9-8245-4962-B55C-183CA9E50897}" srcOrd="3" destOrd="0" presId="urn:microsoft.com/office/officeart/2018/2/layout/IconLabelList"/>
+    <dgm:cxn modelId="{779260FE-DAC1-AD45-A718-F3D0C26F0148}" type="presParOf" srcId="{913CE67C-0D58-45B0-AE9F-ED5524E13DC0}" destId="{966056AD-47C5-4DDF-9679-64646DE09A82}" srcOrd="4" destOrd="0" presId="urn:microsoft.com/office/officeart/2018/2/layout/IconLabelList"/>
+    <dgm:cxn modelId="{4089D07A-1D09-1F44-865C-16CFD408E67F}" type="presParOf" srcId="{966056AD-47C5-4DDF-9679-64646DE09A82}" destId="{B77DB399-DDFB-4316-B56D-03427A5C8DD2}" srcOrd="0" destOrd="0" presId="urn:microsoft.com/office/officeart/2018/2/layout/IconLabelList"/>
+    <dgm:cxn modelId="{EED54F50-BF70-D048-B50D-E773171A717B}" type="presParOf" srcId="{966056AD-47C5-4DDF-9679-64646DE09A82}" destId="{FA36A508-4BB8-4A82-BAFD-E8BB1CD9C997}" srcOrd="1" destOrd="0" presId="urn:microsoft.com/office/officeart/2018/2/layout/IconLabelList"/>
+    <dgm:cxn modelId="{868A86B1-14F3-4A42-B0E2-B1E27735DC5A}" type="presParOf" srcId="{966056AD-47C5-4DDF-9679-64646DE09A82}" destId="{2B11A657-788D-48EB-B108-71C829D2D462}" srcOrd="2" destOrd="0" presId="urn:microsoft.com/office/officeart/2018/2/layout/IconLabelList"/>
   </dgm:cxnLst>
   <dgm:bg/>
   <dgm:whole/>
   <dgm:extLst>
     <a:ext uri="http://schemas.microsoft.com/office/drawing/2008/diagram">
-      <dsp:dataModelExt xmlns:dsp="http://schemas.microsoft.com/office/drawing/2008/diagram" relId="rId7" minVer="http://schemas.openxmlformats.org/drawingml/2006/diagram"/>
+      <dsp:dataModelExt xmlns:dsp="http://schemas.microsoft.com/office/drawing/2008/diagram" relId="rId6" minVer="http://schemas.openxmlformats.org/drawingml/2006/diagram"/>
     </a:ext>
   </dgm:extLst>
 </dgm:dataModel>
 </file>
 
 <file path=ppt/diagrams/drawing1.xml><?xml version="1.0" encoding="utf-8"?>
+<dsp:drawing xmlns:dgm="http://schemas.openxmlformats.org/drawingml/2006/diagram" xmlns:dsp="http://schemas.microsoft.com/office/drawing/2008/diagram" xmlns:a="http://schemas.openxmlformats.org/drawingml/2006/main">
+  <dsp:spTree>
+    <dsp:nvGrpSpPr>
+      <dsp:cNvPr id="0" name=""/>
+      <dsp:cNvGrpSpPr/>
+    </dsp:nvGrpSpPr>
+    <dsp:grpSpPr/>
+    <dsp:sp modelId="{A49D0E31-BD1D-194D-BA77-488449879FA3}">
+      <dsp:nvSpPr>
+        <dsp:cNvPr id="0" name=""/>
+        <dsp:cNvSpPr/>
+      </dsp:nvSpPr>
+      <dsp:spPr>
+        <a:xfrm>
+          <a:off x="5910" y="1109508"/>
+          <a:ext cx="1456316" cy="1747579"/>
+        </a:xfrm>
+        <a:prstGeom prst="rect">
+          <a:avLst/>
+        </a:prstGeom>
+        <a:blipFill rotWithShape="1">
+          <a:blip xmlns:r="http://schemas.openxmlformats.org/officeDocument/2006/relationships" r:embed="rId1">
+            <a:duotone>
+              <a:schemeClr val="accent2">
+                <a:hueOff val="0"/>
+                <a:satOff val="0"/>
+                <a:lumOff val="0"/>
+                <a:alphaOff val="0"/>
+                <a:tint val="98000"/>
+                <a:lumMod val="102000"/>
+              </a:schemeClr>
+              <a:schemeClr val="accent2">
+                <a:hueOff val="0"/>
+                <a:satOff val="0"/>
+                <a:lumOff val="0"/>
+                <a:alphaOff val="0"/>
+                <a:shade val="98000"/>
+                <a:lumMod val="98000"/>
+              </a:schemeClr>
+            </a:duotone>
+          </a:blip>
+          <a:tile tx="0" ty="0" sx="100000" sy="100000" flip="none" algn="tl"/>
+        </a:blipFill>
+        <a:ln w="9525" cap="rnd" cmpd="sng" algn="ctr">
+          <a:solidFill>
+            <a:schemeClr val="accent2">
+              <a:hueOff val="0"/>
+              <a:satOff val="0"/>
+              <a:lumOff val="0"/>
+              <a:alphaOff val="0"/>
+            </a:schemeClr>
+          </a:solidFill>
+          <a:prstDash val="solid"/>
+        </a:ln>
+        <a:effectLst/>
+      </dsp:spPr>
+      <dsp:style>
+        <a:lnRef idx="1">
+          <a:scrgbClr r="0" g="0" b="0"/>
+        </a:lnRef>
+        <a:fillRef idx="3">
+          <a:scrgbClr r="0" g="0" b="0"/>
+        </a:fillRef>
+        <a:effectRef idx="2">
+          <a:scrgbClr r="0" g="0" b="0"/>
+        </a:effectRef>
+        <a:fontRef idx="minor">
+          <a:schemeClr val="lt1"/>
+        </a:fontRef>
+      </dsp:style>
+      <dsp:txBody>
+        <a:bodyPr spcFirstLastPara="0" vert="horz" wrap="square" lIns="143852" tIns="0" rIns="143852" bIns="330200" numCol="1" spcCol="1270" anchor="t" anchorCtr="0">
+          <a:noAutofit/>
+        </a:bodyPr>
+        <a:lstStyle/>
+        <a:p>
+          <a:pPr marL="0" lvl="0" indent="0" algn="l" defTabSz="488950">
+            <a:lnSpc>
+              <a:spcPct val="90000"/>
+            </a:lnSpc>
+            <a:spcBef>
+              <a:spcPct val="0"/>
+            </a:spcBef>
+            <a:spcAft>
+              <a:spcPct val="35000"/>
+            </a:spcAft>
+            <a:buNone/>
+          </a:pPr>
+          <a:r>
+            <a:rPr lang="fr-FR" sz="1100" kern="1200"/>
+            <a:t>Configuration Serveur</a:t>
+          </a:r>
+          <a:endParaRPr lang="en-US" sz="1100" kern="1200"/>
+        </a:p>
+      </dsp:txBody>
+      <dsp:txXfrm>
+        <a:off x="5910" y="1808540"/>
+        <a:ext cx="1456316" cy="1048547"/>
+      </dsp:txXfrm>
+    </dsp:sp>
+    <dsp:sp modelId="{19F27F08-F426-5E4D-876C-0B0F370DA858}">
+      <dsp:nvSpPr>
+        <dsp:cNvPr id="0" name=""/>
+        <dsp:cNvSpPr/>
+      </dsp:nvSpPr>
+      <dsp:spPr>
+        <a:xfrm>
+          <a:off x="5910" y="1109508"/>
+          <a:ext cx="1456316" cy="699031"/>
+        </a:xfrm>
+        <a:prstGeom prst="rect">
+          <a:avLst/>
+        </a:prstGeom>
+        <a:noFill/>
+        <a:ln w="9525" cap="rnd" cmpd="sng" algn="ctr">
+          <a:noFill/>
+          <a:prstDash val="solid"/>
+        </a:ln>
+        <a:effectLst/>
+        <a:sp3d/>
+      </dsp:spPr>
+      <dsp:style>
+        <a:lnRef idx="1">
+          <a:scrgbClr r="0" g="0" b="0"/>
+        </a:lnRef>
+        <a:fillRef idx="3">
+          <a:scrgbClr r="0" g="0" b="0"/>
+        </a:fillRef>
+        <a:effectRef idx="2">
+          <a:scrgbClr r="0" g="0" b="0"/>
+        </a:effectRef>
+        <a:fontRef idx="minor">
+          <a:schemeClr val="lt1"/>
+        </a:fontRef>
+      </dsp:style>
+      <dsp:txBody>
+        <a:bodyPr spcFirstLastPara="0" vert="horz" wrap="square" lIns="143852" tIns="165100" rIns="143852" bIns="165100" numCol="1" spcCol="1270" anchor="ctr" anchorCtr="0">
+          <a:noAutofit/>
+        </a:bodyPr>
+        <a:lstStyle/>
+        <a:p>
+          <a:pPr marL="0" lvl="0" indent="0" algn="l" defTabSz="1155700">
+            <a:lnSpc>
+              <a:spcPct val="90000"/>
+            </a:lnSpc>
+            <a:spcBef>
+              <a:spcPct val="0"/>
+            </a:spcBef>
+            <a:spcAft>
+              <a:spcPct val="35000"/>
+            </a:spcAft>
+            <a:buNone/>
+          </a:pPr>
+          <a:r>
+            <a:rPr lang="en-US" sz="2600" kern="1200"/>
+            <a:t>01</a:t>
+          </a:r>
+        </a:p>
+      </dsp:txBody>
+      <dsp:txXfrm>
+        <a:off x="5910" y="1109508"/>
+        <a:ext cx="1456316" cy="699031"/>
+      </dsp:txXfrm>
+    </dsp:sp>
+    <dsp:sp modelId="{88EE7466-7C37-7246-9E0E-4D4C13BC12D5}">
+      <dsp:nvSpPr>
+        <dsp:cNvPr id="0" name=""/>
+        <dsp:cNvSpPr/>
+      </dsp:nvSpPr>
+      <dsp:spPr>
+        <a:xfrm>
+          <a:off x="1578731" y="1109508"/>
+          <a:ext cx="1456316" cy="1747579"/>
+        </a:xfrm>
+        <a:prstGeom prst="rect">
+          <a:avLst/>
+        </a:prstGeom>
+        <a:blipFill rotWithShape="1">
+          <a:blip xmlns:r="http://schemas.openxmlformats.org/officeDocument/2006/relationships" r:embed="rId1">
+            <a:duotone>
+              <a:schemeClr val="accent3">
+                <a:hueOff val="0"/>
+                <a:satOff val="0"/>
+                <a:lumOff val="0"/>
+                <a:alphaOff val="0"/>
+                <a:tint val="98000"/>
+                <a:lumMod val="102000"/>
+              </a:schemeClr>
+              <a:schemeClr val="accent3">
+                <a:hueOff val="0"/>
+                <a:satOff val="0"/>
+                <a:lumOff val="0"/>
+                <a:alphaOff val="0"/>
+                <a:shade val="98000"/>
+                <a:lumMod val="98000"/>
+              </a:schemeClr>
+            </a:duotone>
+          </a:blip>
+          <a:tile tx="0" ty="0" sx="100000" sy="100000" flip="none" algn="tl"/>
+        </a:blipFill>
+        <a:ln w="9525" cap="rnd" cmpd="sng" algn="ctr">
+          <a:solidFill>
+            <a:schemeClr val="accent3">
+              <a:hueOff val="0"/>
+              <a:satOff val="0"/>
+              <a:lumOff val="0"/>
+              <a:alphaOff val="0"/>
+            </a:schemeClr>
+          </a:solidFill>
+          <a:prstDash val="solid"/>
+        </a:ln>
+        <a:effectLst/>
+      </dsp:spPr>
+      <dsp:style>
+        <a:lnRef idx="1">
+          <a:scrgbClr r="0" g="0" b="0"/>
+        </a:lnRef>
+        <a:fillRef idx="3">
+          <a:scrgbClr r="0" g="0" b="0"/>
+        </a:fillRef>
+        <a:effectRef idx="2">
+          <a:scrgbClr r="0" g="0" b="0"/>
+        </a:effectRef>
+        <a:fontRef idx="minor">
+          <a:schemeClr val="lt1"/>
+        </a:fontRef>
+      </dsp:style>
+      <dsp:txBody>
+        <a:bodyPr spcFirstLastPara="0" vert="horz" wrap="square" lIns="143852" tIns="0" rIns="143852" bIns="330200" numCol="1" spcCol="1270" anchor="t" anchorCtr="0">
+          <a:noAutofit/>
+        </a:bodyPr>
+        <a:lstStyle/>
+        <a:p>
+          <a:pPr marL="0" lvl="0" indent="0" algn="l" defTabSz="488950">
+            <a:lnSpc>
+              <a:spcPct val="90000"/>
+            </a:lnSpc>
+            <a:spcBef>
+              <a:spcPct val="0"/>
+            </a:spcBef>
+            <a:spcAft>
+              <a:spcPct val="35000"/>
+            </a:spcAft>
+            <a:buNone/>
+          </a:pPr>
+          <a:r>
+            <a:rPr lang="fr-FR" sz="1100" kern="1200"/>
+            <a:t>Version PHP</a:t>
+          </a:r>
+          <a:endParaRPr lang="en-US" sz="1100" kern="1200"/>
+        </a:p>
+      </dsp:txBody>
+      <dsp:txXfrm>
+        <a:off x="1578731" y="1808540"/>
+        <a:ext cx="1456316" cy="1048547"/>
+      </dsp:txXfrm>
+    </dsp:sp>
+    <dsp:sp modelId="{745AEB14-30C3-5744-9DAF-74B9AC7DBD8C}">
+      <dsp:nvSpPr>
+        <dsp:cNvPr id="0" name=""/>
+        <dsp:cNvSpPr/>
+      </dsp:nvSpPr>
+      <dsp:spPr>
+        <a:xfrm>
+          <a:off x="1578731" y="1109508"/>
+          <a:ext cx="1456316" cy="699031"/>
+        </a:xfrm>
+        <a:prstGeom prst="rect">
+          <a:avLst/>
+        </a:prstGeom>
+        <a:noFill/>
+        <a:ln w="9525" cap="rnd" cmpd="sng" algn="ctr">
+          <a:noFill/>
+          <a:prstDash val="solid"/>
+        </a:ln>
+        <a:effectLst/>
+        <a:sp3d/>
+      </dsp:spPr>
+      <dsp:style>
+        <a:lnRef idx="1">
+          <a:scrgbClr r="0" g="0" b="0"/>
+        </a:lnRef>
+        <a:fillRef idx="3">
+          <a:scrgbClr r="0" g="0" b="0"/>
+        </a:fillRef>
+        <a:effectRef idx="2">
+          <a:scrgbClr r="0" g="0" b="0"/>
+        </a:effectRef>
+        <a:fontRef idx="minor">
+          <a:schemeClr val="lt1"/>
+        </a:fontRef>
+      </dsp:style>
+      <dsp:txBody>
+        <a:bodyPr spcFirstLastPara="0" vert="horz" wrap="square" lIns="143852" tIns="165100" rIns="143852" bIns="165100" numCol="1" spcCol="1270" anchor="ctr" anchorCtr="0">
+          <a:noAutofit/>
+        </a:bodyPr>
+        <a:lstStyle/>
+        <a:p>
+          <a:pPr marL="0" lvl="0" indent="0" algn="l" defTabSz="1155700">
+            <a:lnSpc>
+              <a:spcPct val="90000"/>
+            </a:lnSpc>
+            <a:spcBef>
+              <a:spcPct val="0"/>
+            </a:spcBef>
+            <a:spcAft>
+              <a:spcPct val="35000"/>
+            </a:spcAft>
+            <a:buNone/>
+          </a:pPr>
+          <a:r>
+            <a:rPr lang="en-US" sz="2600" kern="1200"/>
+            <a:t>02</a:t>
+          </a:r>
+        </a:p>
+      </dsp:txBody>
+      <dsp:txXfrm>
+        <a:off x="1578731" y="1109508"/>
+        <a:ext cx="1456316" cy="699031"/>
+      </dsp:txXfrm>
+    </dsp:sp>
+    <dsp:sp modelId="{D02B734D-FA14-E241-AF20-7FB3590FD847}">
+      <dsp:nvSpPr>
+        <dsp:cNvPr id="0" name=""/>
+        <dsp:cNvSpPr/>
+      </dsp:nvSpPr>
+      <dsp:spPr>
+        <a:xfrm>
+          <a:off x="3151553" y="1109508"/>
+          <a:ext cx="1456316" cy="1747579"/>
+        </a:xfrm>
+        <a:prstGeom prst="rect">
+          <a:avLst/>
+        </a:prstGeom>
+        <a:blipFill rotWithShape="1">
+          <a:blip xmlns:r="http://schemas.openxmlformats.org/officeDocument/2006/relationships" r:embed="rId1">
+            <a:duotone>
+              <a:schemeClr val="accent4">
+                <a:hueOff val="0"/>
+                <a:satOff val="0"/>
+                <a:lumOff val="0"/>
+                <a:alphaOff val="0"/>
+                <a:tint val="98000"/>
+                <a:lumMod val="102000"/>
+              </a:schemeClr>
+              <a:schemeClr val="accent4">
+                <a:hueOff val="0"/>
+                <a:satOff val="0"/>
+                <a:lumOff val="0"/>
+                <a:alphaOff val="0"/>
+                <a:shade val="98000"/>
+                <a:lumMod val="98000"/>
+              </a:schemeClr>
+            </a:duotone>
+          </a:blip>
+          <a:tile tx="0" ty="0" sx="100000" sy="100000" flip="none" algn="tl"/>
+        </a:blipFill>
+        <a:ln w="9525" cap="rnd" cmpd="sng" algn="ctr">
+          <a:solidFill>
+            <a:schemeClr val="accent4">
+              <a:hueOff val="0"/>
+              <a:satOff val="0"/>
+              <a:lumOff val="0"/>
+              <a:alphaOff val="0"/>
+            </a:schemeClr>
+          </a:solidFill>
+          <a:prstDash val="solid"/>
+        </a:ln>
+        <a:effectLst/>
+      </dsp:spPr>
+      <dsp:style>
+        <a:lnRef idx="1">
+          <a:scrgbClr r="0" g="0" b="0"/>
+        </a:lnRef>
+        <a:fillRef idx="3">
+          <a:scrgbClr r="0" g="0" b="0"/>
+        </a:fillRef>
+        <a:effectRef idx="2">
+          <a:scrgbClr r="0" g="0" b="0"/>
+        </a:effectRef>
+        <a:fontRef idx="minor">
+          <a:schemeClr val="lt1"/>
+        </a:fontRef>
+      </dsp:style>
+      <dsp:txBody>
+        <a:bodyPr spcFirstLastPara="0" vert="horz" wrap="square" lIns="143852" tIns="0" rIns="143852" bIns="330200" numCol="1" spcCol="1270" anchor="t" anchorCtr="0">
+          <a:noAutofit/>
+        </a:bodyPr>
+        <a:lstStyle/>
+        <a:p>
+          <a:pPr marL="0" lvl="0" indent="0" algn="l" defTabSz="488950">
+            <a:lnSpc>
+              <a:spcPct val="90000"/>
+            </a:lnSpc>
+            <a:spcBef>
+              <a:spcPct val="0"/>
+            </a:spcBef>
+            <a:spcAft>
+              <a:spcPct val="35000"/>
+            </a:spcAft>
+            <a:buNone/>
+          </a:pPr>
+          <a:r>
+            <a:rPr lang="fr-FR" sz="1100" kern="1200"/>
+            <a:t>Version SQL</a:t>
+          </a:r>
+          <a:endParaRPr lang="en-US" sz="1100" kern="1200"/>
+        </a:p>
+      </dsp:txBody>
+      <dsp:txXfrm>
+        <a:off x="3151553" y="1808540"/>
+        <a:ext cx="1456316" cy="1048547"/>
+      </dsp:txXfrm>
+    </dsp:sp>
+    <dsp:sp modelId="{8D8200C4-3F99-EC44-B052-0CEEDD54DCDC}">
+      <dsp:nvSpPr>
+        <dsp:cNvPr id="0" name=""/>
+        <dsp:cNvSpPr/>
+      </dsp:nvSpPr>
+      <dsp:spPr>
+        <a:xfrm>
+          <a:off x="3151553" y="1109508"/>
+          <a:ext cx="1456316" cy="699031"/>
+        </a:xfrm>
+        <a:prstGeom prst="rect">
+          <a:avLst/>
+        </a:prstGeom>
+        <a:noFill/>
+        <a:ln w="9525" cap="rnd" cmpd="sng" algn="ctr">
+          <a:noFill/>
+          <a:prstDash val="solid"/>
+        </a:ln>
+        <a:effectLst/>
+        <a:sp3d/>
+      </dsp:spPr>
+      <dsp:style>
+        <a:lnRef idx="1">
+          <a:scrgbClr r="0" g="0" b="0"/>
+        </a:lnRef>
+        <a:fillRef idx="3">
+          <a:scrgbClr r="0" g="0" b="0"/>
+        </a:fillRef>
+        <a:effectRef idx="2">
+          <a:scrgbClr r="0" g="0" b="0"/>
+        </a:effectRef>
+        <a:fontRef idx="minor">
+          <a:schemeClr val="lt1"/>
+        </a:fontRef>
+      </dsp:style>
+      <dsp:txBody>
+        <a:bodyPr spcFirstLastPara="0" vert="horz" wrap="square" lIns="143852" tIns="165100" rIns="143852" bIns="165100" numCol="1" spcCol="1270" anchor="ctr" anchorCtr="0">
+          <a:noAutofit/>
+        </a:bodyPr>
+        <a:lstStyle/>
+        <a:p>
+          <a:pPr marL="0" lvl="0" indent="0" algn="l" defTabSz="1155700">
+            <a:lnSpc>
+              <a:spcPct val="90000"/>
+            </a:lnSpc>
+            <a:spcBef>
+              <a:spcPct val="0"/>
+            </a:spcBef>
+            <a:spcAft>
+              <a:spcPct val="35000"/>
+            </a:spcAft>
+            <a:buNone/>
+          </a:pPr>
+          <a:r>
+            <a:rPr lang="en-US" sz="2600" kern="1200"/>
+            <a:t>03</a:t>
+          </a:r>
+        </a:p>
+      </dsp:txBody>
+      <dsp:txXfrm>
+        <a:off x="3151553" y="1109508"/>
+        <a:ext cx="1456316" cy="699031"/>
+      </dsp:txXfrm>
+    </dsp:sp>
+    <dsp:sp modelId="{C8AAF40A-2C83-5847-812D-73029510B967}">
+      <dsp:nvSpPr>
+        <dsp:cNvPr id="0" name=""/>
+        <dsp:cNvSpPr/>
+      </dsp:nvSpPr>
+      <dsp:spPr>
+        <a:xfrm>
+          <a:off x="4724374" y="1109508"/>
+          <a:ext cx="1456316" cy="1747579"/>
+        </a:xfrm>
+        <a:prstGeom prst="rect">
+          <a:avLst/>
+        </a:prstGeom>
+        <a:blipFill rotWithShape="1">
+          <a:blip xmlns:r="http://schemas.openxmlformats.org/officeDocument/2006/relationships" r:embed="rId1">
+            <a:duotone>
+              <a:schemeClr val="accent5">
+                <a:hueOff val="0"/>
+                <a:satOff val="0"/>
+                <a:lumOff val="0"/>
+                <a:alphaOff val="0"/>
+                <a:tint val="98000"/>
+                <a:lumMod val="102000"/>
+              </a:schemeClr>
+              <a:schemeClr val="accent5">
+                <a:hueOff val="0"/>
+                <a:satOff val="0"/>
+                <a:lumOff val="0"/>
+                <a:alphaOff val="0"/>
+                <a:shade val="98000"/>
+                <a:lumMod val="98000"/>
+              </a:schemeClr>
+            </a:duotone>
+          </a:blip>
+          <a:tile tx="0" ty="0" sx="100000" sy="100000" flip="none" algn="tl"/>
+        </a:blipFill>
+        <a:ln w="9525" cap="rnd" cmpd="sng" algn="ctr">
+          <a:solidFill>
+            <a:schemeClr val="accent5">
+              <a:hueOff val="0"/>
+              <a:satOff val="0"/>
+              <a:lumOff val="0"/>
+              <a:alphaOff val="0"/>
+            </a:schemeClr>
+          </a:solidFill>
+          <a:prstDash val="solid"/>
+        </a:ln>
+        <a:effectLst/>
+      </dsp:spPr>
+      <dsp:style>
+        <a:lnRef idx="1">
+          <a:scrgbClr r="0" g="0" b="0"/>
+        </a:lnRef>
+        <a:fillRef idx="3">
+          <a:scrgbClr r="0" g="0" b="0"/>
+        </a:fillRef>
+        <a:effectRef idx="2">
+          <a:scrgbClr r="0" g="0" b="0"/>
+        </a:effectRef>
+        <a:fontRef idx="minor">
+          <a:schemeClr val="lt1"/>
+        </a:fontRef>
+      </dsp:style>
+      <dsp:txBody>
+        <a:bodyPr spcFirstLastPara="0" vert="horz" wrap="square" lIns="143852" tIns="0" rIns="143852" bIns="330200" numCol="1" spcCol="1270" anchor="t" anchorCtr="0">
+          <a:noAutofit/>
+        </a:bodyPr>
+        <a:lstStyle/>
+        <a:p>
+          <a:pPr marL="0" lvl="0" indent="0" algn="l" defTabSz="488950">
+            <a:lnSpc>
+              <a:spcPct val="90000"/>
+            </a:lnSpc>
+            <a:spcBef>
+              <a:spcPct val="0"/>
+            </a:spcBef>
+            <a:spcAft>
+              <a:spcPct val="35000"/>
+            </a:spcAft>
+            <a:buNone/>
+          </a:pPr>
+          <a:r>
+            <a:rPr lang="fr-FR" sz="1100" kern="1200"/>
+            <a:t>Suites Logiques</a:t>
+          </a:r>
+          <a:endParaRPr lang="en-US" sz="1100" kern="1200"/>
+        </a:p>
+      </dsp:txBody>
+      <dsp:txXfrm>
+        <a:off x="4724374" y="1808540"/>
+        <a:ext cx="1456316" cy="1048547"/>
+      </dsp:txXfrm>
+    </dsp:sp>
+    <dsp:sp modelId="{85845B6D-4E59-6A41-9C17-7496D537EA5F}">
+      <dsp:nvSpPr>
+        <dsp:cNvPr id="0" name=""/>
+        <dsp:cNvSpPr/>
+      </dsp:nvSpPr>
+      <dsp:spPr>
+        <a:xfrm>
+          <a:off x="4724374" y="1109508"/>
+          <a:ext cx="1456316" cy="699031"/>
+        </a:xfrm>
+        <a:prstGeom prst="rect">
+          <a:avLst/>
+        </a:prstGeom>
+        <a:noFill/>
+        <a:ln w="9525" cap="rnd" cmpd="sng" algn="ctr">
+          <a:noFill/>
+          <a:prstDash val="solid"/>
+        </a:ln>
+        <a:effectLst/>
+        <a:sp3d/>
+      </dsp:spPr>
+      <dsp:style>
+        <a:lnRef idx="1">
+          <a:scrgbClr r="0" g="0" b="0"/>
+        </a:lnRef>
+        <a:fillRef idx="3">
+          <a:scrgbClr r="0" g="0" b="0"/>
+        </a:fillRef>
+        <a:effectRef idx="2">
+          <a:scrgbClr r="0" g="0" b="0"/>
+        </a:effectRef>
+        <a:fontRef idx="minor">
+          <a:schemeClr val="lt1"/>
+        </a:fontRef>
+      </dsp:style>
+      <dsp:txBody>
+        <a:bodyPr spcFirstLastPara="0" vert="horz" wrap="square" lIns="143852" tIns="165100" rIns="143852" bIns="165100" numCol="1" spcCol="1270" anchor="ctr" anchorCtr="0">
+          <a:noAutofit/>
+        </a:bodyPr>
+        <a:lstStyle/>
+        <a:p>
+          <a:pPr marL="0" lvl="0" indent="0" algn="l" defTabSz="1155700">
+            <a:lnSpc>
+              <a:spcPct val="90000"/>
+            </a:lnSpc>
+            <a:spcBef>
+              <a:spcPct val="0"/>
+            </a:spcBef>
+            <a:spcAft>
+              <a:spcPct val="35000"/>
+            </a:spcAft>
+            <a:buNone/>
+          </a:pPr>
+          <a:r>
+            <a:rPr lang="en-US" sz="2600" kern="1200"/>
+            <a:t>04</a:t>
+          </a:r>
+        </a:p>
+      </dsp:txBody>
+      <dsp:txXfrm>
+        <a:off x="4724374" y="1109508"/>
+        <a:ext cx="1456316" cy="699031"/>
+      </dsp:txXfrm>
+    </dsp:sp>
+    <dsp:sp modelId="{1AC28B45-41F0-AC42-93C3-38372BC9F4DA}">
+      <dsp:nvSpPr>
+        <dsp:cNvPr id="0" name=""/>
+        <dsp:cNvSpPr/>
+      </dsp:nvSpPr>
+      <dsp:spPr>
+        <a:xfrm>
+          <a:off x="6297196" y="1109508"/>
+          <a:ext cx="1456316" cy="1747579"/>
+        </a:xfrm>
+        <a:prstGeom prst="rect">
+          <a:avLst/>
+        </a:prstGeom>
+        <a:blipFill rotWithShape="1">
+          <a:blip xmlns:r="http://schemas.openxmlformats.org/officeDocument/2006/relationships" r:embed="rId1">
+            <a:duotone>
+              <a:schemeClr val="accent6">
+                <a:hueOff val="0"/>
+                <a:satOff val="0"/>
+                <a:lumOff val="0"/>
+                <a:alphaOff val="0"/>
+                <a:tint val="98000"/>
+                <a:lumMod val="102000"/>
+              </a:schemeClr>
+              <a:schemeClr val="accent6">
+                <a:hueOff val="0"/>
+                <a:satOff val="0"/>
+                <a:lumOff val="0"/>
+                <a:alphaOff val="0"/>
+                <a:shade val="98000"/>
+                <a:lumMod val="98000"/>
+              </a:schemeClr>
+            </a:duotone>
+          </a:blip>
+          <a:tile tx="0" ty="0" sx="100000" sy="100000" flip="none" algn="tl"/>
+        </a:blipFill>
+        <a:ln w="9525" cap="rnd" cmpd="sng" algn="ctr">
+          <a:solidFill>
+            <a:schemeClr val="accent6">
+              <a:hueOff val="0"/>
+              <a:satOff val="0"/>
+              <a:lumOff val="0"/>
+              <a:alphaOff val="0"/>
+            </a:schemeClr>
+          </a:solidFill>
+          <a:prstDash val="solid"/>
+        </a:ln>
+        <a:effectLst/>
+      </dsp:spPr>
+      <dsp:style>
+        <a:lnRef idx="1">
+          <a:scrgbClr r="0" g="0" b="0"/>
+        </a:lnRef>
+        <a:fillRef idx="3">
+          <a:scrgbClr r="0" g="0" b="0"/>
+        </a:fillRef>
+        <a:effectRef idx="2">
+          <a:scrgbClr r="0" g="0" b="0"/>
+        </a:effectRef>
+        <a:fontRef idx="minor">
+          <a:schemeClr val="lt1"/>
+        </a:fontRef>
+      </dsp:style>
+      <dsp:txBody>
+        <a:bodyPr spcFirstLastPara="0" vert="horz" wrap="square" lIns="143852" tIns="0" rIns="143852" bIns="330200" numCol="1" spcCol="1270" anchor="t" anchorCtr="0">
+          <a:noAutofit/>
+        </a:bodyPr>
+        <a:lstStyle/>
+        <a:p>
+          <a:pPr marL="0" lvl="0" indent="0" algn="l" defTabSz="488950">
+            <a:lnSpc>
+              <a:spcPct val="90000"/>
+            </a:lnSpc>
+            <a:spcBef>
+              <a:spcPct val="0"/>
+            </a:spcBef>
+            <a:spcAft>
+              <a:spcPct val="35000"/>
+            </a:spcAft>
+            <a:buNone/>
+          </a:pPr>
+          <a:r>
+            <a:rPr lang="fr-FR" sz="1100" kern="1200"/>
+            <a:t>Templates Utilisées (HTML/CSS)</a:t>
+          </a:r>
+          <a:endParaRPr lang="en-US" sz="1100" kern="1200"/>
+        </a:p>
+      </dsp:txBody>
+      <dsp:txXfrm>
+        <a:off x="6297196" y="1808540"/>
+        <a:ext cx="1456316" cy="1048547"/>
+      </dsp:txXfrm>
+    </dsp:sp>
+    <dsp:sp modelId="{1601BCF0-5F26-9142-9D63-4AC18A44772D}">
+      <dsp:nvSpPr>
+        <dsp:cNvPr id="0" name=""/>
+        <dsp:cNvSpPr/>
+      </dsp:nvSpPr>
+      <dsp:spPr>
+        <a:xfrm>
+          <a:off x="6297196" y="1109508"/>
+          <a:ext cx="1456316" cy="699031"/>
+        </a:xfrm>
+        <a:prstGeom prst="rect">
+          <a:avLst/>
+        </a:prstGeom>
+        <a:noFill/>
+        <a:ln w="9525" cap="rnd" cmpd="sng" algn="ctr">
+          <a:noFill/>
+          <a:prstDash val="solid"/>
+        </a:ln>
+        <a:effectLst/>
+        <a:sp3d/>
+      </dsp:spPr>
+      <dsp:style>
+        <a:lnRef idx="1">
+          <a:scrgbClr r="0" g="0" b="0"/>
+        </a:lnRef>
+        <a:fillRef idx="3">
+          <a:scrgbClr r="0" g="0" b="0"/>
+        </a:fillRef>
+        <a:effectRef idx="2">
+          <a:scrgbClr r="0" g="0" b="0"/>
+        </a:effectRef>
+        <a:fontRef idx="minor">
+          <a:schemeClr val="lt1"/>
+        </a:fontRef>
+      </dsp:style>
+      <dsp:txBody>
+        <a:bodyPr spcFirstLastPara="0" vert="horz" wrap="square" lIns="143852" tIns="165100" rIns="143852" bIns="165100" numCol="1" spcCol="1270" anchor="ctr" anchorCtr="0">
+          <a:noAutofit/>
+        </a:bodyPr>
+        <a:lstStyle/>
+        <a:p>
+          <a:pPr marL="0" lvl="0" indent="0" algn="l" defTabSz="1155700">
+            <a:lnSpc>
+              <a:spcPct val="90000"/>
+            </a:lnSpc>
+            <a:spcBef>
+              <a:spcPct val="0"/>
+            </a:spcBef>
+            <a:spcAft>
+              <a:spcPct val="35000"/>
+            </a:spcAft>
+            <a:buNone/>
+          </a:pPr>
+          <a:r>
+            <a:rPr lang="en-US" sz="2600" kern="1200"/>
+            <a:t>05</a:t>
+          </a:r>
+        </a:p>
+      </dsp:txBody>
+      <dsp:txXfrm>
+        <a:off x="6297196" y="1109508"/>
+        <a:ext cx="1456316" cy="699031"/>
+      </dsp:txXfrm>
+    </dsp:sp>
+    <dsp:sp modelId="{A7F6ADE2-5512-E54E-9356-9D63FE79ACD3}">
+      <dsp:nvSpPr>
+        <dsp:cNvPr id="0" name=""/>
+        <dsp:cNvSpPr/>
+      </dsp:nvSpPr>
+      <dsp:spPr>
+        <a:xfrm>
+          <a:off x="7870017" y="1109508"/>
+          <a:ext cx="1456316" cy="1747579"/>
+        </a:xfrm>
+        <a:prstGeom prst="rect">
+          <a:avLst/>
+        </a:prstGeom>
+        <a:blipFill rotWithShape="1">
+          <a:blip xmlns:r="http://schemas.openxmlformats.org/officeDocument/2006/relationships" r:embed="rId1">
+            <a:duotone>
+              <a:schemeClr val="accent2">
+                <a:hueOff val="0"/>
+                <a:satOff val="0"/>
+                <a:lumOff val="0"/>
+                <a:alphaOff val="0"/>
+                <a:tint val="98000"/>
+                <a:lumMod val="102000"/>
+              </a:schemeClr>
+              <a:schemeClr val="accent2">
+                <a:hueOff val="0"/>
+                <a:satOff val="0"/>
+                <a:lumOff val="0"/>
+                <a:alphaOff val="0"/>
+                <a:shade val="98000"/>
+                <a:lumMod val="98000"/>
+              </a:schemeClr>
+            </a:duotone>
+          </a:blip>
+          <a:tile tx="0" ty="0" sx="100000" sy="100000" flip="none" algn="tl"/>
+        </a:blipFill>
+        <a:ln w="9525" cap="rnd" cmpd="sng" algn="ctr">
+          <a:solidFill>
+            <a:schemeClr val="accent2">
+              <a:hueOff val="0"/>
+              <a:satOff val="0"/>
+              <a:lumOff val="0"/>
+              <a:alphaOff val="0"/>
+            </a:schemeClr>
+          </a:solidFill>
+          <a:prstDash val="solid"/>
+        </a:ln>
+        <a:effectLst/>
+      </dsp:spPr>
+      <dsp:style>
+        <a:lnRef idx="1">
+          <a:scrgbClr r="0" g="0" b="0"/>
+        </a:lnRef>
+        <a:fillRef idx="3">
+          <a:scrgbClr r="0" g="0" b="0"/>
+        </a:fillRef>
+        <a:effectRef idx="2">
+          <a:scrgbClr r="0" g="0" b="0"/>
+        </a:effectRef>
+        <a:fontRef idx="minor">
+          <a:schemeClr val="lt1"/>
+        </a:fontRef>
+      </dsp:style>
+      <dsp:txBody>
+        <a:bodyPr spcFirstLastPara="0" vert="horz" wrap="square" lIns="143852" tIns="0" rIns="143852" bIns="330200" numCol="1" spcCol="1270" anchor="t" anchorCtr="0">
+          <a:noAutofit/>
+        </a:bodyPr>
+        <a:lstStyle/>
+        <a:p>
+          <a:pPr marL="0" lvl="0" indent="0" algn="l" defTabSz="488950">
+            <a:lnSpc>
+              <a:spcPct val="90000"/>
+            </a:lnSpc>
+            <a:spcBef>
+              <a:spcPct val="0"/>
+            </a:spcBef>
+            <a:spcAft>
+              <a:spcPct val="35000"/>
+            </a:spcAft>
+            <a:buNone/>
+          </a:pPr>
+          <a:r>
+            <a:rPr lang="fr-FR" sz="1100" kern="1200"/>
+            <a:t>Audits (Référencement)</a:t>
+          </a:r>
+          <a:endParaRPr lang="en-US" sz="1100" kern="1200"/>
+        </a:p>
+      </dsp:txBody>
+      <dsp:txXfrm>
+        <a:off x="7870017" y="1808540"/>
+        <a:ext cx="1456316" cy="1048547"/>
+      </dsp:txXfrm>
+    </dsp:sp>
+    <dsp:sp modelId="{20E39224-A3C3-1F4B-A341-40D01B2B3EEC}">
+      <dsp:nvSpPr>
+        <dsp:cNvPr id="0" name=""/>
+        <dsp:cNvSpPr/>
+      </dsp:nvSpPr>
+      <dsp:spPr>
+        <a:xfrm>
+          <a:off x="7870017" y="1109508"/>
+          <a:ext cx="1456316" cy="699031"/>
+        </a:xfrm>
+        <a:prstGeom prst="rect">
+          <a:avLst/>
+        </a:prstGeom>
+        <a:noFill/>
+        <a:ln w="9525" cap="rnd" cmpd="sng" algn="ctr">
+          <a:noFill/>
+          <a:prstDash val="solid"/>
+        </a:ln>
+        <a:effectLst/>
+        <a:sp3d/>
+      </dsp:spPr>
+      <dsp:style>
+        <a:lnRef idx="1">
+          <a:scrgbClr r="0" g="0" b="0"/>
+        </a:lnRef>
+        <a:fillRef idx="3">
+          <a:scrgbClr r="0" g="0" b="0"/>
+        </a:fillRef>
+        <a:effectRef idx="2">
+          <a:scrgbClr r="0" g="0" b="0"/>
+        </a:effectRef>
+        <a:fontRef idx="minor">
+          <a:schemeClr val="lt1"/>
+        </a:fontRef>
+      </dsp:style>
+      <dsp:txBody>
+        <a:bodyPr spcFirstLastPara="0" vert="horz" wrap="square" lIns="143852" tIns="165100" rIns="143852" bIns="165100" numCol="1" spcCol="1270" anchor="ctr" anchorCtr="0">
+          <a:noAutofit/>
+        </a:bodyPr>
+        <a:lstStyle/>
+        <a:p>
+          <a:pPr marL="0" lvl="0" indent="0" algn="l" defTabSz="1155700">
+            <a:lnSpc>
+              <a:spcPct val="90000"/>
+            </a:lnSpc>
+            <a:spcBef>
+              <a:spcPct val="0"/>
+            </a:spcBef>
+            <a:spcAft>
+              <a:spcPct val="35000"/>
+            </a:spcAft>
+            <a:buNone/>
+          </a:pPr>
+          <a:r>
+            <a:rPr lang="en-US" sz="2600" kern="1200"/>
+            <a:t>06</a:t>
+          </a:r>
+        </a:p>
+      </dsp:txBody>
+      <dsp:txXfrm>
+        <a:off x="7870017" y="1109508"/>
+        <a:ext cx="1456316" cy="699031"/>
+      </dsp:txXfrm>
+    </dsp:sp>
+    <dsp:sp modelId="{1E43D18C-466B-ED48-A0EC-FA78B636B696}">
+      <dsp:nvSpPr>
+        <dsp:cNvPr id="0" name=""/>
+        <dsp:cNvSpPr/>
+      </dsp:nvSpPr>
+      <dsp:spPr>
+        <a:xfrm>
+          <a:off x="9442839" y="1109508"/>
+          <a:ext cx="1456316" cy="1747579"/>
+        </a:xfrm>
+        <a:prstGeom prst="rect">
+          <a:avLst/>
+        </a:prstGeom>
+        <a:blipFill rotWithShape="1">
+          <a:blip xmlns:r="http://schemas.openxmlformats.org/officeDocument/2006/relationships" r:embed="rId1">
+            <a:duotone>
+              <a:schemeClr val="accent3">
+                <a:hueOff val="0"/>
+                <a:satOff val="0"/>
+                <a:lumOff val="0"/>
+                <a:alphaOff val="0"/>
+                <a:tint val="98000"/>
+                <a:lumMod val="102000"/>
+              </a:schemeClr>
+              <a:schemeClr val="accent3">
+                <a:hueOff val="0"/>
+                <a:satOff val="0"/>
+                <a:lumOff val="0"/>
+                <a:alphaOff val="0"/>
+                <a:shade val="98000"/>
+                <a:lumMod val="98000"/>
+              </a:schemeClr>
+            </a:duotone>
+          </a:blip>
+          <a:tile tx="0" ty="0" sx="100000" sy="100000" flip="none" algn="tl"/>
+        </a:blipFill>
+        <a:ln w="9525" cap="rnd" cmpd="sng" algn="ctr">
+          <a:solidFill>
+            <a:schemeClr val="accent3">
+              <a:hueOff val="0"/>
+              <a:satOff val="0"/>
+              <a:lumOff val="0"/>
+              <a:alphaOff val="0"/>
+            </a:schemeClr>
+          </a:solidFill>
+          <a:prstDash val="solid"/>
+        </a:ln>
+        <a:effectLst/>
+      </dsp:spPr>
+      <dsp:style>
+        <a:lnRef idx="1">
+          <a:scrgbClr r="0" g="0" b="0"/>
+        </a:lnRef>
+        <a:fillRef idx="3">
+          <a:scrgbClr r="0" g="0" b="0"/>
+        </a:fillRef>
+        <a:effectRef idx="2">
+          <a:scrgbClr r="0" g="0" b="0"/>
+        </a:effectRef>
+        <a:fontRef idx="minor">
+          <a:schemeClr val="lt1"/>
+        </a:fontRef>
+      </dsp:style>
+      <dsp:txBody>
+        <a:bodyPr spcFirstLastPara="0" vert="horz" wrap="square" lIns="143852" tIns="0" rIns="143852" bIns="330200" numCol="1" spcCol="1270" anchor="t" anchorCtr="0">
+          <a:noAutofit/>
+        </a:bodyPr>
+        <a:lstStyle/>
+        <a:p>
+          <a:pPr marL="0" lvl="0" indent="0" algn="l" defTabSz="488950">
+            <a:lnSpc>
+              <a:spcPct val="90000"/>
+            </a:lnSpc>
+            <a:spcBef>
+              <a:spcPct val="0"/>
+            </a:spcBef>
+            <a:spcAft>
+              <a:spcPct val="35000"/>
+            </a:spcAft>
+            <a:buNone/>
+          </a:pPr>
+          <a:r>
+            <a:rPr lang="fr-FR" sz="1100" kern="1200"/>
+            <a:t>Plugins Utilisés (JS)</a:t>
+          </a:r>
+          <a:endParaRPr lang="en-US" sz="1100" kern="1200"/>
+        </a:p>
+      </dsp:txBody>
+      <dsp:txXfrm>
+        <a:off x="9442839" y="1808540"/>
+        <a:ext cx="1456316" cy="1048547"/>
+      </dsp:txXfrm>
+    </dsp:sp>
+    <dsp:sp modelId="{CDDE394A-A2DF-0945-8D1D-9CADE7E17B47}">
+      <dsp:nvSpPr>
+        <dsp:cNvPr id="0" name=""/>
+        <dsp:cNvSpPr/>
+      </dsp:nvSpPr>
+      <dsp:spPr>
+        <a:xfrm>
+          <a:off x="9442839" y="1109508"/>
+          <a:ext cx="1456316" cy="699031"/>
+        </a:xfrm>
+        <a:prstGeom prst="rect">
+          <a:avLst/>
+        </a:prstGeom>
+        <a:noFill/>
+        <a:ln w="9525" cap="rnd" cmpd="sng" algn="ctr">
+          <a:noFill/>
+          <a:prstDash val="solid"/>
+        </a:ln>
+        <a:effectLst/>
+        <a:sp3d/>
+      </dsp:spPr>
+      <dsp:style>
+        <a:lnRef idx="1">
+          <a:scrgbClr r="0" g="0" b="0"/>
+        </a:lnRef>
+        <a:fillRef idx="3">
+          <a:scrgbClr r="0" g="0" b="0"/>
+        </a:fillRef>
+        <a:effectRef idx="2">
+          <a:scrgbClr r="0" g="0" b="0"/>
+        </a:effectRef>
+        <a:fontRef idx="minor">
+          <a:schemeClr val="lt1"/>
+        </a:fontRef>
+      </dsp:style>
+      <dsp:txBody>
+        <a:bodyPr spcFirstLastPara="0" vert="horz" wrap="square" lIns="143852" tIns="165100" rIns="143852" bIns="165100" numCol="1" spcCol="1270" anchor="ctr" anchorCtr="0">
+          <a:noAutofit/>
+        </a:bodyPr>
+        <a:lstStyle/>
+        <a:p>
+          <a:pPr marL="0" lvl="0" indent="0" algn="l" defTabSz="1155700">
+            <a:lnSpc>
+              <a:spcPct val="90000"/>
+            </a:lnSpc>
+            <a:spcBef>
+              <a:spcPct val="0"/>
+            </a:spcBef>
+            <a:spcAft>
+              <a:spcPct val="35000"/>
+            </a:spcAft>
+            <a:buNone/>
+          </a:pPr>
+          <a:r>
+            <a:rPr lang="en-US" sz="2600" kern="1200"/>
+            <a:t>07</a:t>
+          </a:r>
+        </a:p>
+      </dsp:txBody>
+      <dsp:txXfrm>
+        <a:off x="9442839" y="1109508"/>
+        <a:ext cx="1456316" cy="699031"/>
+      </dsp:txXfrm>
+    </dsp:sp>
+  </dsp:spTree>
+</dsp:drawing>
+</file>
+
+<file path=ppt/diagrams/drawing2.xml><?xml version="1.0" encoding="utf-8"?>
 <dsp:drawing xmlns:dgm="http://schemas.openxmlformats.org/drawingml/2006/diagram" xmlns:dsp="http://schemas.microsoft.com/office/drawing/2008/diagram" xmlns:a="http://schemas.openxmlformats.org/drawingml/2006/main">
   <dsp:spTree>
     <dsp:nvGrpSpPr>
@@ -6498,7 +9132,7 @@
 </dsp:drawing>
 </file>
 
-<file path=ppt/diagrams/drawing2.xml><?xml version="1.0" encoding="utf-8"?>
+<file path=ppt/diagrams/drawing3.xml><?xml version="1.0" encoding="utf-8"?>
 <dsp:drawing xmlns:dgm="http://schemas.openxmlformats.org/drawingml/2006/diagram" xmlns:dsp="http://schemas.microsoft.com/office/drawing/2008/diagram" xmlns:a="http://schemas.openxmlformats.org/drawingml/2006/main">
   <dsp:spTree>
     <dsp:nvGrpSpPr>
@@ -7260,7 +9894,7 @@
 </dsp:drawing>
 </file>
 
-<file path=ppt/diagrams/drawing3.xml><?xml version="1.0" encoding="utf-8"?>
+<file path=ppt/diagrams/drawing4.xml><?xml version="1.0" encoding="utf-8"?>
 <dsp:drawing xmlns:dgm="http://schemas.openxmlformats.org/drawingml/2006/diagram" xmlns:dsp="http://schemas.microsoft.com/office/drawing/2008/diagram" xmlns:a="http://schemas.openxmlformats.org/drawingml/2006/main">
   <dsp:spTree>
     <dsp:nvGrpSpPr>
@@ -7433,19 +10067,23 @@
           </a:r>
           <a:r>
             <a:rPr lang="fr-FR" sz="2500" kern="1200" dirty="0"/>
-            <a:t> sont des </a:t>
+            <a:t> sont basées sur différentes sources (</a:t>
           </a:r>
           <a:r>
             <a:rPr lang="fr-FR" sz="2500" kern="1200" dirty="0" err="1"/>
-            <a:t>templates</a:t>
+            <a:t>CodePen</a:t>
           </a:r>
           <a:r>
             <a:rPr lang="fr-FR" sz="2500" kern="1200" dirty="0"/>
-            <a:t> provenant du fournisseur </a:t>
+            <a:t>, </a:t>
           </a:r>
           <a:r>
             <a:rPr lang="fr-FR" sz="2500" kern="1200" dirty="0" err="1"/>
-            <a:t>ThemeForest</a:t>
+            <a:t>ThemeF</a:t>
+          </a:r>
+          <a:r>
+            <a:rPr lang="fr-FR" sz="2500" kern="1200" dirty="0"/>
+            <a:t>)</a:t>
           </a:r>
           <a:endParaRPr lang="en-US" sz="2500" kern="1200" dirty="0"/>
         </a:p>
@@ -7610,7 +10248,7 @@
 </dsp:drawing>
 </file>
 
-<file path=ppt/diagrams/drawing4.xml><?xml version="1.0" encoding="utf-8"?>
+<file path=ppt/diagrams/drawing5.xml><?xml version="1.0" encoding="utf-8"?>
 <dsp:drawing xmlns:dgm="http://schemas.openxmlformats.org/drawingml/2006/diagram" xmlns:dsp="http://schemas.microsoft.com/office/drawing/2008/diagram" xmlns:a="http://schemas.openxmlformats.org/drawingml/2006/main">
   <dsp:spTree>
     <dsp:nvGrpSpPr>
@@ -7618,56 +10256,15 @@
       <dsp:cNvGrpSpPr/>
     </dsp:nvGrpSpPr>
     <dsp:grpSpPr/>
-    <dsp:sp modelId="{532EC619-8520-43E7-8CB1-4EBC4076CD13}">
+    <dsp:sp modelId="{D988B096-DC74-4FF2-9466-F2DE05BB1BB4}">
       <dsp:nvSpPr>
         <dsp:cNvPr id="0" name=""/>
         <dsp:cNvSpPr/>
       </dsp:nvSpPr>
       <dsp:spPr>
         <a:xfrm>
-          <a:off x="0" y="598"/>
-          <a:ext cx="5728344" cy="1400512"/>
-        </a:xfrm>
-        <a:prstGeom prst="roundRect">
-          <a:avLst>
-            <a:gd name="adj" fmla="val 10000"/>
-          </a:avLst>
-        </a:prstGeom>
-        <a:solidFill>
-          <a:schemeClr val="accent2">
-            <a:hueOff val="0"/>
-            <a:satOff val="0"/>
-            <a:lumOff val="0"/>
-            <a:alphaOff val="0"/>
-          </a:schemeClr>
-        </a:solidFill>
-        <a:ln>
-          <a:noFill/>
-        </a:ln>
-        <a:effectLst/>
-      </dsp:spPr>
-      <dsp:style>
-        <a:lnRef idx="0">
-          <a:scrgbClr r="0" g="0" b="0"/>
-        </a:lnRef>
-        <a:fillRef idx="1">
-          <a:scrgbClr r="0" g="0" b="0"/>
-        </a:fillRef>
-        <a:effectRef idx="0">
-          <a:scrgbClr r="0" g="0" b="0"/>
-        </a:effectRef>
-        <a:fontRef idx="minor"/>
-      </dsp:style>
-    </dsp:sp>
-    <dsp:sp modelId="{693251C9-BA45-4BC7-81F2-CA016178FDA9}">
-      <dsp:nvSpPr>
-        <dsp:cNvPr id="0" name=""/>
-        <dsp:cNvSpPr/>
-      </dsp:nvSpPr>
-      <dsp:spPr>
-        <a:xfrm>
-          <a:off x="423654" y="315713"/>
-          <a:ext cx="770281" cy="770281"/>
+          <a:off x="940799" y="706685"/>
+          <a:ext cx="1450199" cy="1450199"/>
         </a:xfrm>
         <a:prstGeom prst="rect">
           <a:avLst/>
@@ -7708,15 +10305,15 @@
         </a:fontRef>
       </dsp:style>
     </dsp:sp>
-    <dsp:sp modelId="{4D830A47-0DB2-497E-9F98-66C4CCA768BD}">
+    <dsp:sp modelId="{3FC12EB3-28D2-498E-96AD-0B77B1020B3E}">
       <dsp:nvSpPr>
         <dsp:cNvPr id="0" name=""/>
         <dsp:cNvSpPr/>
       </dsp:nvSpPr>
       <dsp:spPr>
         <a:xfrm>
-          <a:off x="1617591" y="598"/>
-          <a:ext cx="4110752" cy="1400512"/>
+          <a:off x="54566" y="2539910"/>
+          <a:ext cx="3222666" cy="720000"/>
         </a:xfrm>
         <a:prstGeom prst="rect">
           <a:avLst/>
@@ -7740,12 +10337,12 @@
         <a:fontRef idx="minor"/>
       </dsp:style>
       <dsp:txBody>
-        <a:bodyPr spcFirstLastPara="0" vert="horz" wrap="square" lIns="148221" tIns="148221" rIns="148221" bIns="148221" numCol="1" spcCol="1270" anchor="ctr" anchorCtr="0">
+        <a:bodyPr spcFirstLastPara="0" vert="horz" wrap="square" lIns="0" tIns="0" rIns="0" bIns="0" numCol="1" spcCol="1270" anchor="t" anchorCtr="0">
           <a:noAutofit/>
         </a:bodyPr>
         <a:lstStyle/>
         <a:p>
-          <a:pPr marL="0" lvl="0" indent="0" algn="l" defTabSz="1022350">
+          <a:pPr marL="0" lvl="0" indent="0" algn="ctr" defTabSz="844550">
             <a:lnSpc>
               <a:spcPct val="100000"/>
             </a:lnSpc>
@@ -7758,231 +10355,26 @@
             <a:buNone/>
           </a:pPr>
           <a:r>
-            <a:rPr lang="fr-FR" sz="2300" kern="1200" dirty="0" err="1"/>
-            <a:t>Chrisd.fr</a:t>
+            <a:rPr lang="fr-FR" sz="1900" kern="1200"/>
+            <a:t>Chrisd.fr : SweetAlert2 (pour les alertes)</a:t>
           </a:r>
-          <a:r>
-            <a:rPr lang="fr-FR" sz="2300" kern="1200" dirty="0"/>
-            <a:t> : SweetAlert2 (pour les alertes)</a:t>
-          </a:r>
-          <a:endParaRPr lang="en-US" sz="2300" kern="1200" dirty="0"/>
+          <a:endParaRPr lang="en-US" sz="1900" kern="1200"/>
         </a:p>
       </dsp:txBody>
       <dsp:txXfrm>
-        <a:off x="1617591" y="598"/>
-        <a:ext cx="4110752" cy="1400512"/>
+        <a:off x="54566" y="2539910"/>
+        <a:ext cx="3222666" cy="720000"/>
       </dsp:txXfrm>
     </dsp:sp>
-    <dsp:sp modelId="{0E220C8C-5A24-8747-9E5B-82B0E54DDA11}">
+    <dsp:sp modelId="{AE33A838-6FD5-4FA2-A627-22A1619109CC}">
       <dsp:nvSpPr>
         <dsp:cNvPr id="0" name=""/>
         <dsp:cNvSpPr/>
       </dsp:nvSpPr>
       <dsp:spPr>
         <a:xfrm>
-          <a:off x="0" y="1751238"/>
-          <a:ext cx="5728344" cy="1400512"/>
-        </a:xfrm>
-        <a:prstGeom prst="roundRect">
-          <a:avLst>
-            <a:gd name="adj" fmla="val 10000"/>
-          </a:avLst>
-        </a:prstGeom>
-        <a:solidFill>
-          <a:schemeClr val="accent3">
-            <a:hueOff val="0"/>
-            <a:satOff val="0"/>
-            <a:lumOff val="0"/>
-            <a:alphaOff val="0"/>
-          </a:schemeClr>
-        </a:solidFill>
-        <a:ln>
-          <a:noFill/>
-        </a:ln>
-        <a:effectLst/>
-      </dsp:spPr>
-      <dsp:style>
-        <a:lnRef idx="0">
-          <a:scrgbClr r="0" g="0" b="0"/>
-        </a:lnRef>
-        <a:fillRef idx="1">
-          <a:scrgbClr r="0" g="0" b="0"/>
-        </a:fillRef>
-        <a:effectRef idx="0">
-          <a:scrgbClr r="0" g="0" b="0"/>
-        </a:effectRef>
-        <a:fontRef idx="minor"/>
-      </dsp:style>
-    </dsp:sp>
-    <dsp:sp modelId="{15821872-185B-3547-AF8E-4A7E63910A4C}">
-      <dsp:nvSpPr>
-        <dsp:cNvPr id="0" name=""/>
-        <dsp:cNvSpPr/>
-      </dsp:nvSpPr>
-      <dsp:spPr>
-        <a:xfrm>
-          <a:off x="423654" y="2066354"/>
-          <a:ext cx="770281" cy="770281"/>
-        </a:xfrm>
-        <a:prstGeom prst="flowChartInternalStorage">
-          <a:avLst/>
-        </a:prstGeom>
-        <a:solidFill>
-          <a:schemeClr val="bg1">
-            <a:hueOff val="0"/>
-            <a:satOff val="0"/>
-            <a:lumOff val="0"/>
-            <a:alphaOff val="0"/>
-          </a:schemeClr>
-        </a:solidFill>
-        <a:ln w="15875" cap="rnd" cmpd="sng" algn="ctr">
-          <a:solidFill>
-            <a:schemeClr val="lt1">
-              <a:alpha val="0"/>
-              <a:hueOff val="0"/>
-              <a:satOff val="0"/>
-              <a:lumOff val="0"/>
-              <a:alphaOff val="0"/>
-            </a:schemeClr>
-          </a:solidFill>
-          <a:prstDash val="solid"/>
-        </a:ln>
-        <a:effectLst/>
-      </dsp:spPr>
-      <dsp:style>
-        <a:lnRef idx="2">
-          <a:scrgbClr r="0" g="0" b="0"/>
-        </a:lnRef>
-        <a:fillRef idx="1">
-          <a:scrgbClr r="0" g="0" b="0"/>
-        </a:fillRef>
-        <a:effectRef idx="0">
-          <a:scrgbClr r="0" g="0" b="0"/>
-        </a:effectRef>
-        <a:fontRef idx="minor">
-          <a:schemeClr val="lt1"/>
-        </a:fontRef>
-      </dsp:style>
-    </dsp:sp>
-    <dsp:sp modelId="{17B0E781-5315-1447-8FE0-F645A6F6980A}">
-      <dsp:nvSpPr>
-        <dsp:cNvPr id="0" name=""/>
-        <dsp:cNvSpPr/>
-      </dsp:nvSpPr>
-      <dsp:spPr>
-        <a:xfrm>
-          <a:off x="1617591" y="1751238"/>
-          <a:ext cx="4110752" cy="1400512"/>
-        </a:xfrm>
-        <a:prstGeom prst="rect">
-          <a:avLst/>
-        </a:prstGeom>
-        <a:noFill/>
-        <a:ln>
-          <a:noFill/>
-        </a:ln>
-        <a:effectLst/>
-      </dsp:spPr>
-      <dsp:style>
-        <a:lnRef idx="0">
-          <a:scrgbClr r="0" g="0" b="0"/>
-        </a:lnRef>
-        <a:fillRef idx="0">
-          <a:scrgbClr r="0" g="0" b="0"/>
-        </a:fillRef>
-        <a:effectRef idx="0">
-          <a:scrgbClr r="0" g="0" b="0"/>
-        </a:effectRef>
-        <a:fontRef idx="minor"/>
-      </dsp:style>
-      <dsp:txBody>
-        <a:bodyPr spcFirstLastPara="0" vert="horz" wrap="square" lIns="148221" tIns="148221" rIns="148221" bIns="148221" numCol="1" spcCol="1270" anchor="ctr" anchorCtr="0">
-          <a:noAutofit/>
-        </a:bodyPr>
-        <a:lstStyle/>
-        <a:p>
-          <a:pPr marL="0" lvl="0" indent="0" algn="l" defTabSz="1022350">
-            <a:lnSpc>
-              <a:spcPct val="100000"/>
-            </a:lnSpc>
-            <a:spcBef>
-              <a:spcPct val="0"/>
-            </a:spcBef>
-            <a:spcAft>
-              <a:spcPct val="35000"/>
-            </a:spcAft>
-            <a:buNone/>
-          </a:pPr>
-          <a:r>
-            <a:rPr lang="fr-FR" sz="2300" kern="1200" dirty="0" err="1"/>
-            <a:t>Admin.chrisd.fr</a:t>
-          </a:r>
-          <a:r>
-            <a:rPr lang="fr-FR" sz="2300" kern="1200" dirty="0"/>
-            <a:t> </a:t>
-          </a:r>
-          <a:r>
-            <a:rPr lang="fr-FR" sz="2300" kern="1200"/>
-            <a:t>: SweetAlert2, CKEDITOR</a:t>
-          </a:r>
-          <a:endParaRPr lang="fr-FR" sz="2300" kern="1200" dirty="0"/>
-        </a:p>
-      </dsp:txBody>
-      <dsp:txXfrm>
-        <a:off x="1617591" y="1751238"/>
-        <a:ext cx="4110752" cy="1400512"/>
-      </dsp:txXfrm>
-    </dsp:sp>
-    <dsp:sp modelId="{BC03AB91-B0CF-4E92-A71D-27B15913513A}">
-      <dsp:nvSpPr>
-        <dsp:cNvPr id="0" name=""/>
-        <dsp:cNvSpPr/>
-      </dsp:nvSpPr>
-      <dsp:spPr>
-        <a:xfrm>
-          <a:off x="0" y="3501879"/>
-          <a:ext cx="5728344" cy="1400512"/>
-        </a:xfrm>
-        <a:prstGeom prst="roundRect">
-          <a:avLst>
-            <a:gd name="adj" fmla="val 10000"/>
-          </a:avLst>
-        </a:prstGeom>
-        <a:solidFill>
-          <a:schemeClr val="accent4">
-            <a:hueOff val="0"/>
-            <a:satOff val="0"/>
-            <a:lumOff val="0"/>
-            <a:alphaOff val="0"/>
-          </a:schemeClr>
-        </a:solidFill>
-        <a:ln>
-          <a:noFill/>
-        </a:ln>
-        <a:effectLst/>
-      </dsp:spPr>
-      <dsp:style>
-        <a:lnRef idx="0">
-          <a:scrgbClr r="0" g="0" b="0"/>
-        </a:lnRef>
-        <a:fillRef idx="1">
-          <a:scrgbClr r="0" g="0" b="0"/>
-        </a:fillRef>
-        <a:effectRef idx="0">
-          <a:scrgbClr r="0" g="0" b="0"/>
-        </a:effectRef>
-        <a:fontRef idx="minor"/>
-      </dsp:style>
-    </dsp:sp>
-    <dsp:sp modelId="{0A64B28D-89C1-44BF-943E-B3F69996CF75}">
-      <dsp:nvSpPr>
-        <dsp:cNvPr id="0" name=""/>
-        <dsp:cNvSpPr/>
-      </dsp:nvSpPr>
-      <dsp:spPr>
-        <a:xfrm>
-          <a:off x="423654" y="3816994"/>
-          <a:ext cx="770281" cy="770281"/>
+          <a:off x="4727433" y="706685"/>
+          <a:ext cx="1450199" cy="1450199"/>
         </a:xfrm>
         <a:prstGeom prst="rect">
           <a:avLst/>
@@ -8023,15 +10415,15 @@
         </a:fontRef>
       </dsp:style>
     </dsp:sp>
-    <dsp:sp modelId="{FB4968A2-18A4-4CED-B5C8-A7A5D47B5CE3}">
+    <dsp:sp modelId="{58C90199-44A3-407A-85C9-1A6C59F52E8A}">
       <dsp:nvSpPr>
         <dsp:cNvPr id="0" name=""/>
         <dsp:cNvSpPr/>
       </dsp:nvSpPr>
       <dsp:spPr>
         <a:xfrm>
-          <a:off x="1617591" y="3501879"/>
-          <a:ext cx="4110752" cy="1400512"/>
+          <a:off x="3841199" y="2539910"/>
+          <a:ext cx="3222666" cy="720000"/>
         </a:xfrm>
         <a:prstGeom prst="rect">
           <a:avLst/>
@@ -8055,12 +10447,12 @@
         <a:fontRef idx="minor"/>
       </dsp:style>
       <dsp:txBody>
-        <a:bodyPr spcFirstLastPara="0" vert="horz" wrap="square" lIns="148221" tIns="148221" rIns="148221" bIns="148221" numCol="1" spcCol="1270" anchor="ctr" anchorCtr="0">
+        <a:bodyPr spcFirstLastPara="0" vert="horz" wrap="square" lIns="0" tIns="0" rIns="0" bIns="0" numCol="1" spcCol="1270" anchor="t" anchorCtr="0">
           <a:noAutofit/>
         </a:bodyPr>
         <a:lstStyle/>
         <a:p>
-          <a:pPr marL="0" lvl="0" indent="0" algn="l" defTabSz="1022350">
+          <a:pPr marL="0" lvl="0" indent="0" algn="ctr" defTabSz="844550">
             <a:lnSpc>
               <a:spcPct val="100000"/>
             </a:lnSpc>
@@ -8073,19 +10465,124 @@
             <a:buNone/>
           </a:pPr>
           <a:r>
-            <a:rPr lang="fr-FR" sz="2300" kern="1200" dirty="0" err="1"/>
-            <a:t>Hadil.chrisd.fr</a:t>
+            <a:rPr lang="fr-FR" sz="1900" kern="1200"/>
+            <a:t>Admin.chrisd.fr : SweetAlert2, CKEDITOR</a:t>
           </a:r>
-          <a:r>
-            <a:rPr lang="fr-FR" sz="2300" kern="1200" dirty="0"/>
-            <a:t> : SweetAlert2 (pour les alertes)</a:t>
-          </a:r>
-          <a:endParaRPr lang="en-US" sz="2300" kern="1200" dirty="0"/>
         </a:p>
       </dsp:txBody>
       <dsp:txXfrm>
-        <a:off x="1617591" y="3501879"/>
-        <a:ext cx="4110752" cy="1400512"/>
+        <a:off x="3841199" y="2539910"/>
+        <a:ext cx="3222666" cy="720000"/>
+      </dsp:txXfrm>
+    </dsp:sp>
+    <dsp:sp modelId="{B77DB399-DDFB-4316-B56D-03427A5C8DD2}">
+      <dsp:nvSpPr>
+        <dsp:cNvPr id="0" name=""/>
+        <dsp:cNvSpPr/>
+      </dsp:nvSpPr>
+      <dsp:spPr>
+        <a:xfrm>
+          <a:off x="8514066" y="706685"/>
+          <a:ext cx="1450199" cy="1450199"/>
+        </a:xfrm>
+        <a:prstGeom prst="rect">
+          <a:avLst/>
+        </a:prstGeom>
+        <a:blipFill>
+          <a:blip xmlns:r="http://schemas.openxmlformats.org/officeDocument/2006/relationships" r:embed="rId5">
+            <a:extLst>
+              <a:ext uri="{28A0092B-C50C-407E-A947-70E740481C1C}">
+                <a14:useLocalDpi xmlns:a14="http://schemas.microsoft.com/office/drawing/2010/main" val="0"/>
+              </a:ext>
+              <a:ext uri="{96DAC541-7B7A-43D3-8B79-37D633B846F1}">
+                <asvg:svgBlip xmlns:asvg="http://schemas.microsoft.com/office/drawing/2016/SVG/main" r:embed="rId6"/>
+              </a:ext>
+            </a:extLst>
+          </a:blip>
+          <a:stretch>
+            <a:fillRect/>
+          </a:stretch>
+        </a:blipFill>
+        <a:ln w="15875" cap="rnd" cmpd="sng" algn="ctr">
+          <a:noFill/>
+          <a:prstDash val="solid"/>
+        </a:ln>
+        <a:effectLst/>
+      </dsp:spPr>
+      <dsp:style>
+        <a:lnRef idx="2">
+          <a:scrgbClr r="0" g="0" b="0"/>
+        </a:lnRef>
+        <a:fillRef idx="1">
+          <a:scrgbClr r="0" g="0" b="0"/>
+        </a:fillRef>
+        <a:effectRef idx="0">
+          <a:scrgbClr r="0" g="0" b="0"/>
+        </a:effectRef>
+        <a:fontRef idx="minor">
+          <a:schemeClr val="lt1"/>
+        </a:fontRef>
+      </dsp:style>
+    </dsp:sp>
+    <dsp:sp modelId="{2B11A657-788D-48EB-B108-71C829D2D462}">
+      <dsp:nvSpPr>
+        <dsp:cNvPr id="0" name=""/>
+        <dsp:cNvSpPr/>
+      </dsp:nvSpPr>
+      <dsp:spPr>
+        <a:xfrm>
+          <a:off x="7627832" y="2539910"/>
+          <a:ext cx="3222666" cy="720000"/>
+        </a:xfrm>
+        <a:prstGeom prst="rect">
+          <a:avLst/>
+        </a:prstGeom>
+        <a:noFill/>
+        <a:ln>
+          <a:noFill/>
+        </a:ln>
+        <a:effectLst/>
+      </dsp:spPr>
+      <dsp:style>
+        <a:lnRef idx="0">
+          <a:scrgbClr r="0" g="0" b="0"/>
+        </a:lnRef>
+        <a:fillRef idx="0">
+          <a:scrgbClr r="0" g="0" b="0"/>
+        </a:fillRef>
+        <a:effectRef idx="0">
+          <a:scrgbClr r="0" g="0" b="0"/>
+        </a:effectRef>
+        <a:fontRef idx="minor"/>
+      </dsp:style>
+      <dsp:txBody>
+        <a:bodyPr spcFirstLastPara="0" vert="horz" wrap="square" lIns="0" tIns="0" rIns="0" bIns="0" numCol="1" spcCol="1270" anchor="t" anchorCtr="0">
+          <a:noAutofit/>
+        </a:bodyPr>
+        <a:lstStyle/>
+        <a:p>
+          <a:pPr marL="0" lvl="0" indent="0" algn="ctr" defTabSz="844550">
+            <a:lnSpc>
+              <a:spcPct val="100000"/>
+            </a:lnSpc>
+            <a:spcBef>
+              <a:spcPct val="0"/>
+            </a:spcBef>
+            <a:spcAft>
+              <a:spcPct val="35000"/>
+            </a:spcAft>
+            <a:buNone/>
+          </a:pPr>
+          <a:r>
+            <a:rPr lang="fr-FR" sz="1900" kern="1200"/>
+            <a:t>Hadil.chrisd.fr : SweetAlert2 (pour les alertes)</a:t>
+          </a:r>
+          <a:endParaRPr lang="en-US" sz="1900" kern="1200"/>
+        </a:p>
+      </dsp:txBody>
+      <dsp:txXfrm>
+        <a:off x="7627832" y="2539910"/>
+        <a:ext cx="3222666" cy="720000"/>
       </dsp:txXfrm>
     </dsp:sp>
   </dsp:spTree>
@@ -8093,160 +10590,246 @@
 </file>
 
 <file path=ppt/diagrams/layout1.xml><?xml version="1.0" encoding="utf-8"?>
-<dgm:layoutDef xmlns:dgm="http://schemas.openxmlformats.org/drawingml/2006/diagram" xmlns:a="http://schemas.openxmlformats.org/drawingml/2006/main" uniqueId="urn:microsoft.com/office/officeart/2018/5/layout/IconCircleLabelList">
-  <dgm:title val="Icon Circle Label List"/>
-  <dgm:desc val="Use to show non-sequential or grouped chunks of information accompanied by a related visuals. Works best with icons or small pictures with short text captions."/>
+<dgm:layoutDef xmlns:dgm="http://schemas.openxmlformats.org/drawingml/2006/diagram" xmlns:a="http://schemas.openxmlformats.org/drawingml/2006/main" uniqueId="urn:microsoft.com/office/officeart/2016/7/layout/LinearBlockProcessNumbered">
+  <dgm:title val="Linear Block Process Numbered"/>
+  <dgm:desc val="Used to show a progression; a timeline; sequential steps in a task, process, or workflow; or to emphasize movement or direction. Automatic numbers have been introduced to show the steps of the process. Level 1 text and Level 2 text both appears in a rectangle."/>
   <dgm:catLst>
-    <dgm:cat type="icon" pri="500"/>
+    <dgm:cat type="process" pri="500"/>
   </dgm:catLst>
-  <dgm:sampData useDef="1">
+  <dgm:sampData>
     <dgm:dataModel>
-      <dgm:ptLst/>
+      <dgm:ptLst>
+        <dgm:pt modelId="0" type="doc"/>
+        <dgm:pt modelId="1">
+          <dgm:prSet phldr="1"/>
+        </dgm:pt>
+        <dgm:pt modelId="11">
+          <dgm:prSet phldr="1"/>
+        </dgm:pt>
+        <dgm:pt modelId="2">
+          <dgm:prSet phldr="1"/>
+        </dgm:pt>
+        <dgm:pt modelId="21">
+          <dgm:prSet phldr="1"/>
+        </dgm:pt>
+        <dgm:pt modelId="3">
+          <dgm:prSet phldr="1"/>
+        </dgm:pt>
+        <dgm:pt modelId="31">
+          <dgm:prSet phldr="1"/>
+        </dgm:pt>
+        <dgm:pt modelId="101" type="sibTrans" cxnId="4">
+          <dgm:prSet phldrT="1"/>
+          <dgm:t>
+            <a:bodyPr/>
+            <a:lstStyle/>
+            <a:p>
+              <a:r>
+                <a:t>01</a:t>
+              </a:r>
+            </a:p>
+          </dgm:t>
+        </dgm:pt>
+        <dgm:pt modelId="201" type="sibTrans" cxnId="5">
+          <dgm:prSet phldrT="2"/>
+          <dgm:t>
+            <a:bodyPr/>
+            <a:lstStyle/>
+            <a:p>
+              <a:r>
+                <a:t>02</a:t>
+              </a:r>
+            </a:p>
+          </dgm:t>
+        </dgm:pt>
+        <dgm:pt modelId="301" type="sibTrans" cxnId="6">
+          <dgm:prSet phldrT="3"/>
+          <dgm:t>
+            <a:bodyPr/>
+            <a:lstStyle/>
+            <a:p>
+              <a:r>
+                <a:t>03</a:t>
+              </a:r>
+            </a:p>
+          </dgm:t>
+        </dgm:pt>
+      </dgm:ptLst>
+      <dgm:cxnLst>
+        <dgm:cxn modelId="4" srcId="0" destId="1" srcOrd="0" destOrd="0" sibTransId="101"/>
+        <dgm:cxn modelId="5" srcId="0" destId="2" srcOrd="1" destOrd="0" sibTransId="201"/>
+        <dgm:cxn modelId="6" srcId="0" destId="3" srcOrd="2" destOrd="0" sibTransId="301"/>
+        <dgm:cxn modelId="13" srcId="1" destId="11" srcOrd="0" destOrd="0"/>
+        <dgm:cxn modelId="23" srcId="2" destId="21" srcOrd="0" destOrd="0"/>
+        <dgm:cxn modelId="33" srcId="3" destId="31" srcOrd="0" destOrd="0"/>
+      </dgm:cxnLst>
       <dgm:bg/>
       <dgm:whole/>
     </dgm:dataModel>
   </dgm:sampData>
-  <dgm:styleData useDef="1">
+  <dgm:styleData>
     <dgm:dataModel>
-      <dgm:ptLst/>
+      <dgm:ptLst>
+        <dgm:pt modelId="0" type="doc"/>
+        <dgm:pt modelId="1"/>
+        <dgm:pt modelId="11"/>
+        <dgm:pt modelId="2"/>
+        <dgm:pt modelId="21"/>
+      </dgm:ptLst>
+      <dgm:cxnLst>
+        <dgm:cxn modelId="4" srcId="0" destId="1" srcOrd="0" destOrd="0"/>
+        <dgm:cxn modelId="5" srcId="0" destId="2" srcOrd="1" destOrd="0"/>
+        <dgm:cxn modelId="13" srcId="1" destId="11" srcOrd="0" destOrd="0"/>
+        <dgm:cxn modelId="23" srcId="2" destId="21" srcOrd="0" destOrd="0"/>
+      </dgm:cxnLst>
       <dgm:bg/>
       <dgm:whole/>
     </dgm:dataModel>
   </dgm:styleData>
-  <dgm:clrData useDef="1">
+  <dgm:clrData>
     <dgm:dataModel>
-      <dgm:ptLst/>
+      <dgm:ptLst>
+        <dgm:pt modelId="0" type="doc"/>
+        <dgm:pt modelId="1"/>
+        <dgm:pt modelId="11"/>
+        <dgm:pt modelId="2"/>
+        <dgm:pt modelId="21"/>
+        <dgm:pt modelId="3"/>
+        <dgm:pt modelId="31"/>
+        <dgm:pt modelId="4"/>
+        <dgm:pt modelId="41"/>
+      </dgm:ptLst>
+      <dgm:cxnLst>
+        <dgm:cxn modelId="5" srcId="0" destId="1" srcOrd="0" destOrd="0"/>
+        <dgm:cxn modelId="6" srcId="0" destId="2" srcOrd="1" destOrd="0"/>
+        <dgm:cxn modelId="7" srcId="0" destId="3" srcOrd="2" destOrd="0"/>
+        <dgm:cxn modelId="8" srcId="0" destId="4" srcOrd="3" destOrd="0"/>
+        <dgm:cxn modelId="13" srcId="1" destId="11" srcOrd="0" destOrd="0"/>
+        <dgm:cxn modelId="23" srcId="2" destId="21" srcOrd="0" destOrd="0"/>
+        <dgm:cxn modelId="33" srcId="3" destId="31" srcOrd="0" destOrd="0"/>
+        <dgm:cxn modelId="43" srcId="4" destId="41" srcOrd="0" destOrd="0"/>
+      </dgm:cxnLst>
       <dgm:bg/>
       <dgm:whole/>
     </dgm:dataModel>
   </dgm:clrData>
-  <dgm:layoutNode name="root">
+  <dgm:layoutNode name="Name0">
     <dgm:varLst>
-      <dgm:dir/>
+      <dgm:animLvl val="lvl"/>
       <dgm:resizeHandles val="exact"/>
     </dgm:varLst>
-    <dgm:choose name="Name0">
-      <dgm:if name="Name1" axis="self" func="var" arg="dir" op="equ" val="norm">
-        <dgm:alg type="snake">
-          <dgm:param type="grDir" val="tL"/>
-          <dgm:param type="flowDir" val="row"/>
-          <dgm:param type="contDir" val="sameDir"/>
-          <dgm:param type="off" val="ctr"/>
-          <dgm:param type="vertAlign" val="mid"/>
-          <dgm:param type="horzAlign" val="ctr"/>
-        </dgm:alg>
-      </dgm:if>
-      <dgm:else name="Name2">
-        <dgm:alg type="snake">
-          <dgm:param type="grDir" val="tR"/>
-          <dgm:param type="flowDir" val="row"/>
-          <dgm:param type="contDir" val="sameDir"/>
-          <dgm:param type="off" val="ctr"/>
-          <dgm:param type="vertAlign" val="mid"/>
-          <dgm:param type="horzAlign" val="ctr"/>
-        </dgm:alg>
-      </dgm:else>
-    </dgm:choose>
+    <dgm:alg type="lin">
+      <dgm:param type="linDir" val="fromL"/>
+      <dgm:param type="nodeVertAlign" val="t"/>
+    </dgm:alg>
     <dgm:shape xmlns:r="http://schemas.openxmlformats.org/officeDocument/2006/relationships" r:blip="">
       <dgm:adjLst/>
     </dgm:shape>
     <dgm:presOf/>
-    <dgm:choose name="Name3">
-      <dgm:if name="Name4" axis="ch" ptType="node" func="cnt" op="lte" val="2">
+    <dgm:constrLst>
+      <dgm:constr type="h" for="ch" forName="compositeNode" refType="h"/>
+      <dgm:constr type="w" for="ch" forName="compositeNode" refType="w"/>
+      <dgm:constr type="w" for="des" forName="simulatedConn" refType="w" refFor="ch" refForName="compositeNode" fact="0.15"/>
+      <dgm:constr type="h" for="des" forName="simulatedConn" refType="w" refFor="des" refForName="simulatedConn"/>
+      <dgm:constr type="h" for="des" forName="vSp1" refType="w" refFor="ch" refForName="compositeNode" fact="0.8"/>
+      <dgm:constr type="h" for="des" forName="vSp2" refType="w" refFor="ch" refForName="compositeNode" fact="0.07"/>
+      <dgm:constr type="w" for="ch" forName="vProcSp" refType="w" refFor="des" refForName="simulatedConn" op="equ"/>
+      <dgm:constr type="h" for="ch" forName="vProcSp" refType="h" refFor="ch" refForName="compositeNode" op="equ"/>
+      <dgm:constr type="w" for="ch" forName="sibTrans" refType="w" refFor="ch" refForName="compositeNode" fact="0.08"/>
+      <dgm:constr type="primFontSz" for="des" forName="sibTransNodeRect" op="equ"/>
+      <dgm:constr type="primFontSz" for="des" forName="nodeRect" op="equ"/>
+    </dgm:constrLst>
+    <dgm:ruleLst/>
+    <dgm:forEach name="Name4" axis="ch" ptType="node">
+      <dgm:layoutNode name="compositeNode">
+        <dgm:varLst>
+          <dgm:bulletEnabled val="1"/>
+        </dgm:varLst>
+        <dgm:alg type="composite"/>
         <dgm:constrLst>
-          <dgm:constr type="h" for="ch" forName="compNode" refType="h" fact="0.4"/>
-          <dgm:constr type="w" for="ch" forName="compNode" val="100"/>
-          <dgm:constr type="w" for="ch" forName="sibTrans" refType="w" refFor="ch" refForName="compNode" fact="0.175"/>
-          <dgm:constr type="sp" refType="w" refFor="ch" refForName="compNode" op="equ" fact="0.25"/>
-          <dgm:constr type="primFontSz" for="des" ptType="node" op="equ" val="44"/>
-          <dgm:constr type="h" for="des" forName="compNode" op="equ"/>
-          <dgm:constr type="h" for="des" forName="textRect" op="equ"/>
-        </dgm:constrLst>
-      </dgm:if>
-      <dgm:if name="Name5" axis="ch" ptType="node" func="cnt" op="lte" val="3">
-        <dgm:constrLst>
-          <dgm:constr type="h" for="ch" forName="compNode" refType="h" fact="0.4"/>
-          <dgm:constr type="w" for="ch" forName="compNode" val="100"/>
-          <dgm:constr type="w" for="ch" forName="sibTrans" refType="w" refFor="ch" refForName="compNode" fact="0.175"/>
-          <dgm:constr type="sp" refType="w" refFor="ch" refForName="compNode" op="equ" fact="0.25"/>
-          <dgm:constr type="primFontSz" for="des" ptType="node" op="equ" val="40"/>
-          <dgm:constr type="h" for="des" forName="compNode" op="equ"/>
-          <dgm:constr type="h" for="des" forName="textRect" op="equ"/>
-        </dgm:constrLst>
-      </dgm:if>
-      <dgm:if name="Name6" axis="ch" ptType="node" func="cnt" op="lte" val="4">
-        <dgm:constrLst>
-          <dgm:constr type="h" for="ch" forName="compNode" refType="h" fact="0.4"/>
-          <dgm:constr type="w" for="ch" forName="compNode" refType="w"/>
-          <dgm:constr type="w" for="ch" forName="sibTrans" refType="w" refFor="ch" refForName="compNode" fact="0.175"/>
-          <dgm:constr type="sp" refType="w" refFor="ch" refForName="compNode" op="equ" fact="0.25"/>
-          <dgm:constr type="primFontSz" for="des" ptType="node" op="equ" val="32"/>
-          <dgm:constr type="h" for="des" forName="compNode" op="equ"/>
-          <dgm:constr type="h" for="des" forName="textRect" op="equ"/>
-        </dgm:constrLst>
-      </dgm:if>
-      <dgm:else name="Name7">
-        <dgm:constrLst>
-          <dgm:constr type="h" for="ch" forName="compNode" refType="h" fact="0.4"/>
-          <dgm:constr type="w" for="ch" forName="compNode" refType="w"/>
-          <dgm:constr type="w" for="ch" forName="sibTrans" refType="w" refFor="ch" refForName="compNode" fact="0.175"/>
-          <dgm:constr type="sp" refType="w" refFor="ch" refForName="compNode" op="equ" fact="0.25"/>
-          <dgm:constr type="primFontSz" for="des" ptType="node" op="equ" val="24"/>
-          <dgm:constr type="h" for="des" forName="compNode" op="equ"/>
-          <dgm:constr type="h" for="des" forName="textRect" op="equ"/>
-        </dgm:constrLst>
-      </dgm:else>
-    </dgm:choose>
-    <dgm:ruleLst>
-      <dgm:rule type="w" for="ch" forName="compNode" val="50" fact="NaN" max="NaN"/>
-    </dgm:ruleLst>
-    <dgm:forEach name="Name8" axis="ch" ptType="node">
-      <dgm:layoutNode name="compNode">
-        <dgm:alg type="composite"/>
-        <dgm:shape xmlns:r="http://schemas.openxmlformats.org/officeDocument/2006/relationships" r:blip="">
-          <dgm:adjLst/>
-        </dgm:shape>
-        <dgm:presOf axis="self"/>
-        <dgm:constrLst>
-          <dgm:constr type="w" for="ch" forName="iconBgRect" refType="w" fact="0.61"/>
-          <dgm:constr type="h" for="ch" forName="iconBgRect" refType="w" refFor="ch" refForName="iconBgRect"/>
-          <dgm:constr type="t" for="ch" forName="iconBgRect"/>
-          <dgm:constr type="ctrX" for="ch" forName="iconBgRect" refType="w" fact="0.5"/>
-          <dgm:constr type="w" for="ch" forName="iconRect" refType="w" fact="0.35"/>
-          <dgm:constr type="h" for="ch" forName="iconRect" refType="w" refFor="ch" refForName="iconRect"/>
-          <dgm:constr type="ctrX" for="ch" forName="iconRect" refType="ctrX" refFor="ch" refForName="iconBgRect"/>
-          <dgm:constr type="ctrY" for="ch" forName="iconRect" refType="ctrY" refFor="ch" refForName="iconBgRect"/>
-          <dgm:constr type="h" for="ch" forName="spaceRect" refType="w" fact="0.19"/>
-          <dgm:constr type="w" for="ch" forName="spaceRect" refType="w"/>
-          <dgm:constr type="l" for="ch" forName="spaceRect"/>
-          <dgm:constr type="t" for="ch" forName="spaceRect" refType="b" refFor="ch" refForName="iconBgRect"/>
-          <dgm:constr type="h" for="ch" forName="textRect" val="20"/>
-          <dgm:constr type="w" for="ch" forName="textRect" refType="w"/>
-          <dgm:constr type="l" for="ch" forName="textRect"/>
-          <dgm:constr type="t" for="ch" forName="textRect" refType="b" refFor="ch" refForName="spaceRect"/>
+          <dgm:constr type="h" refType="w" op="lte" fact="1.2"/>
+          <dgm:constr type="w" for="ch" forName="bgRect" refType="w"/>
+          <dgm:constr type="h" for="ch" forName="bgRect" refType="h"/>
+          <dgm:constr type="t" for="ch" forName="bgRect"/>
+          <dgm:constr type="l" for="ch" forName="bgRect"/>
+          <dgm:constr type="w" for="ch" forName="sibTransNodeRect" refType="w" refFor="ch" refForName="bgRect"/>
+          <dgm:constr type="h" for="ch" forName="sibTransNodeRect" refType="h" refFor="ch" refForName="bgRect" fact="0.4"/>
+          <dgm:constr type="t" for="ch" forName="sibTransNodeRect"/>
+          <dgm:constr type="l" for="ch" forName="sibTransNodeRect"/>
+          <dgm:constr type="r" for="ch" forName="nodeRect" refType="r" refFor="ch" refForName="bgRect"/>
+          <dgm:constr type="h" for="ch" forName="nodeRect" refType="h" refFor="ch" refForName="bgRect" fact="0.6"/>
+          <dgm:constr type="t" for="ch" forName="nodeRect" refType="b" refFor="ch" refForName="sibTransNodeRect"/>
+          <dgm:constr type="l" for="ch" forName="nodeRect" refType="l" refFor="ch" refForName="bgRect"/>
         </dgm:constrLst>
         <dgm:ruleLst>
-          <dgm:rule type="h" val="INF" fact="NaN" max="NaN"/>
+          <dgm:rule type="w" for="ch" forName="nodeRect" val="NaN" fact="NaN" max="30"/>
         </dgm:ruleLst>
-        <dgm:layoutNode name="iconBgRect" styleLbl="bgShp">
+        <dgm:layoutNode name="bgRect" styleLbl="alignNode1">
           <dgm:alg type="sp"/>
-          <dgm:shape xmlns:r="http://schemas.openxmlformats.org/officeDocument/2006/relationships" type="ellipse" r:blip="">
-            <dgm:adjLst/>
+          <dgm:shape xmlns:r="http://schemas.openxmlformats.org/officeDocument/2006/relationships" type="rect" r:blip="">
+            <dgm:adjLst>
+              <dgm:adj idx="1" val="0.05"/>
+            </dgm:adjLst>
           </dgm:shape>
-          <dgm:presOf/>
+          <dgm:presOf axis="self"/>
           <dgm:constrLst/>
           <dgm:ruleLst/>
         </dgm:layoutNode>
-        <dgm:layoutNode name="iconRect" styleLbl="node1">
-          <dgm:alg type="sp"/>
-          <dgm:shape xmlns:r="http://schemas.openxmlformats.org/officeDocument/2006/relationships" type="rect" r:blip="" blipPhldr="1">
+        <dgm:forEach name="Name19" axis="followSib" ptType="sibTrans" hideLastTrans="0" cnt="1">
+          <dgm:layoutNode name="sibTransNodeRect" styleLbl="alignNode1">
+            <dgm:varLst>
+              <dgm:chMax val="0"/>
+              <dgm:bulletEnabled val="1"/>
+            </dgm:varLst>
+            <dgm:presOf axis="self"/>
+            <dgm:alg type="tx">
+              <dgm:param type="parTxLTRAlign" val="l"/>
+              <dgm:param type="parTxRTLAlign" val="l"/>
+            </dgm:alg>
+            <dgm:shape xmlns:r="http://schemas.openxmlformats.org/officeDocument/2006/relationships" type="rect" r:blip="" hideGeom="1">
+              <dgm:adjLst/>
+            </dgm:shape>
+            <dgm:constrLst>
+              <dgm:constr type="primFontSz" val="66"/>
+              <dgm:constr type="tMarg" val="13"/>
+              <dgm:constr type="lMarg" refType="w" fact="0.28"/>
+              <dgm:constr type="rMarg" refType="w" fact="0.28"/>
+              <dgm:constr type="bMarg" val="13"/>
+            </dgm:constrLst>
+            <dgm:ruleLst>
+              <dgm:rule type="primFontSz" val="14" fact="NaN" max="NaN"/>
+              <dgm:rule type="tMarg" val="13" fact="NaN" max="NaN"/>
+            </dgm:ruleLst>
+          </dgm:layoutNode>
+        </dgm:forEach>
+        <dgm:layoutNode name="nodeRect" styleLbl="alignNode1" moveWith="bgRect">
+          <dgm:varLst>
+            <dgm:bulletEnabled val="1"/>
+          </dgm:varLst>
+          <dgm:alg type="tx">
+            <dgm:param type="parTxLTRAlign" val="l"/>
+            <dgm:param type="parTxRTLAlign" val="r"/>
+            <dgm:param type="txAnchorVert" val="t"/>
+            <dgm:param type="stBulletLvl" val="2"/>
+          </dgm:alg>
+          <dgm:shape xmlns:r="http://schemas.openxmlformats.org/officeDocument/2006/relationships" type="rect" r:blip="" hideGeom="1">
             <dgm:adjLst/>
           </dgm:shape>
-          <dgm:presOf/>
-          <dgm:constrLst/>
-          <dgm:ruleLst/>
+          <dgm:presOf axis="desOrSelf" ptType="node"/>
+          <dgm:constrLst>
+            <dgm:constr type="primFontSz" val="26"/>
+            <dgm:constr type="tMarg"/>
+            <dgm:constr type="lMarg" refType="w" fact="0.28"/>
+            <dgm:constr type="rMarg" refType="w" fact="0.28"/>
+            <dgm:constr type="bMarg" val="26"/>
+          </dgm:constrLst>
+          <dgm:ruleLst>
+            <dgm:rule type="primFontSz" val="11" fact="NaN" max="NaN"/>
+          </dgm:ruleLst>
         </dgm:layoutNode>
-        <dgm:layoutNode name="spaceRect">
+      </dgm:layoutNode>
+      <dgm:forEach name="Name14" axis="followSib" ptType="sibTrans" cnt="1">
+        <dgm:layoutNode name="sibTrans">
           <dgm:alg type="sp"/>
           <dgm:shape xmlns:r="http://schemas.openxmlformats.org/officeDocument/2006/relationships" r:blip="">
             <dgm:adjLst/>
@@ -8255,53 +10838,18 @@
           <dgm:constrLst/>
           <dgm:ruleLst/>
         </dgm:layoutNode>
-        <dgm:layoutNode name="textRect" styleLbl="revTx">
-          <dgm:varLst>
-            <dgm:chMax val="1"/>
-            <dgm:chPref val="1"/>
-          </dgm:varLst>
-          <dgm:alg type="tx">
-            <dgm:param type="txAnchorVert" val="t"/>
-          </dgm:alg>
-          <dgm:shape xmlns:r="http://schemas.openxmlformats.org/officeDocument/2006/relationships" type="rect" r:blip="">
-            <dgm:adjLst/>
-          </dgm:shape>
-          <dgm:presOf axis="self" ptType="node"/>
-          <dgm:constrLst>
-            <dgm:constr type="lMarg"/>
-            <dgm:constr type="rMarg"/>
-            <dgm:constr type="tMarg"/>
-            <dgm:constr type="bMarg"/>
-          </dgm:constrLst>
-          <dgm:ruleLst>
-            <dgm:rule type="primFontSz" val="11" fact="NaN" max="NaN"/>
-            <dgm:rule type="h" val="INF" fact="NaN" max="NaN"/>
-          </dgm:ruleLst>
-        </dgm:layoutNode>
-      </dgm:layoutNode>
-      <dgm:forEach name="Name9" axis="followSib" ptType="sibTrans" cnt="1">
-        <dgm:layoutNode name="sibTrans">
-          <dgm:alg type="sp"/>
-          <dgm:shape xmlns:r="http://schemas.openxmlformats.org/officeDocument/2006/relationships" r:blip="">
-            <dgm:adjLst/>
-          </dgm:shape>
-          <dgm:presOf axis="self"/>
-          <dgm:constrLst/>
-          <dgm:ruleLst/>
-        </dgm:layoutNode>
       </dgm:forEach>
     </dgm:forEach>
   </dgm:layoutNode>
   <dgm:extLst>
-    <a:ext uri="{68A01E43-0DF5-4B5B-8FA6-DAF915123BFB}">
-      <dgm1612:lstStyle xmlns:dgm1612="http://schemas.microsoft.com/office/drawing/2016/12/diagram">
-        <a:lvl1pPr>
-          <a:lnSpc>
-            <a:spcPct val="100000"/>
-          </a:lnSpc>
-          <a:defRPr cap="all"/>
-        </a:lvl1pPr>
-      </dgm1612:lstStyle>
+    <a:ext uri="{4F341089-5ED1-44EC-B178-C955D00A3D55}">
+      <dgm1611:autoBuNodeInfoLst xmlns:dgm1611="http://schemas.microsoft.com/office/drawing/2016/11/diagram">
+        <dgm1611:autoBuNodeInfo lvl="1" ptType="sibTrans">
+          <dgm1611:buPr prefix="" leadZeros="1">
+            <a:buAutoNum type="arabicParenBoth"/>
+          </dgm1611:buPr>
+        </dgm1611:autoBuNodeInfo>
+      </dgm1611:autoBuNodeInfoLst>
     </a:ext>
   </dgm:extLst>
 </dgm:layoutDef>
@@ -8523,9 +11071,9 @@
 </file>
 
 <file path=ppt/diagrams/layout3.xml><?xml version="1.0" encoding="utf-8"?>
-<dgm:layoutDef xmlns:dgm="http://schemas.openxmlformats.org/drawingml/2006/diagram" xmlns:a="http://schemas.openxmlformats.org/drawingml/2006/main" uniqueId="urn:microsoft.com/office/officeart/2018/2/layout/IconVerticalSolidList">
-  <dgm:title val="Icon Vertical Solid List"/>
-  <dgm:desc val="Use to show a series of visuals from top to bottom with Level 1 or Level 1 and Level 2 text grouped in a shape. Works best with icons or small pictures with lengthier descriptions."/>
+<dgm:layoutDef xmlns:dgm="http://schemas.openxmlformats.org/drawingml/2006/diagram" xmlns:a="http://schemas.openxmlformats.org/drawingml/2006/main" uniqueId="urn:microsoft.com/office/officeart/2018/5/layout/IconCircleLabelList">
+  <dgm:title val="Icon Circle Label List"/>
+  <dgm:desc val="Use to show non-sequential or grouped chunks of information accompanied by a related visuals. Works best with icons or small pictures with short text captions."/>
   <dgm:catLst>
     <dgm:cat type="icon" pri="500"/>
   </dgm:catLst>
@@ -8557,15 +11105,23 @@
     </dgm:varLst>
     <dgm:choose name="Name0">
       <dgm:if name="Name1" axis="self" func="var" arg="dir" op="equ" val="norm">
-        <dgm:alg type="lin">
-          <dgm:param type="linDir" val="fromT"/>
-          <dgm:param type="nodeHorzAlign" val="l"/>
+        <dgm:alg type="snake">
+          <dgm:param type="grDir" val="tL"/>
+          <dgm:param type="flowDir" val="row"/>
+          <dgm:param type="contDir" val="sameDir"/>
+          <dgm:param type="off" val="ctr"/>
+          <dgm:param type="vertAlign" val="mid"/>
+          <dgm:param type="horzAlign" val="ctr"/>
         </dgm:alg>
       </dgm:if>
       <dgm:else name="Name2">
-        <dgm:alg type="lin">
-          <dgm:param type="linDir" val="fromT"/>
-          <dgm:param type="nodeHorzAlign" val="r"/>
+        <dgm:alg type="snake">
+          <dgm:param type="grDir" val="tR"/>
+          <dgm:param type="flowDir" val="row"/>
+          <dgm:param type="contDir" val="sameDir"/>
+          <dgm:param type="off" val="ctr"/>
+          <dgm:param type="vertAlign" val="mid"/>
+          <dgm:param type="horzAlign" val="ctr"/>
         </dgm:alg>
       </dgm:else>
     </dgm:choose>
@@ -8574,73 +11130,53 @@
     </dgm:shape>
     <dgm:presOf/>
     <dgm:choose name="Name3">
-      <dgm:if name="Name4" axis="ch" ptType="node" func="cnt" op="lte" val="3">
+      <dgm:if name="Name4" axis="ch" ptType="node" func="cnt" op="lte" val="2">
         <dgm:constrLst>
-          <dgm:constr type="h" for="ch" forName="compNode" refType="h" fact="0.3"/>
-          <dgm:constr type="w" for="ch" forName="compNode" refType="w"/>
-          <dgm:constr type="h" for="ch" forName="sibTrans" refType="h" refFor="ch" refForName="compNode" fact="0.25"/>
-          <dgm:constr type="primFontSz" for="des" forName="parTx" val="25"/>
-          <dgm:constr type="primFontSz" for="des" forName="desTx" refType="primFontSz" refFor="des" refForName="parTx" op="lte" fact="0.75"/>
+          <dgm:constr type="h" for="ch" forName="compNode" refType="h" fact="0.4"/>
+          <dgm:constr type="w" for="ch" forName="compNode" val="100"/>
+          <dgm:constr type="w" for="ch" forName="sibTrans" refType="w" refFor="ch" refForName="compNode" fact="0.175"/>
+          <dgm:constr type="sp" refType="w" refFor="ch" refForName="compNode" op="equ" fact="0.25"/>
+          <dgm:constr type="primFontSz" for="des" ptType="node" op="equ" val="44"/>
           <dgm:constr type="h" for="des" forName="compNode" op="equ"/>
-          <dgm:constr type="h" for="des" forName="bgRect" op="equ"/>
-          <dgm:constr type="h" for="des" forName="iconRect" op="equ"/>
-          <dgm:constr type="w" for="des" forName="iconRect" op="equ"/>
-          <dgm:constr type="h" for="des" forName="spaceRect" op="equ"/>
-          <dgm:constr type="h" for="des" forName="parTx" op="equ"/>
-          <dgm:constr type="h" for="des" forName="desTx" op="equ"/>
+          <dgm:constr type="h" for="des" forName="textRect" op="equ"/>
         </dgm:constrLst>
       </dgm:if>
-      <dgm:if name="Name5" axis="ch" ptType="node" func="cnt" op="lte" val="4">
+      <dgm:if name="Name5" axis="ch" ptType="node" func="cnt" op="lte" val="3">
         <dgm:constrLst>
-          <dgm:constr type="h" for="ch" forName="compNode" refType="h" fact="0.3"/>
-          <dgm:constr type="w" for="ch" forName="compNode" refType="w"/>
-          <dgm:constr type="h" for="ch" forName="sibTrans" refType="h" refFor="ch" refForName="compNode" fact="0.25"/>
-          <dgm:constr type="primFontSz" for="des" forName="parTx" val="22"/>
-          <dgm:constr type="primFontSz" for="des" forName="desTx" refType="primFontSz" refFor="des" refForName="parTx" op="lte" fact="0.75"/>
+          <dgm:constr type="h" for="ch" forName="compNode" refType="h" fact="0.4"/>
+          <dgm:constr type="w" for="ch" forName="compNode" val="100"/>
+          <dgm:constr type="w" for="ch" forName="sibTrans" refType="w" refFor="ch" refForName="compNode" fact="0.175"/>
+          <dgm:constr type="sp" refType="w" refFor="ch" refForName="compNode" op="equ" fact="0.25"/>
+          <dgm:constr type="primFontSz" for="des" ptType="node" op="equ" val="40"/>
           <dgm:constr type="h" for="des" forName="compNode" op="equ"/>
-          <dgm:constr type="h" for="des" forName="bgRect" op="equ"/>
-          <dgm:constr type="h" for="des" forName="iconRect" op="equ"/>
-          <dgm:constr type="w" for="des" forName="iconRect" op="equ"/>
-          <dgm:constr type="h" for="des" forName="spaceRect" op="equ"/>
-          <dgm:constr type="h" for="des" forName="parTx" op="equ"/>
-          <dgm:constr type="h" for="des" forName="desTx" op="equ"/>
+          <dgm:constr type="h" for="des" forName="textRect" op="equ"/>
         </dgm:constrLst>
       </dgm:if>
-      <dgm:if name="Name6" axis="ch" ptType="node" func="cnt" op="lte" val="6">
+      <dgm:if name="Name6" axis="ch" ptType="node" func="cnt" op="lte" val="4">
         <dgm:constrLst>
-          <dgm:constr type="h" for="ch" forName="compNode" refType="h" fact="0.3"/>
+          <dgm:constr type="h" for="ch" forName="compNode" refType="h" fact="0.4"/>
           <dgm:constr type="w" for="ch" forName="compNode" refType="w"/>
-          <dgm:constr type="h" for="ch" forName="sibTrans" refType="h" refFor="ch" refForName="compNode" fact="0.25"/>
-          <dgm:constr type="primFontSz" for="des" forName="parTx" val="19"/>
-          <dgm:constr type="primFontSz" for="des" forName="desTx" refType="primFontSz" refFor="des" refForName="parTx" op="lte" fact="0.75"/>
+          <dgm:constr type="w" for="ch" forName="sibTrans" refType="w" refFor="ch" refForName="compNode" fact="0.175"/>
+          <dgm:constr type="sp" refType="w" refFor="ch" refForName="compNode" op="equ" fact="0.25"/>
+          <dgm:constr type="primFontSz" for="des" ptType="node" op="equ" val="32"/>
           <dgm:constr type="h" for="des" forName="compNode" op="equ"/>
-          <dgm:constr type="h" for="des" forName="bgRect" op="equ"/>
-          <dgm:constr type="h" for="des" forName="iconRect" op="equ"/>
-          <dgm:constr type="w" for="des" forName="iconRect" op="equ"/>
-          <dgm:constr type="h" for="des" forName="spaceRect" op="equ"/>
-          <dgm:constr type="h" for="des" forName="parTx" op="equ"/>
-          <dgm:constr type="h" for="des" forName="desTx" op="equ"/>
+          <dgm:constr type="h" for="des" forName="textRect" op="equ"/>
         </dgm:constrLst>
       </dgm:if>
       <dgm:else name="Name7">
         <dgm:constrLst>
-          <dgm:constr type="h" for="ch" forName="compNode" refType="h" fact="0.3"/>
+          <dgm:constr type="h" for="ch" forName="compNode" refType="h" fact="0.4"/>
           <dgm:constr type="w" for="ch" forName="compNode" refType="w"/>
-          <dgm:constr type="h" for="ch" forName="sibTrans" refType="h" refFor="ch" refForName="compNode" fact="0.25"/>
-          <dgm:constr type="primFontSz" for="des" forName="parTx" val="16"/>
-          <dgm:constr type="primFontSz" for="des" forName="desTx" refType="primFontSz" refFor="des" refForName="parTx" op="lte" fact="0.75"/>
+          <dgm:constr type="w" for="ch" forName="sibTrans" refType="w" refFor="ch" refForName="compNode" fact="0.175"/>
+          <dgm:constr type="sp" refType="w" refFor="ch" refForName="compNode" op="equ" fact="0.25"/>
+          <dgm:constr type="primFontSz" for="des" ptType="node" op="equ" val="24"/>
           <dgm:constr type="h" for="des" forName="compNode" op="equ"/>
-          <dgm:constr type="h" for="des" forName="bgRect" op="equ"/>
-          <dgm:constr type="h" for="des" forName="iconRect" op="equ"/>
-          <dgm:constr type="w" for="des" forName="iconRect" op="equ"/>
-          <dgm:constr type="h" for="des" forName="spaceRect" op="equ"/>
-          <dgm:constr type="h" for="des" forName="parTx" op="equ"/>
-          <dgm:constr type="h" for="des" forName="desTx" op="equ"/>
+          <dgm:constr type="h" for="des" forName="textRect" op="equ"/>
         </dgm:constrLst>
       </dgm:else>
     </dgm:choose>
     <dgm:ruleLst>
-      <dgm:rule type="h" for="ch" forName="compNode" val="0" fact="NaN" max="NaN"/>
+      <dgm:rule type="w" for="ch" forName="compNode" val="50" fact="NaN" max="NaN"/>
     </dgm:ruleLst>
     <dgm:forEach name="Name8" axis="ch" ptType="node">
       <dgm:layoutNode name="compNode">
@@ -8649,59 +11185,31 @@
           <dgm:adjLst/>
         </dgm:shape>
         <dgm:presOf axis="self"/>
-        <dgm:choose name="Name9">
-          <dgm:if name="Name10" axis="ch" ptType="node" func="cnt" op="gte" val="1">
-            <dgm:constrLst>
-              <dgm:constr type="w" for="ch" forName="bgRect" refType="w"/>
-              <dgm:constr type="h" for="ch" forName="bgRect" refType="h"/>
-              <dgm:constr type="l" for="ch" forName="bgRect"/>
-              <dgm:constr type="t" for="ch" forName="bgRect"/>
-              <dgm:constr type="h" for="ch" forName="iconRect" refType="h" fact="0.55"/>
-              <dgm:constr type="w" for="ch" forName="iconRect" refType="h" refFor="ch" refForName="iconRect"/>
-              <dgm:constr type="l" for="ch" forName="iconRect" refType="h" refFor="ch" refForName="iconRect" fact="0.55"/>
-              <dgm:constr type="ctrY" for="ch" forName="iconRect" refType="ctrY" refFor="ch" refForName="bgRect"/>
-              <dgm:constr type="w" for="ch" forName="spaceRect" refType="l" refFor="ch" refForName="iconRect"/>
-              <dgm:constr type="h" for="ch" forName="spaceRect" refType="h"/>
-              <dgm:constr type="l" for="ch" forName="spaceRect" refType="r" refFor="ch" refForName="iconRect"/>
-              <dgm:constr type="t" for="ch" forName="spaceRect"/>
-              <dgm:constr type="w" for="ch" forName="parTx" refType="w" fact="0.45"/>
-              <dgm:constr type="h" for="ch" forName="parTx" refType="h"/>
-              <dgm:constr type="l" for="ch" forName="parTx" refType="r" refFor="ch" refForName="spaceRect"/>
-              <dgm:constr type="t" for="ch" forName="parTx"/>
-              <dgm:constr type="h" for="ch" forName="desTx" refType="h"/>
-              <dgm:constr type="l" for="ch" forName="desTx" refType="r" refFor="ch" refForName="parTx"/>
-              <dgm:constr type="t" for="ch" forName="desTx"/>
-            </dgm:constrLst>
-          </dgm:if>
-          <dgm:else name="Name11">
-            <dgm:constrLst>
-              <dgm:constr type="w" for="ch" forName="bgRect" refType="w"/>
-              <dgm:constr type="h" for="ch" forName="bgRect" refType="h"/>
-              <dgm:constr type="l" for="ch" forName="bgRect"/>
-              <dgm:constr type="t" for="ch" forName="bgRect"/>
-              <dgm:constr type="h" for="ch" forName="iconRect" refType="h" fact="0.55"/>
-              <dgm:constr type="w" for="ch" forName="iconRect" refType="h" refFor="ch" refForName="iconRect"/>
-              <dgm:constr type="l" for="ch" forName="iconRect" refType="h" refFor="ch" refForName="iconRect" fact="0.55"/>
-              <dgm:constr type="ctrY" for="ch" forName="iconRect" refType="ctrY" refFor="ch" refForName="bgRect"/>
-              <dgm:constr type="w" for="ch" forName="spaceRect" refType="l" refFor="ch" refForName="iconRect"/>
-              <dgm:constr type="h" for="ch" forName="spaceRect" refType="h"/>
-              <dgm:constr type="l" for="ch" forName="spaceRect" refType="r" refFor="ch" refForName="iconRect"/>
-              <dgm:constr type="t" for="ch" forName="spaceRect"/>
-              <dgm:constr type="h" for="ch" forName="parTx" refType="h"/>
-              <dgm:constr type="l" for="ch" forName="parTx" refType="r" refFor="ch" refForName="spaceRect"/>
-              <dgm:constr type="t" for="ch" forName="parTx"/>
-            </dgm:constrLst>
-          </dgm:else>
-        </dgm:choose>
+        <dgm:constrLst>
+          <dgm:constr type="w" for="ch" forName="iconBgRect" refType="w" fact="0.61"/>
+          <dgm:constr type="h" for="ch" forName="iconBgRect" refType="w" refFor="ch" refForName="iconBgRect"/>
+          <dgm:constr type="t" for="ch" forName="iconBgRect"/>
+          <dgm:constr type="ctrX" for="ch" forName="iconBgRect" refType="w" fact="0.5"/>
+          <dgm:constr type="w" for="ch" forName="iconRect" refType="w" fact="0.35"/>
+          <dgm:constr type="h" for="ch" forName="iconRect" refType="w" refFor="ch" refForName="iconRect"/>
+          <dgm:constr type="ctrX" for="ch" forName="iconRect" refType="ctrX" refFor="ch" refForName="iconBgRect"/>
+          <dgm:constr type="ctrY" for="ch" forName="iconRect" refType="ctrY" refFor="ch" refForName="iconBgRect"/>
+          <dgm:constr type="h" for="ch" forName="spaceRect" refType="w" fact="0.19"/>
+          <dgm:constr type="w" for="ch" forName="spaceRect" refType="w"/>
+          <dgm:constr type="l" for="ch" forName="spaceRect"/>
+          <dgm:constr type="t" for="ch" forName="spaceRect" refType="b" refFor="ch" refForName="iconBgRect"/>
+          <dgm:constr type="h" for="ch" forName="textRect" val="20"/>
+          <dgm:constr type="w" for="ch" forName="textRect" refType="w"/>
+          <dgm:constr type="l" for="ch" forName="textRect"/>
+          <dgm:constr type="t" for="ch" forName="textRect" refType="b" refFor="ch" refForName="spaceRect"/>
+        </dgm:constrLst>
         <dgm:ruleLst>
           <dgm:rule type="h" val="INF" fact="NaN" max="NaN"/>
         </dgm:ruleLst>
-        <dgm:layoutNode name="bgRect" styleLbl="bgShp">
+        <dgm:layoutNode name="iconBgRect" styleLbl="bgShp">
           <dgm:alg type="sp"/>
-          <dgm:shape xmlns:r="http://schemas.openxmlformats.org/officeDocument/2006/relationships" type="roundRect" r:blip="">
-            <dgm:adjLst>
-              <dgm:adj idx="1" val="0.1"/>
-            </dgm:adjLst>
+          <dgm:shape xmlns:r="http://schemas.openxmlformats.org/officeDocument/2006/relationships" type="ellipse" r:blip="">
+            <dgm:adjLst/>
           </dgm:shape>
           <dgm:presOf/>
           <dgm:constrLst/>
@@ -8725,66 +11233,31 @@
           <dgm:constrLst/>
           <dgm:ruleLst/>
         </dgm:layoutNode>
-        <dgm:layoutNode name="parTx" styleLbl="revTx">
+        <dgm:layoutNode name="textRect" styleLbl="revTx">
           <dgm:varLst>
-            <dgm:chMax val="0"/>
-            <dgm:chPref val="0"/>
+            <dgm:chMax val="1"/>
+            <dgm:chPref val="1"/>
           </dgm:varLst>
           <dgm:alg type="tx">
-            <dgm:param type="txAnchorVert" val="mid"/>
-            <dgm:param type="parTxLTRAlign" val="l"/>
-            <dgm:param type="shpTxLTRAlignCh" val="l"/>
-            <dgm:param type="parTxRTLAlign" val="r"/>
-            <dgm:param type="shpTxRTLAlignCh" val="r"/>
+            <dgm:param type="txAnchorVert" val="t"/>
           </dgm:alg>
           <dgm:shape xmlns:r="http://schemas.openxmlformats.org/officeDocument/2006/relationships" type="rect" r:blip="">
             <dgm:adjLst/>
           </dgm:shape>
           <dgm:presOf axis="self" ptType="node"/>
           <dgm:constrLst>
-            <dgm:constr type="lMarg" refType="h" fact="0.3"/>
-            <dgm:constr type="rMarg" refType="h" fact="0.3"/>
-            <dgm:constr type="tMarg" refType="h" fact="0.3"/>
-            <dgm:constr type="bMarg" refType="h" fact="0.3"/>
+            <dgm:constr type="lMarg"/>
+            <dgm:constr type="rMarg"/>
+            <dgm:constr type="tMarg"/>
+            <dgm:constr type="bMarg"/>
           </dgm:constrLst>
           <dgm:ruleLst>
-            <dgm:rule type="primFontSz" val="14" fact="NaN" max="NaN"/>
+            <dgm:rule type="primFontSz" val="11" fact="NaN" max="NaN"/>
             <dgm:rule type="h" val="INF" fact="NaN" max="NaN"/>
           </dgm:ruleLst>
         </dgm:layoutNode>
-        <dgm:choose name="Name12">
-          <dgm:if name="Name13" axis="ch" ptType="node" func="cnt" op="gte" val="1">
-            <dgm:layoutNode name="desTx" styleLbl="revTx">
-              <dgm:varLst/>
-              <dgm:alg type="tx">
-                <dgm:param type="txAnchorVertCh" val="mid"/>
-                <dgm:param type="parTxLTRAlign" val="l"/>
-                <dgm:param type="shpTxLTRAlignCh" val="l"/>
-                <dgm:param type="parTxRTLAlign" val="r"/>
-                <dgm:param type="shpTxRTLAlignCh" val="r"/>
-                <dgm:param type="stBulletLvl" val="0"/>
-              </dgm:alg>
-              <dgm:shape xmlns:r="http://schemas.openxmlformats.org/officeDocument/2006/relationships" type="rect" r:blip="">
-                <dgm:adjLst/>
-              </dgm:shape>
-              <dgm:presOf axis="des" ptType="node"/>
-              <dgm:constrLst>
-                <dgm:constr type="primFontSz" val="18"/>
-                <dgm:constr type="secFontSz" refType="primFontSz"/>
-                <dgm:constr type="lMarg" refType="h" fact="0.3"/>
-                <dgm:constr type="rMarg" refType="h" fact="0.3"/>
-                <dgm:constr type="tMarg" refType="h" fact="0.3"/>
-                <dgm:constr type="bMarg" refType="h" fact="0.3"/>
-              </dgm:constrLst>
-              <dgm:ruleLst>
-                <dgm:rule type="primFontSz" val="11" fact="NaN" max="NaN"/>
-              </dgm:ruleLst>
-            </dgm:layoutNode>
-          </dgm:if>
-          <dgm:else name="Name14"/>
-        </dgm:choose>
       </dgm:layoutNode>
-      <dgm:forEach name="Name15" axis="followSib" ptType="sibTrans" cnt="1">
+      <dgm:forEach name="Name9" axis="followSib" ptType="sibTrans" cnt="1">
         <dgm:layoutNode name="sibTrans">
           <dgm:alg type="sp"/>
           <dgm:shape xmlns:r="http://schemas.openxmlformats.org/officeDocument/2006/relationships" r:blip="">
@@ -8804,12 +11277,8 @@
           <a:lnSpc>
             <a:spcPct val="100000"/>
           </a:lnSpc>
+          <a:defRPr cap="all"/>
         </a:lvl1pPr>
-        <a:lvl2pPr>
-          <a:lnSpc>
-            <a:spcPct val="100000"/>
-          </a:lnSpc>
-        </a:lvl2pPr>
       </dgm1612:lstStyle>
     </a:ext>
   </dgm:extLst>
@@ -9110,12 +11579,202 @@
 </dgm:layoutDef>
 </file>
 
+<file path=ppt/diagrams/layout5.xml><?xml version="1.0" encoding="utf-8"?>
+<dgm:layoutDef xmlns:dgm="http://schemas.openxmlformats.org/drawingml/2006/diagram" xmlns:a="http://schemas.openxmlformats.org/drawingml/2006/main" uniqueId="urn:microsoft.com/office/officeart/2018/2/layout/IconLabelList">
+  <dgm:title val="Icon Label List"/>
+  <dgm:desc val="Use to show non-sequential or grouped chunks of information accompanied by a related visuals. Works best with icons or small pictures with short text captions."/>
+  <dgm:catLst>
+    <dgm:cat type="icon" pri="500"/>
+  </dgm:catLst>
+  <dgm:sampData useDef="1">
+    <dgm:dataModel>
+      <dgm:ptLst/>
+      <dgm:bg/>
+      <dgm:whole/>
+    </dgm:dataModel>
+  </dgm:sampData>
+  <dgm:styleData useDef="1">
+    <dgm:dataModel>
+      <dgm:ptLst/>
+      <dgm:bg/>
+      <dgm:whole/>
+    </dgm:dataModel>
+  </dgm:styleData>
+  <dgm:clrData useDef="1">
+    <dgm:dataModel>
+      <dgm:ptLst/>
+      <dgm:bg/>
+      <dgm:whole/>
+    </dgm:dataModel>
+  </dgm:clrData>
+  <dgm:layoutNode name="root">
+    <dgm:varLst>
+      <dgm:dir/>
+      <dgm:resizeHandles val="exact"/>
+    </dgm:varLst>
+    <dgm:choose name="Name0">
+      <dgm:if name="Name1" axis="self" func="var" arg="dir" op="equ" val="norm">
+        <dgm:alg type="snake">
+          <dgm:param type="grDir" val="tL"/>
+          <dgm:param type="flowDir" val="row"/>
+          <dgm:param type="contDir" val="sameDir"/>
+          <dgm:param type="off" val="ctr"/>
+          <dgm:param type="vertAlign" val="mid"/>
+          <dgm:param type="horzAlign" val="ctr"/>
+        </dgm:alg>
+      </dgm:if>
+      <dgm:else name="Name2">
+        <dgm:alg type="snake">
+          <dgm:param type="grDir" val="tR"/>
+          <dgm:param type="flowDir" val="row"/>
+          <dgm:param type="contDir" val="sameDir"/>
+          <dgm:param type="off" val="ctr"/>
+          <dgm:param type="vertAlign" val="mid"/>
+          <dgm:param type="horzAlign" val="ctr"/>
+        </dgm:alg>
+      </dgm:else>
+    </dgm:choose>
+    <dgm:shape xmlns:r="http://schemas.openxmlformats.org/officeDocument/2006/relationships" r:blip="">
+      <dgm:adjLst/>
+    </dgm:shape>
+    <dgm:presOf/>
+    <dgm:choose name="Name3">
+      <dgm:if name="Name4" axis="ch" ptType="node" func="cnt" op="lte" val="2">
+        <dgm:constrLst>
+          <dgm:constr type="h" for="ch" forName="compNode" refType="h" fact="0.4"/>
+          <dgm:constr type="w" for="ch" forName="compNode" val="120"/>
+          <dgm:constr type="w" for="ch" forName="sibTrans" refType="w" refFor="ch" refForName="compNode" fact="0.175"/>
+          <dgm:constr type="sp" refType="w" refFor="ch" refForName="compNode" op="equ" fact="0.25"/>
+          <dgm:constr type="primFontSz" for="des" ptType="node" op="equ" val="50"/>
+          <dgm:constr type="h" for="des" forName="compNode" op="equ"/>
+          <dgm:constr type="h" for="des" forName="textRect" op="equ"/>
+        </dgm:constrLst>
+      </dgm:if>
+      <dgm:if name="Name5" axis="ch" ptType="node" func="cnt" op="lte" val="4">
+        <dgm:constrLst>
+          <dgm:constr type="h" for="ch" forName="compNode" refType="h" fact="0.4"/>
+          <dgm:constr type="w" for="ch" forName="compNode" refType="w"/>
+          <dgm:constr type="w" for="ch" forName="sibTrans" refType="w" refFor="ch" refForName="compNode" fact="0.175"/>
+          <dgm:constr type="sp" refType="w" refFor="ch" refForName="compNode" op="equ" fact="0.25"/>
+          <dgm:constr type="primFontSz" for="des" ptType="node" op="equ" val="36"/>
+          <dgm:constr type="h" for="des" forName="compNode" op="equ"/>
+          <dgm:constr type="h" for="des" forName="textRect" op="equ"/>
+        </dgm:constrLst>
+      </dgm:if>
+      <dgm:else name="Name6">
+        <dgm:constrLst>
+          <dgm:constr type="h" for="ch" forName="compNode" refType="h" fact="0.4"/>
+          <dgm:constr type="w" for="ch" forName="compNode" refType="w"/>
+          <dgm:constr type="w" for="ch" forName="sibTrans" refType="w" refFor="ch" refForName="compNode" fact="0.175"/>
+          <dgm:constr type="sp" refType="w" refFor="ch" refForName="compNode" op="equ" fact="0.25"/>
+          <dgm:constr type="primFontSz" for="des" ptType="node" op="equ" val="24"/>
+          <dgm:constr type="h" for="des" forName="compNode" op="equ"/>
+          <dgm:constr type="h" for="des" forName="textRect" op="equ"/>
+        </dgm:constrLst>
+      </dgm:else>
+    </dgm:choose>
+    <dgm:ruleLst>
+      <dgm:rule type="w" for="ch" forName="compNode" val="50" fact="NaN" max="NaN"/>
+    </dgm:ruleLst>
+    <dgm:forEach name="Name7" axis="ch" ptType="node">
+      <dgm:layoutNode name="compNode">
+        <dgm:alg type="composite"/>
+        <dgm:shape xmlns:r="http://schemas.openxmlformats.org/officeDocument/2006/relationships" r:blip="">
+          <dgm:adjLst/>
+        </dgm:shape>
+        <dgm:presOf axis="self"/>
+        <dgm:constrLst>
+          <dgm:constr type="w" for="ch" forName="iconRect" refType="w" fact="0.45"/>
+          <dgm:constr type="h" for="ch" forName="iconRect" refType="w" refFor="ch" refForName="iconRect"/>
+          <dgm:constr type="ctrX" for="ch" forName="iconRect" refType="w" fact="0.5"/>
+          <dgm:constr type="t" for="ch" forName="iconRect"/>
+          <dgm:constr type="h" for="ch" forName="spaceRect" refType="h" fact="0.15"/>
+          <dgm:constr type="w" for="ch" forName="spaceRect" refType="w"/>
+          <dgm:constr type="l" for="ch" forName="spaceRect"/>
+          <dgm:constr type="t" for="ch" forName="spaceRect" refType="b" refFor="ch" refForName="iconRect"/>
+          <dgm:constr type="h" for="ch" forName="textRect" val="20"/>
+          <dgm:constr type="w" for="ch" forName="textRect" refType="w"/>
+          <dgm:constr type="l" for="ch" forName="textRect"/>
+          <dgm:constr type="t" for="ch" forName="textRect" refType="b" refFor="ch" refForName="spaceRect"/>
+        </dgm:constrLst>
+        <dgm:ruleLst>
+          <dgm:rule type="h" val="INF" fact="NaN" max="NaN"/>
+        </dgm:ruleLst>
+        <dgm:layoutNode name="iconRect" styleLbl="node1">
+          <dgm:alg type="sp"/>
+          <dgm:shape xmlns:r="http://schemas.openxmlformats.org/officeDocument/2006/relationships" type="rect" r:blip="" blipPhldr="1">
+            <dgm:adjLst/>
+          </dgm:shape>
+          <dgm:presOf/>
+          <dgm:constrLst/>
+          <dgm:ruleLst/>
+        </dgm:layoutNode>
+        <dgm:layoutNode name="spaceRect">
+          <dgm:alg type="sp"/>
+          <dgm:shape xmlns:r="http://schemas.openxmlformats.org/officeDocument/2006/relationships" r:blip="">
+            <dgm:adjLst/>
+          </dgm:shape>
+          <dgm:presOf/>
+          <dgm:constrLst/>
+          <dgm:ruleLst/>
+        </dgm:layoutNode>
+        <dgm:layoutNode name="textRect" styleLbl="revTx">
+          <dgm:varLst>
+            <dgm:chMax val="1"/>
+            <dgm:chPref val="1"/>
+          </dgm:varLst>
+          <dgm:alg type="tx">
+            <dgm:param type="txAnchorVert" val="t"/>
+          </dgm:alg>
+          <dgm:shape xmlns:r="http://schemas.openxmlformats.org/officeDocument/2006/relationships" type="rect" r:blip="">
+            <dgm:adjLst/>
+          </dgm:shape>
+          <dgm:presOf axis="self" ptType="node"/>
+          <dgm:constrLst>
+            <dgm:constr type="lMarg"/>
+            <dgm:constr type="rMarg"/>
+            <dgm:constr type="tMarg"/>
+            <dgm:constr type="bMarg"/>
+          </dgm:constrLst>
+          <dgm:ruleLst>
+            <dgm:rule type="primFontSz" val="11" fact="NaN" max="NaN"/>
+            <dgm:rule type="h" val="INF" fact="NaN" max="NaN"/>
+          </dgm:ruleLst>
+        </dgm:layoutNode>
+      </dgm:layoutNode>
+      <dgm:forEach name="Name8" axis="followSib" ptType="sibTrans" cnt="1">
+        <dgm:layoutNode name="sibTrans">
+          <dgm:alg type="sp"/>
+          <dgm:shape xmlns:r="http://schemas.openxmlformats.org/officeDocument/2006/relationships" r:blip="">
+            <dgm:adjLst/>
+          </dgm:shape>
+          <dgm:presOf axis="self"/>
+          <dgm:constrLst/>
+          <dgm:ruleLst/>
+        </dgm:layoutNode>
+      </dgm:forEach>
+    </dgm:forEach>
+  </dgm:layoutNode>
+  <dgm:extLst>
+    <a:ext uri="{68A01E43-0DF5-4B5B-8FA6-DAF915123BFB}">
+      <dgm1612:lstStyle xmlns:dgm1612="http://schemas.microsoft.com/office/drawing/2016/12/diagram">
+        <a:lvl1pPr>
+          <a:lnSpc>
+            <a:spcPct val="100000"/>
+          </a:lnSpc>
+        </a:lvl1pPr>
+      </dgm1612:lstStyle>
+    </a:ext>
+  </dgm:extLst>
+</dgm:layoutDef>
+</file>
+
 <file path=ppt/diagrams/quickStyle1.xml><?xml version="1.0" encoding="utf-8"?>
-<dgm:styleDef xmlns:dgm="http://schemas.openxmlformats.org/drawingml/2006/diagram" xmlns:a="http://schemas.openxmlformats.org/drawingml/2006/main" uniqueId="urn:microsoft.com/office/officeart/2005/8/quickstyle/simple1">
+<dgm:styleDef xmlns:dgm="http://schemas.openxmlformats.org/drawingml/2006/diagram" xmlns:a="http://schemas.openxmlformats.org/drawingml/2006/main" uniqueId="urn:microsoft.com/office/officeart/2005/8/quickstyle/simple4">
   <dgm:title val=""/>
   <dgm:desc val=""/>
   <dgm:catLst>
-    <dgm:cat type="simple" pri="10100"/>
+    <dgm:cat type="simple" pri="10400"/>
   </dgm:catLst>
   <dgm:scene3d>
     <a:camera prst="orthographicFront"/>
@@ -9129,13 +11788,13 @@
     <dgm:sp3d/>
     <dgm:txPr/>
     <dgm:style>
-      <a:lnRef idx="2">
+      <a:lnRef idx="0">
         <a:scrgbClr r="0" g="0" b="0"/>
       </a:lnRef>
-      <a:fillRef idx="1">
+      <a:fillRef idx="3">
         <a:scrgbClr r="0" g="0" b="0"/>
       </a:fillRef>
-      <a:effectRef idx="0">
+      <a:effectRef idx="2">
         <a:scrgbClr r="0" g="0" b="0"/>
       </a:effectRef>
       <a:fontRef idx="minor">
@@ -9151,13 +11810,13 @@
     <dgm:sp3d/>
     <dgm:txPr/>
     <dgm:style>
-      <a:lnRef idx="2">
+      <a:lnRef idx="1">
         <a:scrgbClr r="0" g="0" b="0"/>
       </a:lnRef>
-      <a:fillRef idx="1">
+      <a:fillRef idx="3">
         <a:scrgbClr r="0" g="0" b="0"/>
       </a:fillRef>
-      <a:effectRef idx="0">
+      <a:effectRef idx="2">
         <a:scrgbClr r="0" g="0" b="0"/>
       </a:effectRef>
       <a:fontRef idx="minor">
@@ -9173,10 +11832,10 @@
     <dgm:sp3d/>
     <dgm:txPr/>
     <dgm:style>
-      <a:lnRef idx="2">
+      <a:lnRef idx="0">
         <a:scrgbClr r="0" g="0" b="0"/>
       </a:lnRef>
-      <a:fillRef idx="1">
+      <a:fillRef idx="3">
         <a:scrgbClr r="0" g="0" b="0"/>
       </a:fillRef>
       <a:effectRef idx="0">
@@ -9195,13 +11854,13 @@
     <dgm:sp3d/>
     <dgm:txPr/>
     <dgm:style>
-      <a:lnRef idx="2">
+      <a:lnRef idx="1">
         <a:scrgbClr r="0" g="0" b="0"/>
       </a:lnRef>
-      <a:fillRef idx="1">
+      <a:fillRef idx="3">
         <a:scrgbClr r="0" g="0" b="0"/>
       </a:fillRef>
-      <a:effectRef idx="0">
+      <a:effectRef idx="2">
         <a:scrgbClr r="0" g="0" b="0"/>
       </a:effectRef>
       <a:fontRef idx="minor">
@@ -9217,13 +11876,13 @@
     <dgm:sp3d/>
     <dgm:txPr/>
     <dgm:style>
-      <a:lnRef idx="2">
+      <a:lnRef idx="0">
         <a:scrgbClr r="0" g="0" b="0"/>
       </a:lnRef>
-      <a:fillRef idx="1">
+      <a:fillRef idx="3">
         <a:scrgbClr r="0" g="0" b="0"/>
       </a:fillRef>
-      <a:effectRef idx="0">
+      <a:effectRef idx="2">
         <a:scrgbClr r="0" g="0" b="0"/>
       </a:effectRef>
       <a:fontRef idx="minor">
@@ -9239,13 +11898,13 @@
     <dgm:sp3d/>
     <dgm:txPr/>
     <dgm:style>
-      <a:lnRef idx="2">
+      <a:lnRef idx="0">
         <a:scrgbClr r="0" g="0" b="0"/>
       </a:lnRef>
-      <a:fillRef idx="1">
+      <a:fillRef idx="3">
         <a:scrgbClr r="0" g="0" b="0"/>
       </a:fillRef>
-      <a:effectRef idx="0">
+      <a:effectRef idx="2">
         <a:scrgbClr r="0" g="0" b="0"/>
       </a:effectRef>
       <a:fontRef idx="minor">
@@ -9261,13 +11920,13 @@
     <dgm:sp3d/>
     <dgm:txPr/>
     <dgm:style>
-      <a:lnRef idx="2">
+      <a:lnRef idx="0">
         <a:scrgbClr r="0" g="0" b="0"/>
       </a:lnRef>
-      <a:fillRef idx="1">
+      <a:fillRef idx="3">
         <a:scrgbClr r="0" g="0" b="0"/>
       </a:fillRef>
-      <a:effectRef idx="0">
+      <a:effectRef idx="2">
         <a:scrgbClr r="0" g="0" b="0"/>
       </a:effectRef>
       <a:fontRef idx="minor">
@@ -9283,13 +11942,13 @@
     <dgm:sp3d/>
     <dgm:txPr/>
     <dgm:style>
-      <a:lnRef idx="2">
+      <a:lnRef idx="0">
         <a:scrgbClr r="0" g="0" b="0"/>
       </a:lnRef>
-      <a:fillRef idx="1">
+      <a:fillRef idx="3">
         <a:scrgbClr r="0" g="0" b="0"/>
       </a:fillRef>
-      <a:effectRef idx="0">
+      <a:effectRef idx="2">
         <a:scrgbClr r="0" g="0" b="0"/>
       </a:effectRef>
       <a:fontRef idx="minor">
@@ -9305,13 +11964,13 @@
     <dgm:sp3d/>
     <dgm:txPr/>
     <dgm:style>
-      <a:lnRef idx="2">
+      <a:lnRef idx="0">
         <a:scrgbClr r="0" g="0" b="0"/>
       </a:lnRef>
       <a:fillRef idx="1">
         <a:scrgbClr r="0" g="0" b="0"/>
       </a:fillRef>
-      <a:effectRef idx="0">
+      <a:effectRef idx="2">
         <a:scrgbClr r="0" g="0" b="0"/>
       </a:effectRef>
       <a:fontRef idx="minor"/>
@@ -9325,13 +11984,13 @@
     <dgm:sp3d/>
     <dgm:txPr/>
     <dgm:style>
-      <a:lnRef idx="2">
+      <a:lnRef idx="0">
         <a:scrgbClr r="0" g="0" b="0"/>
       </a:lnRef>
       <a:fillRef idx="1">
         <a:scrgbClr r="0" g="0" b="0"/>
       </a:fillRef>
-      <a:effectRef idx="0">
+      <a:effectRef idx="2">
         <a:scrgbClr r="0" g="0" b="0"/>
       </a:effectRef>
       <a:fontRef idx="minor"/>
@@ -9345,13 +12004,13 @@
     <dgm:sp3d/>
     <dgm:txPr/>
     <dgm:style>
-      <a:lnRef idx="2">
+      <a:lnRef idx="0">
         <a:scrgbClr r="0" g="0" b="0"/>
       </a:lnRef>
       <a:fillRef idx="1">
         <a:scrgbClr r="0" g="0" b="0"/>
       </a:fillRef>
-      <a:effectRef idx="0">
+      <a:effectRef idx="2">
         <a:scrgbClr r="0" g="0" b="0"/>
       </a:effectRef>
       <a:fontRef idx="minor"/>
@@ -9368,10 +12027,10 @@
       <a:lnRef idx="0">
         <a:scrgbClr r="0" g="0" b="0"/>
       </a:lnRef>
-      <a:fillRef idx="1">
+      <a:fillRef idx="3">
         <a:scrgbClr r="0" g="0" b="0"/>
       </a:fillRef>
-      <a:effectRef idx="0">
+      <a:effectRef idx="2">
         <a:scrgbClr r="0" g="0" b="0"/>
       </a:effectRef>
       <a:fontRef idx="minor">
@@ -9390,10 +12049,10 @@
       <a:lnRef idx="0">
         <a:scrgbClr r="0" g="0" b="0"/>
       </a:lnRef>
-      <a:fillRef idx="1">
+      <a:fillRef idx="3">
         <a:scrgbClr r="0" g="0" b="0"/>
       </a:fillRef>
-      <a:effectRef idx="0">
+      <a:effectRef idx="2">
         <a:scrgbClr r="0" g="0" b="0"/>
       </a:effectRef>
       <a:fontRef idx="minor">
@@ -9412,10 +12071,10 @@
       <a:lnRef idx="0">
         <a:scrgbClr r="0" g="0" b="0"/>
       </a:lnRef>
-      <a:fillRef idx="1">
+      <a:fillRef idx="3">
         <a:scrgbClr r="0" g="0" b="0"/>
       </a:fillRef>
-      <a:effectRef idx="0">
+      <a:effectRef idx="2">
         <a:scrgbClr r="0" g="0" b="0"/>
       </a:effectRef>
       <a:fontRef idx="minor">
@@ -9457,7 +12116,7 @@
       <a:fillRef idx="1">
         <a:scrgbClr r="0" g="0" b="0"/>
       </a:fillRef>
-      <a:effectRef idx="0">
+      <a:effectRef idx="1">
         <a:scrgbClr r="0" g="0" b="0"/>
       </a:effectRef>
       <a:fontRef idx="minor"/>
@@ -9471,13 +12130,13 @@
     <dgm:sp3d/>
     <dgm:txPr/>
     <dgm:style>
-      <a:lnRef idx="2">
+      <a:lnRef idx="0">
         <a:scrgbClr r="0" g="0" b="0"/>
       </a:lnRef>
-      <a:fillRef idx="1">
+      <a:fillRef idx="3">
         <a:scrgbClr r="0" g="0" b="0"/>
       </a:fillRef>
-      <a:effectRef idx="0">
+      <a:effectRef idx="2">
         <a:scrgbClr r="0" g="0" b="0"/>
       </a:effectRef>
       <a:fontRef idx="minor">
@@ -9493,13 +12152,13 @@
     <dgm:sp3d/>
     <dgm:txPr/>
     <dgm:style>
-      <a:lnRef idx="2">
+      <a:lnRef idx="0">
         <a:scrgbClr r="0" g="0" b="0"/>
       </a:lnRef>
-      <a:fillRef idx="1">
+      <a:fillRef idx="3">
         <a:scrgbClr r="0" g="0" b="0"/>
       </a:fillRef>
-      <a:effectRef idx="0">
+      <a:effectRef idx="2">
         <a:scrgbClr r="0" g="0" b="0"/>
       </a:effectRef>
       <a:fontRef idx="minor">
@@ -9515,13 +12174,13 @@
     <dgm:sp3d/>
     <dgm:txPr/>
     <dgm:style>
-      <a:lnRef idx="2">
+      <a:lnRef idx="0">
         <a:scrgbClr r="0" g="0" b="0"/>
       </a:lnRef>
-      <a:fillRef idx="1">
+      <a:fillRef idx="3">
         <a:scrgbClr r="0" g="0" b="0"/>
       </a:fillRef>
-      <a:effectRef idx="0">
+      <a:effectRef idx="2">
         <a:scrgbClr r="0" g="0" b="0"/>
       </a:effectRef>
       <a:fontRef idx="minor">
@@ -9537,13 +12196,13 @@
     <dgm:sp3d/>
     <dgm:txPr/>
     <dgm:style>
-      <a:lnRef idx="2">
+      <a:lnRef idx="0">
         <a:scrgbClr r="0" g="0" b="0"/>
       </a:lnRef>
-      <a:fillRef idx="1">
+      <a:fillRef idx="3">
         <a:scrgbClr r="0" g="0" b="0"/>
       </a:fillRef>
-      <a:effectRef idx="0">
+      <a:effectRef idx="2">
         <a:scrgbClr r="0" g="0" b="0"/>
       </a:effectRef>
       <a:fontRef idx="minor">
@@ -9559,13 +12218,13 @@
     <dgm:sp3d/>
     <dgm:txPr/>
     <dgm:style>
-      <a:lnRef idx="2">
+      <a:lnRef idx="0">
         <a:scrgbClr r="0" g="0" b="0"/>
       </a:lnRef>
-      <a:fillRef idx="1">
+      <a:fillRef idx="3">
         <a:scrgbClr r="0" g="0" b="0"/>
       </a:fillRef>
-      <a:effectRef idx="0">
+      <a:effectRef idx="2">
         <a:scrgbClr r="0" g="0" b="0"/>
       </a:effectRef>
       <a:fontRef idx="minor">
@@ -9581,13 +12240,13 @@
     <dgm:sp3d/>
     <dgm:txPr/>
     <dgm:style>
-      <a:lnRef idx="2">
+      <a:lnRef idx="0">
         <a:scrgbClr r="0" g="0" b="0"/>
       </a:lnRef>
-      <a:fillRef idx="1">
+      <a:fillRef idx="3">
         <a:scrgbClr r="0" g="0" b="0"/>
       </a:fillRef>
-      <a:effectRef idx="0">
+      <a:effectRef idx="2">
         <a:scrgbClr r="0" g="0" b="0"/>
       </a:effectRef>
       <a:fontRef idx="minor">
@@ -9603,13 +12262,13 @@
     <dgm:sp3d/>
     <dgm:txPr/>
     <dgm:style>
-      <a:lnRef idx="2">
+      <a:lnRef idx="0">
         <a:scrgbClr r="0" g="0" b="0"/>
       </a:lnRef>
-      <a:fillRef idx="1">
+      <a:fillRef idx="3">
         <a:scrgbClr r="0" g="0" b="0"/>
       </a:fillRef>
-      <a:effectRef idx="0">
+      <a:effectRef idx="2">
         <a:scrgbClr r="0" g="0" b="0"/>
       </a:effectRef>
       <a:fontRef idx="minor">
@@ -9625,13 +12284,13 @@
     <dgm:sp3d/>
     <dgm:txPr/>
     <dgm:style>
-      <a:lnRef idx="2">
+      <a:lnRef idx="1">
         <a:scrgbClr r="0" g="0" b="0"/>
       </a:lnRef>
-      <a:fillRef idx="1">
+      <a:fillRef idx="3">
         <a:scrgbClr r="0" g="0" b="0"/>
       </a:fillRef>
-      <a:effectRef idx="0">
+      <a:effectRef idx="2">
         <a:scrgbClr r="0" g="0" b="0"/>
       </a:effectRef>
       <a:fontRef idx="minor">
@@ -9647,13 +12306,13 @@
     <dgm:sp3d/>
     <dgm:txPr/>
     <dgm:style>
-      <a:lnRef idx="2">
+      <a:lnRef idx="1">
         <a:scrgbClr r="0" g="0" b="0"/>
       </a:lnRef>
-      <a:fillRef idx="1">
+      <a:fillRef idx="3">
         <a:scrgbClr r="0" g="0" b="0"/>
       </a:fillRef>
-      <a:effectRef idx="0">
+      <a:effectRef idx="2">
         <a:scrgbClr r="0" g="0" b="0"/>
       </a:effectRef>
       <a:fontRef idx="minor">
@@ -9669,7 +12328,7 @@
     <dgm:sp3d/>
     <dgm:txPr/>
     <dgm:style>
-      <a:lnRef idx="2">
+      <a:lnRef idx="1">
         <a:scrgbClr r="0" g="0" b="0"/>
       </a:lnRef>
       <a:fillRef idx="0">
@@ -9689,7 +12348,7 @@
     <dgm:sp3d/>
     <dgm:txPr/>
     <dgm:style>
-      <a:lnRef idx="2">
+      <a:lnRef idx="1">
         <a:scrgbClr r="0" g="0" b="0"/>
       </a:lnRef>
       <a:fillRef idx="0">
@@ -9709,7 +12368,7 @@
     <dgm:sp3d/>
     <dgm:txPr/>
     <dgm:style>
-      <a:lnRef idx="2">
+      <a:lnRef idx="1">
         <a:scrgbClr r="0" g="0" b="0"/>
       </a:lnRef>
       <a:fillRef idx="0">
@@ -9729,7 +12388,7 @@
     <dgm:sp3d/>
     <dgm:txPr/>
     <dgm:style>
-      <a:lnRef idx="2">
+      <a:lnRef idx="1">
         <a:scrgbClr r="0" g="0" b="0"/>
       </a:lnRef>
       <a:fillRef idx="0">
@@ -9749,7 +12408,7 @@
     <dgm:sp3d/>
     <dgm:txPr/>
     <dgm:style>
-      <a:lnRef idx="2">
+      <a:lnRef idx="1">
         <a:scrgbClr r="0" g="0" b="0"/>
       </a:lnRef>
       <a:fillRef idx="1">
@@ -9769,7 +12428,7 @@
     <dgm:sp3d/>
     <dgm:txPr/>
     <dgm:style>
-      <a:lnRef idx="2">
+      <a:lnRef idx="1">
         <a:scrgbClr r="0" g="0" b="0"/>
       </a:lnRef>
       <a:fillRef idx="1">
@@ -9789,7 +12448,7 @@
     <dgm:sp3d/>
     <dgm:txPr/>
     <dgm:style>
-      <a:lnRef idx="2">
+      <a:lnRef idx="1">
         <a:scrgbClr r="0" g="0" b="0"/>
       </a:lnRef>
       <a:fillRef idx="1">
@@ -9829,7 +12488,7 @@
     <dgm:sp3d/>
     <dgm:txPr/>
     <dgm:style>
-      <a:lnRef idx="2">
+      <a:lnRef idx="1">
         <a:scrgbClr r="0" g="0" b="0"/>
       </a:lnRef>
       <a:fillRef idx="1">
@@ -9849,7 +12508,7 @@
     <dgm:sp3d/>
     <dgm:txPr/>
     <dgm:style>
-      <a:lnRef idx="2">
+      <a:lnRef idx="1">
         <a:scrgbClr r="0" g="0" b="0"/>
       </a:lnRef>
       <a:fillRef idx="1">
@@ -9869,7 +12528,7 @@
     <dgm:sp3d/>
     <dgm:txPr/>
     <dgm:style>
-      <a:lnRef idx="2">
+      <a:lnRef idx="1">
         <a:scrgbClr r="0" g="0" b="0"/>
       </a:lnRef>
       <a:fillRef idx="1">
@@ -9889,7 +12548,7 @@
     <dgm:sp3d/>
     <dgm:txPr/>
     <dgm:style>
-      <a:lnRef idx="2">
+      <a:lnRef idx="1">
         <a:scrgbClr r="0" g="0" b="0"/>
       </a:lnRef>
       <a:fillRef idx="1">
@@ -9909,7 +12568,7 @@
     <dgm:sp3d/>
     <dgm:txPr/>
     <dgm:style>
-      <a:lnRef idx="2">
+      <a:lnRef idx="1">
         <a:scrgbClr r="0" g="0" b="0"/>
       </a:lnRef>
       <a:fillRef idx="1">
@@ -9929,7 +12588,7 @@
     <dgm:sp3d/>
     <dgm:txPr/>
     <dgm:style>
-      <a:lnRef idx="2">
+      <a:lnRef idx="1">
         <a:scrgbClr r="0" g="0" b="0"/>
       </a:lnRef>
       <a:fillRef idx="1">
@@ -9949,7 +12608,7 @@
     <dgm:sp3d/>
     <dgm:txPr/>
     <dgm:style>
-      <a:lnRef idx="2">
+      <a:lnRef idx="1">
         <a:scrgbClr r="0" g="0" b="0"/>
       </a:lnRef>
       <a:fillRef idx="1">
@@ -9969,7 +12628,7 @@
     <dgm:sp3d/>
     <dgm:txPr/>
     <dgm:style>
-      <a:lnRef idx="2">
+      <a:lnRef idx="1">
         <a:scrgbClr r="0" g="0" b="0"/>
       </a:lnRef>
       <a:fillRef idx="1">
@@ -9989,7 +12648,7 @@
     <dgm:sp3d/>
     <dgm:txPr/>
     <dgm:style>
-      <a:lnRef idx="2">
+      <a:lnRef idx="1">
         <a:scrgbClr r="0" g="0" b="0"/>
       </a:lnRef>
       <a:fillRef idx="1">
@@ -10009,7 +12668,7 @@
     <dgm:sp3d/>
     <dgm:txPr/>
     <dgm:style>
-      <a:lnRef idx="2">
+      <a:lnRef idx="1">
         <a:scrgbClr r="0" g="0" b="0"/>
       </a:lnRef>
       <a:fillRef idx="1">
@@ -10029,7 +12688,7 @@
     <dgm:sp3d/>
     <dgm:txPr/>
     <dgm:style>
-      <a:lnRef idx="2">
+      <a:lnRef idx="1">
         <a:scrgbClr r="0" g="0" b="0"/>
       </a:lnRef>
       <a:fillRef idx="1">
@@ -10055,7 +12714,7 @@
       <a:fillRef idx="1">
         <a:scrgbClr r="0" g="0" b="0"/>
       </a:fillRef>
-      <a:effectRef idx="0">
+      <a:effectRef idx="2">
         <a:scrgbClr r="0" g="0" b="0"/>
       </a:effectRef>
       <a:fontRef idx="minor"/>
@@ -10075,7 +12734,7 @@
       <a:fillRef idx="1">
         <a:scrgbClr r="0" g="0" b="0"/>
       </a:fillRef>
-      <a:effectRef idx="0">
+      <a:effectRef idx="2">
         <a:scrgbClr r="0" g="0" b="0"/>
       </a:effectRef>
       <a:fontRef idx="minor"/>
@@ -10109,13 +12768,13 @@
     <dgm:sp3d/>
     <dgm:txPr/>
     <dgm:style>
-      <a:lnRef idx="2">
+      <a:lnRef idx="0">
         <a:scrgbClr r="0" g="0" b="0"/>
       </a:lnRef>
-      <a:fillRef idx="1">
+      <a:fillRef idx="3">
         <a:scrgbClr r="0" g="0" b="0"/>
       </a:fillRef>
-      <a:effectRef idx="0">
+      <a:effectRef idx="2">
         <a:scrgbClr r="0" g="0" b="0"/>
       </a:effectRef>
       <a:fontRef idx="minor"/>
@@ -12213,6 +14872,1040 @@
 </file>
 
 <file path=ppt/diagrams/quickStyle4.xml><?xml version="1.0" encoding="utf-8"?>
+<dgm:styleDef xmlns:dgm="http://schemas.openxmlformats.org/drawingml/2006/diagram" xmlns:a="http://schemas.openxmlformats.org/drawingml/2006/main" uniqueId="urn:microsoft.com/office/officeart/2005/8/quickstyle/simple1">
+  <dgm:title val=""/>
+  <dgm:desc val=""/>
+  <dgm:catLst>
+    <dgm:cat type="simple" pri="10100"/>
+  </dgm:catLst>
+  <dgm:scene3d>
+    <a:camera prst="orthographicFront"/>
+    <a:lightRig rig="threePt" dir="t"/>
+  </dgm:scene3d>
+  <dgm:styleLbl name="node0">
+    <dgm:scene3d>
+      <a:camera prst="orthographicFront"/>
+      <a:lightRig rig="threePt" dir="t"/>
+    </dgm:scene3d>
+    <dgm:sp3d/>
+    <dgm:txPr/>
+    <dgm:style>
+      <a:lnRef idx="2">
+        <a:scrgbClr r="0" g="0" b="0"/>
+      </a:lnRef>
+      <a:fillRef idx="1">
+        <a:scrgbClr r="0" g="0" b="0"/>
+      </a:fillRef>
+      <a:effectRef idx="0">
+        <a:scrgbClr r="0" g="0" b="0"/>
+      </a:effectRef>
+      <a:fontRef idx="minor">
+        <a:schemeClr val="lt1"/>
+      </a:fontRef>
+    </dgm:style>
+  </dgm:styleLbl>
+  <dgm:styleLbl name="lnNode1">
+    <dgm:scene3d>
+      <a:camera prst="orthographicFront"/>
+      <a:lightRig rig="threePt" dir="t"/>
+    </dgm:scene3d>
+    <dgm:sp3d/>
+    <dgm:txPr/>
+    <dgm:style>
+      <a:lnRef idx="2">
+        <a:scrgbClr r="0" g="0" b="0"/>
+      </a:lnRef>
+      <a:fillRef idx="1">
+        <a:scrgbClr r="0" g="0" b="0"/>
+      </a:fillRef>
+      <a:effectRef idx="0">
+        <a:scrgbClr r="0" g="0" b="0"/>
+      </a:effectRef>
+      <a:fontRef idx="minor">
+        <a:schemeClr val="lt1"/>
+      </a:fontRef>
+    </dgm:style>
+  </dgm:styleLbl>
+  <dgm:styleLbl name="vennNode1">
+    <dgm:scene3d>
+      <a:camera prst="orthographicFront"/>
+      <a:lightRig rig="threePt" dir="t"/>
+    </dgm:scene3d>
+    <dgm:sp3d/>
+    <dgm:txPr/>
+    <dgm:style>
+      <a:lnRef idx="2">
+        <a:scrgbClr r="0" g="0" b="0"/>
+      </a:lnRef>
+      <a:fillRef idx="1">
+        <a:scrgbClr r="0" g="0" b="0"/>
+      </a:fillRef>
+      <a:effectRef idx="0">
+        <a:scrgbClr r="0" g="0" b="0"/>
+      </a:effectRef>
+      <a:fontRef idx="minor">
+        <a:schemeClr val="tx1"/>
+      </a:fontRef>
+    </dgm:style>
+  </dgm:styleLbl>
+  <dgm:styleLbl name="alignNode1">
+    <dgm:scene3d>
+      <a:camera prst="orthographicFront"/>
+      <a:lightRig rig="threePt" dir="t"/>
+    </dgm:scene3d>
+    <dgm:sp3d/>
+    <dgm:txPr/>
+    <dgm:style>
+      <a:lnRef idx="2">
+        <a:scrgbClr r="0" g="0" b="0"/>
+      </a:lnRef>
+      <a:fillRef idx="1">
+        <a:scrgbClr r="0" g="0" b="0"/>
+      </a:fillRef>
+      <a:effectRef idx="0">
+        <a:scrgbClr r="0" g="0" b="0"/>
+      </a:effectRef>
+      <a:fontRef idx="minor">
+        <a:schemeClr val="lt1"/>
+      </a:fontRef>
+    </dgm:style>
+  </dgm:styleLbl>
+  <dgm:styleLbl name="node1">
+    <dgm:scene3d>
+      <a:camera prst="orthographicFront"/>
+      <a:lightRig rig="threePt" dir="t"/>
+    </dgm:scene3d>
+    <dgm:sp3d/>
+    <dgm:txPr/>
+    <dgm:style>
+      <a:lnRef idx="2">
+        <a:scrgbClr r="0" g="0" b="0"/>
+      </a:lnRef>
+      <a:fillRef idx="1">
+        <a:scrgbClr r="0" g="0" b="0"/>
+      </a:fillRef>
+      <a:effectRef idx="0">
+        <a:scrgbClr r="0" g="0" b="0"/>
+      </a:effectRef>
+      <a:fontRef idx="minor">
+        <a:schemeClr val="lt1"/>
+      </a:fontRef>
+    </dgm:style>
+  </dgm:styleLbl>
+  <dgm:styleLbl name="node2">
+    <dgm:scene3d>
+      <a:camera prst="orthographicFront"/>
+      <a:lightRig rig="threePt" dir="t"/>
+    </dgm:scene3d>
+    <dgm:sp3d/>
+    <dgm:txPr/>
+    <dgm:style>
+      <a:lnRef idx="2">
+        <a:scrgbClr r="0" g="0" b="0"/>
+      </a:lnRef>
+      <a:fillRef idx="1">
+        <a:scrgbClr r="0" g="0" b="0"/>
+      </a:fillRef>
+      <a:effectRef idx="0">
+        <a:scrgbClr r="0" g="0" b="0"/>
+      </a:effectRef>
+      <a:fontRef idx="minor">
+        <a:schemeClr val="lt1"/>
+      </a:fontRef>
+    </dgm:style>
+  </dgm:styleLbl>
+  <dgm:styleLbl name="node3">
+    <dgm:scene3d>
+      <a:camera prst="orthographicFront"/>
+      <a:lightRig rig="threePt" dir="t"/>
+    </dgm:scene3d>
+    <dgm:sp3d/>
+    <dgm:txPr/>
+    <dgm:style>
+      <a:lnRef idx="2">
+        <a:scrgbClr r="0" g="0" b="0"/>
+      </a:lnRef>
+      <a:fillRef idx="1">
+        <a:scrgbClr r="0" g="0" b="0"/>
+      </a:fillRef>
+      <a:effectRef idx="0">
+        <a:scrgbClr r="0" g="0" b="0"/>
+      </a:effectRef>
+      <a:fontRef idx="minor">
+        <a:schemeClr val="lt1"/>
+      </a:fontRef>
+    </dgm:style>
+  </dgm:styleLbl>
+  <dgm:styleLbl name="node4">
+    <dgm:scene3d>
+      <a:camera prst="orthographicFront"/>
+      <a:lightRig rig="threePt" dir="t"/>
+    </dgm:scene3d>
+    <dgm:sp3d/>
+    <dgm:txPr/>
+    <dgm:style>
+      <a:lnRef idx="2">
+        <a:scrgbClr r="0" g="0" b="0"/>
+      </a:lnRef>
+      <a:fillRef idx="1">
+        <a:scrgbClr r="0" g="0" b="0"/>
+      </a:fillRef>
+      <a:effectRef idx="0">
+        <a:scrgbClr r="0" g="0" b="0"/>
+      </a:effectRef>
+      <a:fontRef idx="minor">
+        <a:schemeClr val="lt1"/>
+      </a:fontRef>
+    </dgm:style>
+  </dgm:styleLbl>
+  <dgm:styleLbl name="fgImgPlace1">
+    <dgm:scene3d>
+      <a:camera prst="orthographicFront"/>
+      <a:lightRig rig="threePt" dir="t"/>
+    </dgm:scene3d>
+    <dgm:sp3d/>
+    <dgm:txPr/>
+    <dgm:style>
+      <a:lnRef idx="2">
+        <a:scrgbClr r="0" g="0" b="0"/>
+      </a:lnRef>
+      <a:fillRef idx="1">
+        <a:scrgbClr r="0" g="0" b="0"/>
+      </a:fillRef>
+      <a:effectRef idx="0">
+        <a:scrgbClr r="0" g="0" b="0"/>
+      </a:effectRef>
+      <a:fontRef idx="minor"/>
+    </dgm:style>
+  </dgm:styleLbl>
+  <dgm:styleLbl name="alignImgPlace1">
+    <dgm:scene3d>
+      <a:camera prst="orthographicFront"/>
+      <a:lightRig rig="threePt" dir="t"/>
+    </dgm:scene3d>
+    <dgm:sp3d/>
+    <dgm:txPr/>
+    <dgm:style>
+      <a:lnRef idx="2">
+        <a:scrgbClr r="0" g="0" b="0"/>
+      </a:lnRef>
+      <a:fillRef idx="1">
+        <a:scrgbClr r="0" g="0" b="0"/>
+      </a:fillRef>
+      <a:effectRef idx="0">
+        <a:scrgbClr r="0" g="0" b="0"/>
+      </a:effectRef>
+      <a:fontRef idx="minor"/>
+    </dgm:style>
+  </dgm:styleLbl>
+  <dgm:styleLbl name="bgImgPlace1">
+    <dgm:scene3d>
+      <a:camera prst="orthographicFront"/>
+      <a:lightRig rig="threePt" dir="t"/>
+    </dgm:scene3d>
+    <dgm:sp3d/>
+    <dgm:txPr/>
+    <dgm:style>
+      <a:lnRef idx="2">
+        <a:scrgbClr r="0" g="0" b="0"/>
+      </a:lnRef>
+      <a:fillRef idx="1">
+        <a:scrgbClr r="0" g="0" b="0"/>
+      </a:fillRef>
+      <a:effectRef idx="0">
+        <a:scrgbClr r="0" g="0" b="0"/>
+      </a:effectRef>
+      <a:fontRef idx="minor"/>
+    </dgm:style>
+  </dgm:styleLbl>
+  <dgm:styleLbl name="sibTrans2D1">
+    <dgm:scene3d>
+      <a:camera prst="orthographicFront"/>
+      <a:lightRig rig="threePt" dir="t"/>
+    </dgm:scene3d>
+    <dgm:sp3d/>
+    <dgm:txPr/>
+    <dgm:style>
+      <a:lnRef idx="0">
+        <a:scrgbClr r="0" g="0" b="0"/>
+      </a:lnRef>
+      <a:fillRef idx="1">
+        <a:scrgbClr r="0" g="0" b="0"/>
+      </a:fillRef>
+      <a:effectRef idx="0">
+        <a:scrgbClr r="0" g="0" b="0"/>
+      </a:effectRef>
+      <a:fontRef idx="minor">
+        <a:schemeClr val="lt1"/>
+      </a:fontRef>
+    </dgm:style>
+  </dgm:styleLbl>
+  <dgm:styleLbl name="fgSibTrans2D1">
+    <dgm:scene3d>
+      <a:camera prst="orthographicFront"/>
+      <a:lightRig rig="threePt" dir="t"/>
+    </dgm:scene3d>
+    <dgm:sp3d/>
+    <dgm:txPr/>
+    <dgm:style>
+      <a:lnRef idx="0">
+        <a:scrgbClr r="0" g="0" b="0"/>
+      </a:lnRef>
+      <a:fillRef idx="1">
+        <a:scrgbClr r="0" g="0" b="0"/>
+      </a:fillRef>
+      <a:effectRef idx="0">
+        <a:scrgbClr r="0" g="0" b="0"/>
+      </a:effectRef>
+      <a:fontRef idx="minor">
+        <a:schemeClr val="lt1"/>
+      </a:fontRef>
+    </dgm:style>
+  </dgm:styleLbl>
+  <dgm:styleLbl name="bgSibTrans2D1">
+    <dgm:scene3d>
+      <a:camera prst="orthographicFront"/>
+      <a:lightRig rig="threePt" dir="t"/>
+    </dgm:scene3d>
+    <dgm:sp3d/>
+    <dgm:txPr/>
+    <dgm:style>
+      <a:lnRef idx="0">
+        <a:scrgbClr r="0" g="0" b="0"/>
+      </a:lnRef>
+      <a:fillRef idx="1">
+        <a:scrgbClr r="0" g="0" b="0"/>
+      </a:fillRef>
+      <a:effectRef idx="0">
+        <a:scrgbClr r="0" g="0" b="0"/>
+      </a:effectRef>
+      <a:fontRef idx="minor">
+        <a:schemeClr val="lt1"/>
+      </a:fontRef>
+    </dgm:style>
+  </dgm:styleLbl>
+  <dgm:styleLbl name="sibTrans1D1">
+    <dgm:scene3d>
+      <a:camera prst="orthographicFront"/>
+      <a:lightRig rig="threePt" dir="t"/>
+    </dgm:scene3d>
+    <dgm:sp3d/>
+    <dgm:txPr/>
+    <dgm:style>
+      <a:lnRef idx="1">
+        <a:scrgbClr r="0" g="0" b="0"/>
+      </a:lnRef>
+      <a:fillRef idx="0">
+        <a:scrgbClr r="0" g="0" b="0"/>
+      </a:fillRef>
+      <a:effectRef idx="0">
+        <a:scrgbClr r="0" g="0" b="0"/>
+      </a:effectRef>
+      <a:fontRef idx="minor"/>
+    </dgm:style>
+  </dgm:styleLbl>
+  <dgm:styleLbl name="callout">
+    <dgm:scene3d>
+      <a:camera prst="orthographicFront"/>
+      <a:lightRig rig="threePt" dir="t"/>
+    </dgm:scene3d>
+    <dgm:sp3d/>
+    <dgm:txPr/>
+    <dgm:style>
+      <a:lnRef idx="2">
+        <a:scrgbClr r="0" g="0" b="0"/>
+      </a:lnRef>
+      <a:fillRef idx="1">
+        <a:scrgbClr r="0" g="0" b="0"/>
+      </a:fillRef>
+      <a:effectRef idx="0">
+        <a:scrgbClr r="0" g="0" b="0"/>
+      </a:effectRef>
+      <a:fontRef idx="minor"/>
+    </dgm:style>
+  </dgm:styleLbl>
+  <dgm:styleLbl name="asst0">
+    <dgm:scene3d>
+      <a:camera prst="orthographicFront"/>
+      <a:lightRig rig="threePt" dir="t"/>
+    </dgm:scene3d>
+    <dgm:sp3d/>
+    <dgm:txPr/>
+    <dgm:style>
+      <a:lnRef idx="2">
+        <a:scrgbClr r="0" g="0" b="0"/>
+      </a:lnRef>
+      <a:fillRef idx="1">
+        <a:scrgbClr r="0" g="0" b="0"/>
+      </a:fillRef>
+      <a:effectRef idx="0">
+        <a:scrgbClr r="0" g="0" b="0"/>
+      </a:effectRef>
+      <a:fontRef idx="minor">
+        <a:schemeClr val="lt1"/>
+      </a:fontRef>
+    </dgm:style>
+  </dgm:styleLbl>
+  <dgm:styleLbl name="asst1">
+    <dgm:scene3d>
+      <a:camera prst="orthographicFront"/>
+      <a:lightRig rig="threePt" dir="t"/>
+    </dgm:scene3d>
+    <dgm:sp3d/>
+    <dgm:txPr/>
+    <dgm:style>
+      <a:lnRef idx="2">
+        <a:scrgbClr r="0" g="0" b="0"/>
+      </a:lnRef>
+      <a:fillRef idx="1">
+        <a:scrgbClr r="0" g="0" b="0"/>
+      </a:fillRef>
+      <a:effectRef idx="0">
+        <a:scrgbClr r="0" g="0" b="0"/>
+      </a:effectRef>
+      <a:fontRef idx="minor">
+        <a:schemeClr val="lt1"/>
+      </a:fontRef>
+    </dgm:style>
+  </dgm:styleLbl>
+  <dgm:styleLbl name="asst2">
+    <dgm:scene3d>
+      <a:camera prst="orthographicFront"/>
+      <a:lightRig rig="threePt" dir="t"/>
+    </dgm:scene3d>
+    <dgm:sp3d/>
+    <dgm:txPr/>
+    <dgm:style>
+      <a:lnRef idx="2">
+        <a:scrgbClr r="0" g="0" b="0"/>
+      </a:lnRef>
+      <a:fillRef idx="1">
+        <a:scrgbClr r="0" g="0" b="0"/>
+      </a:fillRef>
+      <a:effectRef idx="0">
+        <a:scrgbClr r="0" g="0" b="0"/>
+      </a:effectRef>
+      <a:fontRef idx="minor">
+        <a:schemeClr val="lt1"/>
+      </a:fontRef>
+    </dgm:style>
+  </dgm:styleLbl>
+  <dgm:styleLbl name="asst3">
+    <dgm:scene3d>
+      <a:camera prst="orthographicFront"/>
+      <a:lightRig rig="threePt" dir="t"/>
+    </dgm:scene3d>
+    <dgm:sp3d/>
+    <dgm:txPr/>
+    <dgm:style>
+      <a:lnRef idx="2">
+        <a:scrgbClr r="0" g="0" b="0"/>
+      </a:lnRef>
+      <a:fillRef idx="1">
+        <a:scrgbClr r="0" g="0" b="0"/>
+      </a:fillRef>
+      <a:effectRef idx="0">
+        <a:scrgbClr r="0" g="0" b="0"/>
+      </a:effectRef>
+      <a:fontRef idx="minor">
+        <a:schemeClr val="lt1"/>
+      </a:fontRef>
+    </dgm:style>
+  </dgm:styleLbl>
+  <dgm:styleLbl name="asst4">
+    <dgm:scene3d>
+      <a:camera prst="orthographicFront"/>
+      <a:lightRig rig="threePt" dir="t"/>
+    </dgm:scene3d>
+    <dgm:sp3d/>
+    <dgm:txPr/>
+    <dgm:style>
+      <a:lnRef idx="2">
+        <a:scrgbClr r="0" g="0" b="0"/>
+      </a:lnRef>
+      <a:fillRef idx="1">
+        <a:scrgbClr r="0" g="0" b="0"/>
+      </a:fillRef>
+      <a:effectRef idx="0">
+        <a:scrgbClr r="0" g="0" b="0"/>
+      </a:effectRef>
+      <a:fontRef idx="minor">
+        <a:schemeClr val="lt1"/>
+      </a:fontRef>
+    </dgm:style>
+  </dgm:styleLbl>
+  <dgm:styleLbl name="parChTrans2D1">
+    <dgm:scene3d>
+      <a:camera prst="orthographicFront"/>
+      <a:lightRig rig="threePt" dir="t"/>
+    </dgm:scene3d>
+    <dgm:sp3d/>
+    <dgm:txPr/>
+    <dgm:style>
+      <a:lnRef idx="2">
+        <a:scrgbClr r="0" g="0" b="0"/>
+      </a:lnRef>
+      <a:fillRef idx="1">
+        <a:scrgbClr r="0" g="0" b="0"/>
+      </a:fillRef>
+      <a:effectRef idx="0">
+        <a:scrgbClr r="0" g="0" b="0"/>
+      </a:effectRef>
+      <a:fontRef idx="minor">
+        <a:schemeClr val="lt1"/>
+      </a:fontRef>
+    </dgm:style>
+  </dgm:styleLbl>
+  <dgm:styleLbl name="parChTrans2D2">
+    <dgm:scene3d>
+      <a:camera prst="orthographicFront"/>
+      <a:lightRig rig="threePt" dir="t"/>
+    </dgm:scene3d>
+    <dgm:sp3d/>
+    <dgm:txPr/>
+    <dgm:style>
+      <a:lnRef idx="2">
+        <a:scrgbClr r="0" g="0" b="0"/>
+      </a:lnRef>
+      <a:fillRef idx="1">
+        <a:scrgbClr r="0" g="0" b="0"/>
+      </a:fillRef>
+      <a:effectRef idx="0">
+        <a:scrgbClr r="0" g="0" b="0"/>
+      </a:effectRef>
+      <a:fontRef idx="minor">
+        <a:schemeClr val="lt1"/>
+      </a:fontRef>
+    </dgm:style>
+  </dgm:styleLbl>
+  <dgm:styleLbl name="parChTrans2D3">
+    <dgm:scene3d>
+      <a:camera prst="orthographicFront"/>
+      <a:lightRig rig="threePt" dir="t"/>
+    </dgm:scene3d>
+    <dgm:sp3d/>
+    <dgm:txPr/>
+    <dgm:style>
+      <a:lnRef idx="2">
+        <a:scrgbClr r="0" g="0" b="0"/>
+      </a:lnRef>
+      <a:fillRef idx="1">
+        <a:scrgbClr r="0" g="0" b="0"/>
+      </a:fillRef>
+      <a:effectRef idx="0">
+        <a:scrgbClr r="0" g="0" b="0"/>
+      </a:effectRef>
+      <a:fontRef idx="minor">
+        <a:schemeClr val="lt1"/>
+      </a:fontRef>
+    </dgm:style>
+  </dgm:styleLbl>
+  <dgm:styleLbl name="parChTrans2D4">
+    <dgm:scene3d>
+      <a:camera prst="orthographicFront"/>
+      <a:lightRig rig="threePt" dir="t"/>
+    </dgm:scene3d>
+    <dgm:sp3d/>
+    <dgm:txPr/>
+    <dgm:style>
+      <a:lnRef idx="2">
+        <a:scrgbClr r="0" g="0" b="0"/>
+      </a:lnRef>
+      <a:fillRef idx="1">
+        <a:scrgbClr r="0" g="0" b="0"/>
+      </a:fillRef>
+      <a:effectRef idx="0">
+        <a:scrgbClr r="0" g="0" b="0"/>
+      </a:effectRef>
+      <a:fontRef idx="minor">
+        <a:schemeClr val="lt1"/>
+      </a:fontRef>
+    </dgm:style>
+  </dgm:styleLbl>
+  <dgm:styleLbl name="parChTrans1D1">
+    <dgm:scene3d>
+      <a:camera prst="orthographicFront"/>
+      <a:lightRig rig="threePt" dir="t"/>
+    </dgm:scene3d>
+    <dgm:sp3d/>
+    <dgm:txPr/>
+    <dgm:style>
+      <a:lnRef idx="2">
+        <a:scrgbClr r="0" g="0" b="0"/>
+      </a:lnRef>
+      <a:fillRef idx="0">
+        <a:scrgbClr r="0" g="0" b="0"/>
+      </a:fillRef>
+      <a:effectRef idx="0">
+        <a:scrgbClr r="0" g="0" b="0"/>
+      </a:effectRef>
+      <a:fontRef idx="minor"/>
+    </dgm:style>
+  </dgm:styleLbl>
+  <dgm:styleLbl name="parChTrans1D2">
+    <dgm:scene3d>
+      <a:camera prst="orthographicFront"/>
+      <a:lightRig rig="threePt" dir="t"/>
+    </dgm:scene3d>
+    <dgm:sp3d/>
+    <dgm:txPr/>
+    <dgm:style>
+      <a:lnRef idx="2">
+        <a:scrgbClr r="0" g="0" b="0"/>
+      </a:lnRef>
+      <a:fillRef idx="0">
+        <a:scrgbClr r="0" g="0" b="0"/>
+      </a:fillRef>
+      <a:effectRef idx="0">
+        <a:scrgbClr r="0" g="0" b="0"/>
+      </a:effectRef>
+      <a:fontRef idx="minor"/>
+    </dgm:style>
+  </dgm:styleLbl>
+  <dgm:styleLbl name="parChTrans1D3">
+    <dgm:scene3d>
+      <a:camera prst="orthographicFront"/>
+      <a:lightRig rig="threePt" dir="t"/>
+    </dgm:scene3d>
+    <dgm:sp3d/>
+    <dgm:txPr/>
+    <dgm:style>
+      <a:lnRef idx="2">
+        <a:scrgbClr r="0" g="0" b="0"/>
+      </a:lnRef>
+      <a:fillRef idx="0">
+        <a:scrgbClr r="0" g="0" b="0"/>
+      </a:fillRef>
+      <a:effectRef idx="0">
+        <a:scrgbClr r="0" g="0" b="0"/>
+      </a:effectRef>
+      <a:fontRef idx="minor"/>
+    </dgm:style>
+  </dgm:styleLbl>
+  <dgm:styleLbl name="parChTrans1D4">
+    <dgm:scene3d>
+      <a:camera prst="orthographicFront"/>
+      <a:lightRig rig="threePt" dir="t"/>
+    </dgm:scene3d>
+    <dgm:sp3d/>
+    <dgm:txPr/>
+    <dgm:style>
+      <a:lnRef idx="2">
+        <a:scrgbClr r="0" g="0" b="0"/>
+      </a:lnRef>
+      <a:fillRef idx="0">
+        <a:scrgbClr r="0" g="0" b="0"/>
+      </a:fillRef>
+      <a:effectRef idx="0">
+        <a:scrgbClr r="0" g="0" b="0"/>
+      </a:effectRef>
+      <a:fontRef idx="minor"/>
+    </dgm:style>
+  </dgm:styleLbl>
+  <dgm:styleLbl name="fgAcc1">
+    <dgm:scene3d>
+      <a:camera prst="orthographicFront"/>
+      <a:lightRig rig="threePt" dir="t"/>
+    </dgm:scene3d>
+    <dgm:sp3d/>
+    <dgm:txPr/>
+    <dgm:style>
+      <a:lnRef idx="2">
+        <a:scrgbClr r="0" g="0" b="0"/>
+      </a:lnRef>
+      <a:fillRef idx="1">
+        <a:scrgbClr r="0" g="0" b="0"/>
+      </a:fillRef>
+      <a:effectRef idx="0">
+        <a:scrgbClr r="0" g="0" b="0"/>
+      </a:effectRef>
+      <a:fontRef idx="minor"/>
+    </dgm:style>
+  </dgm:styleLbl>
+  <dgm:styleLbl name="conFgAcc1">
+    <dgm:scene3d>
+      <a:camera prst="orthographicFront"/>
+      <a:lightRig rig="threePt" dir="t"/>
+    </dgm:scene3d>
+    <dgm:sp3d/>
+    <dgm:txPr/>
+    <dgm:style>
+      <a:lnRef idx="2">
+        <a:scrgbClr r="0" g="0" b="0"/>
+      </a:lnRef>
+      <a:fillRef idx="1">
+        <a:scrgbClr r="0" g="0" b="0"/>
+      </a:fillRef>
+      <a:effectRef idx="0">
+        <a:scrgbClr r="0" g="0" b="0"/>
+      </a:effectRef>
+      <a:fontRef idx="minor"/>
+    </dgm:style>
+  </dgm:styleLbl>
+  <dgm:styleLbl name="alignAcc1">
+    <dgm:scene3d>
+      <a:camera prst="orthographicFront"/>
+      <a:lightRig rig="threePt" dir="t"/>
+    </dgm:scene3d>
+    <dgm:sp3d/>
+    <dgm:txPr/>
+    <dgm:style>
+      <a:lnRef idx="2">
+        <a:scrgbClr r="0" g="0" b="0"/>
+      </a:lnRef>
+      <a:fillRef idx="1">
+        <a:scrgbClr r="0" g="0" b="0"/>
+      </a:fillRef>
+      <a:effectRef idx="0">
+        <a:scrgbClr r="0" g="0" b="0"/>
+      </a:effectRef>
+      <a:fontRef idx="minor"/>
+    </dgm:style>
+  </dgm:styleLbl>
+  <dgm:styleLbl name="trAlignAcc1">
+    <dgm:scene3d>
+      <a:camera prst="orthographicFront"/>
+      <a:lightRig rig="threePt" dir="t"/>
+    </dgm:scene3d>
+    <dgm:sp3d/>
+    <dgm:txPr/>
+    <dgm:style>
+      <a:lnRef idx="1">
+        <a:scrgbClr r="0" g="0" b="0"/>
+      </a:lnRef>
+      <a:fillRef idx="1">
+        <a:scrgbClr r="0" g="0" b="0"/>
+      </a:fillRef>
+      <a:effectRef idx="0">
+        <a:scrgbClr r="0" g="0" b="0"/>
+      </a:effectRef>
+      <a:fontRef idx="minor"/>
+    </dgm:style>
+  </dgm:styleLbl>
+  <dgm:styleLbl name="bgAcc1">
+    <dgm:scene3d>
+      <a:camera prst="orthographicFront"/>
+      <a:lightRig rig="threePt" dir="t"/>
+    </dgm:scene3d>
+    <dgm:sp3d/>
+    <dgm:txPr/>
+    <dgm:style>
+      <a:lnRef idx="2">
+        <a:scrgbClr r="0" g="0" b="0"/>
+      </a:lnRef>
+      <a:fillRef idx="1">
+        <a:scrgbClr r="0" g="0" b="0"/>
+      </a:fillRef>
+      <a:effectRef idx="0">
+        <a:scrgbClr r="0" g="0" b="0"/>
+      </a:effectRef>
+      <a:fontRef idx="minor"/>
+    </dgm:style>
+  </dgm:styleLbl>
+  <dgm:styleLbl name="solidFgAcc1">
+    <dgm:scene3d>
+      <a:camera prst="orthographicFront"/>
+      <a:lightRig rig="threePt" dir="t"/>
+    </dgm:scene3d>
+    <dgm:sp3d/>
+    <dgm:txPr/>
+    <dgm:style>
+      <a:lnRef idx="2">
+        <a:scrgbClr r="0" g="0" b="0"/>
+      </a:lnRef>
+      <a:fillRef idx="1">
+        <a:scrgbClr r="0" g="0" b="0"/>
+      </a:fillRef>
+      <a:effectRef idx="0">
+        <a:scrgbClr r="0" g="0" b="0"/>
+      </a:effectRef>
+      <a:fontRef idx="minor"/>
+    </dgm:style>
+  </dgm:styleLbl>
+  <dgm:styleLbl name="solidAlignAcc1">
+    <dgm:scene3d>
+      <a:camera prst="orthographicFront"/>
+      <a:lightRig rig="threePt" dir="t"/>
+    </dgm:scene3d>
+    <dgm:sp3d/>
+    <dgm:txPr/>
+    <dgm:style>
+      <a:lnRef idx="2">
+        <a:scrgbClr r="0" g="0" b="0"/>
+      </a:lnRef>
+      <a:fillRef idx="1">
+        <a:scrgbClr r="0" g="0" b="0"/>
+      </a:fillRef>
+      <a:effectRef idx="0">
+        <a:scrgbClr r="0" g="0" b="0"/>
+      </a:effectRef>
+      <a:fontRef idx="minor"/>
+    </dgm:style>
+  </dgm:styleLbl>
+  <dgm:styleLbl name="solidBgAcc1">
+    <dgm:scene3d>
+      <a:camera prst="orthographicFront"/>
+      <a:lightRig rig="threePt" dir="t"/>
+    </dgm:scene3d>
+    <dgm:sp3d/>
+    <dgm:txPr/>
+    <dgm:style>
+      <a:lnRef idx="2">
+        <a:scrgbClr r="0" g="0" b="0"/>
+      </a:lnRef>
+      <a:fillRef idx="1">
+        <a:scrgbClr r="0" g="0" b="0"/>
+      </a:fillRef>
+      <a:effectRef idx="0">
+        <a:scrgbClr r="0" g="0" b="0"/>
+      </a:effectRef>
+      <a:fontRef idx="minor"/>
+    </dgm:style>
+  </dgm:styleLbl>
+  <dgm:styleLbl name="fgAccFollowNode1">
+    <dgm:scene3d>
+      <a:camera prst="orthographicFront"/>
+      <a:lightRig rig="threePt" dir="t"/>
+    </dgm:scene3d>
+    <dgm:sp3d/>
+    <dgm:txPr/>
+    <dgm:style>
+      <a:lnRef idx="2">
+        <a:scrgbClr r="0" g="0" b="0"/>
+      </a:lnRef>
+      <a:fillRef idx="1">
+        <a:scrgbClr r="0" g="0" b="0"/>
+      </a:fillRef>
+      <a:effectRef idx="0">
+        <a:scrgbClr r="0" g="0" b="0"/>
+      </a:effectRef>
+      <a:fontRef idx="minor"/>
+    </dgm:style>
+  </dgm:styleLbl>
+  <dgm:styleLbl name="alignAccFollowNode1">
+    <dgm:scene3d>
+      <a:camera prst="orthographicFront"/>
+      <a:lightRig rig="threePt" dir="t"/>
+    </dgm:scene3d>
+    <dgm:sp3d/>
+    <dgm:txPr/>
+    <dgm:style>
+      <a:lnRef idx="2">
+        <a:scrgbClr r="0" g="0" b="0"/>
+      </a:lnRef>
+      <a:fillRef idx="1">
+        <a:scrgbClr r="0" g="0" b="0"/>
+      </a:fillRef>
+      <a:effectRef idx="0">
+        <a:scrgbClr r="0" g="0" b="0"/>
+      </a:effectRef>
+      <a:fontRef idx="minor"/>
+    </dgm:style>
+  </dgm:styleLbl>
+  <dgm:styleLbl name="bgAccFollowNode1">
+    <dgm:scene3d>
+      <a:camera prst="orthographicFront"/>
+      <a:lightRig rig="threePt" dir="t"/>
+    </dgm:scene3d>
+    <dgm:sp3d/>
+    <dgm:txPr/>
+    <dgm:style>
+      <a:lnRef idx="2">
+        <a:scrgbClr r="0" g="0" b="0"/>
+      </a:lnRef>
+      <a:fillRef idx="1">
+        <a:scrgbClr r="0" g="0" b="0"/>
+      </a:fillRef>
+      <a:effectRef idx="0">
+        <a:scrgbClr r="0" g="0" b="0"/>
+      </a:effectRef>
+      <a:fontRef idx="minor"/>
+    </dgm:style>
+  </dgm:styleLbl>
+  <dgm:styleLbl name="fgAcc0">
+    <dgm:scene3d>
+      <a:camera prst="orthographicFront"/>
+      <a:lightRig rig="threePt" dir="t"/>
+    </dgm:scene3d>
+    <dgm:sp3d/>
+    <dgm:txPr/>
+    <dgm:style>
+      <a:lnRef idx="2">
+        <a:scrgbClr r="0" g="0" b="0"/>
+      </a:lnRef>
+      <a:fillRef idx="1">
+        <a:scrgbClr r="0" g="0" b="0"/>
+      </a:fillRef>
+      <a:effectRef idx="0">
+        <a:scrgbClr r="0" g="0" b="0"/>
+      </a:effectRef>
+      <a:fontRef idx="minor"/>
+    </dgm:style>
+  </dgm:styleLbl>
+  <dgm:styleLbl name="fgAcc2">
+    <dgm:scene3d>
+      <a:camera prst="orthographicFront"/>
+      <a:lightRig rig="threePt" dir="t"/>
+    </dgm:scene3d>
+    <dgm:sp3d/>
+    <dgm:txPr/>
+    <dgm:style>
+      <a:lnRef idx="2">
+        <a:scrgbClr r="0" g="0" b="0"/>
+      </a:lnRef>
+      <a:fillRef idx="1">
+        <a:scrgbClr r="0" g="0" b="0"/>
+      </a:fillRef>
+      <a:effectRef idx="0">
+        <a:scrgbClr r="0" g="0" b="0"/>
+      </a:effectRef>
+      <a:fontRef idx="minor"/>
+    </dgm:style>
+  </dgm:styleLbl>
+  <dgm:styleLbl name="fgAcc3">
+    <dgm:scene3d>
+      <a:camera prst="orthographicFront"/>
+      <a:lightRig rig="threePt" dir="t"/>
+    </dgm:scene3d>
+    <dgm:sp3d/>
+    <dgm:txPr/>
+    <dgm:style>
+      <a:lnRef idx="2">
+        <a:scrgbClr r="0" g="0" b="0"/>
+      </a:lnRef>
+      <a:fillRef idx="1">
+        <a:scrgbClr r="0" g="0" b="0"/>
+      </a:fillRef>
+      <a:effectRef idx="0">
+        <a:scrgbClr r="0" g="0" b="0"/>
+      </a:effectRef>
+      <a:fontRef idx="minor"/>
+    </dgm:style>
+  </dgm:styleLbl>
+  <dgm:styleLbl name="fgAcc4">
+    <dgm:scene3d>
+      <a:camera prst="orthographicFront"/>
+      <a:lightRig rig="threePt" dir="t"/>
+    </dgm:scene3d>
+    <dgm:sp3d/>
+    <dgm:txPr/>
+    <dgm:style>
+      <a:lnRef idx="2">
+        <a:scrgbClr r="0" g="0" b="0"/>
+      </a:lnRef>
+      <a:fillRef idx="1">
+        <a:scrgbClr r="0" g="0" b="0"/>
+      </a:fillRef>
+      <a:effectRef idx="0">
+        <a:scrgbClr r="0" g="0" b="0"/>
+      </a:effectRef>
+      <a:fontRef idx="minor"/>
+    </dgm:style>
+  </dgm:styleLbl>
+  <dgm:styleLbl name="bgShp">
+    <dgm:scene3d>
+      <a:camera prst="orthographicFront"/>
+      <a:lightRig rig="threePt" dir="t"/>
+    </dgm:scene3d>
+    <dgm:sp3d/>
+    <dgm:txPr/>
+    <dgm:style>
+      <a:lnRef idx="0">
+        <a:scrgbClr r="0" g="0" b="0"/>
+      </a:lnRef>
+      <a:fillRef idx="1">
+        <a:scrgbClr r="0" g="0" b="0"/>
+      </a:fillRef>
+      <a:effectRef idx="0">
+        <a:scrgbClr r="0" g="0" b="0"/>
+      </a:effectRef>
+      <a:fontRef idx="minor"/>
+    </dgm:style>
+  </dgm:styleLbl>
+  <dgm:styleLbl name="dkBgShp">
+    <dgm:scene3d>
+      <a:camera prst="orthographicFront"/>
+      <a:lightRig rig="threePt" dir="t"/>
+    </dgm:scene3d>
+    <dgm:sp3d/>
+    <dgm:txPr/>
+    <dgm:style>
+      <a:lnRef idx="0">
+        <a:scrgbClr r="0" g="0" b="0"/>
+      </a:lnRef>
+      <a:fillRef idx="1">
+        <a:scrgbClr r="0" g="0" b="0"/>
+      </a:fillRef>
+      <a:effectRef idx="0">
+        <a:scrgbClr r="0" g="0" b="0"/>
+      </a:effectRef>
+      <a:fontRef idx="minor"/>
+    </dgm:style>
+  </dgm:styleLbl>
+  <dgm:styleLbl name="trBgShp">
+    <dgm:scene3d>
+      <a:camera prst="orthographicFront"/>
+      <a:lightRig rig="threePt" dir="t"/>
+    </dgm:scene3d>
+    <dgm:sp3d/>
+    <dgm:txPr/>
+    <dgm:style>
+      <a:lnRef idx="0">
+        <a:scrgbClr r="0" g="0" b="0"/>
+      </a:lnRef>
+      <a:fillRef idx="1">
+        <a:scrgbClr r="0" g="0" b="0"/>
+      </a:fillRef>
+      <a:effectRef idx="0">
+        <a:scrgbClr r="0" g="0" b="0"/>
+      </a:effectRef>
+      <a:fontRef idx="minor"/>
+    </dgm:style>
+  </dgm:styleLbl>
+  <dgm:styleLbl name="fgShp">
+    <dgm:scene3d>
+      <a:camera prst="orthographicFront"/>
+      <a:lightRig rig="threePt" dir="t"/>
+    </dgm:scene3d>
+    <dgm:sp3d/>
+    <dgm:txPr/>
+    <dgm:style>
+      <a:lnRef idx="2">
+        <a:scrgbClr r="0" g="0" b="0"/>
+      </a:lnRef>
+      <a:fillRef idx="1">
+        <a:scrgbClr r="0" g="0" b="0"/>
+      </a:fillRef>
+      <a:effectRef idx="0">
+        <a:scrgbClr r="0" g="0" b="0"/>
+      </a:effectRef>
+      <a:fontRef idx="minor"/>
+    </dgm:style>
+  </dgm:styleLbl>
+  <dgm:styleLbl name="revTx">
+    <dgm:scene3d>
+      <a:camera prst="orthographicFront"/>
+      <a:lightRig rig="threePt" dir="t"/>
+    </dgm:scene3d>
+    <dgm:sp3d/>
+    <dgm:txPr/>
+    <dgm:style>
+      <a:lnRef idx="0">
+        <a:scrgbClr r="0" g="0" b="0"/>
+      </a:lnRef>
+      <a:fillRef idx="0">
+        <a:scrgbClr r="0" g="0" b="0"/>
+      </a:fillRef>
+      <a:effectRef idx="0">
+        <a:scrgbClr r="0" g="0" b="0"/>
+      </a:effectRef>
+      <a:fontRef idx="minor"/>
+    </dgm:style>
+  </dgm:styleLbl>
+</dgm:styleDef>
+</file>
+
+<file path=ppt/diagrams/quickStyle5.xml><?xml version="1.0" encoding="utf-8"?>
 <dgm:styleDef xmlns:dgm="http://schemas.openxmlformats.org/drawingml/2006/diagram" xmlns:a="http://schemas.openxmlformats.org/drawingml/2006/main" uniqueId="urn:microsoft.com/office/officeart/2005/8/quickstyle/simple1">
   <dgm:title val=""/>
   <dgm:desc val=""/>
@@ -13532,9 +17225,9 @@
           <a:lstStyle/>
           <a:p>
             <a:fld id="{08B9EBBA-996F-894A-B54A-D6246ED52CEA}" type="datetimeFigureOut">
-              <a:rPr lang="en-US" dirty="0"/>
+              <a:rPr lang="en-US" smtClean="0"/>
               <a:pPr/>
-              <a:t>6/23/19</a:t>
+              <a:t>6/24/19</a:t>
             </a:fld>
             <a:endParaRPr lang="en-US" dirty="0"/>
           </a:p>
@@ -13575,7 +17268,7 @@
           <a:lstStyle/>
           <a:p>
             <a:fld id="{D57F1E4F-1CFF-5643-939E-217C01CDF565}" type="slidenum">
-              <a:rPr lang="en-US" dirty="0"/>
+              <a:rPr lang="en-US" smtClean="0"/>
               <a:pPr/>
               <a:t>‹N°›</a:t>
             </a:fld>
@@ -13584,6 +17277,11 @@
         </p:txBody>
       </p:sp>
     </p:spTree>
+    <p:extLst>
+      <p:ext uri="{BB962C8B-B14F-4D97-AF65-F5344CB8AC3E}">
+        <p14:creationId xmlns:p14="http://schemas.microsoft.com/office/powerpoint/2010/main" val="3291416877"/>
+      </p:ext>
+    </p:extLst>
   </p:cSld>
   <p:clrMapOvr>
     <a:masterClrMapping/>
@@ -13847,9 +17545,9 @@
           <a:lstStyle/>
           <a:p>
             <a:fld id="{18C79C5D-2A6F-F04D-97DA-BEF2467B64E4}" type="datetimeFigureOut">
-              <a:rPr lang="en-US" dirty="0"/>
+              <a:rPr lang="en-US" smtClean="0"/>
               <a:pPr/>
-              <a:t>6/23/19</a:t>
+              <a:t>6/24/19</a:t>
             </a:fld>
             <a:endParaRPr lang="en-US" dirty="0"/>
           </a:p>
@@ -13890,7 +17588,7 @@
           <a:lstStyle/>
           <a:p>
             <a:fld id="{D57F1E4F-1CFF-5643-939E-217C01CDF565}" type="slidenum">
-              <a:rPr lang="en-US" dirty="0"/>
+              <a:rPr lang="en-US" smtClean="0"/>
               <a:pPr/>
               <a:t>‹N°›</a:t>
             </a:fld>
@@ -13899,6 +17597,11 @@
         </p:txBody>
       </p:sp>
     </p:spTree>
+    <p:extLst>
+      <p:ext uri="{BB962C8B-B14F-4D97-AF65-F5344CB8AC3E}">
+        <p14:creationId xmlns:p14="http://schemas.microsoft.com/office/powerpoint/2010/main" val="621358497"/>
+      </p:ext>
+    </p:extLst>
   </p:cSld>
   <p:clrMapOvr>
     <a:masterClrMapping/>
@@ -14332,9 +18035,9 @@
           <a:lstStyle/>
           <a:p>
             <a:fld id="{8DFA1846-DA80-1C48-A609-854EA85C59AD}" type="datetimeFigureOut">
-              <a:rPr lang="en-US" dirty="0"/>
+              <a:rPr lang="en-US" smtClean="0"/>
               <a:pPr/>
-              <a:t>6/23/19</a:t>
+              <a:t>6/24/19</a:t>
             </a:fld>
             <a:endParaRPr lang="en-US" dirty="0"/>
           </a:p>
@@ -14375,7 +18078,7 @@
           <a:lstStyle/>
           <a:p>
             <a:fld id="{D57F1E4F-1CFF-5643-939E-217C01CDF565}" type="slidenum">
-              <a:rPr lang="en-US" dirty="0"/>
+              <a:rPr lang="en-US" smtClean="0"/>
               <a:pPr/>
               <a:t>‹N°›</a:t>
             </a:fld>
@@ -14384,6 +18087,11 @@
         </p:txBody>
       </p:sp>
     </p:spTree>
+    <p:extLst>
+      <p:ext uri="{BB962C8B-B14F-4D97-AF65-F5344CB8AC3E}">
+        <p14:creationId xmlns:p14="http://schemas.microsoft.com/office/powerpoint/2010/main" val="835359204"/>
+      </p:ext>
+    </p:extLst>
   </p:cSld>
   <p:clrMapOvr>
     <a:masterClrMapping/>
@@ -14698,9 +18406,9 @@
           <a:lstStyle/>
           <a:p>
             <a:fld id="{FBF54567-0DE4-3F47-BF90-CB84690072F9}" type="datetimeFigureOut">
-              <a:rPr lang="en-US" dirty="0"/>
+              <a:rPr lang="en-US" smtClean="0"/>
               <a:pPr/>
-              <a:t>6/23/19</a:t>
+              <a:t>6/24/19</a:t>
             </a:fld>
             <a:endParaRPr lang="en-US" dirty="0"/>
           </a:p>
@@ -14741,7 +18449,7 @@
           <a:lstStyle/>
           <a:p>
             <a:fld id="{D57F1E4F-1CFF-5643-939E-217C01CDF565}" type="slidenum">
-              <a:rPr lang="en-US" dirty="0"/>
+              <a:rPr lang="en-US" smtClean="0"/>
               <a:pPr/>
               <a:t>‹N°›</a:t>
             </a:fld>
@@ -14750,6 +18458,11 @@
         </p:txBody>
       </p:sp>
     </p:spTree>
+    <p:extLst>
+      <p:ext uri="{BB962C8B-B14F-4D97-AF65-F5344CB8AC3E}">
+        <p14:creationId xmlns:p14="http://schemas.microsoft.com/office/powerpoint/2010/main" val="2101849670"/>
+      </p:ext>
+    </p:extLst>
   </p:cSld>
   <p:clrMapOvr>
     <a:masterClrMapping/>
@@ -14968,9 +18681,9 @@
           <a:lstStyle/>
           <a:p>
             <a:fld id="{C6C52C72-DE31-F449-A4ED-4C594FD91407}" type="datetimeFigureOut">
-              <a:rPr lang="en-US" dirty="0"/>
+              <a:rPr lang="en-US" smtClean="0"/>
               <a:pPr/>
-              <a:t>6/23/19</a:t>
+              <a:t>6/24/19</a:t>
             </a:fld>
             <a:endParaRPr lang="en-US" dirty="0"/>
           </a:p>
@@ -15011,7 +18724,7 @@
           <a:lstStyle/>
           <a:p>
             <a:fld id="{D57F1E4F-1CFF-5643-939E-217C01CDF565}" type="slidenum">
-              <a:rPr lang="en-US" dirty="0"/>
+              <a:rPr lang="en-US" smtClean="0"/>
               <a:pPr/>
               <a:t>‹N°›</a:t>
             </a:fld>
@@ -15020,6 +18733,11 @@
         </p:txBody>
       </p:sp>
     </p:spTree>
+    <p:extLst>
+      <p:ext uri="{BB962C8B-B14F-4D97-AF65-F5344CB8AC3E}">
+        <p14:creationId xmlns:p14="http://schemas.microsoft.com/office/powerpoint/2010/main" val="3181663688"/>
+      </p:ext>
+    </p:extLst>
   </p:cSld>
   <p:clrMapOvr>
     <a:masterClrMapping/>
@@ -15250,9 +18968,9 @@
           <a:lstStyle/>
           <a:p>
             <a:fld id="{ED62726E-379B-B349-9EED-81ED093FA806}" type="datetimeFigureOut">
-              <a:rPr lang="en-US" dirty="0"/>
+              <a:rPr lang="en-US" smtClean="0"/>
               <a:pPr/>
-              <a:t>6/23/19</a:t>
+              <a:t>6/24/19</a:t>
             </a:fld>
             <a:endParaRPr lang="en-US" dirty="0"/>
           </a:p>
@@ -15293,7 +19011,7 @@
           <a:lstStyle/>
           <a:p>
             <a:fld id="{D57F1E4F-1CFF-5643-939E-217C01CDF565}" type="slidenum">
-              <a:rPr lang="en-US" dirty="0"/>
+              <a:rPr lang="en-US" smtClean="0"/>
               <a:pPr/>
               <a:t>‹N°›</a:t>
             </a:fld>
@@ -15302,6 +19020,11 @@
         </p:txBody>
       </p:sp>
     </p:spTree>
+    <p:extLst>
+      <p:ext uri="{BB962C8B-B14F-4D97-AF65-F5344CB8AC3E}">
+        <p14:creationId xmlns:p14="http://schemas.microsoft.com/office/powerpoint/2010/main" val="1877152378"/>
+      </p:ext>
+    </p:extLst>
   </p:cSld>
   <p:clrMapOvr>
     <a:masterClrMapping/>
@@ -15530,9 +19253,9 @@
           <a:lstStyle/>
           <a:p>
             <a:fld id="{9B3A1323-8D79-1946-B0D7-40001CF92E9D}" type="datetimeFigureOut">
-              <a:rPr lang="en-US" dirty="0"/>
+              <a:rPr lang="en-US" smtClean="0"/>
               <a:pPr/>
-              <a:t>6/23/19</a:t>
+              <a:t>6/24/19</a:t>
             </a:fld>
             <a:endParaRPr lang="en-US" dirty="0"/>
           </a:p>
@@ -15573,7 +19296,7 @@
           <a:lstStyle/>
           <a:p>
             <a:fld id="{D57F1E4F-1CFF-5643-939E-217C01CDF565}" type="slidenum">
-              <a:rPr lang="en-US" dirty="0"/>
+              <a:rPr lang="en-US" smtClean="0"/>
               <a:pPr/>
               <a:t>‹N°›</a:t>
             </a:fld>
@@ -15582,6 +19305,11 @@
         </p:txBody>
       </p:sp>
     </p:spTree>
+    <p:extLst>
+      <p:ext uri="{BB962C8B-B14F-4D97-AF65-F5344CB8AC3E}">
+        <p14:creationId xmlns:p14="http://schemas.microsoft.com/office/powerpoint/2010/main" val="286048529"/>
+      </p:ext>
+    </p:extLst>
   </p:cSld>
   <p:clrMapOvr>
     <a:masterClrMapping/>
@@ -15870,9 +19598,9 @@
           <a:lstStyle/>
           <a:p>
             <a:fld id="{8DFA1846-DA80-1C48-A609-854EA85C59AD}" type="datetimeFigureOut">
-              <a:rPr lang="en-US" dirty="0"/>
+              <a:rPr lang="en-US" smtClean="0"/>
               <a:pPr/>
-              <a:t>6/23/19</a:t>
+              <a:t>6/24/19</a:t>
             </a:fld>
             <a:endParaRPr lang="en-US" dirty="0"/>
           </a:p>
@@ -15913,7 +19641,7 @@
           <a:lstStyle/>
           <a:p>
             <a:fld id="{D57F1E4F-1CFF-5643-939E-217C01CDF565}" type="slidenum">
-              <a:rPr lang="en-US" dirty="0"/>
+              <a:rPr lang="en-US" smtClean="0"/>
               <a:pPr/>
               <a:t>‹N°›</a:t>
             </a:fld>
@@ -15922,6 +19650,11 @@
         </p:txBody>
       </p:sp>
     </p:spTree>
+    <p:extLst>
+      <p:ext uri="{BB962C8B-B14F-4D97-AF65-F5344CB8AC3E}">
+        <p14:creationId xmlns:p14="http://schemas.microsoft.com/office/powerpoint/2010/main" val="4069446652"/>
+      </p:ext>
+    </p:extLst>
   </p:cSld>
   <p:clrMapOvr>
     <a:masterClrMapping/>
@@ -16206,9 +19939,9 @@
           <a:lstStyle/>
           <a:p>
             <a:fld id="{57302355-E14B-8545-A8F8-0FE83CC9D524}" type="datetimeFigureOut">
-              <a:rPr lang="en-US" dirty="0"/>
+              <a:rPr lang="en-US" smtClean="0"/>
               <a:pPr/>
-              <a:t>6/23/19</a:t>
+              <a:t>6/24/19</a:t>
             </a:fld>
             <a:endParaRPr lang="en-US" dirty="0"/>
           </a:p>
@@ -16249,7 +19982,7 @@
           <a:lstStyle/>
           <a:p>
             <a:fld id="{D57F1E4F-1CFF-5643-939E-217C01CDF565}" type="slidenum">
-              <a:rPr lang="en-US" dirty="0"/>
+              <a:rPr lang="en-US" smtClean="0"/>
               <a:pPr/>
               <a:t>‹N°›</a:t>
             </a:fld>
@@ -16258,6 +19991,11 @@
         </p:txBody>
       </p:sp>
     </p:spTree>
+    <p:extLst>
+      <p:ext uri="{BB962C8B-B14F-4D97-AF65-F5344CB8AC3E}">
+        <p14:creationId xmlns:p14="http://schemas.microsoft.com/office/powerpoint/2010/main" val="1861240123"/>
+      </p:ext>
+    </p:extLst>
   </p:cSld>
   <p:clrMapOvr>
     <a:masterClrMapping/>
@@ -16680,9 +20418,9 @@
           <a:lstStyle/>
           <a:p>
             <a:fld id="{02640F58-564D-2B4F-AE67-E407BA4FCF45}" type="datetimeFigureOut">
-              <a:rPr lang="en-US" dirty="0"/>
+              <a:rPr lang="en-US" smtClean="0"/>
               <a:pPr/>
-              <a:t>6/23/19</a:t>
+              <a:t>6/24/19</a:t>
             </a:fld>
             <a:endParaRPr lang="en-US" dirty="0"/>
           </a:p>
@@ -16723,7 +20461,7 @@
           <a:lstStyle/>
           <a:p>
             <a:fld id="{D57F1E4F-1CFF-5643-939E-217C01CDF565}" type="slidenum">
-              <a:rPr lang="en-US" dirty="0"/>
+              <a:rPr lang="en-US" smtClean="0"/>
               <a:pPr/>
               <a:t>‹N°›</a:t>
             </a:fld>
@@ -16732,6 +20470,11 @@
         </p:txBody>
       </p:sp>
     </p:spTree>
+    <p:extLst>
+      <p:ext uri="{BB962C8B-B14F-4D97-AF65-F5344CB8AC3E}">
+        <p14:creationId xmlns:p14="http://schemas.microsoft.com/office/powerpoint/2010/main" val="977174113"/>
+      </p:ext>
+    </p:extLst>
   </p:cSld>
   <p:clrMapOvr>
     <a:masterClrMapping/>
@@ -16898,9 +20641,9 @@
           <a:lstStyle/>
           <a:p>
             <a:fld id="{F13A34C8-038E-2045-AF43-DF7DBB8E0E9E}" type="datetimeFigureOut">
-              <a:rPr lang="en-US" dirty="0"/>
+              <a:rPr lang="en-US" smtClean="0"/>
               <a:pPr/>
-              <a:t>6/23/19</a:t>
+              <a:t>6/24/19</a:t>
             </a:fld>
             <a:endParaRPr lang="en-US" dirty="0"/>
           </a:p>
@@ -16941,7 +20684,7 @@
           <a:lstStyle/>
           <a:p>
             <a:fld id="{D57F1E4F-1CFF-5643-939E-217C01CDF565}" type="slidenum">
-              <a:rPr lang="en-US" dirty="0"/>
+              <a:rPr lang="en-US" smtClean="0"/>
               <a:pPr/>
               <a:t>‹N°›</a:t>
             </a:fld>
@@ -16950,6 +20693,11 @@
         </p:txBody>
       </p:sp>
     </p:spTree>
+    <p:extLst>
+      <p:ext uri="{BB962C8B-B14F-4D97-AF65-F5344CB8AC3E}">
+        <p14:creationId xmlns:p14="http://schemas.microsoft.com/office/powerpoint/2010/main" val="2620992398"/>
+      </p:ext>
+    </p:extLst>
   </p:cSld>
   <p:clrMapOvr>
     <a:masterClrMapping/>
@@ -16990,9 +20738,9 @@
           <a:lstStyle/>
           <a:p>
             <a:fld id="{8818C68F-D26B-8F47-958C-23B49CF8A634}" type="datetimeFigureOut">
-              <a:rPr lang="en-US" dirty="0"/>
+              <a:rPr lang="en-US" smtClean="0"/>
               <a:pPr/>
-              <a:t>6/23/19</a:t>
+              <a:t>6/24/19</a:t>
             </a:fld>
             <a:endParaRPr lang="en-US" dirty="0"/>
           </a:p>
@@ -17033,7 +20781,7 @@
           <a:lstStyle/>
           <a:p>
             <a:fld id="{D57F1E4F-1CFF-5643-939E-217C01CDF565}" type="slidenum">
-              <a:rPr lang="en-US" dirty="0"/>
+              <a:rPr lang="en-US" smtClean="0"/>
               <a:pPr/>
               <a:t>‹N°›</a:t>
             </a:fld>
@@ -17042,6 +20790,11 @@
         </p:txBody>
       </p:sp>
     </p:spTree>
+    <p:extLst>
+      <p:ext uri="{BB962C8B-B14F-4D97-AF65-F5344CB8AC3E}">
+        <p14:creationId xmlns:p14="http://schemas.microsoft.com/office/powerpoint/2010/main" val="328664593"/>
+      </p:ext>
+    </p:extLst>
   </p:cSld>
   <p:clrMapOvr>
     <a:masterClrMapping/>
@@ -17454,9 +21207,9 @@
           <a:lstStyle/>
           <a:p>
             <a:fld id="{D0DF5E60-9974-AC48-9591-99C2BB44B7CF}" type="datetimeFigureOut">
-              <a:rPr lang="en-US" dirty="0"/>
+              <a:rPr lang="en-US" smtClean="0"/>
               <a:pPr/>
-              <a:t>6/23/19</a:t>
+              <a:t>6/24/19</a:t>
             </a:fld>
             <a:endParaRPr lang="en-US" dirty="0"/>
           </a:p>
@@ -17497,7 +21250,7 @@
           <a:lstStyle/>
           <a:p>
             <a:fld id="{D57F1E4F-1CFF-5643-939E-217C01CDF565}" type="slidenum">
-              <a:rPr lang="en-US" dirty="0"/>
+              <a:rPr lang="en-US" smtClean="0"/>
               <a:pPr/>
               <a:t>‹N°›</a:t>
             </a:fld>
@@ -17506,6 +21259,11 @@
         </p:txBody>
       </p:sp>
     </p:spTree>
+    <p:extLst>
+      <p:ext uri="{BB962C8B-B14F-4D97-AF65-F5344CB8AC3E}">
+        <p14:creationId xmlns:p14="http://schemas.microsoft.com/office/powerpoint/2010/main" val="3936396861"/>
+      </p:ext>
+    </p:extLst>
   </p:cSld>
   <p:clrMapOvr>
     <a:masterClrMapping/>
@@ -17764,9 +21522,9 @@
           <a:lstStyle/>
           <a:p>
             <a:fld id="{18C79C5D-2A6F-F04D-97DA-BEF2467B64E4}" type="datetimeFigureOut">
-              <a:rPr lang="en-US" dirty="0"/>
+              <a:rPr lang="en-US" smtClean="0"/>
               <a:pPr/>
-              <a:t>6/23/19</a:t>
+              <a:t>6/24/19</a:t>
             </a:fld>
             <a:endParaRPr lang="en-US" dirty="0"/>
           </a:p>
@@ -17817,7 +21575,7 @@
           <a:lstStyle/>
           <a:p>
             <a:fld id="{D57F1E4F-1CFF-5643-939E-217C01CDF565}" type="slidenum">
-              <a:rPr lang="en-US" dirty="0"/>
+              <a:rPr lang="en-US" smtClean="0"/>
               <a:pPr/>
               <a:t>‹N°›</a:t>
             </a:fld>
@@ -17826,6 +21584,11 @@
         </p:txBody>
       </p:sp>
     </p:spTree>
+    <p:extLst>
+      <p:ext uri="{BB962C8B-B14F-4D97-AF65-F5344CB8AC3E}">
+        <p14:creationId xmlns:p14="http://schemas.microsoft.com/office/powerpoint/2010/main" val="1761884432"/>
+      </p:ext>
+    </p:extLst>
   </p:cSld>
   <p:clrMapOvr>
     <a:masterClrMapping/>
@@ -18031,9 +21794,9 @@
           </a:lstStyle>
           <a:p>
             <a:fld id="{09B482E8-6E0E-1B4F-B1FD-C69DB9E858D9}" type="datetimeFigureOut">
-              <a:rPr lang="en-US" dirty="0"/>
+              <a:rPr lang="en-US" smtClean="0"/>
               <a:pPr/>
-              <a:t>6/23/19</a:t>
+              <a:t>6/24/19</a:t>
             </a:fld>
             <a:endParaRPr lang="en-US" dirty="0"/>
           </a:p>
@@ -18071,7 +21834,7 @@
           </a:lstStyle>
           <a:p>
             <a:fld id="{D57F1E4F-1CFF-5643-939E-217C01CDF565}" type="slidenum">
-              <a:rPr lang="en-US" dirty="0"/>
+              <a:rPr lang="en-US" smtClean="0"/>
               <a:pPr/>
               <a:t>‹N°›</a:t>
             </a:fld>
@@ -18080,23 +21843,28 @@
         </p:txBody>
       </p:sp>
     </p:spTree>
+    <p:extLst>
+      <p:ext uri="{BB962C8B-B14F-4D97-AF65-F5344CB8AC3E}">
+        <p14:creationId xmlns:p14="http://schemas.microsoft.com/office/powerpoint/2010/main" val="1873169357"/>
+      </p:ext>
+    </p:extLst>
   </p:cSld>
   <p:clrMap bg1="dk1" tx1="lt1" bg2="dk2" tx2="lt2" accent1="accent1" accent2="accent2" accent3="accent3" accent4="accent4" accent5="accent5" accent6="accent6" hlink="hlink" folHlink="folHlink"/>
   <p:sldLayoutIdLst>
-    <p:sldLayoutId id="2147483649" r:id="rId1"/>
-    <p:sldLayoutId id="2147483650" r:id="rId2"/>
-    <p:sldLayoutId id="2147483651" r:id="rId3"/>
-    <p:sldLayoutId id="2147483652" r:id="rId4"/>
-    <p:sldLayoutId id="2147483653" r:id="rId5"/>
-    <p:sldLayoutId id="2147483654" r:id="rId6"/>
-    <p:sldLayoutId id="2147483655" r:id="rId7"/>
-    <p:sldLayoutId id="2147483656" r:id="rId8"/>
-    <p:sldLayoutId id="2147483663" r:id="rId9"/>
-    <p:sldLayoutId id="2147483657" r:id="rId10"/>
-    <p:sldLayoutId id="2147483666" r:id="rId11"/>
-    <p:sldLayoutId id="2147483661" r:id="rId12"/>
-    <p:sldLayoutId id="2147483658" r:id="rId13"/>
-    <p:sldLayoutId id="2147483659" r:id="rId14"/>
+    <p:sldLayoutId id="2147483668" r:id="rId1"/>
+    <p:sldLayoutId id="2147483669" r:id="rId2"/>
+    <p:sldLayoutId id="2147483670" r:id="rId3"/>
+    <p:sldLayoutId id="2147483671" r:id="rId4"/>
+    <p:sldLayoutId id="2147483672" r:id="rId5"/>
+    <p:sldLayoutId id="2147483673" r:id="rId6"/>
+    <p:sldLayoutId id="2147483674" r:id="rId7"/>
+    <p:sldLayoutId id="2147483675" r:id="rId8"/>
+    <p:sldLayoutId id="2147483676" r:id="rId9"/>
+    <p:sldLayoutId id="2147483677" r:id="rId10"/>
+    <p:sldLayoutId id="2147483678" r:id="rId11"/>
+    <p:sldLayoutId id="2147483679" r:id="rId12"/>
+    <p:sldLayoutId id="2147483680" r:id="rId13"/>
+    <p:sldLayoutId id="2147483681" r:id="rId14"/>
   </p:sldLayoutIdLst>
   <p:hf sldNum="0" hdr="0" ftr="0" dt="0"/>
   <p:txStyles>
@@ -18465,96 +22233,10 @@
 <file path=ppt/slides/slide1.xml><?xml version="1.0" encoding="utf-8"?>
 <p:sld xmlns:a="http://schemas.openxmlformats.org/drawingml/2006/main" xmlns:r="http://schemas.openxmlformats.org/officeDocument/2006/relationships" xmlns:p="http://schemas.openxmlformats.org/presentationml/2006/main">
   <p:cSld>
-    <p:spTree>
-      <p:nvGrpSpPr>
-        <p:cNvPr id="1" name=""/>
-        <p:cNvGrpSpPr/>
-        <p:nvPr/>
-      </p:nvGrpSpPr>
-      <p:grpSpPr>
-        <a:xfrm>
-          <a:off x="0" y="0"/>
-          <a:ext cx="0" cy="0"/>
-          <a:chOff x="0" y="0"/>
-          <a:chExt cx="0" cy="0"/>
-        </a:xfrm>
-      </p:grpSpPr>
-      <p:sp>
-        <p:nvSpPr>
-          <p:cNvPr id="2" name="Titre 1">
-            <a:extLst>
-              <a:ext uri="{FF2B5EF4-FFF2-40B4-BE49-F238E27FC236}">
-                <a16:creationId xmlns:a16="http://schemas.microsoft.com/office/drawing/2014/main" id="{26C83097-EE28-5144-A0E0-A9DF16B09D22}"/>
-              </a:ext>
-            </a:extLst>
-          </p:cNvPr>
-          <p:cNvSpPr>
-            <a:spLocks noGrp="1"/>
-          </p:cNvSpPr>
-          <p:nvPr>
-            <p:ph type="ctrTitle"/>
-          </p:nvPr>
-        </p:nvSpPr>
-        <p:spPr/>
-        <p:txBody>
-          <a:bodyPr/>
-          <a:lstStyle/>
-          <a:p>
-            <a:r>
-              <a:rPr lang="fr-FR" dirty="0"/>
-              <a:t>Portfolios</a:t>
-            </a:r>
-          </a:p>
-        </p:txBody>
-      </p:sp>
-      <p:sp>
-        <p:nvSpPr>
-          <p:cNvPr id="3" name="Sous-titre 2">
-            <a:extLst>
-              <a:ext uri="{FF2B5EF4-FFF2-40B4-BE49-F238E27FC236}">
-                <a16:creationId xmlns:a16="http://schemas.microsoft.com/office/drawing/2014/main" id="{91009AE7-44CF-3D44-83CE-DE6E93703E80}"/>
-              </a:ext>
-            </a:extLst>
-          </p:cNvPr>
-          <p:cNvSpPr>
-            <a:spLocks noGrp="1"/>
-          </p:cNvSpPr>
-          <p:nvPr>
-            <p:ph type="subTitle" idx="1"/>
-          </p:nvPr>
-        </p:nvSpPr>
-        <p:spPr/>
-        <p:txBody>
-          <a:bodyPr/>
-          <a:lstStyle/>
-          <a:p>
-            <a:r>
-              <a:rPr lang="fr-FR" dirty="0"/>
-              <a:t>Présentation</a:t>
-            </a:r>
-          </a:p>
-        </p:txBody>
-      </p:sp>
-    </p:spTree>
-    <p:extLst>
-      <p:ext uri="{BB962C8B-B14F-4D97-AF65-F5344CB8AC3E}">
-        <p14:creationId xmlns:p14="http://schemas.microsoft.com/office/powerpoint/2010/main" val="2255147576"/>
-      </p:ext>
-    </p:extLst>
-  </p:cSld>
-  <p:clrMapOvr>
-    <a:masterClrMapping/>
-  </p:clrMapOvr>
-</p:sld>
-</file>
-
-<file path=ppt/slides/slide10.xml><?xml version="1.0" encoding="utf-8"?>
-<p:sld xmlns:a="http://schemas.openxmlformats.org/drawingml/2006/main" xmlns:r="http://schemas.openxmlformats.org/officeDocument/2006/relationships" xmlns:p="http://schemas.openxmlformats.org/presentationml/2006/main">
-  <p:cSld>
     <p:bg>
       <p:bgPr>
         <a:solidFill>
-          <a:schemeClr val="bg2"/>
+          <a:schemeClr val="bg1"/>
         </a:solidFill>
         <a:effectLst/>
       </p:bgPr>
@@ -18575,10 +22257,10 @@
       </p:grpSpPr>
       <p:sp useBgFill="1">
         <p:nvSpPr>
-          <p:cNvPr id="10" name="Rectangle 9">
+          <p:cNvPr id="8" name="Rectangle 7">
             <a:extLst>
               <a:ext uri="{FF2B5EF4-FFF2-40B4-BE49-F238E27FC236}">
-                <a16:creationId xmlns:a16="http://schemas.microsoft.com/office/drawing/2014/main" id="{B2B82547-2424-4E7A-A98B-75206EE73028}"/>
+                <a16:creationId xmlns:a16="http://schemas.microsoft.com/office/drawing/2014/main" id="{597EA66B-2AAB-42B0-9F9D-38920D8D82D7}"/>
               </a:ext>
               <a:ext uri="{C183D7F6-B498-43B3-948B-1728B52AA6E4}">
                 <adec:decorative xmlns:adec="http://schemas.microsoft.com/office/drawing/2017/decorative" val="1"/>
@@ -18635,10 +22317,88 @@
       </p:sp>
       <p:sp>
         <p:nvSpPr>
-          <p:cNvPr id="12" name="Freeform 23">
+          <p:cNvPr id="2" name="Titre 1">
             <a:extLst>
               <a:ext uri="{FF2B5EF4-FFF2-40B4-BE49-F238E27FC236}">
-                <a16:creationId xmlns:a16="http://schemas.microsoft.com/office/drawing/2014/main" id="{5109BC2F-9616-4D7D-9E98-57898009A828}"/>
+                <a16:creationId xmlns:a16="http://schemas.microsoft.com/office/drawing/2014/main" id="{26C83097-EE28-5144-A0E0-A9DF16B09D22}"/>
+              </a:ext>
+            </a:extLst>
+          </p:cNvPr>
+          <p:cNvSpPr>
+            <a:spLocks noGrp="1"/>
+          </p:cNvSpPr>
+          <p:nvPr>
+            <p:ph type="ctrTitle"/>
+          </p:nvPr>
+        </p:nvSpPr>
+        <p:spPr>
+          <a:xfrm>
+            <a:off x="965199" y="885433"/>
+            <a:ext cx="10261602" cy="3022257"/>
+          </a:xfrm>
+          <a:effectLst/>
+        </p:spPr>
+        <p:txBody>
+          <a:bodyPr anchor="b">
+            <a:normAutofit/>
+          </a:bodyPr>
+          <a:lstStyle/>
+          <a:p>
+            <a:pPr algn="ctr"/>
+            <a:r>
+              <a:rPr lang="fr-FR" sz="7200">
+                <a:solidFill>
+                  <a:schemeClr val="tx1"/>
+                </a:solidFill>
+              </a:rPr>
+              <a:t>Portfolios</a:t>
+            </a:r>
+          </a:p>
+        </p:txBody>
+      </p:sp>
+      <p:sp>
+        <p:nvSpPr>
+          <p:cNvPr id="3" name="Sous-titre 2">
+            <a:extLst>
+              <a:ext uri="{FF2B5EF4-FFF2-40B4-BE49-F238E27FC236}">
+                <a16:creationId xmlns:a16="http://schemas.microsoft.com/office/drawing/2014/main" id="{91009AE7-44CF-3D44-83CE-DE6E93703E80}"/>
+              </a:ext>
+            </a:extLst>
+          </p:cNvPr>
+          <p:cNvSpPr>
+            <a:spLocks noGrp="1"/>
+          </p:cNvSpPr>
+          <p:nvPr>
+            <p:ph type="subTitle" idx="1"/>
+          </p:nvPr>
+        </p:nvSpPr>
+        <p:spPr>
+          <a:xfrm>
+            <a:off x="1906955" y="4033164"/>
+            <a:ext cx="8378090" cy="1181206"/>
+          </a:xfrm>
+          <a:effectLst/>
+        </p:spPr>
+        <p:txBody>
+          <a:bodyPr anchor="t">
+            <a:normAutofit/>
+          </a:bodyPr>
+          <a:lstStyle/>
+          <a:p>
+            <a:pPr algn="ctr"/>
+            <a:r>
+              <a:rPr lang="fr-FR" sz="2000"/>
+              <a:t>Présentation</a:t>
+            </a:r>
+          </a:p>
+        </p:txBody>
+      </p:sp>
+      <p:sp>
+        <p:nvSpPr>
+          <p:cNvPr id="10" name="Freeform: Shape 9">
+            <a:extLst>
+              <a:ext uri="{FF2B5EF4-FFF2-40B4-BE49-F238E27FC236}">
+                <a16:creationId xmlns:a16="http://schemas.microsoft.com/office/drawing/2014/main" id="{D360EBE3-31BB-422F-AA87-FA3873DAE484}"/>
               </a:ext>
               <a:ext uri="{C183D7F6-B498-43B3-948B-1728B52AA6E4}">
                 <adec:decorative xmlns:adec="http://schemas.microsoft.com/office/drawing/2017/decorative" val="1"/>
@@ -18656,44 +22416,52 @@
             </p:extLst>
           </p:nvPr>
         </p:nvSpPr>
-        <p:spPr bwMode="white">
-          <a:xfrm>
-            <a:off x="0" y="0"/>
-            <a:ext cx="4637005" cy="6858000"/>
+        <p:spPr bwMode="auto">
+          <a:xfrm rot="10800000">
+            <a:off x="0" y="5388384"/>
+            <a:ext cx="12192000" cy="1469616"/>
           </a:xfrm>
           <a:custGeom>
             <a:avLst/>
             <a:gdLst>
-              <a:gd name="connsiteX0" fmla="*/ 0 w 4637005"/>
-              <a:gd name="connsiteY0" fmla="*/ 0 h 6858000"/>
-              <a:gd name="connsiteX1" fmla="*/ 4637005 w 4637005"/>
-              <a:gd name="connsiteY1" fmla="*/ 0 h 6858000"/>
-              <a:gd name="connsiteX2" fmla="*/ 4637005 w 4637005"/>
-              <a:gd name="connsiteY2" fmla="*/ 1900238 h 6858000"/>
-              <a:gd name="connsiteX3" fmla="*/ 4266589 w 4637005"/>
-              <a:gd name="connsiteY3" fmla="*/ 2178050 h 6858000"/>
-              <a:gd name="connsiteX4" fmla="*/ 4262355 w 4637005"/>
-              <a:gd name="connsiteY4" fmla="*/ 2184400 h 6858000"/>
-              <a:gd name="connsiteX5" fmla="*/ 4256005 w 4637005"/>
-              <a:gd name="connsiteY5" fmla="*/ 2193925 h 6858000"/>
-              <a:gd name="connsiteX6" fmla="*/ 4249655 w 4637005"/>
-              <a:gd name="connsiteY6" fmla="*/ 2201863 h 6858000"/>
-              <a:gd name="connsiteX7" fmla="*/ 4249655 w 4637005"/>
-              <a:gd name="connsiteY7" fmla="*/ 2211388 h 6858000"/>
-              <a:gd name="connsiteX8" fmla="*/ 4249655 w 4637005"/>
-              <a:gd name="connsiteY8" fmla="*/ 2220913 h 6858000"/>
-              <a:gd name="connsiteX9" fmla="*/ 4256005 w 4637005"/>
-              <a:gd name="connsiteY9" fmla="*/ 2228850 h 6858000"/>
-              <a:gd name="connsiteX10" fmla="*/ 4262355 w 4637005"/>
-              <a:gd name="connsiteY10" fmla="*/ 2238375 h 6858000"/>
-              <a:gd name="connsiteX11" fmla="*/ 4266589 w 4637005"/>
-              <a:gd name="connsiteY11" fmla="*/ 2244725 h 6858000"/>
-              <a:gd name="connsiteX12" fmla="*/ 4637005 w 4637005"/>
-              <a:gd name="connsiteY12" fmla="*/ 2522538 h 6858000"/>
-              <a:gd name="connsiteX13" fmla="*/ 4637005 w 4637005"/>
-              <a:gd name="connsiteY13" fmla="*/ 6858000 h 6858000"/>
-              <a:gd name="connsiteX14" fmla="*/ 0 w 4637005"/>
-              <a:gd name="connsiteY14" fmla="*/ 6858000 h 6858000"/>
+              <a:gd name="connsiteX0" fmla="*/ 6113881 w 12192000"/>
+              <a:gd name="connsiteY0" fmla="*/ 1469616 h 1469616"/>
+              <a:gd name="connsiteX1" fmla="*/ 6101181 w 12192000"/>
+              <a:gd name="connsiteY1" fmla="*/ 1469616 h 1469616"/>
+              <a:gd name="connsiteX2" fmla="*/ 6090598 w 12192000"/>
+              <a:gd name="connsiteY2" fmla="*/ 1469616 h 1469616"/>
+              <a:gd name="connsiteX3" fmla="*/ 6077897 w 12192000"/>
+              <a:gd name="connsiteY3" fmla="*/ 1464854 h 1469616"/>
+              <a:gd name="connsiteX4" fmla="*/ 6065198 w 12192000"/>
+              <a:gd name="connsiteY4" fmla="*/ 1460091 h 1469616"/>
+              <a:gd name="connsiteX5" fmla="*/ 6056731 w 12192000"/>
+              <a:gd name="connsiteY5" fmla="*/ 1456916 h 1469616"/>
+              <a:gd name="connsiteX6" fmla="*/ 5678033 w 12192000"/>
+              <a:gd name="connsiteY6" fmla="*/ 1172892 h 1469616"/>
+              <a:gd name="connsiteX7" fmla="*/ 0 w 12192000"/>
+              <a:gd name="connsiteY7" fmla="*/ 1172892 h 1469616"/>
+              <a:gd name="connsiteX8" fmla="*/ 0 w 12192000"/>
+              <a:gd name="connsiteY8" fmla="*/ 1162370 h 1469616"/>
+              <a:gd name="connsiteX9" fmla="*/ 0 w 12192000"/>
+              <a:gd name="connsiteY9" fmla="*/ 403347 h 1469616"/>
+              <a:gd name="connsiteX10" fmla="*/ 0 w 12192000"/>
+              <a:gd name="connsiteY10" fmla="*/ 0 h 1469616"/>
+              <a:gd name="connsiteX11" fmla="*/ 12192000 w 12192000"/>
+              <a:gd name="connsiteY11" fmla="*/ 0 h 1469616"/>
+              <a:gd name="connsiteX12" fmla="*/ 12192000 w 12192000"/>
+              <a:gd name="connsiteY12" fmla="*/ 403347 h 1469616"/>
+              <a:gd name="connsiteX13" fmla="*/ 12192000 w 12192000"/>
+              <a:gd name="connsiteY13" fmla="*/ 1162370 h 1469616"/>
+              <a:gd name="connsiteX14" fmla="*/ 12192000 w 12192000"/>
+              <a:gd name="connsiteY14" fmla="*/ 1172892 h 1469616"/>
+              <a:gd name="connsiteX15" fmla="*/ 6524330 w 12192000"/>
+              <a:gd name="connsiteY15" fmla="*/ 1172892 h 1469616"/>
+              <a:gd name="connsiteX16" fmla="*/ 6145631 w 12192000"/>
+              <a:gd name="connsiteY16" fmla="*/ 1456916 h 1469616"/>
+              <a:gd name="connsiteX17" fmla="*/ 6137163 w 12192000"/>
+              <a:gd name="connsiteY17" fmla="*/ 1460091 h 1469616"/>
+              <a:gd name="connsiteX18" fmla="*/ 6124463 w 12192000"/>
+              <a:gd name="connsiteY18" fmla="*/ 1464854 h 1469616"/>
             </a:gdLst>
             <a:ahLst/>
             <a:cxnLst>
@@ -18742,78 +22510,99 @@
               <a:cxn ang="0">
                 <a:pos x="connsiteX14" y="connsiteY14"/>
               </a:cxn>
+              <a:cxn ang="0">
+                <a:pos x="connsiteX15" y="connsiteY15"/>
+              </a:cxn>
+              <a:cxn ang="0">
+                <a:pos x="connsiteX16" y="connsiteY16"/>
+              </a:cxn>
+              <a:cxn ang="0">
+                <a:pos x="connsiteX17" y="connsiteY17"/>
+              </a:cxn>
+              <a:cxn ang="0">
+                <a:pos x="connsiteX18" y="connsiteY18"/>
+              </a:cxn>
             </a:cxnLst>
             <a:rect l="l" t="t" r="r" b="b"/>
             <a:pathLst>
-              <a:path w="4637005" h="6858000">
+              <a:path w="12192000" h="1469616">
                 <a:moveTo>
+                  <a:pt x="6113881" y="1469616"/>
+                </a:moveTo>
+                <a:lnTo>
+                  <a:pt x="6101181" y="1469616"/>
+                </a:lnTo>
+                <a:lnTo>
+                  <a:pt x="6090598" y="1469616"/>
+                </a:lnTo>
+                <a:lnTo>
+                  <a:pt x="6077897" y="1464854"/>
+                </a:lnTo>
+                <a:lnTo>
+                  <a:pt x="6065198" y="1460091"/>
+                </a:lnTo>
+                <a:lnTo>
+                  <a:pt x="6056731" y="1456916"/>
+                </a:lnTo>
+                <a:lnTo>
+                  <a:pt x="5678033" y="1172892"/>
+                </a:lnTo>
+                <a:lnTo>
+                  <a:pt x="0" y="1172892"/>
+                </a:lnTo>
+                <a:lnTo>
+                  <a:pt x="0" y="1162370"/>
+                </a:lnTo>
+                <a:lnTo>
+                  <a:pt x="0" y="403347"/>
+                </a:lnTo>
+                <a:lnTo>
                   <a:pt x="0" y="0"/>
-                </a:moveTo>
-                <a:lnTo>
-                  <a:pt x="4637005" y="0"/>
-                </a:lnTo>
-                <a:lnTo>
-                  <a:pt x="4637005" y="1900238"/>
-                </a:lnTo>
-                <a:lnTo>
-                  <a:pt x="4266589" y="2178050"/>
-                </a:lnTo>
-                <a:lnTo>
-                  <a:pt x="4262355" y="2184400"/>
-                </a:lnTo>
-                <a:lnTo>
-                  <a:pt x="4256005" y="2193925"/>
-                </a:lnTo>
-                <a:lnTo>
-                  <a:pt x="4249655" y="2201863"/>
-                </a:lnTo>
-                <a:lnTo>
-                  <a:pt x="4249655" y="2211388"/>
-                </a:lnTo>
-                <a:lnTo>
-                  <a:pt x="4249655" y="2220913"/>
-                </a:lnTo>
-                <a:lnTo>
-                  <a:pt x="4256005" y="2228850"/>
-                </a:lnTo>
-                <a:lnTo>
-                  <a:pt x="4262355" y="2238375"/>
-                </a:lnTo>
-                <a:lnTo>
-                  <a:pt x="4266589" y="2244725"/>
-                </a:lnTo>
-                <a:lnTo>
-                  <a:pt x="4637005" y="2522538"/>
-                </a:lnTo>
-                <a:lnTo>
-                  <a:pt x="4637005" y="6858000"/>
-                </a:lnTo>
-                <a:lnTo>
-                  <a:pt x="0" y="6858000"/>
+                </a:lnTo>
+                <a:lnTo>
+                  <a:pt x="12192000" y="0"/>
+                </a:lnTo>
+                <a:lnTo>
+                  <a:pt x="12192000" y="403347"/>
+                </a:lnTo>
+                <a:lnTo>
+                  <a:pt x="12192000" y="1162370"/>
+                </a:lnTo>
+                <a:lnTo>
+                  <a:pt x="12192000" y="1172892"/>
+                </a:lnTo>
+                <a:lnTo>
+                  <a:pt x="6524330" y="1172892"/>
+                </a:lnTo>
+                <a:lnTo>
+                  <a:pt x="6145631" y="1456916"/>
+                </a:lnTo>
+                <a:lnTo>
+                  <a:pt x="6137163" y="1460091"/>
+                </a:lnTo>
+                <a:lnTo>
+                  <a:pt x="6124463" y="1464854"/>
                 </a:lnTo>
                 <a:close/>
               </a:path>
             </a:pathLst>
           </a:custGeom>
-          <a:blipFill>
-            <a:blip r:embed="rId2">
-              <a:duotone>
-                <a:schemeClr val="accent1">
-                  <a:tint val="98000"/>
-                  <a:lumMod val="102000"/>
-                </a:schemeClr>
-                <a:schemeClr val="accent1">
-                  <a:shade val="98000"/>
-                  <a:lumMod val="98000"/>
-                </a:schemeClr>
-              </a:duotone>
-            </a:blip>
-            <a:tile tx="0" ty="0" sx="100000" sy="100000" flip="none" algn="tl"/>
-          </a:blipFill>
           <a:ln>
-            <a:headEnd/>
-            <a:tailEnd/>
+            <a:noFill/>
           </a:ln>
+          <a:effectLst/>
+          <a:extLst>
+            <a:ext uri="{91240B29-F687-4f45-9708-019B960494DF}">
+              <a14:hiddenLine xmlns="" xmlns:a16="http://schemas.microsoft.com/office/drawing/2014/main" xmlns:p14="http://schemas.microsoft.com/office/powerpoint/2010/main" xmlns:a14="http://schemas.microsoft.com/office/drawing/2010/main" w="9525">
+                <a:solidFill>
+                  <a:srgbClr val="000000"/>
+                </a:solidFill>
+                <a:round/>
+                <a:headEnd/>
+                <a:tailEnd/>
+              </a14:hiddenLine>
+            </a:ext>
+          </a:extLst>
         </p:spPr>
         <p:style>
           <a:lnRef idx="1">
@@ -18829,97 +22618,21 @@
             <a:schemeClr val="lt1"/>
           </a:fontRef>
         </p:style>
-        <p:txBody>
-          <a:bodyPr wrap="square" rtlCol="0" anchor="ctr">
-            <a:noAutofit/>
-          </a:bodyPr>
-          <a:lstStyle/>
-          <a:p>
-            <a:pPr algn="ctr"/>
-            <a:endParaRPr lang="en-US"/>
-          </a:p>
-        </p:txBody>
       </p:sp>
-      <p:sp>
-        <p:nvSpPr>
-          <p:cNvPr id="2" name="Titre 1">
-            <a:extLst>
-              <a:ext uri="{FF2B5EF4-FFF2-40B4-BE49-F238E27FC236}">
-                <a16:creationId xmlns:a16="http://schemas.microsoft.com/office/drawing/2014/main" id="{8D9602D3-2FC7-9A49-AEA8-D7BD6362178E}"/>
-              </a:ext>
-            </a:extLst>
-          </p:cNvPr>
-          <p:cNvSpPr>
-            <a:spLocks noGrp="1"/>
-          </p:cNvSpPr>
-          <p:nvPr>
-            <p:ph type="title"/>
-          </p:nvPr>
-        </p:nvSpPr>
-        <p:spPr>
-          <a:xfrm>
-            <a:off x="641754" y="1687286"/>
-            <a:ext cx="3269463" cy="3978017"/>
-          </a:xfrm>
-        </p:spPr>
-        <p:txBody>
-          <a:bodyPr anchor="t">
-            <a:normAutofit/>
-          </a:bodyPr>
-          <a:lstStyle/>
-          <a:p>
-            <a:r>
-              <a:rPr lang="fr-FR" sz="4400"/>
-              <a:t>Plugins Utilisés</a:t>
-            </a:r>
-          </a:p>
-        </p:txBody>
-      </p:sp>
-      <p:graphicFrame>
-        <p:nvGraphicFramePr>
-          <p:cNvPr id="5" name="Espace réservé du contenu 2">
-            <a:extLst>
-              <a:ext uri="{FF2B5EF4-FFF2-40B4-BE49-F238E27FC236}">
-                <a16:creationId xmlns:a16="http://schemas.microsoft.com/office/drawing/2014/main" id="{5BA7924C-F9DE-4B55-8E16-1FFD6996EC58}"/>
-              </a:ext>
-            </a:extLst>
-          </p:cNvPr>
-          <p:cNvGraphicFramePr>
-            <a:graphicFrameLocks noGrp="1"/>
-          </p:cNvGraphicFramePr>
-          <p:nvPr>
-            <p:ph idx="1"/>
-            <p:extLst>
-              <p:ext uri="{D42A27DB-BD31-4B8C-83A1-F6EECF244321}">
-                <p14:modId xmlns:p14="http://schemas.microsoft.com/office/powerpoint/2010/main" val="1487186478"/>
-              </p:ext>
-            </p:extLst>
-          </p:nvPr>
-        </p:nvGraphicFramePr>
-        <p:xfrm>
-          <a:off x="5508820" y="965200"/>
-          <a:ext cx="5728344" cy="4902990"/>
-        </p:xfrm>
-        <a:graphic>
-          <a:graphicData uri="http://schemas.openxmlformats.org/drawingml/2006/diagram">
-            <dgm:relIds xmlns:dgm="http://schemas.openxmlformats.org/drawingml/2006/diagram" xmlns:r="http://schemas.openxmlformats.org/officeDocument/2006/relationships" r:dm="rId3" r:lo="rId4" r:qs="rId5" r:cs="rId6"/>
-          </a:graphicData>
-        </a:graphic>
-      </p:graphicFrame>
     </p:spTree>
     <p:extLst>
       <p:ext uri="{BB962C8B-B14F-4D97-AF65-F5344CB8AC3E}">
-        <p14:creationId xmlns:p14="http://schemas.microsoft.com/office/powerpoint/2010/main" val="3726037563"/>
+        <p14:creationId xmlns:p14="http://schemas.microsoft.com/office/powerpoint/2010/main" val="2255147576"/>
       </p:ext>
     </p:extLst>
   </p:cSld>
   <p:clrMapOvr>
-    <a:masterClrMapping/>
+    <a:overrideClrMapping bg1="lt1" tx1="dk1" bg2="lt2" tx2="dk2" accent1="accent1" accent2="accent2" accent3="accent3" accent4="accent4" accent5="accent5" accent6="accent6" hlink="hlink" folHlink="folHlink"/>
   </p:clrMapOvr>
 </p:sld>
 </file>
 
-<file path=ppt/slides/slide2.xml><?xml version="1.0" encoding="utf-8"?>
+<file path=ppt/slides/slide10.xml><?xml version="1.0" encoding="utf-8"?>
 <p:sld xmlns:a="http://schemas.openxmlformats.org/drawingml/2006/main" xmlns:r="http://schemas.openxmlformats.org/officeDocument/2006/relationships" xmlns:p="http://schemas.openxmlformats.org/presentationml/2006/main">
   <p:cSld>
     <p:bg>
@@ -19340,7 +23053,7 @@
           <p:cNvPr id="2" name="Titre 1">
             <a:extLst>
               <a:ext uri="{FF2B5EF4-FFF2-40B4-BE49-F238E27FC236}">
-                <a16:creationId xmlns:a16="http://schemas.microsoft.com/office/drawing/2014/main" id="{767DA99F-C757-A44C-B73D-9B43EDD1EFFD}"/>
+                <a16:creationId xmlns:a16="http://schemas.microsoft.com/office/drawing/2014/main" id="{C014EAF8-A500-D742-9A5E-E66BCE7DF094}"/>
               </a:ext>
             </a:extLst>
           </p:cNvPr>
@@ -19364,14 +23077,9 @@
           <a:lstStyle/>
           <a:p>
             <a:r>
-              <a:rPr lang="en-US" sz="4400" dirty="0"/>
-              <a:t>Configurations </a:t>
+              <a:rPr lang="en-US" sz="3400"/>
+              <a:t>Audits (hadil.chrisd.fr)</a:t>
             </a:r>
-            <a:r>
-              <a:rPr lang="en-US" sz="4400" dirty="0" err="1"/>
-              <a:t>Serveur</a:t>
-            </a:r>
-            <a:endParaRPr lang="en-US" sz="4400" dirty="0"/>
           </a:p>
         </p:txBody>
       </p:sp>
@@ -19380,7 +23088,7 @@
           <p:cNvPr id="5" name="Espace réservé du contenu 4">
             <a:extLst>
               <a:ext uri="{FF2B5EF4-FFF2-40B4-BE49-F238E27FC236}">
-                <a16:creationId xmlns:a16="http://schemas.microsoft.com/office/drawing/2014/main" id="{A0D1C311-C8EB-164F-839C-FD87FF6BC878}"/>
+                <a16:creationId xmlns:a16="http://schemas.microsoft.com/office/drawing/2014/main" id="{E82596D5-AA37-204D-BAE3-F149A6412278}"/>
               </a:ext>
             </a:extLst>
           </p:cNvPr>
@@ -19391,16 +23099,15 @@
             <p:ph idx="1"/>
           </p:nvPr>
         </p:nvPicPr>
-        <p:blipFill>
+        <p:blipFill rotWithShape="1">
           <a:blip r:embed="rId3"/>
-          <a:stretch>
-            <a:fillRect/>
-          </a:stretch>
+          <a:srcRect t="4149" r="-1" b="-1"/>
+          <a:stretch/>
         </p:blipFill>
         <p:spPr>
           <a:xfrm>
-            <a:off x="4637005" y="0"/>
-            <a:ext cx="7554995" cy="6764143"/>
+            <a:off x="6584250" y="643465"/>
+            <a:ext cx="3660505" cy="5397897"/>
           </a:xfrm>
           <a:prstGeom prst="roundRect">
             <a:avLst>
@@ -19418,7 +23125,7 @@
     </p:spTree>
     <p:extLst>
       <p:ext uri="{BB962C8B-B14F-4D97-AF65-F5344CB8AC3E}">
-        <p14:creationId xmlns:p14="http://schemas.microsoft.com/office/powerpoint/2010/main" val="1548920399"/>
+        <p14:creationId xmlns:p14="http://schemas.microsoft.com/office/powerpoint/2010/main" val="717458207"/>
       </p:ext>
     </p:extLst>
   </p:cSld>
@@ -19428,7 +23135,7 @@
 </p:sld>
 </file>
 
-<file path=ppt/slides/slide3.xml><?xml version="1.0" encoding="utf-8"?>
+<file path=ppt/slides/slide11.xml><?xml version="1.0" encoding="utf-8"?>
 <p:sld xmlns:a="http://schemas.openxmlformats.org/drawingml/2006/main" xmlns:r="http://schemas.openxmlformats.org/officeDocument/2006/relationships" xmlns:p="http://schemas.openxmlformats.org/presentationml/2006/main">
   <p:cSld>
     <p:bg>
@@ -19453,12 +23160,12 @@
           <a:chExt cx="0" cy="0"/>
         </a:xfrm>
       </p:grpSpPr>
-      <p:sp>
+      <p:sp useBgFill="1">
         <p:nvSpPr>
-          <p:cNvPr id="13" name="Rectangle 12">
+          <p:cNvPr id="14" name="Rectangle 9">
             <a:extLst>
               <a:ext uri="{FF2B5EF4-FFF2-40B4-BE49-F238E27FC236}">
-                <a16:creationId xmlns:a16="http://schemas.microsoft.com/office/drawing/2014/main" id="{9D336D4B-F9C3-4167-9191-8DA896C803E6}"/>
+                <a16:creationId xmlns:a16="http://schemas.microsoft.com/office/drawing/2014/main" id="{3A814F8E-8E71-4DD8-9E90-A2886B0BE273}"/>
               </a:ext>
               <a:ext uri="{C183D7F6-B498-43B3-948B-1728B52AA6E4}">
                 <adec:decorative xmlns:adec="http://schemas.microsoft.com/office/drawing/2017/decorative" val="1"/>
@@ -19484,9 +23191,6 @@
           <a:prstGeom prst="rect">
             <a:avLst/>
           </a:prstGeom>
-          <a:solidFill>
-            <a:schemeClr val="bg1"/>
-          </a:solidFill>
           <a:ln>
             <a:noFill/>
           </a:ln>
@@ -19521,7 +23225,7 @@
           <p:cNvPr id="15" name="Freeform 6">
             <a:extLst>
               <a:ext uri="{FF2B5EF4-FFF2-40B4-BE49-F238E27FC236}">
-                <a16:creationId xmlns:a16="http://schemas.microsoft.com/office/drawing/2014/main" id="{069BF0B4-2BF1-40F2-8D8E-9CFCED97D981}"/>
+                <a16:creationId xmlns:a16="http://schemas.microsoft.com/office/drawing/2014/main" id="{D6F07063-98C1-4852-B9CD-9CB5B58C97F3}"/>
               </a:ext>
               <a:ext uri="{C183D7F6-B498-43B3-948B-1728B52AA6E4}">
                 <adec:decorative xmlns:adec="http://schemas.microsoft.com/office/drawing/2017/decorative" val="1"/>
@@ -19541,7 +23245,7 @@
         </p:nvSpPr>
         <p:spPr bwMode="auto">
           <a:xfrm flipV="1">
-            <a:off x="0" y="4672012"/>
+            <a:off x="0" y="4948368"/>
             <a:ext cx="12192000" cy="2185988"/>
           </a:xfrm>
           <a:custGeom>
@@ -19608,14 +23312,14 @@
             </a:pathLst>
           </a:custGeom>
           <a:solidFill>
-            <a:srgbClr val="212121"/>
+            <a:schemeClr val="tx1"/>
           </a:solidFill>
           <a:ln>
             <a:noFill/>
           </a:ln>
           <a:extLst>
             <a:ext uri="{91240B29-F687-4f45-9708-019B960494DF}">
-              <a14:hiddenLine xmlns="" xmlns:a16="http://schemas.microsoft.com/office/drawing/2014/main" xmlns:p14="http://schemas.microsoft.com/office/powerpoint/2010/main" xmlns:a14="http://schemas.microsoft.com/office/drawing/2010/main" w="9525">
+              <a14:hiddenLine xmlns="" xmlns:a16="http://schemas.microsoft.com/office/drawing/2014/main" xmlns:p14="http://schemas.microsoft.com/office/powerpoint/2010/main" xmlns:dgm="http://schemas.openxmlformats.org/drawingml/2006/diagram" xmlns:a14="http://schemas.microsoft.com/office/drawing/2010/main" w="9525">
                 <a:solidFill>
                   <a:srgbClr val="000000"/>
                 </a:solidFill>
@@ -19646,7 +23350,7 @@
           <p:cNvPr id="2" name="Titre 1">
             <a:extLst>
               <a:ext uri="{FF2B5EF4-FFF2-40B4-BE49-F238E27FC236}">
-                <a16:creationId xmlns:a16="http://schemas.microsoft.com/office/drawing/2014/main" id="{0DBEF905-B2AD-A241-9663-B08D65FEDC16}"/>
+                <a16:creationId xmlns:a16="http://schemas.microsoft.com/office/drawing/2014/main" id="{8D9602D3-2FC7-9A49-AEA8-D7BD6362178E}"/>
               </a:ext>
             </a:extLst>
           </p:cNvPr>
@@ -19659,81 +23363,8 @@
         </p:nvSpPr>
         <p:spPr>
           <a:xfrm>
-            <a:off x="451513" y="5176569"/>
-            <a:ext cx="4589009" cy="970450"/>
-          </a:xfrm>
-        </p:spPr>
-        <p:txBody>
-          <a:bodyPr anchor="ctr">
-            <a:normAutofit/>
-          </a:bodyPr>
-          <a:lstStyle/>
-          <a:p>
-            <a:r>
-              <a:rPr lang="fr-FR" sz="2400"/>
-              <a:t>Version de PHP</a:t>
-            </a:r>
-          </a:p>
-        </p:txBody>
-      </p:sp>
-      <p:pic>
-        <p:nvPicPr>
-          <p:cNvPr id="8" name="Espace réservé du contenu 4">
-            <a:extLst>
-              <a:ext uri="{FF2B5EF4-FFF2-40B4-BE49-F238E27FC236}">
-                <a16:creationId xmlns:a16="http://schemas.microsoft.com/office/drawing/2014/main" id="{11E3F06E-4B67-7D49-972D-A5C9EA5399D2}"/>
-              </a:ext>
-            </a:extLst>
-          </p:cNvPr>
-          <p:cNvPicPr>
-            <a:picLocks noChangeAspect="1"/>
-          </p:cNvPicPr>
-          <p:nvPr/>
-        </p:nvPicPr>
-        <p:blipFill>
-          <a:blip r:embed="rId2"/>
-          <a:stretch>
-            <a:fillRect/>
-          </a:stretch>
-        </p:blipFill>
-        <p:spPr>
-          <a:xfrm>
-            <a:off x="514351" y="514350"/>
-            <a:ext cx="7861887" cy="3930942"/>
-          </a:xfrm>
-          <a:prstGeom prst="roundRect">
-            <a:avLst>
-              <a:gd name="adj" fmla="val 3876"/>
-            </a:avLst>
-          </a:prstGeom>
-          <a:ln>
-            <a:solidFill>
-              <a:schemeClr val="accent1"/>
-            </a:solidFill>
-          </a:ln>
-          <a:effectLst/>
-        </p:spPr>
-      </p:pic>
-      <p:sp>
-        <p:nvSpPr>
-          <p:cNvPr id="10" name="Content Placeholder 9">
-            <a:extLst>
-              <a:ext uri="{FF2B5EF4-FFF2-40B4-BE49-F238E27FC236}">
-                <a16:creationId xmlns:a16="http://schemas.microsoft.com/office/drawing/2014/main" id="{562CDA40-8E54-4F55-BC7C-6A98F7630B56}"/>
-              </a:ext>
-            </a:extLst>
-          </p:cNvPr>
-          <p:cNvSpPr>
-            <a:spLocks noGrp="1"/>
-          </p:cNvSpPr>
-          <p:nvPr>
-            <p:ph idx="1"/>
-          </p:nvPr>
-        </p:nvSpPr>
-        <p:spPr>
-          <a:xfrm>
-            <a:off x="5344886" y="5176569"/>
-            <a:ext cx="6028400" cy="970450"/>
+            <a:off x="810000" y="5430663"/>
+            <a:ext cx="10571998" cy="970450"/>
           </a:xfrm>
         </p:spPr>
         <p:txBody>
@@ -19742,18 +23373,48 @@
           </a:bodyPr>
           <a:lstStyle/>
           <a:p>
-            <a:endParaRPr lang="en-US" sz="1600">
-              <a:solidFill>
-                <a:srgbClr val="FEFEFE"/>
-              </a:solidFill>
-            </a:endParaRPr>
+            <a:r>
+              <a:rPr lang="fr-FR"/>
+              <a:t>Plugins Utilisés (JS)</a:t>
+            </a:r>
           </a:p>
         </p:txBody>
       </p:sp>
+      <p:graphicFrame>
+        <p:nvGraphicFramePr>
+          <p:cNvPr id="5" name="Espace réservé du contenu 2">
+            <a:extLst>
+              <a:ext uri="{FF2B5EF4-FFF2-40B4-BE49-F238E27FC236}">
+                <a16:creationId xmlns:a16="http://schemas.microsoft.com/office/drawing/2014/main" id="{5BA7924C-F9DE-4B55-8E16-1FFD6996EC58}"/>
+              </a:ext>
+            </a:extLst>
+          </p:cNvPr>
+          <p:cNvGraphicFramePr>
+            <a:graphicFrameLocks noGrp="1"/>
+          </p:cNvGraphicFramePr>
+          <p:nvPr>
+            <p:ph idx="1"/>
+            <p:extLst>
+              <p:ext uri="{D42A27DB-BD31-4B8C-83A1-F6EECF244321}">
+                <p14:modId xmlns:p14="http://schemas.microsoft.com/office/powerpoint/2010/main" val="1887907318"/>
+              </p:ext>
+            </p:extLst>
+          </p:nvPr>
+        </p:nvGraphicFramePr>
+        <p:xfrm>
+          <a:off x="643467" y="643468"/>
+          <a:ext cx="10905066" cy="3966596"/>
+        </p:xfrm>
+        <a:graphic>
+          <a:graphicData uri="http://schemas.openxmlformats.org/drawingml/2006/diagram">
+            <dgm:relIds xmlns:dgm="http://schemas.openxmlformats.org/drawingml/2006/diagram" xmlns:r="http://schemas.openxmlformats.org/officeDocument/2006/relationships" r:dm="rId2" r:lo="rId3" r:qs="rId4" r:cs="rId5"/>
+          </a:graphicData>
+        </a:graphic>
+      </p:graphicFrame>
     </p:spTree>
     <p:extLst>
       <p:ext uri="{BB962C8B-B14F-4D97-AF65-F5344CB8AC3E}">
-        <p14:creationId xmlns:p14="http://schemas.microsoft.com/office/powerpoint/2010/main" val="3966083444"/>
+        <p14:creationId xmlns:p14="http://schemas.microsoft.com/office/powerpoint/2010/main" val="3726037563"/>
       </p:ext>
     </p:extLst>
   </p:cSld>
@@ -19763,348 +23424,7 @@
 </p:sld>
 </file>
 
-<file path=ppt/slides/slide4.xml><?xml version="1.0" encoding="utf-8"?>
-<p:sld xmlns:a="http://schemas.openxmlformats.org/drawingml/2006/main" xmlns:r="http://schemas.openxmlformats.org/officeDocument/2006/relationships" xmlns:p="http://schemas.openxmlformats.org/presentationml/2006/main">
-  <p:cSld>
-    <p:bg>
-      <p:bgPr>
-        <a:solidFill>
-          <a:schemeClr val="bg1"/>
-        </a:solidFill>
-        <a:effectLst/>
-      </p:bgPr>
-    </p:bg>
-    <p:spTree>
-      <p:nvGrpSpPr>
-        <p:cNvPr id="1" name=""/>
-        <p:cNvGrpSpPr/>
-        <p:nvPr/>
-      </p:nvGrpSpPr>
-      <p:grpSpPr>
-        <a:xfrm>
-          <a:off x="0" y="0"/>
-          <a:ext cx="0" cy="0"/>
-          <a:chOff x="0" y="0"/>
-          <a:chExt cx="0" cy="0"/>
-        </a:xfrm>
-      </p:grpSpPr>
-      <p:sp>
-        <p:nvSpPr>
-          <p:cNvPr id="13" name="Rectangle 12">
-            <a:extLst>
-              <a:ext uri="{FF2B5EF4-FFF2-40B4-BE49-F238E27FC236}">
-                <a16:creationId xmlns:a16="http://schemas.microsoft.com/office/drawing/2014/main" id="{9D336D4B-F9C3-4167-9191-8DA896C803E6}"/>
-              </a:ext>
-              <a:ext uri="{C183D7F6-B498-43B3-948B-1728B52AA6E4}">
-                <adec:decorative xmlns:adec="http://schemas.microsoft.com/office/drawing/2017/decorative" val="1"/>
-              </a:ext>
-            </a:extLst>
-          </p:cNvPr>
-          <p:cNvSpPr>
-            <a:spLocks noGrp="1" noRot="1" noChangeAspect="1" noMove="1" noResize="1" noEditPoints="1" noAdjustHandles="1" noChangeArrowheads="1" noChangeShapeType="1" noTextEdit="1"/>
-          </p:cNvSpPr>
-          <p:nvPr>
-            <p:extLst>
-              <p:ext uri="{386F3935-93C4-4BCD-93E2-E3B085C9AB24}">
-                <p16:designElem xmlns:p16="http://schemas.microsoft.com/office/powerpoint/2015/main" val="1"/>
-              </p:ext>
-            </p:extLst>
-          </p:nvPr>
-        </p:nvSpPr>
-        <p:spPr>
-          <a:xfrm>
-            <a:off x="0" y="0"/>
-            <a:ext cx="12192000" cy="6858000"/>
-          </a:xfrm>
-          <a:prstGeom prst="rect">
-            <a:avLst/>
-          </a:prstGeom>
-          <a:solidFill>
-            <a:schemeClr val="bg1"/>
-          </a:solidFill>
-          <a:ln>
-            <a:noFill/>
-          </a:ln>
-        </p:spPr>
-        <p:style>
-          <a:lnRef idx="2">
-            <a:schemeClr val="accent1">
-              <a:shade val="50000"/>
-            </a:schemeClr>
-          </a:lnRef>
-          <a:fillRef idx="1">
-            <a:schemeClr val="accent1"/>
-          </a:fillRef>
-          <a:effectRef idx="0">
-            <a:schemeClr val="accent1"/>
-          </a:effectRef>
-          <a:fontRef idx="minor">
-            <a:schemeClr val="lt1"/>
-          </a:fontRef>
-        </p:style>
-        <p:txBody>
-          <a:bodyPr rtlCol="0" anchor="ctr"/>
-          <a:lstStyle/>
-          <a:p>
-            <a:pPr algn="ctr"/>
-            <a:endParaRPr lang="en-US"/>
-          </a:p>
-        </p:txBody>
-      </p:sp>
-      <p:sp>
-        <p:nvSpPr>
-          <p:cNvPr id="15" name="Freeform 6">
-            <a:extLst>
-              <a:ext uri="{FF2B5EF4-FFF2-40B4-BE49-F238E27FC236}">
-                <a16:creationId xmlns:a16="http://schemas.microsoft.com/office/drawing/2014/main" id="{069BF0B4-2BF1-40F2-8D8E-9CFCED97D981}"/>
-              </a:ext>
-              <a:ext uri="{C183D7F6-B498-43B3-948B-1728B52AA6E4}">
-                <adec:decorative xmlns:adec="http://schemas.microsoft.com/office/drawing/2017/decorative" val="1"/>
-              </a:ext>
-            </a:extLst>
-          </p:cNvPr>
-          <p:cNvSpPr>
-            <a:spLocks noGrp="1" noRot="1" noChangeAspect="1" noMove="1" noResize="1" noEditPoints="1" noAdjustHandles="1" noChangeArrowheads="1" noChangeShapeType="1" noTextEdit="1"/>
-          </p:cNvSpPr>
-          <p:nvPr>
-            <p:extLst>
-              <p:ext uri="{386F3935-93C4-4BCD-93E2-E3B085C9AB24}">
-                <p16:designElem xmlns:p16="http://schemas.microsoft.com/office/powerpoint/2015/main" val="1"/>
-              </p:ext>
-            </p:extLst>
-          </p:nvPr>
-        </p:nvSpPr>
-        <p:spPr bwMode="auto">
-          <a:xfrm flipV="1">
-            <a:off x="0" y="4672012"/>
-            <a:ext cx="12192000" cy="2185988"/>
-          </a:xfrm>
-          <a:custGeom>
-            <a:avLst/>
-            <a:gdLst/>
-            <a:ahLst/>
-            <a:cxnLst/>
-            <a:rect l="0" t="0" r="r" b="b"/>
-            <a:pathLst>
-              <a:path w="5760" h="1377">
-                <a:moveTo>
-                  <a:pt x="5760" y="0"/>
-                </a:moveTo>
-                <a:lnTo>
-                  <a:pt x="0" y="0"/>
-                </a:lnTo>
-                <a:lnTo>
-                  <a:pt x="0" y="1189"/>
-                </a:lnTo>
-                <a:lnTo>
-                  <a:pt x="943" y="1189"/>
-                </a:lnTo>
-                <a:lnTo>
-                  <a:pt x="1123" y="1369"/>
-                </a:lnTo>
-                <a:lnTo>
-                  <a:pt x="1123" y="1369"/>
-                </a:lnTo>
-                <a:lnTo>
-                  <a:pt x="1127" y="1371"/>
-                </a:lnTo>
-                <a:lnTo>
-                  <a:pt x="1133" y="1374"/>
-                </a:lnTo>
-                <a:lnTo>
-                  <a:pt x="1139" y="1377"/>
-                </a:lnTo>
-                <a:lnTo>
-                  <a:pt x="1144" y="1377"/>
-                </a:lnTo>
-                <a:lnTo>
-                  <a:pt x="1150" y="1377"/>
-                </a:lnTo>
-                <a:lnTo>
-                  <a:pt x="1155" y="1374"/>
-                </a:lnTo>
-                <a:lnTo>
-                  <a:pt x="1161" y="1371"/>
-                </a:lnTo>
-                <a:lnTo>
-                  <a:pt x="1165" y="1369"/>
-                </a:lnTo>
-                <a:lnTo>
-                  <a:pt x="1345" y="1189"/>
-                </a:lnTo>
-                <a:lnTo>
-                  <a:pt x="5760" y="1189"/>
-                </a:lnTo>
-                <a:lnTo>
-                  <a:pt x="5760" y="0"/>
-                </a:lnTo>
-                <a:close/>
-              </a:path>
-            </a:pathLst>
-          </a:custGeom>
-          <a:solidFill>
-            <a:srgbClr val="212121"/>
-          </a:solidFill>
-          <a:ln>
-            <a:noFill/>
-          </a:ln>
-          <a:extLst>
-            <a:ext uri="{91240B29-F687-4f45-9708-019B960494DF}">
-              <a14:hiddenLine xmlns="" xmlns:a16="http://schemas.microsoft.com/office/drawing/2014/main" xmlns:p14="http://schemas.microsoft.com/office/powerpoint/2010/main" xmlns:a14="http://schemas.microsoft.com/office/drawing/2010/main" w="9525">
-                <a:solidFill>
-                  <a:srgbClr val="000000"/>
-                </a:solidFill>
-                <a:round/>
-                <a:headEnd/>
-                <a:tailEnd/>
-              </a14:hiddenLine>
-            </a:ext>
-          </a:extLst>
-        </p:spPr>
-        <p:style>
-          <a:lnRef idx="1">
-            <a:schemeClr val="accent1"/>
-          </a:lnRef>
-          <a:fillRef idx="3">
-            <a:schemeClr val="accent1"/>
-          </a:fillRef>
-          <a:effectRef idx="2">
-            <a:schemeClr val="accent1"/>
-          </a:effectRef>
-          <a:fontRef idx="minor">
-            <a:schemeClr val="lt1"/>
-          </a:fontRef>
-        </p:style>
-      </p:sp>
-      <p:sp>
-        <p:nvSpPr>
-          <p:cNvPr id="2" name="Titre 1">
-            <a:extLst>
-              <a:ext uri="{FF2B5EF4-FFF2-40B4-BE49-F238E27FC236}">
-                <a16:creationId xmlns:a16="http://schemas.microsoft.com/office/drawing/2014/main" id="{413F1A49-E524-B149-881E-0DA840759577}"/>
-              </a:ext>
-            </a:extLst>
-          </p:cNvPr>
-          <p:cNvSpPr>
-            <a:spLocks noGrp="1"/>
-          </p:cNvSpPr>
-          <p:nvPr>
-            <p:ph type="title"/>
-          </p:nvPr>
-        </p:nvSpPr>
-        <p:spPr>
-          <a:xfrm>
-            <a:off x="451513" y="5176569"/>
-            <a:ext cx="4589009" cy="970450"/>
-          </a:xfrm>
-        </p:spPr>
-        <p:txBody>
-          <a:bodyPr anchor="ctr">
-            <a:normAutofit/>
-          </a:bodyPr>
-          <a:lstStyle/>
-          <a:p>
-            <a:r>
-              <a:rPr lang="fr-FR" sz="2400" dirty="0"/>
-              <a:t>Version SQL</a:t>
-            </a:r>
-          </a:p>
-        </p:txBody>
-      </p:sp>
-      <p:pic>
-        <p:nvPicPr>
-          <p:cNvPr id="8" name="Espace réservé du contenu 4">
-            <a:extLst>
-              <a:ext uri="{FF2B5EF4-FFF2-40B4-BE49-F238E27FC236}">
-                <a16:creationId xmlns:a16="http://schemas.microsoft.com/office/drawing/2014/main" id="{3270829E-05A4-CE4D-BF46-EF12C64ED117}"/>
-              </a:ext>
-            </a:extLst>
-          </p:cNvPr>
-          <p:cNvPicPr>
-            <a:picLocks noChangeAspect="1"/>
-          </p:cNvPicPr>
-          <p:nvPr/>
-        </p:nvPicPr>
-        <p:blipFill>
-          <a:blip r:embed="rId2">
-            <a:extLst>
-              <a:ext uri="{96DAC541-7B7A-43D3-8B79-37D633B846F1}">
-                <asvg:svgBlip xmlns:asvg="http://schemas.microsoft.com/office/drawing/2016/SVG/main" r:embed="rId3"/>
-              </a:ext>
-            </a:extLst>
-          </a:blip>
-          <a:stretch>
-            <a:fillRect/>
-          </a:stretch>
-        </p:blipFill>
-        <p:spPr>
-          <a:xfrm>
-            <a:off x="514351" y="514350"/>
-            <a:ext cx="7144706" cy="3930942"/>
-          </a:xfrm>
-          <a:prstGeom prst="roundRect">
-            <a:avLst>
-              <a:gd name="adj" fmla="val 3876"/>
-            </a:avLst>
-          </a:prstGeom>
-          <a:ln>
-            <a:solidFill>
-              <a:schemeClr val="accent1"/>
-            </a:solidFill>
-          </a:ln>
-          <a:effectLst/>
-        </p:spPr>
-      </p:pic>
-      <p:sp>
-        <p:nvSpPr>
-          <p:cNvPr id="14" name="Content Placeholder 9">
-            <a:extLst>
-              <a:ext uri="{FF2B5EF4-FFF2-40B4-BE49-F238E27FC236}">
-                <a16:creationId xmlns:a16="http://schemas.microsoft.com/office/drawing/2014/main" id="{D7F8D79B-3DAB-41C4-96E9-45BC62220E91}"/>
-              </a:ext>
-            </a:extLst>
-          </p:cNvPr>
-          <p:cNvSpPr>
-            <a:spLocks noGrp="1"/>
-          </p:cNvSpPr>
-          <p:nvPr>
-            <p:ph idx="1"/>
-          </p:nvPr>
-        </p:nvSpPr>
-        <p:spPr>
-          <a:xfrm>
-            <a:off x="5344886" y="5176569"/>
-            <a:ext cx="6028400" cy="970450"/>
-          </a:xfrm>
-        </p:spPr>
-        <p:txBody>
-          <a:bodyPr>
-            <a:normAutofit/>
-          </a:bodyPr>
-          <a:lstStyle/>
-          <a:p>
-            <a:endParaRPr lang="en-US" sz="1600">
-              <a:solidFill>
-                <a:srgbClr val="FEFEFE"/>
-              </a:solidFill>
-            </a:endParaRPr>
-          </a:p>
-        </p:txBody>
-      </p:sp>
-    </p:spTree>
-    <p:extLst>
-      <p:ext uri="{BB962C8B-B14F-4D97-AF65-F5344CB8AC3E}">
-        <p14:creationId xmlns:p14="http://schemas.microsoft.com/office/powerpoint/2010/main" val="1879280753"/>
-      </p:ext>
-    </p:extLst>
-  </p:cSld>
-  <p:clrMapOvr>
-    <a:overrideClrMapping bg1="lt1" tx1="dk1" bg2="lt2" tx2="dk2" accent1="accent1" accent2="accent2" accent3="accent3" accent4="accent4" accent5="accent5" accent6="accent6" hlink="hlink" folHlink="folHlink"/>
-  </p:clrMapOvr>
-</p:sld>
-</file>
-
-<file path=ppt/slides/slide5.xml><?xml version="1.0" encoding="utf-8"?>
+<file path=ppt/slides/slide2.xml><?xml version="1.0" encoding="utf-8"?>
 <p:sld xmlns:a="http://schemas.openxmlformats.org/drawingml/2006/main" xmlns:r="http://schemas.openxmlformats.org/officeDocument/2006/relationships" xmlns:p="http://schemas.openxmlformats.org/presentationml/2006/main">
   <p:cSld>
     <p:bg>
@@ -20319,6 +23639,528 @@
           <p:cNvPr id="2" name="Titre 1">
             <a:extLst>
               <a:ext uri="{FF2B5EF4-FFF2-40B4-BE49-F238E27FC236}">
+                <a16:creationId xmlns:a16="http://schemas.microsoft.com/office/drawing/2014/main" id="{6EAD471D-9F16-AC48-9800-2FBDED0DB832}"/>
+              </a:ext>
+            </a:extLst>
+          </p:cNvPr>
+          <p:cNvSpPr>
+            <a:spLocks noGrp="1"/>
+          </p:cNvSpPr>
+          <p:nvPr>
+            <p:ph type="title"/>
+          </p:nvPr>
+        </p:nvSpPr>
+        <p:spPr>
+          <a:xfrm>
+            <a:off x="810000" y="5430663"/>
+            <a:ext cx="10571998" cy="970450"/>
+          </a:xfrm>
+        </p:spPr>
+        <p:txBody>
+          <a:bodyPr>
+            <a:normAutofit/>
+          </a:bodyPr>
+          <a:lstStyle/>
+          <a:p>
+            <a:r>
+              <a:rPr lang="fr-FR" dirty="0"/>
+              <a:t>Sommaire</a:t>
+            </a:r>
+          </a:p>
+        </p:txBody>
+      </p:sp>
+      <p:graphicFrame>
+        <p:nvGraphicFramePr>
+          <p:cNvPr id="5" name="Espace réservé du contenu 2">
+            <a:extLst>
+              <a:ext uri="{FF2B5EF4-FFF2-40B4-BE49-F238E27FC236}">
+                <a16:creationId xmlns:a16="http://schemas.microsoft.com/office/drawing/2014/main" id="{4747AE0B-A01A-44B9-BF7A-2B4EA155E2B3}"/>
+              </a:ext>
+            </a:extLst>
+          </p:cNvPr>
+          <p:cNvGraphicFramePr>
+            <a:graphicFrameLocks noGrp="1"/>
+          </p:cNvGraphicFramePr>
+          <p:nvPr>
+            <p:ph idx="1"/>
+            <p:extLst>
+              <p:ext uri="{D42A27DB-BD31-4B8C-83A1-F6EECF244321}">
+                <p14:modId xmlns:p14="http://schemas.microsoft.com/office/powerpoint/2010/main" val="2389402195"/>
+              </p:ext>
+            </p:extLst>
+          </p:nvPr>
+        </p:nvGraphicFramePr>
+        <p:xfrm>
+          <a:off x="643467" y="643468"/>
+          <a:ext cx="10905066" cy="3966596"/>
+        </p:xfrm>
+        <a:graphic>
+          <a:graphicData uri="http://schemas.openxmlformats.org/drawingml/2006/diagram">
+            <dgm:relIds xmlns:dgm="http://schemas.openxmlformats.org/drawingml/2006/diagram" xmlns:r="http://schemas.openxmlformats.org/officeDocument/2006/relationships" r:dm="rId2" r:lo="rId3" r:qs="rId4" r:cs="rId5"/>
+          </a:graphicData>
+        </a:graphic>
+      </p:graphicFrame>
+    </p:spTree>
+    <p:extLst>
+      <p:ext uri="{BB962C8B-B14F-4D97-AF65-F5344CB8AC3E}">
+        <p14:creationId xmlns:p14="http://schemas.microsoft.com/office/powerpoint/2010/main" val="3897510179"/>
+      </p:ext>
+    </p:extLst>
+  </p:cSld>
+  <p:clrMapOvr>
+    <a:overrideClrMapping bg1="lt1" tx1="dk1" bg2="lt2" tx2="dk2" accent1="accent1" accent2="accent2" accent3="accent3" accent4="accent4" accent5="accent5" accent6="accent6" hlink="hlink" folHlink="folHlink"/>
+  </p:clrMapOvr>
+</p:sld>
+</file>
+
+<file path=ppt/slides/slide3.xml><?xml version="1.0" encoding="utf-8"?>
+<p:sld xmlns:a="http://schemas.openxmlformats.org/drawingml/2006/main" xmlns:r="http://schemas.openxmlformats.org/officeDocument/2006/relationships" xmlns:p="http://schemas.openxmlformats.org/presentationml/2006/main">
+  <p:cSld>
+    <p:bg>
+      <p:bgPr>
+        <a:solidFill>
+          <a:schemeClr val="bg1"/>
+        </a:solidFill>
+        <a:effectLst/>
+      </p:bgPr>
+    </p:bg>
+    <p:spTree>
+      <p:nvGrpSpPr>
+        <p:cNvPr id="1" name=""/>
+        <p:cNvGrpSpPr/>
+        <p:nvPr/>
+      </p:nvGrpSpPr>
+      <p:grpSpPr>
+        <a:xfrm>
+          <a:off x="0" y="0"/>
+          <a:ext cx="0" cy="0"/>
+          <a:chOff x="0" y="0"/>
+          <a:chExt cx="0" cy="0"/>
+        </a:xfrm>
+      </p:grpSpPr>
+      <p:sp>
+        <p:nvSpPr>
+          <p:cNvPr id="2" name="Titre 1">
+            <a:extLst>
+              <a:ext uri="{FF2B5EF4-FFF2-40B4-BE49-F238E27FC236}">
+                <a16:creationId xmlns:a16="http://schemas.microsoft.com/office/drawing/2014/main" id="{767DA99F-C757-A44C-B73D-9B43EDD1EFFD}"/>
+              </a:ext>
+            </a:extLst>
+          </p:cNvPr>
+          <p:cNvSpPr>
+            <a:spLocks noGrp="1"/>
+          </p:cNvSpPr>
+          <p:nvPr>
+            <p:ph type="title"/>
+          </p:nvPr>
+        </p:nvSpPr>
+        <p:spPr>
+          <a:xfrm>
+            <a:off x="451514" y="1800225"/>
+            <a:ext cx="3444211" cy="4241136"/>
+          </a:xfrm>
+        </p:spPr>
+        <p:txBody>
+          <a:bodyPr vert="horz" lIns="91440" tIns="45720" rIns="91440" bIns="45720" rtlCol="0" anchor="t">
+            <a:normAutofit/>
+          </a:bodyPr>
+          <a:lstStyle/>
+          <a:p>
+            <a:r>
+              <a:rPr lang="en-US" sz="4400" dirty="0"/>
+              <a:t>Configurations </a:t>
+            </a:r>
+            <a:r>
+              <a:rPr lang="en-US" sz="4400" dirty="0" err="1"/>
+              <a:t>Serveur</a:t>
+            </a:r>
+            <a:endParaRPr lang="en-US" sz="4400" dirty="0"/>
+          </a:p>
+        </p:txBody>
+      </p:sp>
+      <p:pic>
+        <p:nvPicPr>
+          <p:cNvPr id="5" name="Espace réservé du contenu 4">
+            <a:extLst>
+              <a:ext uri="{FF2B5EF4-FFF2-40B4-BE49-F238E27FC236}">
+                <a16:creationId xmlns:a16="http://schemas.microsoft.com/office/drawing/2014/main" id="{A0D1C311-C8EB-164F-839C-FD87FF6BC878}"/>
+              </a:ext>
+            </a:extLst>
+          </p:cNvPr>
+          <p:cNvPicPr>
+            <a:picLocks noGrp="1" noChangeAspect="1"/>
+          </p:cNvPicPr>
+          <p:nvPr>
+            <p:ph idx="1"/>
+          </p:nvPr>
+        </p:nvPicPr>
+        <p:blipFill>
+          <a:blip r:embed="rId2"/>
+          <a:stretch>
+            <a:fillRect/>
+          </a:stretch>
+        </p:blipFill>
+        <p:spPr>
+          <a:xfrm>
+            <a:off x="4637005" y="0"/>
+            <a:ext cx="7554995" cy="6764143"/>
+          </a:xfrm>
+          <a:prstGeom prst="roundRect">
+            <a:avLst>
+              <a:gd name="adj" fmla="val 3876"/>
+            </a:avLst>
+          </a:prstGeom>
+          <a:ln>
+            <a:solidFill>
+              <a:schemeClr val="accent1"/>
+            </a:solidFill>
+          </a:ln>
+          <a:effectLst/>
+        </p:spPr>
+      </p:pic>
+    </p:spTree>
+    <p:extLst>
+      <p:ext uri="{BB962C8B-B14F-4D97-AF65-F5344CB8AC3E}">
+        <p14:creationId xmlns:p14="http://schemas.microsoft.com/office/powerpoint/2010/main" val="1548920399"/>
+      </p:ext>
+    </p:extLst>
+  </p:cSld>
+  <p:clrMapOvr>
+    <a:overrideClrMapping bg1="lt1" tx1="dk1" bg2="lt2" tx2="dk2" accent1="accent1" accent2="accent2" accent3="accent3" accent4="accent4" accent5="accent5" accent6="accent6" hlink="hlink" folHlink="folHlink"/>
+  </p:clrMapOvr>
+</p:sld>
+</file>
+
+<file path=ppt/slides/slide4.xml><?xml version="1.0" encoding="utf-8"?>
+<p:sld xmlns:a="http://schemas.openxmlformats.org/drawingml/2006/main" xmlns:r="http://schemas.openxmlformats.org/officeDocument/2006/relationships" xmlns:p="http://schemas.openxmlformats.org/presentationml/2006/main">
+  <p:cSld>
+    <p:bg>
+      <p:bgPr>
+        <a:solidFill>
+          <a:schemeClr val="bg1"/>
+        </a:solidFill>
+        <a:effectLst/>
+      </p:bgPr>
+    </p:bg>
+    <p:spTree>
+      <p:nvGrpSpPr>
+        <p:cNvPr id="1" name=""/>
+        <p:cNvGrpSpPr/>
+        <p:nvPr/>
+      </p:nvGrpSpPr>
+      <p:grpSpPr>
+        <a:xfrm>
+          <a:off x="0" y="0"/>
+          <a:ext cx="0" cy="0"/>
+          <a:chOff x="0" y="0"/>
+          <a:chExt cx="0" cy="0"/>
+        </a:xfrm>
+      </p:grpSpPr>
+      <p:sp>
+        <p:nvSpPr>
+          <p:cNvPr id="2" name="Titre 1">
+            <a:extLst>
+              <a:ext uri="{FF2B5EF4-FFF2-40B4-BE49-F238E27FC236}">
+                <a16:creationId xmlns:a16="http://schemas.microsoft.com/office/drawing/2014/main" id="{0DBEF905-B2AD-A241-9663-B08D65FEDC16}"/>
+              </a:ext>
+            </a:extLst>
+          </p:cNvPr>
+          <p:cNvSpPr>
+            <a:spLocks noGrp="1"/>
+          </p:cNvSpPr>
+          <p:nvPr>
+            <p:ph type="title"/>
+          </p:nvPr>
+        </p:nvSpPr>
+        <p:spPr>
+          <a:xfrm>
+            <a:off x="451513" y="5176569"/>
+            <a:ext cx="4589009" cy="970450"/>
+          </a:xfrm>
+        </p:spPr>
+        <p:txBody>
+          <a:bodyPr anchor="ctr">
+            <a:normAutofit/>
+          </a:bodyPr>
+          <a:lstStyle/>
+          <a:p>
+            <a:r>
+              <a:rPr lang="fr-FR" sz="2400"/>
+              <a:t>Version de PHP</a:t>
+            </a:r>
+          </a:p>
+        </p:txBody>
+      </p:sp>
+      <p:sp>
+        <p:nvSpPr>
+          <p:cNvPr id="10" name="Content Placeholder 9">
+            <a:extLst>
+              <a:ext uri="{FF2B5EF4-FFF2-40B4-BE49-F238E27FC236}">
+                <a16:creationId xmlns:a16="http://schemas.microsoft.com/office/drawing/2014/main" id="{562CDA40-8E54-4F55-BC7C-6A98F7630B56}"/>
+              </a:ext>
+            </a:extLst>
+          </p:cNvPr>
+          <p:cNvSpPr>
+            <a:spLocks noGrp="1"/>
+          </p:cNvSpPr>
+          <p:nvPr>
+            <p:ph idx="1"/>
+          </p:nvPr>
+        </p:nvSpPr>
+        <p:spPr>
+          <a:xfrm>
+            <a:off x="5344886" y="5176569"/>
+            <a:ext cx="6028400" cy="970450"/>
+          </a:xfrm>
+        </p:spPr>
+        <p:txBody>
+          <a:bodyPr>
+            <a:normAutofit/>
+          </a:bodyPr>
+          <a:lstStyle/>
+          <a:p>
+            <a:endParaRPr lang="en-US" sz="1600">
+              <a:solidFill>
+                <a:srgbClr val="FEFEFE"/>
+              </a:solidFill>
+            </a:endParaRPr>
+          </a:p>
+        </p:txBody>
+      </p:sp>
+      <p:pic>
+        <p:nvPicPr>
+          <p:cNvPr id="8" name="Espace réservé du contenu 4">
+            <a:extLst>
+              <a:ext uri="{FF2B5EF4-FFF2-40B4-BE49-F238E27FC236}">
+                <a16:creationId xmlns:a16="http://schemas.microsoft.com/office/drawing/2014/main" id="{11E3F06E-4B67-7D49-972D-A5C9EA5399D2}"/>
+              </a:ext>
+            </a:extLst>
+          </p:cNvPr>
+          <p:cNvPicPr>
+            <a:picLocks noChangeAspect="1"/>
+          </p:cNvPicPr>
+          <p:nvPr/>
+        </p:nvPicPr>
+        <p:blipFill>
+          <a:blip r:embed="rId2"/>
+          <a:stretch>
+            <a:fillRect/>
+          </a:stretch>
+        </p:blipFill>
+        <p:spPr>
+          <a:xfrm>
+            <a:off x="514351" y="514350"/>
+            <a:ext cx="7861887" cy="3930942"/>
+          </a:xfrm>
+          <a:prstGeom prst="roundRect">
+            <a:avLst>
+              <a:gd name="adj" fmla="val 3876"/>
+            </a:avLst>
+          </a:prstGeom>
+          <a:ln>
+            <a:solidFill>
+              <a:schemeClr val="accent1"/>
+            </a:solidFill>
+          </a:ln>
+          <a:effectLst/>
+        </p:spPr>
+      </p:pic>
+    </p:spTree>
+    <p:extLst>
+      <p:ext uri="{BB962C8B-B14F-4D97-AF65-F5344CB8AC3E}">
+        <p14:creationId xmlns:p14="http://schemas.microsoft.com/office/powerpoint/2010/main" val="3966083444"/>
+      </p:ext>
+    </p:extLst>
+  </p:cSld>
+  <p:clrMapOvr>
+    <a:overrideClrMapping bg1="lt1" tx1="dk1" bg2="lt2" tx2="dk2" accent1="accent1" accent2="accent2" accent3="accent3" accent4="accent4" accent5="accent5" accent6="accent6" hlink="hlink" folHlink="folHlink"/>
+  </p:clrMapOvr>
+</p:sld>
+</file>
+
+<file path=ppt/slides/slide5.xml><?xml version="1.0" encoding="utf-8"?>
+<p:sld xmlns:a="http://schemas.openxmlformats.org/drawingml/2006/main" xmlns:r="http://schemas.openxmlformats.org/officeDocument/2006/relationships" xmlns:p="http://schemas.openxmlformats.org/presentationml/2006/main">
+  <p:cSld>
+    <p:bg>
+      <p:bgPr>
+        <a:solidFill>
+          <a:schemeClr val="bg1"/>
+        </a:solidFill>
+        <a:effectLst/>
+      </p:bgPr>
+    </p:bg>
+    <p:spTree>
+      <p:nvGrpSpPr>
+        <p:cNvPr id="1" name=""/>
+        <p:cNvGrpSpPr/>
+        <p:nvPr/>
+      </p:nvGrpSpPr>
+      <p:grpSpPr>
+        <a:xfrm>
+          <a:off x="0" y="0"/>
+          <a:ext cx="0" cy="0"/>
+          <a:chOff x="0" y="0"/>
+          <a:chExt cx="0" cy="0"/>
+        </a:xfrm>
+      </p:grpSpPr>
+      <p:sp>
+        <p:nvSpPr>
+          <p:cNvPr id="2" name="Titre 1">
+            <a:extLst>
+              <a:ext uri="{FF2B5EF4-FFF2-40B4-BE49-F238E27FC236}">
+                <a16:creationId xmlns:a16="http://schemas.microsoft.com/office/drawing/2014/main" id="{413F1A49-E524-B149-881E-0DA840759577}"/>
+              </a:ext>
+            </a:extLst>
+          </p:cNvPr>
+          <p:cNvSpPr>
+            <a:spLocks noGrp="1"/>
+          </p:cNvSpPr>
+          <p:nvPr>
+            <p:ph type="title"/>
+          </p:nvPr>
+        </p:nvSpPr>
+        <p:spPr>
+          <a:xfrm>
+            <a:off x="451513" y="5176569"/>
+            <a:ext cx="4589009" cy="970450"/>
+          </a:xfrm>
+        </p:spPr>
+        <p:txBody>
+          <a:bodyPr anchor="ctr">
+            <a:normAutofit/>
+          </a:bodyPr>
+          <a:lstStyle/>
+          <a:p>
+            <a:r>
+              <a:rPr lang="fr-FR" sz="2400" dirty="0"/>
+              <a:t>Version SQL</a:t>
+            </a:r>
+          </a:p>
+        </p:txBody>
+      </p:sp>
+      <p:sp>
+        <p:nvSpPr>
+          <p:cNvPr id="14" name="Content Placeholder 9">
+            <a:extLst>
+              <a:ext uri="{FF2B5EF4-FFF2-40B4-BE49-F238E27FC236}">
+                <a16:creationId xmlns:a16="http://schemas.microsoft.com/office/drawing/2014/main" id="{D7F8D79B-3DAB-41C4-96E9-45BC62220E91}"/>
+              </a:ext>
+            </a:extLst>
+          </p:cNvPr>
+          <p:cNvSpPr>
+            <a:spLocks noGrp="1"/>
+          </p:cNvSpPr>
+          <p:nvPr>
+            <p:ph idx="1"/>
+          </p:nvPr>
+        </p:nvSpPr>
+        <p:spPr>
+          <a:xfrm>
+            <a:off x="5344886" y="5176569"/>
+            <a:ext cx="6028400" cy="970450"/>
+          </a:xfrm>
+        </p:spPr>
+        <p:txBody>
+          <a:bodyPr>
+            <a:normAutofit/>
+          </a:bodyPr>
+          <a:lstStyle/>
+          <a:p>
+            <a:endParaRPr lang="en-US" sz="1600">
+              <a:solidFill>
+                <a:srgbClr val="FEFEFE"/>
+              </a:solidFill>
+            </a:endParaRPr>
+          </a:p>
+        </p:txBody>
+      </p:sp>
+      <p:pic>
+        <p:nvPicPr>
+          <p:cNvPr id="8" name="Espace réservé du contenu 4">
+            <a:extLst>
+              <a:ext uri="{FF2B5EF4-FFF2-40B4-BE49-F238E27FC236}">
+                <a16:creationId xmlns:a16="http://schemas.microsoft.com/office/drawing/2014/main" id="{3270829E-05A4-CE4D-BF46-EF12C64ED117}"/>
+              </a:ext>
+            </a:extLst>
+          </p:cNvPr>
+          <p:cNvPicPr>
+            <a:picLocks noChangeAspect="1"/>
+          </p:cNvPicPr>
+          <p:nvPr/>
+        </p:nvPicPr>
+        <p:blipFill>
+          <a:blip r:embed="rId2">
+            <a:extLst>
+              <a:ext uri="{96DAC541-7B7A-43D3-8B79-37D633B846F1}">
+                <asvg:svgBlip xmlns:asvg="http://schemas.microsoft.com/office/drawing/2016/SVG/main" r:embed="rId3"/>
+              </a:ext>
+            </a:extLst>
+          </a:blip>
+          <a:stretch>
+            <a:fillRect/>
+          </a:stretch>
+        </p:blipFill>
+        <p:spPr>
+          <a:xfrm>
+            <a:off x="514351" y="514350"/>
+            <a:ext cx="7144706" cy="3930942"/>
+          </a:xfrm>
+          <a:prstGeom prst="roundRect">
+            <a:avLst>
+              <a:gd name="adj" fmla="val 3876"/>
+            </a:avLst>
+          </a:prstGeom>
+          <a:ln>
+            <a:solidFill>
+              <a:schemeClr val="accent1"/>
+            </a:solidFill>
+          </a:ln>
+          <a:effectLst/>
+        </p:spPr>
+      </p:pic>
+    </p:spTree>
+    <p:extLst>
+      <p:ext uri="{BB962C8B-B14F-4D97-AF65-F5344CB8AC3E}">
+        <p14:creationId xmlns:p14="http://schemas.microsoft.com/office/powerpoint/2010/main" val="1879280753"/>
+      </p:ext>
+    </p:extLst>
+  </p:cSld>
+  <p:clrMapOvr>
+    <a:overrideClrMapping bg1="lt1" tx1="dk1" bg2="lt2" tx2="dk2" accent1="accent1" accent2="accent2" accent3="accent3" accent4="accent4" accent5="accent5" accent6="accent6" hlink="hlink" folHlink="folHlink"/>
+  </p:clrMapOvr>
+</p:sld>
+</file>
+
+<file path=ppt/slides/slide6.xml><?xml version="1.0" encoding="utf-8"?>
+<p:sld xmlns:a="http://schemas.openxmlformats.org/drawingml/2006/main" xmlns:r="http://schemas.openxmlformats.org/officeDocument/2006/relationships" xmlns:p="http://schemas.openxmlformats.org/presentationml/2006/main">
+  <p:cSld>
+    <p:bg>
+      <p:bgPr>
+        <a:solidFill>
+          <a:schemeClr val="bg1"/>
+        </a:solidFill>
+        <a:effectLst/>
+      </p:bgPr>
+    </p:bg>
+    <p:spTree>
+      <p:nvGrpSpPr>
+        <p:cNvPr id="1" name=""/>
+        <p:cNvGrpSpPr/>
+        <p:nvPr/>
+      </p:nvGrpSpPr>
+      <p:grpSpPr>
+        <a:xfrm>
+          <a:off x="0" y="0"/>
+          <a:ext cx="0" cy="0"/>
+          <a:chOff x="0" y="0"/>
+          <a:chExt cx="0" cy="0"/>
+        </a:xfrm>
+      </p:grpSpPr>
+      <p:sp>
+        <p:nvSpPr>
+          <p:cNvPr id="2" name="Titre 1">
+            <a:extLst>
+              <a:ext uri="{FF2B5EF4-FFF2-40B4-BE49-F238E27FC236}">
                 <a16:creationId xmlns:a16="http://schemas.microsoft.com/office/drawing/2014/main" id="{9E81AE67-A30C-DA4A-9B51-6B724E67C0D9}"/>
               </a:ext>
             </a:extLst>
@@ -20401,7 +24243,7 @@
 </p:sld>
 </file>
 
-<file path=ppt/slides/slide6.xml><?xml version="1.0" encoding="utf-8"?>
+<file path=ppt/slides/slide7.xml><?xml version="1.0" encoding="utf-8"?>
 <p:sld xmlns:a="http://schemas.openxmlformats.org/drawingml/2006/main" xmlns:r="http://schemas.openxmlformats.org/officeDocument/2006/relationships" xmlns:p="http://schemas.openxmlformats.org/presentationml/2006/main">
   <p:cSld>
     <p:bg>
@@ -20426,191 +24268,6 @@
           <a:chExt cx="0" cy="0"/>
         </a:xfrm>
       </p:grpSpPr>
-      <p:sp useBgFill="1">
-        <p:nvSpPr>
-          <p:cNvPr id="10" name="Rectangle 9">
-            <a:extLst>
-              <a:ext uri="{FF2B5EF4-FFF2-40B4-BE49-F238E27FC236}">
-                <a16:creationId xmlns:a16="http://schemas.microsoft.com/office/drawing/2014/main" id="{3A814F8E-8E71-4DD8-9E90-A2886B0BE273}"/>
-              </a:ext>
-              <a:ext uri="{C183D7F6-B498-43B3-948B-1728B52AA6E4}">
-                <adec:decorative xmlns:adec="http://schemas.microsoft.com/office/drawing/2017/decorative" val="1"/>
-              </a:ext>
-            </a:extLst>
-          </p:cNvPr>
-          <p:cNvSpPr>
-            <a:spLocks noGrp="1" noRot="1" noChangeAspect="1" noMove="1" noResize="1" noEditPoints="1" noAdjustHandles="1" noChangeArrowheads="1" noChangeShapeType="1" noTextEdit="1"/>
-          </p:cNvSpPr>
-          <p:nvPr>
-            <p:extLst>
-              <p:ext uri="{386F3935-93C4-4BCD-93E2-E3B085C9AB24}">
-                <p16:designElem xmlns:p16="http://schemas.microsoft.com/office/powerpoint/2015/main" val="1"/>
-              </p:ext>
-            </p:extLst>
-          </p:nvPr>
-        </p:nvSpPr>
-        <p:spPr>
-          <a:xfrm>
-            <a:off x="0" y="0"/>
-            <a:ext cx="12192000" cy="6858000"/>
-          </a:xfrm>
-          <a:prstGeom prst="rect">
-            <a:avLst/>
-          </a:prstGeom>
-          <a:ln>
-            <a:noFill/>
-          </a:ln>
-        </p:spPr>
-        <p:style>
-          <a:lnRef idx="2">
-            <a:schemeClr val="accent1">
-              <a:shade val="50000"/>
-            </a:schemeClr>
-          </a:lnRef>
-          <a:fillRef idx="1">
-            <a:schemeClr val="accent1"/>
-          </a:fillRef>
-          <a:effectRef idx="0">
-            <a:schemeClr val="accent1"/>
-          </a:effectRef>
-          <a:fontRef idx="minor">
-            <a:schemeClr val="lt1"/>
-          </a:fontRef>
-        </p:style>
-        <p:txBody>
-          <a:bodyPr rtlCol="0" anchor="ctr"/>
-          <a:lstStyle/>
-          <a:p>
-            <a:pPr algn="ctr"/>
-            <a:endParaRPr lang="en-US"/>
-          </a:p>
-        </p:txBody>
-      </p:sp>
-      <p:sp>
-        <p:nvSpPr>
-          <p:cNvPr id="12" name="Freeform 6">
-            <a:extLst>
-              <a:ext uri="{FF2B5EF4-FFF2-40B4-BE49-F238E27FC236}">
-                <a16:creationId xmlns:a16="http://schemas.microsoft.com/office/drawing/2014/main" id="{D6F07063-98C1-4852-B9CD-9CB5B58C97F3}"/>
-              </a:ext>
-              <a:ext uri="{C183D7F6-B498-43B3-948B-1728B52AA6E4}">
-                <adec:decorative xmlns:adec="http://schemas.microsoft.com/office/drawing/2017/decorative" val="1"/>
-              </a:ext>
-            </a:extLst>
-          </p:cNvPr>
-          <p:cNvSpPr>
-            <a:spLocks noGrp="1" noRot="1" noChangeAspect="1" noMove="1" noResize="1" noEditPoints="1" noAdjustHandles="1" noChangeArrowheads="1" noChangeShapeType="1" noTextEdit="1"/>
-          </p:cNvSpPr>
-          <p:nvPr>
-            <p:extLst>
-              <p:ext uri="{386F3935-93C4-4BCD-93E2-E3B085C9AB24}">
-                <p16:designElem xmlns:p16="http://schemas.microsoft.com/office/powerpoint/2015/main" val="1"/>
-              </p:ext>
-            </p:extLst>
-          </p:nvPr>
-        </p:nvSpPr>
-        <p:spPr bwMode="auto">
-          <a:xfrm flipV="1">
-            <a:off x="0" y="4948368"/>
-            <a:ext cx="12192000" cy="2185988"/>
-          </a:xfrm>
-          <a:custGeom>
-            <a:avLst/>
-            <a:gdLst/>
-            <a:ahLst/>
-            <a:cxnLst/>
-            <a:rect l="0" t="0" r="r" b="b"/>
-            <a:pathLst>
-              <a:path w="5760" h="1377">
-                <a:moveTo>
-                  <a:pt x="5760" y="0"/>
-                </a:moveTo>
-                <a:lnTo>
-                  <a:pt x="0" y="0"/>
-                </a:lnTo>
-                <a:lnTo>
-                  <a:pt x="0" y="1189"/>
-                </a:lnTo>
-                <a:lnTo>
-                  <a:pt x="943" y="1189"/>
-                </a:lnTo>
-                <a:lnTo>
-                  <a:pt x="1123" y="1369"/>
-                </a:lnTo>
-                <a:lnTo>
-                  <a:pt x="1123" y="1369"/>
-                </a:lnTo>
-                <a:lnTo>
-                  <a:pt x="1127" y="1371"/>
-                </a:lnTo>
-                <a:lnTo>
-                  <a:pt x="1133" y="1374"/>
-                </a:lnTo>
-                <a:lnTo>
-                  <a:pt x="1139" y="1377"/>
-                </a:lnTo>
-                <a:lnTo>
-                  <a:pt x="1144" y="1377"/>
-                </a:lnTo>
-                <a:lnTo>
-                  <a:pt x="1150" y="1377"/>
-                </a:lnTo>
-                <a:lnTo>
-                  <a:pt x="1155" y="1374"/>
-                </a:lnTo>
-                <a:lnTo>
-                  <a:pt x="1161" y="1371"/>
-                </a:lnTo>
-                <a:lnTo>
-                  <a:pt x="1165" y="1369"/>
-                </a:lnTo>
-                <a:lnTo>
-                  <a:pt x="1345" y="1189"/>
-                </a:lnTo>
-                <a:lnTo>
-                  <a:pt x="5760" y="1189"/>
-                </a:lnTo>
-                <a:lnTo>
-                  <a:pt x="5760" y="0"/>
-                </a:lnTo>
-                <a:close/>
-              </a:path>
-            </a:pathLst>
-          </a:custGeom>
-          <a:solidFill>
-            <a:schemeClr val="tx1"/>
-          </a:solidFill>
-          <a:ln>
-            <a:noFill/>
-          </a:ln>
-          <a:extLst>
-            <a:ext uri="{91240B29-F687-4f45-9708-019B960494DF}">
-              <a14:hiddenLine xmlns="" xmlns:a16="http://schemas.microsoft.com/office/drawing/2014/main" xmlns:p14="http://schemas.microsoft.com/office/powerpoint/2010/main" xmlns:dgm="http://schemas.openxmlformats.org/drawingml/2006/diagram" xmlns:a14="http://schemas.microsoft.com/office/drawing/2010/main" w="9525">
-                <a:solidFill>
-                  <a:srgbClr val="000000"/>
-                </a:solidFill>
-                <a:round/>
-                <a:headEnd/>
-                <a:tailEnd/>
-              </a14:hiddenLine>
-            </a:ext>
-          </a:extLst>
-        </p:spPr>
-        <p:style>
-          <a:lnRef idx="1">
-            <a:schemeClr val="accent1"/>
-          </a:lnRef>
-          <a:fillRef idx="3">
-            <a:schemeClr val="accent1"/>
-          </a:fillRef>
-          <a:effectRef idx="2">
-            <a:schemeClr val="accent1"/>
-          </a:effectRef>
-          <a:fontRef idx="minor">
-            <a:schemeClr val="lt1"/>
-          </a:fontRef>
-        </p:style>
-      </p:sp>
       <p:sp>
         <p:nvSpPr>
           <p:cNvPr id="2" name="Titre 1">
@@ -20698,7 +24355,7 @@
 </p:sld>
 </file>
 
-<file path=ppt/slides/slide7.xml><?xml version="1.0" encoding="utf-8"?>
+<file path=ppt/slides/slide8.xml><?xml version="1.0" encoding="utf-8"?>
 <p:sld xmlns:a="http://schemas.openxmlformats.org/drawingml/2006/main" xmlns:r="http://schemas.openxmlformats.org/officeDocument/2006/relationships" xmlns:p="http://schemas.openxmlformats.org/presentationml/2006/main">
   <p:cSld>
     <p:bg>
@@ -20723,191 +24380,6 @@
           <a:chExt cx="0" cy="0"/>
         </a:xfrm>
       </p:grpSpPr>
-      <p:sp useBgFill="1">
-        <p:nvSpPr>
-          <p:cNvPr id="17" name="Rectangle 16">
-            <a:extLst>
-              <a:ext uri="{FF2B5EF4-FFF2-40B4-BE49-F238E27FC236}">
-                <a16:creationId xmlns:a16="http://schemas.microsoft.com/office/drawing/2014/main" id="{3A814F8E-8E71-4DD8-9E90-A2886B0BE273}"/>
-              </a:ext>
-              <a:ext uri="{C183D7F6-B498-43B3-948B-1728B52AA6E4}">
-                <adec:decorative xmlns:adec="http://schemas.microsoft.com/office/drawing/2017/decorative" val="1"/>
-              </a:ext>
-            </a:extLst>
-          </p:cNvPr>
-          <p:cNvSpPr>
-            <a:spLocks noGrp="1" noRot="1" noChangeAspect="1" noMove="1" noResize="1" noEditPoints="1" noAdjustHandles="1" noChangeArrowheads="1" noChangeShapeType="1" noTextEdit="1"/>
-          </p:cNvSpPr>
-          <p:nvPr>
-            <p:extLst>
-              <p:ext uri="{386F3935-93C4-4BCD-93E2-E3B085C9AB24}">
-                <p16:designElem xmlns:p16="http://schemas.microsoft.com/office/powerpoint/2015/main" val="1"/>
-              </p:ext>
-            </p:extLst>
-          </p:nvPr>
-        </p:nvSpPr>
-        <p:spPr>
-          <a:xfrm>
-            <a:off x="0" y="0"/>
-            <a:ext cx="12192000" cy="6858000"/>
-          </a:xfrm>
-          <a:prstGeom prst="rect">
-            <a:avLst/>
-          </a:prstGeom>
-          <a:ln>
-            <a:noFill/>
-          </a:ln>
-        </p:spPr>
-        <p:style>
-          <a:lnRef idx="2">
-            <a:schemeClr val="accent1">
-              <a:shade val="50000"/>
-            </a:schemeClr>
-          </a:lnRef>
-          <a:fillRef idx="1">
-            <a:schemeClr val="accent1"/>
-          </a:fillRef>
-          <a:effectRef idx="0">
-            <a:schemeClr val="accent1"/>
-          </a:effectRef>
-          <a:fontRef idx="minor">
-            <a:schemeClr val="lt1"/>
-          </a:fontRef>
-        </p:style>
-        <p:txBody>
-          <a:bodyPr rtlCol="0" anchor="ctr"/>
-          <a:lstStyle/>
-          <a:p>
-            <a:pPr algn="ctr"/>
-            <a:endParaRPr lang="en-US"/>
-          </a:p>
-        </p:txBody>
-      </p:sp>
-      <p:sp>
-        <p:nvSpPr>
-          <p:cNvPr id="19" name="Freeform 6">
-            <a:extLst>
-              <a:ext uri="{FF2B5EF4-FFF2-40B4-BE49-F238E27FC236}">
-                <a16:creationId xmlns:a16="http://schemas.microsoft.com/office/drawing/2014/main" id="{D6F07063-98C1-4852-B9CD-9CB5B58C97F3}"/>
-              </a:ext>
-              <a:ext uri="{C183D7F6-B498-43B3-948B-1728B52AA6E4}">
-                <adec:decorative xmlns:adec="http://schemas.microsoft.com/office/drawing/2017/decorative" val="1"/>
-              </a:ext>
-            </a:extLst>
-          </p:cNvPr>
-          <p:cNvSpPr>
-            <a:spLocks noGrp="1" noRot="1" noChangeAspect="1" noMove="1" noResize="1" noEditPoints="1" noAdjustHandles="1" noChangeArrowheads="1" noChangeShapeType="1" noTextEdit="1"/>
-          </p:cNvSpPr>
-          <p:nvPr>
-            <p:extLst>
-              <p:ext uri="{386F3935-93C4-4BCD-93E2-E3B085C9AB24}">
-                <p16:designElem xmlns:p16="http://schemas.microsoft.com/office/powerpoint/2015/main" val="1"/>
-              </p:ext>
-            </p:extLst>
-          </p:nvPr>
-        </p:nvSpPr>
-        <p:spPr bwMode="auto">
-          <a:xfrm flipV="1">
-            <a:off x="0" y="4948368"/>
-            <a:ext cx="12192000" cy="2185988"/>
-          </a:xfrm>
-          <a:custGeom>
-            <a:avLst/>
-            <a:gdLst/>
-            <a:ahLst/>
-            <a:cxnLst/>
-            <a:rect l="0" t="0" r="r" b="b"/>
-            <a:pathLst>
-              <a:path w="5760" h="1377">
-                <a:moveTo>
-                  <a:pt x="5760" y="0"/>
-                </a:moveTo>
-                <a:lnTo>
-                  <a:pt x="0" y="0"/>
-                </a:lnTo>
-                <a:lnTo>
-                  <a:pt x="0" y="1189"/>
-                </a:lnTo>
-                <a:lnTo>
-                  <a:pt x="943" y="1189"/>
-                </a:lnTo>
-                <a:lnTo>
-                  <a:pt x="1123" y="1369"/>
-                </a:lnTo>
-                <a:lnTo>
-                  <a:pt x="1123" y="1369"/>
-                </a:lnTo>
-                <a:lnTo>
-                  <a:pt x="1127" y="1371"/>
-                </a:lnTo>
-                <a:lnTo>
-                  <a:pt x="1133" y="1374"/>
-                </a:lnTo>
-                <a:lnTo>
-                  <a:pt x="1139" y="1377"/>
-                </a:lnTo>
-                <a:lnTo>
-                  <a:pt x="1144" y="1377"/>
-                </a:lnTo>
-                <a:lnTo>
-                  <a:pt x="1150" y="1377"/>
-                </a:lnTo>
-                <a:lnTo>
-                  <a:pt x="1155" y="1374"/>
-                </a:lnTo>
-                <a:lnTo>
-                  <a:pt x="1161" y="1371"/>
-                </a:lnTo>
-                <a:lnTo>
-                  <a:pt x="1165" y="1369"/>
-                </a:lnTo>
-                <a:lnTo>
-                  <a:pt x="1345" y="1189"/>
-                </a:lnTo>
-                <a:lnTo>
-                  <a:pt x="5760" y="1189"/>
-                </a:lnTo>
-                <a:lnTo>
-                  <a:pt x="5760" y="0"/>
-                </a:lnTo>
-                <a:close/>
-              </a:path>
-            </a:pathLst>
-          </a:custGeom>
-          <a:solidFill>
-            <a:schemeClr val="tx1"/>
-          </a:solidFill>
-          <a:ln>
-            <a:noFill/>
-          </a:ln>
-          <a:extLst>
-            <a:ext uri="{91240B29-F687-4f45-9708-019B960494DF}">
-              <a14:hiddenLine xmlns="" xmlns:a16="http://schemas.microsoft.com/office/drawing/2014/main" xmlns:p14="http://schemas.microsoft.com/office/powerpoint/2010/main" xmlns:dgm="http://schemas.openxmlformats.org/drawingml/2006/diagram" xmlns:a14="http://schemas.microsoft.com/office/drawing/2010/main" w="9525">
-                <a:solidFill>
-                  <a:srgbClr val="000000"/>
-                </a:solidFill>
-                <a:round/>
-                <a:headEnd/>
-                <a:tailEnd/>
-              </a14:hiddenLine>
-            </a:ext>
-          </a:extLst>
-        </p:spPr>
-        <p:style>
-          <a:lnRef idx="1">
-            <a:schemeClr val="accent1"/>
-          </a:lnRef>
-          <a:fillRef idx="3">
-            <a:schemeClr val="accent1"/>
-          </a:fillRef>
-          <a:effectRef idx="2">
-            <a:schemeClr val="accent1"/>
-          </a:effectRef>
-          <a:fontRef idx="minor">
-            <a:schemeClr val="lt1"/>
-          </a:fontRef>
-        </p:style>
-      </p:sp>
       <p:sp>
         <p:nvSpPr>
           <p:cNvPr id="2" name="Titre 1">
@@ -20963,7 +24435,7 @@
             <p:ph idx="1"/>
             <p:extLst>
               <p:ext uri="{D42A27DB-BD31-4B8C-83A1-F6EECF244321}">
-                <p14:modId xmlns:p14="http://schemas.microsoft.com/office/powerpoint/2010/main" val="1232331558"/>
+                <p14:modId xmlns:p14="http://schemas.microsoft.com/office/powerpoint/2010/main" val="576639963"/>
               </p:ext>
             </p:extLst>
           </p:nvPr>
@@ -20991,13 +24463,13 @@
 </p:sld>
 </file>
 
-<file path=ppt/slides/slide8.xml><?xml version="1.0" encoding="utf-8"?>
+<file path=ppt/slides/slide9.xml><?xml version="1.0" encoding="utf-8"?>
 <p:sld xmlns:a="http://schemas.openxmlformats.org/drawingml/2006/main" xmlns:r="http://schemas.openxmlformats.org/officeDocument/2006/relationships" xmlns:p="http://schemas.openxmlformats.org/presentationml/2006/main">
   <p:cSld>
     <p:bg>
       <p:bgPr>
         <a:solidFill>
-          <a:schemeClr val="bg2"/>
+          <a:schemeClr val="bg1"/>
         </a:solidFill>
         <a:effectLst/>
       </p:bgPr>
@@ -21018,10 +24490,10 @@
       </p:grpSpPr>
       <p:sp>
         <p:nvSpPr>
-          <p:cNvPr id="19" name="Freeform 6">
+          <p:cNvPr id="21" name="Freeform 6">
             <a:extLst>
               <a:ext uri="{FF2B5EF4-FFF2-40B4-BE49-F238E27FC236}">
-                <a16:creationId xmlns:a16="http://schemas.microsoft.com/office/drawing/2014/main" id="{E446B7E6-8568-417F-959E-DB3D1E70F648}"/>
+                <a16:creationId xmlns:a16="http://schemas.microsoft.com/office/drawing/2014/main" id="{133F8CB7-795C-4272-9073-64D8CF97F220}"/>
               </a:ext>
               <a:ext uri="{C183D7F6-B498-43B3-948B-1728B52AA6E4}">
                 <adec:decorative xmlns:adec="http://schemas.microsoft.com/office/drawing/2017/decorative" val="1"/>
@@ -21139,6 +24611,276 @@
       </p:sp>
       <p:sp>
         <p:nvSpPr>
+          <p:cNvPr id="23" name="Rectangle 22">
+            <a:extLst>
+              <a:ext uri="{FF2B5EF4-FFF2-40B4-BE49-F238E27FC236}">
+                <a16:creationId xmlns:a16="http://schemas.microsoft.com/office/drawing/2014/main" id="{79277119-B941-4A45-9322-FA2BC135DE62}"/>
+              </a:ext>
+              <a:ext uri="{C183D7F6-B498-43B3-948B-1728B52AA6E4}">
+                <adec:decorative xmlns:adec="http://schemas.microsoft.com/office/drawing/2017/decorative" val="1"/>
+              </a:ext>
+            </a:extLst>
+          </p:cNvPr>
+          <p:cNvSpPr>
+            <a:spLocks noGrp="1" noRot="1" noChangeAspect="1" noMove="1" noResize="1" noEditPoints="1" noAdjustHandles="1" noChangeArrowheads="1" noChangeShapeType="1" noTextEdit="1"/>
+          </p:cNvSpPr>
+          <p:nvPr>
+            <p:extLst>
+              <p:ext uri="{386F3935-93C4-4BCD-93E2-E3B085C9AB24}">
+                <p16:designElem xmlns:p16="http://schemas.microsoft.com/office/powerpoint/2015/main" val="1"/>
+              </p:ext>
+            </p:extLst>
+          </p:nvPr>
+        </p:nvSpPr>
+        <p:spPr>
+          <a:xfrm>
+            <a:off x="0" y="0"/>
+            <a:ext cx="12192000" cy="6858000"/>
+          </a:xfrm>
+          <a:prstGeom prst="rect">
+            <a:avLst/>
+          </a:prstGeom>
+          <a:solidFill>
+            <a:schemeClr val="bg1"/>
+          </a:solidFill>
+          <a:ln>
+            <a:noFill/>
+          </a:ln>
+        </p:spPr>
+        <p:style>
+          <a:lnRef idx="2">
+            <a:schemeClr val="accent1">
+              <a:shade val="50000"/>
+            </a:schemeClr>
+          </a:lnRef>
+          <a:fillRef idx="1">
+            <a:schemeClr val="accent1"/>
+          </a:fillRef>
+          <a:effectRef idx="0">
+            <a:schemeClr val="accent1"/>
+          </a:effectRef>
+          <a:fontRef idx="minor">
+            <a:schemeClr val="lt1"/>
+          </a:fontRef>
+        </p:style>
+        <p:txBody>
+          <a:bodyPr rtlCol="0" anchor="ctr"/>
+          <a:lstStyle/>
+          <a:p>
+            <a:pPr algn="ctr"/>
+            <a:endParaRPr lang="en-US"/>
+          </a:p>
+        </p:txBody>
+      </p:sp>
+      <p:sp>
+        <p:nvSpPr>
+          <p:cNvPr id="25" name="Freeform 23">
+            <a:extLst>
+              <a:ext uri="{FF2B5EF4-FFF2-40B4-BE49-F238E27FC236}">
+                <a16:creationId xmlns:a16="http://schemas.microsoft.com/office/drawing/2014/main" id="{DFDB457D-F372-428B-A10D-41080EF9382A}"/>
+              </a:ext>
+              <a:ext uri="{C183D7F6-B498-43B3-948B-1728B52AA6E4}">
+                <adec:decorative xmlns:adec="http://schemas.microsoft.com/office/drawing/2017/decorative" val="1"/>
+              </a:ext>
+            </a:extLst>
+          </p:cNvPr>
+          <p:cNvSpPr>
+            <a:spLocks noGrp="1" noRot="1" noChangeAspect="1" noMove="1" noResize="1" noEditPoints="1" noAdjustHandles="1" noChangeArrowheads="1" noChangeShapeType="1" noTextEdit="1"/>
+          </p:cNvSpPr>
+          <p:nvPr>
+            <p:extLst>
+              <p:ext uri="{386F3935-93C4-4BCD-93E2-E3B085C9AB24}">
+                <p16:designElem xmlns:p16="http://schemas.microsoft.com/office/powerpoint/2015/main" val="1"/>
+              </p:ext>
+            </p:extLst>
+          </p:nvPr>
+        </p:nvSpPr>
+        <p:spPr bwMode="white">
+          <a:xfrm flipH="1">
+            <a:off x="7554995" y="0"/>
+            <a:ext cx="4637005" cy="6858000"/>
+          </a:xfrm>
+          <a:custGeom>
+            <a:avLst/>
+            <a:gdLst>
+              <a:gd name="connsiteX0" fmla="*/ 0 w 4637005"/>
+              <a:gd name="connsiteY0" fmla="*/ 0 h 6858000"/>
+              <a:gd name="connsiteX1" fmla="*/ 4637005 w 4637005"/>
+              <a:gd name="connsiteY1" fmla="*/ 0 h 6858000"/>
+              <a:gd name="connsiteX2" fmla="*/ 4637005 w 4637005"/>
+              <a:gd name="connsiteY2" fmla="*/ 1900238 h 6858000"/>
+              <a:gd name="connsiteX3" fmla="*/ 4266589 w 4637005"/>
+              <a:gd name="connsiteY3" fmla="*/ 2178050 h 6858000"/>
+              <a:gd name="connsiteX4" fmla="*/ 4262355 w 4637005"/>
+              <a:gd name="connsiteY4" fmla="*/ 2184400 h 6858000"/>
+              <a:gd name="connsiteX5" fmla="*/ 4256005 w 4637005"/>
+              <a:gd name="connsiteY5" fmla="*/ 2193925 h 6858000"/>
+              <a:gd name="connsiteX6" fmla="*/ 4249655 w 4637005"/>
+              <a:gd name="connsiteY6" fmla="*/ 2201863 h 6858000"/>
+              <a:gd name="connsiteX7" fmla="*/ 4249655 w 4637005"/>
+              <a:gd name="connsiteY7" fmla="*/ 2211388 h 6858000"/>
+              <a:gd name="connsiteX8" fmla="*/ 4249655 w 4637005"/>
+              <a:gd name="connsiteY8" fmla="*/ 2220913 h 6858000"/>
+              <a:gd name="connsiteX9" fmla="*/ 4256005 w 4637005"/>
+              <a:gd name="connsiteY9" fmla="*/ 2228850 h 6858000"/>
+              <a:gd name="connsiteX10" fmla="*/ 4262355 w 4637005"/>
+              <a:gd name="connsiteY10" fmla="*/ 2238375 h 6858000"/>
+              <a:gd name="connsiteX11" fmla="*/ 4266589 w 4637005"/>
+              <a:gd name="connsiteY11" fmla="*/ 2244725 h 6858000"/>
+              <a:gd name="connsiteX12" fmla="*/ 4637005 w 4637005"/>
+              <a:gd name="connsiteY12" fmla="*/ 2522538 h 6858000"/>
+              <a:gd name="connsiteX13" fmla="*/ 4637005 w 4637005"/>
+              <a:gd name="connsiteY13" fmla="*/ 6858000 h 6858000"/>
+              <a:gd name="connsiteX14" fmla="*/ 0 w 4637005"/>
+              <a:gd name="connsiteY14" fmla="*/ 6858000 h 6858000"/>
+            </a:gdLst>
+            <a:ahLst/>
+            <a:cxnLst>
+              <a:cxn ang="0">
+                <a:pos x="connsiteX0" y="connsiteY0"/>
+              </a:cxn>
+              <a:cxn ang="0">
+                <a:pos x="connsiteX1" y="connsiteY1"/>
+              </a:cxn>
+              <a:cxn ang="0">
+                <a:pos x="connsiteX2" y="connsiteY2"/>
+              </a:cxn>
+              <a:cxn ang="0">
+                <a:pos x="connsiteX3" y="connsiteY3"/>
+              </a:cxn>
+              <a:cxn ang="0">
+                <a:pos x="connsiteX4" y="connsiteY4"/>
+              </a:cxn>
+              <a:cxn ang="0">
+                <a:pos x="connsiteX5" y="connsiteY5"/>
+              </a:cxn>
+              <a:cxn ang="0">
+                <a:pos x="connsiteX6" y="connsiteY6"/>
+              </a:cxn>
+              <a:cxn ang="0">
+                <a:pos x="connsiteX7" y="connsiteY7"/>
+              </a:cxn>
+              <a:cxn ang="0">
+                <a:pos x="connsiteX8" y="connsiteY8"/>
+              </a:cxn>
+              <a:cxn ang="0">
+                <a:pos x="connsiteX9" y="connsiteY9"/>
+              </a:cxn>
+              <a:cxn ang="0">
+                <a:pos x="connsiteX10" y="connsiteY10"/>
+              </a:cxn>
+              <a:cxn ang="0">
+                <a:pos x="connsiteX11" y="connsiteY11"/>
+              </a:cxn>
+              <a:cxn ang="0">
+                <a:pos x="connsiteX12" y="connsiteY12"/>
+              </a:cxn>
+              <a:cxn ang="0">
+                <a:pos x="connsiteX13" y="connsiteY13"/>
+              </a:cxn>
+              <a:cxn ang="0">
+                <a:pos x="connsiteX14" y="connsiteY14"/>
+              </a:cxn>
+            </a:cxnLst>
+            <a:rect l="l" t="t" r="r" b="b"/>
+            <a:pathLst>
+              <a:path w="4637005" h="6858000">
+                <a:moveTo>
+                  <a:pt x="0" y="0"/>
+                </a:moveTo>
+                <a:lnTo>
+                  <a:pt x="4637005" y="0"/>
+                </a:lnTo>
+                <a:lnTo>
+                  <a:pt x="4637005" y="1900238"/>
+                </a:lnTo>
+                <a:lnTo>
+                  <a:pt x="4266589" y="2178050"/>
+                </a:lnTo>
+                <a:lnTo>
+                  <a:pt x="4262355" y="2184400"/>
+                </a:lnTo>
+                <a:lnTo>
+                  <a:pt x="4256005" y="2193925"/>
+                </a:lnTo>
+                <a:lnTo>
+                  <a:pt x="4249655" y="2201863"/>
+                </a:lnTo>
+                <a:lnTo>
+                  <a:pt x="4249655" y="2211388"/>
+                </a:lnTo>
+                <a:lnTo>
+                  <a:pt x="4249655" y="2220913"/>
+                </a:lnTo>
+                <a:lnTo>
+                  <a:pt x="4256005" y="2228850"/>
+                </a:lnTo>
+                <a:lnTo>
+                  <a:pt x="4262355" y="2238375"/>
+                </a:lnTo>
+                <a:lnTo>
+                  <a:pt x="4266589" y="2244725"/>
+                </a:lnTo>
+                <a:lnTo>
+                  <a:pt x="4637005" y="2522538"/>
+                </a:lnTo>
+                <a:lnTo>
+                  <a:pt x="4637005" y="6858000"/>
+                </a:lnTo>
+                <a:lnTo>
+                  <a:pt x="0" y="6858000"/>
+                </a:lnTo>
+                <a:close/>
+              </a:path>
+            </a:pathLst>
+          </a:custGeom>
+          <a:blipFill>
+            <a:blip r:embed="rId2">
+              <a:duotone>
+                <a:schemeClr val="accent1">
+                  <a:tint val="98000"/>
+                  <a:lumMod val="102000"/>
+                </a:schemeClr>
+                <a:schemeClr val="accent1">
+                  <a:shade val="98000"/>
+                  <a:lumMod val="98000"/>
+                </a:schemeClr>
+              </a:duotone>
+            </a:blip>
+            <a:tile tx="0" ty="0" sx="100000" sy="100000" flip="none" algn="tl"/>
+          </a:blipFill>
+          <a:ln>
+            <a:headEnd/>
+            <a:tailEnd/>
+          </a:ln>
+        </p:spPr>
+        <p:style>
+          <a:lnRef idx="1">
+            <a:schemeClr val="accent1"/>
+          </a:lnRef>
+          <a:fillRef idx="3">
+            <a:schemeClr val="accent1"/>
+          </a:fillRef>
+          <a:effectRef idx="2">
+            <a:schemeClr val="accent1"/>
+          </a:effectRef>
+          <a:fontRef idx="minor">
+            <a:schemeClr val="lt1"/>
+          </a:fontRef>
+        </p:style>
+        <p:txBody>
+          <a:bodyPr wrap="square" rtlCol="0" anchor="ctr">
+            <a:noAutofit/>
+          </a:bodyPr>
+          <a:lstStyle/>
+          <a:p>
+            <a:pPr algn="ctr"/>
+            <a:endParaRPr lang="en-US"/>
+          </a:p>
+        </p:txBody>
+      </p:sp>
+      <p:sp>
+        <p:nvSpPr>
           <p:cNvPr id="2" name="Titre 1">
             <a:extLst>
               <a:ext uri="{FF2B5EF4-FFF2-40B4-BE49-F238E27FC236}">
@@ -21155,18 +24897,18 @@
         </p:nvSpPr>
         <p:spPr>
           <a:xfrm>
-            <a:off x="810001" y="639097"/>
-            <a:ext cx="6446205" cy="3781101"/>
+            <a:off x="8134349" y="1819275"/>
+            <a:ext cx="3606137" cy="4222087"/>
           </a:xfrm>
         </p:spPr>
         <p:txBody>
-          <a:bodyPr vert="horz" lIns="91440" tIns="45720" rIns="91440" bIns="45720" rtlCol="0" anchor="b">
+          <a:bodyPr vert="horz" lIns="91440" tIns="45720" rIns="91440" bIns="45720" rtlCol="0" anchor="t">
             <a:normAutofit/>
           </a:bodyPr>
           <a:lstStyle/>
           <a:p>
             <a:r>
-              <a:rPr lang="en-US" sz="5400"/>
+              <a:rPr lang="en-US" sz="4400"/>
               <a:t>Audits (chrisd.fr)</a:t>
             </a:r>
           </a:p>
@@ -21189,18 +24931,26 @@
           </p:nvPr>
         </p:nvPicPr>
         <p:blipFill rotWithShape="1">
-          <a:blip r:embed="rId2"/>
+          <a:blip r:embed="rId3"/>
           <a:srcRect t="2675" r="-1" b="-1"/>
           <a:stretch/>
         </p:blipFill>
         <p:spPr>
           <a:xfrm>
-            <a:off x="7384648" y="10"/>
-            <a:ext cx="4807352" cy="6857990"/>
+            <a:off x="1947234" y="643467"/>
+            <a:ext cx="3660526" cy="5397896"/>
           </a:xfrm>
-          <a:prstGeom prst="rect">
-            <a:avLst/>
+          <a:prstGeom prst="roundRect">
+            <a:avLst>
+              <a:gd name="adj" fmla="val 3876"/>
+            </a:avLst>
           </a:prstGeom>
+          <a:ln>
+            <a:solidFill>
+              <a:schemeClr val="accent1"/>
+            </a:solidFill>
+          </a:ln>
+          <a:effectLst/>
         </p:spPr>
       </p:pic>
     </p:spTree>
@@ -21211,232 +24961,7 @@
     </p:extLst>
   </p:cSld>
   <p:clrMapOvr>
-    <a:masterClrMapping/>
-  </p:clrMapOvr>
-</p:sld>
-</file>
-
-<file path=ppt/slides/slide9.xml><?xml version="1.0" encoding="utf-8"?>
-<p:sld xmlns:a="http://schemas.openxmlformats.org/drawingml/2006/main" xmlns:r="http://schemas.openxmlformats.org/officeDocument/2006/relationships" xmlns:p="http://schemas.openxmlformats.org/presentationml/2006/main">
-  <p:cSld>
-    <p:bg>
-      <p:bgPr>
-        <a:solidFill>
-          <a:schemeClr val="bg2"/>
-        </a:solidFill>
-        <a:effectLst/>
-      </p:bgPr>
-    </p:bg>
-    <p:spTree>
-      <p:nvGrpSpPr>
-        <p:cNvPr id="1" name=""/>
-        <p:cNvGrpSpPr/>
-        <p:nvPr/>
-      </p:nvGrpSpPr>
-      <p:grpSpPr>
-        <a:xfrm>
-          <a:off x="0" y="0"/>
-          <a:ext cx="0" cy="0"/>
-          <a:chOff x="0" y="0"/>
-          <a:chExt cx="0" cy="0"/>
-        </a:xfrm>
-      </p:grpSpPr>
-      <p:sp>
-        <p:nvSpPr>
-          <p:cNvPr id="12" name="Freeform 6">
-            <a:extLst>
-              <a:ext uri="{FF2B5EF4-FFF2-40B4-BE49-F238E27FC236}">
-                <a16:creationId xmlns:a16="http://schemas.microsoft.com/office/drawing/2014/main" id="{E446B7E6-8568-417F-959E-DB3D1E70F648}"/>
-              </a:ext>
-              <a:ext uri="{C183D7F6-B498-43B3-948B-1728B52AA6E4}">
-                <adec:decorative xmlns:adec="http://schemas.microsoft.com/office/drawing/2017/decorative" val="1"/>
-              </a:ext>
-            </a:extLst>
-          </p:cNvPr>
-          <p:cNvSpPr>
-            <a:spLocks noGrp="1" noRot="1" noChangeAspect="1" noMove="1" noResize="1" noEditPoints="1" noAdjustHandles="1" noChangeArrowheads="1" noChangeShapeType="1" noTextEdit="1"/>
-          </p:cNvSpPr>
-          <p:nvPr>
-            <p:extLst>
-              <p:ext uri="{386F3935-93C4-4BCD-93E2-E3B085C9AB24}">
-                <p16:designElem xmlns:p16="http://schemas.microsoft.com/office/powerpoint/2015/main" val="1"/>
-              </p:ext>
-            </p:extLst>
-          </p:nvPr>
-        </p:nvSpPr>
-        <p:spPr bwMode="auto">
-          <a:xfrm>
-            <a:off x="0" y="-3175"/>
-            <a:ext cx="12192000" cy="5203825"/>
-          </a:xfrm>
-          <a:custGeom>
-            <a:avLst/>
-            <a:gdLst/>
-            <a:ahLst/>
-            <a:cxnLst/>
-            <a:rect l="0" t="0" r="r" b="b"/>
-            <a:pathLst>
-              <a:path w="5760" h="3278">
-                <a:moveTo>
-                  <a:pt x="5760" y="0"/>
-                </a:moveTo>
-                <a:lnTo>
-                  <a:pt x="0" y="0"/>
-                </a:lnTo>
-                <a:lnTo>
-                  <a:pt x="0" y="3090"/>
-                </a:lnTo>
-                <a:lnTo>
-                  <a:pt x="943" y="3090"/>
-                </a:lnTo>
-                <a:lnTo>
-                  <a:pt x="1123" y="3270"/>
-                </a:lnTo>
-                <a:lnTo>
-                  <a:pt x="1123" y="3270"/>
-                </a:lnTo>
-                <a:lnTo>
-                  <a:pt x="1127" y="3272"/>
-                </a:lnTo>
-                <a:lnTo>
-                  <a:pt x="1133" y="3275"/>
-                </a:lnTo>
-                <a:lnTo>
-                  <a:pt x="1139" y="3278"/>
-                </a:lnTo>
-                <a:lnTo>
-                  <a:pt x="1144" y="3278"/>
-                </a:lnTo>
-                <a:lnTo>
-                  <a:pt x="1150" y="3278"/>
-                </a:lnTo>
-                <a:lnTo>
-                  <a:pt x="1155" y="3275"/>
-                </a:lnTo>
-                <a:lnTo>
-                  <a:pt x="1161" y="3272"/>
-                </a:lnTo>
-                <a:lnTo>
-                  <a:pt x="1165" y="3270"/>
-                </a:lnTo>
-                <a:lnTo>
-                  <a:pt x="1345" y="3090"/>
-                </a:lnTo>
-                <a:lnTo>
-                  <a:pt x="5760" y="3090"/>
-                </a:lnTo>
-                <a:lnTo>
-                  <a:pt x="5760" y="0"/>
-                </a:lnTo>
-                <a:close/>
-              </a:path>
-            </a:pathLst>
-          </a:custGeom>
-          <a:ln/>
-          <a:effectLst/>
-          <a:extLst>
-            <a:ext uri="{91240B29-F687-4f45-9708-019B960494DF}">
-              <a14:hiddenLine xmlns="" xmlns:a16="http://schemas.microsoft.com/office/drawing/2014/main" xmlns:p14="http://schemas.microsoft.com/office/powerpoint/2010/main" xmlns:a14="http://schemas.microsoft.com/office/drawing/2010/main" w="9525">
-                <a:solidFill>
-                  <a:srgbClr val="000000"/>
-                </a:solidFill>
-                <a:round/>
-                <a:headEnd/>
-                <a:tailEnd/>
-              </a14:hiddenLine>
-            </a:ext>
-          </a:extLst>
-        </p:spPr>
-        <p:style>
-          <a:lnRef idx="1">
-            <a:schemeClr val="accent1"/>
-          </a:lnRef>
-          <a:fillRef idx="3">
-            <a:schemeClr val="accent1"/>
-          </a:fillRef>
-          <a:effectRef idx="2">
-            <a:schemeClr val="accent1"/>
-          </a:effectRef>
-          <a:fontRef idx="minor">
-            <a:schemeClr val="lt1"/>
-          </a:fontRef>
-        </p:style>
-      </p:sp>
-      <p:sp>
-        <p:nvSpPr>
-          <p:cNvPr id="2" name="Titre 1">
-            <a:extLst>
-              <a:ext uri="{FF2B5EF4-FFF2-40B4-BE49-F238E27FC236}">
-                <a16:creationId xmlns:a16="http://schemas.microsoft.com/office/drawing/2014/main" id="{C014EAF8-A500-D742-9A5E-E66BCE7DF094}"/>
-              </a:ext>
-            </a:extLst>
-          </p:cNvPr>
-          <p:cNvSpPr>
-            <a:spLocks noGrp="1"/>
-          </p:cNvSpPr>
-          <p:nvPr>
-            <p:ph type="title"/>
-          </p:nvPr>
-        </p:nvSpPr>
-        <p:spPr>
-          <a:xfrm>
-            <a:off x="810001" y="639097"/>
-            <a:ext cx="6446205" cy="3781101"/>
-          </a:xfrm>
-        </p:spPr>
-        <p:txBody>
-          <a:bodyPr vert="horz" lIns="91440" tIns="45720" rIns="91440" bIns="45720" rtlCol="0" anchor="b">
-            <a:normAutofit/>
-          </a:bodyPr>
-          <a:lstStyle/>
-          <a:p>
-            <a:r>
-              <a:rPr lang="en-US" sz="5400"/>
-              <a:t>Audits (hadil.chrisd.fr)</a:t>
-            </a:r>
-          </a:p>
-        </p:txBody>
-      </p:sp>
-      <p:pic>
-        <p:nvPicPr>
-          <p:cNvPr id="5" name="Espace réservé du contenu 4">
-            <a:extLst>
-              <a:ext uri="{FF2B5EF4-FFF2-40B4-BE49-F238E27FC236}">
-                <a16:creationId xmlns:a16="http://schemas.microsoft.com/office/drawing/2014/main" id="{E82596D5-AA37-204D-BAE3-F149A6412278}"/>
-              </a:ext>
-            </a:extLst>
-          </p:cNvPr>
-          <p:cNvPicPr>
-            <a:picLocks noGrp="1" noChangeAspect="1"/>
-          </p:cNvPicPr>
-          <p:nvPr>
-            <p:ph idx="1"/>
-          </p:nvPr>
-        </p:nvPicPr>
-        <p:blipFill rotWithShape="1">
-          <a:blip r:embed="rId2"/>
-          <a:srcRect t="4149" r="-1" b="-1"/>
-          <a:stretch/>
-        </p:blipFill>
-        <p:spPr>
-          <a:xfrm>
-            <a:off x="7541342" y="10"/>
-            <a:ext cx="4650658" cy="6857990"/>
-          </a:xfrm>
-          <a:prstGeom prst="rect">
-            <a:avLst/>
-          </a:prstGeom>
-        </p:spPr>
-      </p:pic>
-    </p:spTree>
-    <p:extLst>
-      <p:ext uri="{BB962C8B-B14F-4D97-AF65-F5344CB8AC3E}">
-        <p14:creationId xmlns:p14="http://schemas.microsoft.com/office/powerpoint/2010/main" val="717458207"/>
-      </p:ext>
-    </p:extLst>
-  </p:cSld>
-  <p:clrMapOvr>
-    <a:masterClrMapping/>
+    <a:overrideClrMapping bg1="lt1" tx1="dk1" bg2="lt2" tx2="dk2" accent1="accent1" accent2="accent2" accent3="accent3" accent4="accent4" accent5="accent5" accent6="accent6" hlink="hlink" folHlink="folHlink"/>
   </p:clrMapOvr>
 </p:sld>
 </file>
@@ -21444,7 +24969,7 @@
 <file path=ppt/theme/theme1.xml><?xml version="1.0" encoding="utf-8"?>
 <a:theme xmlns:a="http://schemas.openxmlformats.org/drawingml/2006/main" name="Concis">
   <a:themeElements>
-    <a:clrScheme name="Quotable">
+    <a:clrScheme name="Concis">
       <a:dk1>
         <a:sysClr val="windowText" lastClr="000000"/>
       </a:dk1>
@@ -21482,7 +25007,7 @@
         <a:srgbClr val="A5A5A5"/>
       </a:folHlink>
     </a:clrScheme>
-    <a:fontScheme name="Quotable">
+    <a:fontScheme name="Concis">
       <a:majorFont>
         <a:latin typeface="Century Gothic" panose="020B0502020202020204"/>
         <a:ea typeface=""/>
@@ -21554,7 +25079,7 @@
         <a:font script="Geor" typeface="Sylfaen"/>
       </a:minorFont>
     </a:fontScheme>
-    <a:fmtScheme name="Quotable">
+    <a:fmtScheme name="Concis">
       <a:fillStyleLst>
         <a:solidFill>
           <a:schemeClr val="phClr"/>
